--- a/lectures/lecture-10/Lecture 10 - Lecture.pptx
+++ b/lectures/lecture-10/Lecture 10 - Lecture.pptx
@@ -177,6 +177,1131 @@
           <inkml:channelProperty channel="OE" name="resolution" value="1000" units="1/deg"/>
         </inkml:channelProperties>
       </inkml:inkSource>
+      <inkml:timestamp xml:id="ts0" timeString="2021-08-17T16:30:46.321"/>
+    </inkml:context>
+    <inkml:brush xml:id="br0">
+      <inkml:brushProperty name="width" value="0.05" units="cm"/>
+      <inkml:brushProperty name="height" value="0.05" units="cm"/>
+      <inkml:brushProperty name="color" value="#FF0066"/>
+    </inkml:brush>
+  </inkml:definitions>
+  <inkml:trace contextRef="#ctx0" brushRef="#br0">54 68 1840 0 0,'0'0'3235'0'0,"-13"-15"394"0"0,1 7-1028 0 0,10 6-2208 0 0,0 1 0 0 0,-1-1 0 0 0,1 1 0 0 0,0 0 0 0 0,0-1 0 0 0,-13 2 8425 0 0,14 0-8716 0 0,10 10 1600 0 0,-7-8-1629 0 0,1 0 1 0 0,-1 0 0 0 0,1 0 0 0 0,-1 0 0 0 0,1-1-1 0 0,0 1 1 0 0,0 0 0 0 0,3 0 0 0 0,19 3 184 0 0,0-2 1 0 0,1-1-1 0 0,-1-1 1 0 0,38-4 0 0 0,101-18 680 0 0,-142 17-833 0 0,74-14 414 0 0,-55 9-213 0 0,0 1 0 0 0,73-3-1 0 0,-96 12-197 0 0,-1 1 0 0 0,0 1 1 0 0,19 4-1 0 0,-2 0 1 0 0,-11-3 28 0 0,0-1 1 0 0,0-1 0 0 0,0-1-1 0 0,26-2 1 0 0,-15 0 111 0 0,-23 2-135 0 0,1-2 0 0 0,15-1 0 0 0,28-2 146 0 0,-53 3-274 0 0,1 0-1 0 0,0 1 0 0 0,0-1 1 0 0,0 0-1 0 0,-1 0 1 0 0,5-3-1 0 0,-6 4-194 0 0,3 0-957 0 0</inkml:trace>
+</inkml:ink>
+</file>
+
+<file path=ppt/ink/ink10.xml><?xml version="1.0" encoding="utf-8"?>
+<inkml:ink xmlns:inkml="http://www.w3.org/2003/InkML">
+  <inkml:definitions>
+    <inkml:context xml:id="ctx0">
+      <inkml:inkSource xml:id="inkSrc0">
+        <inkml:traceFormat>
+          <inkml:channel name="X" type="integer" min="-2.14748E9" max="2.14748E9" units="cm"/>
+          <inkml:channel name="Y" type="integer" min="-2.14748E9" max="2.14748E9" units="cm"/>
+          <inkml:channel name="F" type="integer" max="32767" units="dev"/>
+          <inkml:channel name="OA" type="integer" max="360" units="deg"/>
+          <inkml:channel name="OE" type="integer" max="90" units="deg"/>
+        </inkml:traceFormat>
+        <inkml:channelProperties>
+          <inkml:channelProperty channel="X" name="resolution" value="1000" units="1/cm"/>
+          <inkml:channelProperty channel="Y" name="resolution" value="1000" units="1/cm"/>
+          <inkml:channelProperty channel="F" name="resolution" value="0" units="1/dev"/>
+          <inkml:channelProperty channel="OA" name="resolution" value="1000" units="1/deg"/>
+          <inkml:channelProperty channel="OE" name="resolution" value="1000" units="1/deg"/>
+        </inkml:channelProperties>
+      </inkml:inkSource>
+      <inkml:timestamp xml:id="ts0" timeString="2021-08-17T16:31:30.420"/>
+    </inkml:context>
+    <inkml:brush xml:id="br0">
+      <inkml:brushProperty name="width" value="0.05" units="cm"/>
+      <inkml:brushProperty name="height" value="0.05" units="cm"/>
+      <inkml:brushProperty name="color" value="#FF0066"/>
+    </inkml:brush>
+  </inkml:definitions>
+  <inkml:trace contextRef="#ctx0" brushRef="#br0">1 54 6912 0 0,'0'-16'1086'0'0,"0"-13"13071"0"0,0 30-13930 0 0,13 98 60 0 0,-5-27-239 0 0,-6-59-29 0 0,11 54-39 0 0,-11-60 60 0 0,0-1 1 0 0,0 1-1 0 0,1 0 1 0 0,0-1-1 0 0,0 0 0 0 0,1 0 1 0 0,5 9-1 0 0,-8-14-15 0 0,0 0 0 0 0,0 0-1 0 0,-1-1 1 0 0,1 1 0 0 0,0 0 0 0 0,0 0-1 0 0,0-1 1 0 0,0 1 0 0 0,0-1 0 0 0,0 1-1 0 0,0 0 1 0 0,0-1 0 0 0,0 0-1 0 0,0 1 1 0 0,0-1 0 0 0,0 0 0 0 0,0 1-1 0 0,0-1 1 0 0,1 0 0 0 0,-1 0 0 0 0,0 0-1 0 0,1 0 1 0 0,0-1 37 0 0,1 1 0 0 0,-1-1 0 0 0,0 1 0 0 0,0-1 0 0 0,0 0 0 0 0,0 0 0 0 0,0 0 0 0 0,-1 0 0 0 0,1 0 0 0 0,3-4 0 0 0,3-2 263 0 0,0-1 1 0 0,-1 0-1 0 0,10-15 0 0 0,-15 20-261 0 0,24-39 573 0 0,-1-1 0 0 0,21-51 0 0 0,-11 19-2656 0 0,-27 59 1007 0 0</inkml:trace>
+</inkml:ink>
+</file>
+
+<file path=ppt/ink/ink11.xml><?xml version="1.0" encoding="utf-8"?>
+<inkml:ink xmlns:inkml="http://www.w3.org/2003/InkML">
+  <inkml:definitions>
+    <inkml:context xml:id="ctx0">
+      <inkml:inkSource xml:id="inkSrc0">
+        <inkml:traceFormat>
+          <inkml:channel name="X" type="integer" min="-2.14748E9" max="2.14748E9" units="cm"/>
+          <inkml:channel name="Y" type="integer" min="-2.14748E9" max="2.14748E9" units="cm"/>
+          <inkml:channel name="F" type="integer" max="32767" units="dev"/>
+          <inkml:channel name="OA" type="integer" max="360" units="deg"/>
+          <inkml:channel name="OE" type="integer" max="90" units="deg"/>
+        </inkml:traceFormat>
+        <inkml:channelProperties>
+          <inkml:channelProperty channel="X" name="resolution" value="1000" units="1/cm"/>
+          <inkml:channelProperty channel="Y" name="resolution" value="1000" units="1/cm"/>
+          <inkml:channelProperty channel="F" name="resolution" value="0" units="1/dev"/>
+          <inkml:channelProperty channel="OA" name="resolution" value="1000" units="1/deg"/>
+          <inkml:channelProperty channel="OE" name="resolution" value="1000" units="1/deg"/>
+        </inkml:channelProperties>
+      </inkml:inkSource>
+      <inkml:timestamp xml:id="ts0" timeString="2021-08-17T16:31:30.808"/>
+    </inkml:context>
+    <inkml:brush xml:id="br0">
+      <inkml:brushProperty name="width" value="0.05" units="cm"/>
+      <inkml:brushProperty name="height" value="0.05" units="cm"/>
+      <inkml:brushProperty name="color" value="#FF0066"/>
+    </inkml:brush>
+  </inkml:definitions>
+  <inkml:trace contextRef="#ctx0" brushRef="#br0">67 321 15664 0 0,'-4'7'428'0'0,"-1"0"0"0"0,1 0 0 0 0,0 1 0 0 0,1-1 0 0 0,-1 1 0 0 0,1 0 0 0 0,1-1 1 0 0,-2 10-1 0 0,-15 86 2712 0 0,7-32-2798 0 0,12-71-341 0 0,-1 2-133 0 0,1 0-1 0 0,0 1 1 0 0,-1-1 0 0 0,1 0 0 0 0,0 0 0 0 0,0 0 0 0 0,0 1-1 0 0,0-1 1 0 0,0 0 0 0 0,2 4 0 0 0</inkml:trace>
+  <inkml:trace contextRef="#ctx0" brushRef="#br0" timeOffset="1">158 40 14280 0 0,'-5'-12'632'0'0,"2"7"136"0"0,-3 0-616 0 0,0-3-152 0 0,1 3 0 0 0,-1 1 1151 0 0,1 4 3017 0 0,-2 2-4712 0 0,5 3-384 0 0,-1 3-72 0 0,3 2-6575 0 0</inkml:trace>
+</inkml:ink>
+</file>
+
+<file path=ppt/ink/ink12.xml><?xml version="1.0" encoding="utf-8"?>
+<inkml:ink xmlns:inkml="http://www.w3.org/2003/InkML">
+  <inkml:definitions>
+    <inkml:context xml:id="ctx0">
+      <inkml:inkSource xml:id="inkSrc0">
+        <inkml:traceFormat>
+          <inkml:channel name="X" type="integer" min="-2.14748E9" max="2.14748E9" units="cm"/>
+          <inkml:channel name="Y" type="integer" min="-2.14748E9" max="2.14748E9" units="cm"/>
+          <inkml:channel name="F" type="integer" max="32767" units="dev"/>
+          <inkml:channel name="OA" type="integer" max="360" units="deg"/>
+          <inkml:channel name="OE" type="integer" max="90" units="deg"/>
+        </inkml:traceFormat>
+        <inkml:channelProperties>
+          <inkml:channelProperty channel="X" name="resolution" value="1000" units="1/cm"/>
+          <inkml:channelProperty channel="Y" name="resolution" value="1000" units="1/cm"/>
+          <inkml:channelProperty channel="F" name="resolution" value="0" units="1/dev"/>
+          <inkml:channelProperty channel="OA" name="resolution" value="1000" units="1/deg"/>
+          <inkml:channelProperty channel="OE" name="resolution" value="1000" units="1/deg"/>
+        </inkml:channelProperties>
+      </inkml:inkSource>
+      <inkml:timestamp xml:id="ts0" timeString="2021-08-17T16:31:31.587"/>
+    </inkml:context>
+    <inkml:brush xml:id="br0">
+      <inkml:brushProperty name="width" value="0.05" units="cm"/>
+      <inkml:brushProperty name="height" value="0.05" units="cm"/>
+      <inkml:brushProperty name="color" value="#FF0066"/>
+    </inkml:brush>
+  </inkml:definitions>
+  <inkml:trace contextRef="#ctx0" brushRef="#br0">137 317 15520 0 0,'0'0'1407'0'0,"-5"3"-1135"0"0,-2 1-2 0 0,0 1-1 0 0,0 0 0 0 0,1 0 1 0 0,0 1-1 0 0,0 0 0 0 0,1 0 0 0 0,-9 12 1 0 0,5-5-34 0 0,1 0 1 0 0,0 0-1 0 0,-8 21 0 0 0,12-24-135 0 0,-2 5 191 0 0,0 0 0 0 0,1 0 0 0 0,-4 22 0 0 0,8-33-216 0 0,1-1 0 0 0,-1 1 1 0 0,1-1-1 0 0,0 0 0 0 0,0 1 1 0 0,0-1-1 0 0,0 1 0 0 0,1-1 0 0 0,-1 1 1 0 0,1-1-1 0 0,0 0 0 0 0,0 1 0 0 0,0-1 1 0 0,1 0-1 0 0,-1 0 0 0 0,1 0 1 0 0,-1 0-1 0 0,1 0 0 0 0,0 0 0 0 0,0 0 1 0 0,5 4-1 0 0,-5-6-37 0 0,-1 1 0 0 0,1-1 0 0 0,0 0-1 0 0,0 0 1 0 0,0 0 0 0 0,0-1 0 0 0,0 1 0 0 0,0 0 0 0 0,0-1 0 0 0,0 1-1 0 0,0-1 1 0 0,1 0 0 0 0,-1 0 0 0 0,0 0 0 0 0,0 0 0 0 0,0 0 0 0 0,0 0-1 0 0,0 0 1 0 0,1-1 0 0 0,-1 1 0 0 0,0-1 0 0 0,0 0 0 0 0,0 1 0 0 0,0-1 0 0 0,0 0-1 0 0,0 0 1 0 0,-1 0 0 0 0,4-2 0 0 0,2-2 96 0 0,0-1 0 0 0,0 1 0 0 0,0-1 0 0 0,0 0 0 0 0,7-10 0 0 0,52-72 579 0 0,-57 75-724 0 0,0-2-1 0 0,-2 1 1 0 0,1-1 0 0 0,8-28 0 0 0,-6 10-190 0 0,2-6 1102 0 0,11-66 0 0 0,-12-5-737 0 0,-8 84-69 0 0,-1 18-12 0 0,-2 1 1 0 0,1-1 0 0 0,-1 0 0 0 0,0 1 0 0 0,0-1 0 0 0,-2-10-1 0 0,2 17-62 0 0,-1 1-1 0 0,1 0 0 0 0,0-1 0 0 0,0 1 0 0 0,0 0 0 0 0,0 0 0 0 0,0-1 0 0 0,0 1 0 0 0,-1 0 0 0 0,1-1 0 0 0,0 1 0 0 0,0 0 1 0 0,0 0-1 0 0,-1 0 0 0 0,1-1 0 0 0,0 1 0 0 0,0 0 0 0 0,-1 0 0 0 0,1 0 0 0 0,0-1 0 0 0,0 1 0 0 0,-1 0 0 0 0,1 0 0 0 0,0 0 0 0 0,-1 0 1 0 0,1 0-1 0 0,0 0 0 0 0,0 0 0 0 0,-1 0 0 0 0,1 0 0 0 0,0 0 0 0 0,-1 0 0 0 0,1 0 0 0 0,0 0 0 0 0,-1 0 0 0 0,1 0 0 0 0,0 0 0 0 0,-1 0 1 0 0,1 0-1 0 0,0 0 0 0 0,0 0 0 0 0,-1 0 0 0 0,1 0 0 0 0,0 1 0 0 0,-1-1 0 0 0,1 0 0 0 0,0 0 0 0 0,0 0 0 0 0,-1 1 0 0 0,1-1 1 0 0,0 0-1 0 0,-13 13 42 0 0,7-3-60 0 0,1-1-1 0 0,1 1 0 0 0,0 0 1 0 0,0 1-1 0 0,1-1 0 0 0,0 0 0 0 0,-1 12 1 0 0,-5 76-7 0 0,8-77 4 0 0,1-1-1 0 0,1 0 1 0 0,1 0 0 0 0,1 0-1 0 0,1 0 1 0 0,9 29-1 0 0,-10-39 2 0 0,1 0 0 0 0,0 0 0 0 0,0-1 0 0 0,1 0 0 0 0,1 1 0 0 0,0-1 0 0 0,0-1 0 0 0,0 1-1 0 0,1-1 1 0 0,0-1 0 0 0,1 1 0 0 0,0-1 0 0 0,0 0 0 0 0,10 5 0 0 0,-11-8 22 0 0,1 0 1 0 0,0-1-1 0 0,-1 0 1 0 0,2 0-1 0 0,-1-1 1 0 0,0 0-1 0 0,0 0 1 0 0,1-1-1 0 0,-1 0 1 0 0,1-1-1 0 0,-1 0 1 0 0,1 0-1 0 0,-1 0 1 0 0,1-1-1 0 0,16-5 1 0 0,-14 4 29 0 0,0 0 0 0 0,-1-1 0 0 0,1-1 0 0 0,0 0 0 0 0,-1 0 0 0 0,0-1 0 0 0,0 0 0 0 0,18-13 0 0 0,-18 10 0 0 0,3-2 33 0 0,-1 0 0 0 0,0-1 0 0 0,0 0 0 0 0,17-22 0 0 0,-28 32-74 0 0,-1 0-9 0 0,0 1 1 0 0,0 0 0 0 0,1-1 0 0 0,-1 1-1 0 0,0-1 1 0 0,0 1 0 0 0,1-1 0 0 0,-1 1-1 0 0,0-1 1 0 0,0 1 0 0 0,0 0 0 0 0,0-1-1 0 0,0 1 1 0 0,0-1 0 0 0,0 1 0 0 0,0-1-1 0 0,0 1 1 0 0,0-1 0 0 0,0 1 0 0 0,0-1-1 0 0,-16 1 281 0 0,12 2-250 0 0,0 0-1 0 0,0 1 0 0 0,0-1 0 0 0,1 1 1 0 0,0 0-1 0 0,-1 0 0 0 0,1 0 1 0 0,0 0-1 0 0,1 1 0 0 0,-1-1 0 0 0,-3 7 1 0 0,-3 2-166 0 0,1-1 150 0 0,1-1 0 0 0,1 1 1 0 0,-1 0-1 0 0,2 0 0 0 0,0 1 0 0 0,0-1 0 0 0,1 1 0 0 0,0 0 0 0 0,1 1 0 0 0,1-1 0 0 0,0 0 0 0 0,-1 18 0 0 0,3-27-17 0 0,0-1 1 0 0,0 0-1 0 0,0 1 0 0 0,0-1 1 0 0,0 0-1 0 0,1 1 1 0 0,-1-1-1 0 0,1 0 0 0 0,0 1 1 0 0,-1-1-1 0 0,1 0 0 0 0,0 0 1 0 0,0 0-1 0 0,1 0 0 0 0,-1 0 1 0 0,0 0-1 0 0,1 0 1 0 0,-1 0-1 0 0,1-1 0 0 0,-1 1 1 0 0,1 0-1 0 0,0-1 0 0 0,0 1 1 0 0,0-1-1 0 0,0 0 0 0 0,0 0 1 0 0,0 0-1 0 0,0 0 1 0 0,0 0-1 0 0,0 0 0 0 0,1 0 1 0 0,-1-1-1 0 0,0 1 0 0 0,1-1 1 0 0,-1 1-1 0 0,0-1 0 0 0,1 0 1 0 0,-1 0-1 0 0,0 0 0 0 0,1 0 1 0 0,-1-1-1 0 0,0 1 1 0 0,0-1-1 0 0,1 1 0 0 0,-1-1 1 0 0,3-1-1 0 0,9-4-106 0 0,-1 0-1 0 0,0-2 1 0 0,0 1-1 0 0,0-1 1 0 0,-1-1-1 0 0,14-13 1 0 0,64-70-3530 0 0,-62 62 1895 0 0,-10 11 537 0 0,43-49-2182 0 0,-52 56 3027 0 0,-1 1 0 0 0,0-1 1 0 0,-1-1-1 0 0,8-16 0 0 0,-14 28 377 0 0,-1-1 0 0 0,1 1 1 0 0,-1 0-1 0 0,0 0 0 0 0,1 0 1 0 0,-1-1-1 0 0,0 1 1 0 0,0 0-1 0 0,0 0 0 0 0,0-1 1 0 0,0 1-1 0 0,0 0 0 0 0,0 0 1 0 0,0-2-1 0 0,0 2 33 0 0,-1 1 1 0 0,1-1-1 0 0,0 1 1 0 0,-1-1-1 0 0,1 0 1 0 0,0 1-1 0 0,-1-1 1 0 0,1 1-1 0 0,-1-1 1 0 0,1 1-1 0 0,-1-1 1 0 0,1 1-1 0 0,-1 0 1 0 0,1-1-1 0 0,-1 1 1 0 0,1-1-1 0 0,-1 1 1 0 0,0 0-1 0 0,0-1 1 0 0,-1 1 117 0 0,0-1 0 0 0,0 1 1 0 0,0 0-1 0 0,0 0 0 0 0,-1 0 1 0 0,1 0-1 0 0,0 0 0 0 0,0 0 1 0 0,0 0-1 0 0,0 1 0 0 0,0-1 1 0 0,0 1-1 0 0,0 0 0 0 0,0-1 1 0 0,-2 3-1 0 0,-7 2 150 0 0,0 2 0 0 0,1 0 1 0 0,0 0-1 0 0,1 1 0 0 0,-1 0 0 0 0,2 1 0 0 0,-1-1 0 0 0,1 2 1 0 0,0-1-1 0 0,1 1 0 0 0,0 1 0 0 0,1-1 0 0 0,0 1 1 0 0,-5 12-1 0 0,8-15-198 0 0,0 0 1 0 0,1 1 0 0 0,0-1-1 0 0,0 0 1 0 0,1 1 0 0 0,0-1-1 0 0,1 1 1 0 0,-1-1 0 0 0,2 12-1 0 0,0-14 46 0 0,1 1-1 0 0,-1 0 1 0 0,1-1-1 0 0,0 1 1 0 0,0-1-1 0 0,1 1 1 0 0,0-1-1 0 0,0 0 0 0 0,1 0 1 0 0,-1 0-1 0 0,1-1 1 0 0,7 8-1 0 0,-8-9-144 0 0,1-1 0 0 0,-1 0 0 0 0,0 0 0 0 0,1 0 0 0 0,0 0 0 0 0,0-1 0 0 0,0 1 0 0 0,0-1 0 0 0,0 0 0 0 0,0 0 0 0 0,0-1 0 0 0,1 1 0 0 0,-1-1 0 0 0,1 0 0 0 0,-1 0 0 0 0,1 0 0 0 0,-1-1 0 0 0,1 1 0 0 0,0-1 0 0 0,-1 0 0 0 0,1-1 0 0 0,-1 1 0 0 0,1-1 0 0 0,-1 0 0 0 0,1 0 0 0 0,-1 0 0 0 0,1-1 0 0 0,-1 0 0 0 0,0 0-1 0 0,0 0 1 0 0,0 0 0 0 0,0 0 0 0 0,0-1 0 0 0,6-5 0 0 0,-1 0-50 0 0,-1 0 0 0 0,0-1 0 0 0,0 0 0 0 0,-1 0 0 0 0,0-1 0 0 0,0 0 0 0 0,-1 0-1 0 0,-1-1 1 0 0,0 0 0 0 0,0 0 0 0 0,-1 0 0 0 0,0 0 0 0 0,-1-1 0 0 0,0 1 0 0 0,-1-1 0 0 0,-1 0-1 0 0,1 0 1 0 0,-2 0 0 0 0,0 0 0 0 0,-1-13 0 0 0,-1 16-63 0 0,-4-30-2360 0 0,4 32 890 0 0,1 0 0 0 0,-1 1-1 0 0,-5-11 1 0 0,-10-12-8330 0 0</inkml:trace>
+</inkml:ink>
+</file>
+
+<file path=ppt/ink/ink13.xml><?xml version="1.0" encoding="utf-8"?>
+<inkml:ink xmlns:inkml="http://www.w3.org/2003/InkML">
+  <inkml:definitions>
+    <inkml:context xml:id="ctx0">
+      <inkml:inkSource xml:id="inkSrc0">
+        <inkml:traceFormat>
+          <inkml:channel name="X" type="integer" min="-2.14748E9" max="2.14748E9" units="cm"/>
+          <inkml:channel name="Y" type="integer" min="-2.14748E9" max="2.14748E9" units="cm"/>
+          <inkml:channel name="F" type="integer" max="32767" units="dev"/>
+          <inkml:channel name="OA" type="integer" max="360" units="deg"/>
+          <inkml:channel name="OE" type="integer" max="90" units="deg"/>
+        </inkml:traceFormat>
+        <inkml:channelProperties>
+          <inkml:channelProperty channel="X" name="resolution" value="1000" units="1/cm"/>
+          <inkml:channelProperty channel="Y" name="resolution" value="1000" units="1/cm"/>
+          <inkml:channelProperty channel="F" name="resolution" value="0" units="1/dev"/>
+          <inkml:channelProperty channel="OA" name="resolution" value="1000" units="1/deg"/>
+          <inkml:channelProperty channel="OE" name="resolution" value="1000" units="1/deg"/>
+        </inkml:channelProperties>
+      </inkml:inkSource>
+      <inkml:timestamp xml:id="ts0" timeString="2021-08-17T16:31:21.312"/>
+    </inkml:context>
+    <inkml:brush xml:id="br0">
+      <inkml:brushProperty name="width" value="0.05" units="cm"/>
+      <inkml:brushProperty name="height" value="0.05" units="cm"/>
+      <inkml:brushProperty name="color" value="#FF0066"/>
+    </inkml:brush>
+  </inkml:definitions>
+  <inkml:trace contextRef="#ctx0" brushRef="#br0">1 4 5296 0 0,'5'0'11529'0'0,"1"0"-8355"0"0,10 3-1052 0 0,-14-2-2047 0 0,0-1 1 0 0,0 1-1 0 0,0-1 0 0 0,0 0 1 0 0,0 1-1 0 0,0-1 0 0 0,0 0 1 0 0,0 0-1 0 0,0 0 1 0 0,2-1-1 0 0,1 0 131 0 0,0 1 0 0 0,-1 0 1 0 0,1 0-1 0 0,0 0 0 0 0,-1 0 1 0 0,10 3-1 0 0,13 0 383 0 0,-24-3-518 0 0,0 1 1 0 0,0-1-1 0 0,1 1 0 0 0,-1 0 0 0 0,0 0 0 0 0,0 0 1 0 0,0 0-1 0 0,3 2 0 0 0,18 6 80 0 0,25 3 92 0 0,-3-5 391 0 0,-28-4-491 0 0,-1-1 0 0 0,1 0-1 0 0,30-2 1 0 0,13 0 158 0 0,-28 0-202 0 0,3 2-72 0 0,-19-1 3 0 0,0-1 0 0 0,17-2 0 0 0,1-1 17 0 0,-1 1-1 0 0,50 5 0 0 0,-25 2-50 0 0,-14-1 194 0 0,83-1 0 0 0,-89-8 54 0 0,-2 0-1 0 0,56-17 1 0 0,-61 15-182 0 0,1 1 0 0 0,61-2 0 0 0,-67 6-51 0 0,95-3 53 0 0,-91 2-61 0 0,14 0 22 0 0,48 1 0 0 0,-56 3-16 0 0,94 8-15 0 0,16-1 421 0 0,-3-1-67 0 0,-85 4-567 0 0,-34-6 618 0 0,26 2-1 0 0,-21-2-180 0 0,13-1 67 0 0,-39-3-230 0 0,1-1-1 0 0,-1 0 1 0 0,1-1 0 0 0,-1 1-1 0 0,1-1 1 0 0,-1 0 0 0 0,1 0-1 0 0,4-3 1 0 0,0 1 23 0 0,-1 1 1 0 0,1 0-1 0 0,16-2 1 0 0,-8 1-4 0 0,13 3 53 0 0,-20 1-116 0 0,-9 0-12 0 0,0-1 0 0 0,0 1 0 0 0,0-1 0 0 0,-1 1 0 0 0,1-1 0 0 0,0 1 0 0 0,0-1-1 0 0,0 1 1 0 0,0-1 0 0 0,0 0 0 0 0,0 1 0 0 0,0-1 0 0 0,0 0 0 0 0,2 0 0 0 0,0 2 11 0 0,-3-2-8 0 0,1 1 0 0 0,-1-1 0 0 0,0 0 0 0 0,1 0 1 0 0,-1 0-1 0 0,1 0 0 0 0,-1 0 0 0 0,0 0 0 0 0,1 0 0 0 0,-1 0 1 0 0,0 0-1 0 0,1 0 0 0 0,-1 0 0 0 0,1 0 0 0 0,-1 0 1 0 0,0 0-1 0 0,1 0 0 0 0,-1 0 0 0 0,0 0 0 0 0,1 0 0 0 0,-1 0 1 0 0,1 0-1 0 0,-1-1 0 0 0,0 1 0 0 0,1 0 0 0 0,-1 0 0 0 0,0 0 1 0 0,0-1-1 0 0,1 1 0 0 0,-1 0 0 0 0,0 0 0 0 0,1-1 1 0 0,-1 1-1 0 0,0-1 0 0 0,5-9 56 0 0,-6 10-88 0 0,1-1 0 0 0,-1 1-1 0 0,0-1 1 0 0,1 1-1 0 0,-1-1 1 0 0,0 1 0 0 0,0 0-1 0 0,0 0 1 0 0,1-1-1 0 0,-1 1 1 0 0,0 0 0 0 0,0 0-1 0 0,0 0 1 0 0,0 0-1 0 0,1 0 1 0 0,-1 0 0 0 0,0 0-1 0 0,0 0 1 0 0,-1 0 0 0 0,2 0-65 0 0,-20 3-3378 0 0</inkml:trace>
+</inkml:ink>
+</file>
+
+<file path=ppt/ink/ink14.xml><?xml version="1.0" encoding="utf-8"?>
+<inkml:ink xmlns:inkml="http://www.w3.org/2003/InkML">
+  <inkml:definitions>
+    <inkml:context xml:id="ctx0">
+      <inkml:inkSource xml:id="inkSrc0">
+        <inkml:traceFormat>
+          <inkml:channel name="X" type="integer" min="-2.14748E9" max="2.14748E9" units="cm"/>
+          <inkml:channel name="Y" type="integer" min="-2.14748E9" max="2.14748E9" units="cm"/>
+          <inkml:channel name="F" type="integer" max="32767" units="dev"/>
+          <inkml:channel name="OA" type="integer" max="360" units="deg"/>
+          <inkml:channel name="OE" type="integer" max="90" units="deg"/>
+        </inkml:traceFormat>
+        <inkml:channelProperties>
+          <inkml:channelProperty channel="X" name="resolution" value="1000" units="1/cm"/>
+          <inkml:channelProperty channel="Y" name="resolution" value="1000" units="1/cm"/>
+          <inkml:channelProperty channel="F" name="resolution" value="0" units="1/dev"/>
+          <inkml:channelProperty channel="OA" name="resolution" value="1000" units="1/deg"/>
+          <inkml:channelProperty channel="OE" name="resolution" value="1000" units="1/deg"/>
+        </inkml:channelProperties>
+      </inkml:inkSource>
+      <inkml:timestamp xml:id="ts0" timeString="2021-08-17T16:31:22.010"/>
+    </inkml:context>
+    <inkml:brush xml:id="br0">
+      <inkml:brushProperty name="width" value="0.05" units="cm"/>
+      <inkml:brushProperty name="height" value="0.05" units="cm"/>
+      <inkml:brushProperty name="color" value="#FF0066"/>
+    </inkml:brush>
+  </inkml:definitions>
+  <inkml:trace contextRef="#ctx0" brushRef="#br0">85 1 17503 0 0,'0'0'4770'0'0,"-6"10"-2608"0"0,0 13-1404 0 0,0 0 0 0 0,2 1 0 0 0,-3 41 0 0 0,3-15-498 0 0,-7 64 209 0 0,-5 42-18 0 0,4-45-288 0 0,5-43-25 0 0,6-56-60 0 0,0-5 31 0 0,0 0 1 0 0,0 1-1 0 0,2 12 0 0 0,-3 2-1535 0 0,1-17-1656 0 0,2-15 881 0 0,1-5 342 0 0</inkml:trace>
+</inkml:ink>
+</file>
+
+<file path=ppt/ink/ink15.xml><?xml version="1.0" encoding="utf-8"?>
+<inkml:ink xmlns:inkml="http://www.w3.org/2003/InkML">
+  <inkml:definitions>
+    <inkml:context xml:id="ctx0">
+      <inkml:inkSource xml:id="inkSrc0">
+        <inkml:traceFormat>
+          <inkml:channel name="X" type="integer" min="-2.14748E9" max="2.14748E9" units="cm"/>
+          <inkml:channel name="Y" type="integer" min="-2.14748E9" max="2.14748E9" units="cm"/>
+          <inkml:channel name="F" type="integer" max="32767" units="dev"/>
+          <inkml:channel name="OA" type="integer" max="360" units="deg"/>
+          <inkml:channel name="OE" type="integer" max="90" units="deg"/>
+        </inkml:traceFormat>
+        <inkml:channelProperties>
+          <inkml:channelProperty channel="X" name="resolution" value="1000" units="1/cm"/>
+          <inkml:channelProperty channel="Y" name="resolution" value="1000" units="1/cm"/>
+          <inkml:channelProperty channel="F" name="resolution" value="0" units="1/dev"/>
+          <inkml:channelProperty channel="OA" name="resolution" value="1000" units="1/deg"/>
+          <inkml:channelProperty channel="OE" name="resolution" value="1000" units="1/deg"/>
+        </inkml:channelProperties>
+      </inkml:inkSource>
+      <inkml:timestamp xml:id="ts0" timeString="2021-08-17T16:31:22.403"/>
+    </inkml:context>
+    <inkml:brush xml:id="br0">
+      <inkml:brushProperty name="width" value="0.05" units="cm"/>
+      <inkml:brushProperty name="height" value="0.05" units="cm"/>
+      <inkml:brushProperty name="color" value="#FF0066"/>
+    </inkml:brush>
+  </inkml:definitions>
+  <inkml:trace contextRef="#ctx0" brushRef="#br0">9 79 13592 0 0,'0'0'1230'0'0,"-1"0"-1012"0"0,-1 2 1429 0 0,2-2-1588 0 0,0 0 0 0 0,-1 0-1 0 0,1-1 1 0 0,0 1-1 0 0,0 0 1 0 0,0 0-1 0 0,0 0 1 0 0,-1 0-1 0 0,1 0 1 0 0,0 0-1 0 0,0 0 1 0 0,0 0-1 0 0,0 0 1 0 0,-1 0-1 0 0,1 0 1 0 0,0 0-1 0 0,0 0 1 0 0,0 0-1 0 0,0 0 1 0 0,-1 0-1 0 0,1 0 1 0 0,0 1 0 0 0,0-1-1 0 0,0 0 1 0 0,0 0-1 0 0,-1 0 1 0 0,1 0-1 0 0,0 0 1 0 0,0 0-1 0 0,0 0 1 0 0,0 0-1 0 0,0 1 1 0 0,0-1-1 0 0,-1 0 1 0 0,1 0-1 0 0,0 0 1 0 0,1 4 3317 0 0,13-9-1687 0 0,46-22 992 0 0,-42 17-2127 0 0,0 0-1 0 0,1 1 1 0 0,0 2 0 0 0,32-10-1 0 0,-48 17-544 0 0,0 0-1 0 0,0 0 1 0 0,0 0 0 0 0,0 0 0 0 0,-1 1-1 0 0,1-1 1 0 0,0 1 0 0 0,0 0-1 0 0,-1 0 1 0 0,1 0 0 0 0,-1 0-1 0 0,1 0 1 0 0,-1 0 0 0 0,1 1 0 0 0,-1-1-1 0 0,1 1 1 0 0,-1 0 0 0 0,0-1-1 0 0,0 1 1 0 0,0 0 0 0 0,0 1-1 0 0,2 2 1 0 0,3 4 23 0 0,0 1 0 0 0,-1 0 0 0 0,11 21 0 0 0,13 33-140 0 0,-30-64 26 0 0,1 0 0 0 0,-1 1 0 0 0,0-1 0 0 0,1 0 0 0 0,-1 0 0 0 0,1 0 0 0 0,-1 1 0 0 0,1-1 0 0 0,-1 0 1 0 0,1 0-1 0 0,-1 0 0 0 0,1 0 0 0 0,-1 0 0 0 0,1 0 0 0 0,-1 0 0 0 0,0 0 0 0 0,1 0 0 0 0,-1 0 0 0 0,1 0 0 0 0,-1 0 0 0 0,1 0 0 0 0,-1-1 0 0 0,1 1 0 0 0,-1 0 0 0 0,1 0 0 0 0,-1 0 0 0 0,0-1 0 0 0,1 1 0 0 0,11-7-2330 0 0,-5 2 205 0 0</inkml:trace>
+</inkml:ink>
+</file>
+
+<file path=ppt/ink/ink16.xml><?xml version="1.0" encoding="utf-8"?>
+<inkml:ink xmlns:inkml="http://www.w3.org/2003/InkML">
+  <inkml:definitions>
+    <inkml:context xml:id="ctx0">
+      <inkml:inkSource xml:id="inkSrc0">
+        <inkml:traceFormat>
+          <inkml:channel name="X" type="integer" min="-2.14748E9" max="2.14748E9" units="cm"/>
+          <inkml:channel name="Y" type="integer" min="-2.14748E9" max="2.14748E9" units="cm"/>
+          <inkml:channel name="F" type="integer" max="32767" units="dev"/>
+          <inkml:channel name="OA" type="integer" max="360" units="deg"/>
+          <inkml:channel name="OE" type="integer" max="90" units="deg"/>
+        </inkml:traceFormat>
+        <inkml:channelProperties>
+          <inkml:channelProperty channel="X" name="resolution" value="1000" units="1/cm"/>
+          <inkml:channelProperty channel="Y" name="resolution" value="1000" units="1/cm"/>
+          <inkml:channelProperty channel="F" name="resolution" value="0" units="1/dev"/>
+          <inkml:channelProperty channel="OA" name="resolution" value="1000" units="1/deg"/>
+          <inkml:channelProperty channel="OE" name="resolution" value="1000" units="1/deg"/>
+        </inkml:channelProperties>
+      </inkml:inkSource>
+      <inkml:timestamp xml:id="ts0" timeString="2021-08-17T16:31:24.034"/>
+    </inkml:context>
+    <inkml:brush xml:id="br0">
+      <inkml:brushProperty name="width" value="0.05" units="cm"/>
+      <inkml:brushProperty name="height" value="0.05" units="cm"/>
+      <inkml:brushProperty name="color" value="#FF0066"/>
+    </inkml:brush>
+  </inkml:definitions>
+  <inkml:trace contextRef="#ctx0" brushRef="#br0">107 0 10568 0 0,'0'0'6286'0'0,"-4"14"-3865"0"0,2-6-2016 0 0,-1 1-1 0 0,1 0 1 0 0,1-1-1 0 0,-1 1 0 0 0,2 0 1 0 0,-1 17-1 0 0,1-3-75 0 0,-1 9 152 0 0,6 34-1 0 0,-1 14 123 0 0,-2-11-177 0 0,0 29 76 0 0,-1-55-300 0 0,-1-29-120 0 0,0 0 0 0 0,-2 18 0 0 0,0-9 39 0 0,0-10 107 0 0,-5 23 1 0 0,7-35 25 0 0,-1-1-223 0 0,0-1 1 0 0,0 0-1 0 0,1 1 0 0 0,-1-1 0 0 0,0 0 0 0 0,1 0 1 0 0,-1 0-1 0 0,0 0 0 0 0,1 1 0 0 0,-1-1 1 0 0,1 0-1 0 0,-1 0 0 0 0,1 0 0 0 0,0 0 0 0 0,-1-2 1 0 0,0 0 36 0 0,-8-18 111 0 0,1 0 0 0 0,1-1-1 0 0,1 0 1 0 0,-3-24-1 0 0,5 22 12 0 0,-9-32-1 0 0,11 42-88 0 0,2 13-76 0 0,0-1 0 0 0,-1 1 0 0 0,1-1 0 0 0,0 1 0 0 0,0 0 0 0 0,-1-1 0 0 0,1 1 0 0 0,-1-1 0 0 0,1 1 0 0 0,-1 0 0 0 0,1-1-1 0 0,-1 1 1 0 0,0 0 0 0 0,0 0 0 0 0,0-1 0 0 0,0 1 0 0 0,1 0 0 0 0,-3-1 0 0 0,-2 14 128 0 0,3-6-153 0 0,1-1 0 0 0,0 1 0 0 0,0 0 0 0 0,1 0 0 0 0,-1-1 0 0 0,1 1 0 0 0,2 9 0 0 0,-2 3-12 0 0,0 7-13 0 0,2-1 1 0 0,0 1-1 0 0,1 0 0 0 0,7 26 0 0 0,-10-50 26 0 0,0 0 0 0 0,1 0 0 0 0,-1-1-1 0 0,0 1 1 0 0,0 0 0 0 0,1 0 0 0 0,-1 0 0 0 0,1 0-1 0 0,-1 0 1 0 0,1 0 0 0 0,-1 0 0 0 0,1-1 0 0 0,-1 1 0 0 0,1 0-1 0 0,0 0 1 0 0,-1-1 0 0 0,1 1 0 0 0,0 0 0 0 0,0-1-1 0 0,-1 1 1 0 0,1-1 0 0 0,0 1 0 0 0,0-1 0 0 0,0 1 0 0 0,0-1-1 0 0,0 0 1 0 0,0 1 0 0 0,0-1 0 0 0,0 0 0 0 0,1 0-1 0 0,0 0 4 0 0,-1 0 0 0 0,1-1 0 0 0,0 1 0 0 0,0-1 0 0 0,-1 1 0 0 0,1-1-1 0 0,0 0 1 0 0,-1 0 0 0 0,1 0 0 0 0,-1 0 0 0 0,1 0 0 0 0,-1 0-1 0 0,0 0 1 0 0,1 0 0 0 0,-1 0 0 0 0,2-2 0 0 0,91-115 262 0 0,-21 28-3916 0 0,-58 70-5552 0 0</inkml:trace>
+</inkml:ink>
+</file>
+
+<file path=ppt/ink/ink17.xml><?xml version="1.0" encoding="utf-8"?>
+<inkml:ink xmlns:inkml="http://www.w3.org/2003/InkML">
+  <inkml:definitions>
+    <inkml:context xml:id="ctx0">
+      <inkml:inkSource xml:id="inkSrc0">
+        <inkml:traceFormat>
+          <inkml:channel name="X" type="integer" min="-2.14748E9" max="2.14748E9" units="cm"/>
+          <inkml:channel name="Y" type="integer" min="-2.14748E9" max="2.14748E9" units="cm"/>
+          <inkml:channel name="F" type="integer" max="32767" units="dev"/>
+          <inkml:channel name="OA" type="integer" max="360" units="deg"/>
+          <inkml:channel name="OE" type="integer" max="90" units="deg"/>
+        </inkml:traceFormat>
+        <inkml:channelProperties>
+          <inkml:channelProperty channel="X" name="resolution" value="1000" units="1/cm"/>
+          <inkml:channelProperty channel="Y" name="resolution" value="1000" units="1/cm"/>
+          <inkml:channelProperty channel="F" name="resolution" value="0" units="1/dev"/>
+          <inkml:channelProperty channel="OA" name="resolution" value="1000" units="1/deg"/>
+          <inkml:channelProperty channel="OE" name="resolution" value="1000" units="1/deg"/>
+        </inkml:channelProperties>
+      </inkml:inkSource>
+      <inkml:timestamp xml:id="ts0" timeString="2021-08-17T16:31:39.095"/>
+    </inkml:context>
+    <inkml:brush xml:id="br0">
+      <inkml:brushProperty name="width" value="0.05" units="cm"/>
+      <inkml:brushProperty name="height" value="0.05" units="cm"/>
+      <inkml:brushProperty name="color" value="#FF0066"/>
+    </inkml:brush>
+  </inkml:definitions>
+  <inkml:trace contextRef="#ctx0" brushRef="#br0">58 32 18631 0 0,'-4'0'223'0'0,"0"0"-1"0"0,-1 1 0 0 0,1-1 0 0 0,0 1 0 0 0,0-1 0 0 0,-1 1 0 0 0,1 1 0 0 0,0-1 0 0 0,0 0 0 0 0,0 1 1 0 0,-7 4 2133 0 0,11-5-2217 0 0,0 0-1 0 0,0 0 1 0 0,0 0-1 0 0,0 1 1 0 0,0-1-1 0 0,0 0 1 0 0,0 0-1 0 0,1 0 1 0 0,-1 0-1 0 0,0 0 1 0 0,1 0-1 0 0,-1 0 1 0 0,0 0-1 0 0,2 2 1 0 0,1-1 10 0 0,0 1 0 0 0,0 0 0 0 0,0-1 0 0 0,1 0 0 0 0,-1 0 0 0 0,1 0 0 0 0,0 0 0 0 0,5 1 1 0 0,33 10 453 0 0,-36-12-522 0 0,36 11 424 0 0,57 12 379 0 0,38 2-158 0 0,156 19 383 0 0,-225-40-955 0 0,163 18 304 0 0,-202-20-298 0 0,30 0 0 0 0,-9-2-121 0 0,-43 0-12 0 0,0-1 1 0 0,0 0-1 0 0,0 0 1 0 0,0 0-1 0 0,0-1 1 0 0,0-1 0 0 0,-1 1-1 0 0,1-1 1 0 0,0 0-1 0 0,-1 0 1 0 0,11-6-1 0 0,-16 8-19 0 0,-1-1-1 0 0,1 0 1 0 0,-1 1-1 0 0,1-1 1 0 0,-1 0-1 0 0,0 1 1 0 0,1-1-1 0 0,-1 0 1 0 0,0 0-1 0 0,0 1 1 0 0,0-1-1 0 0,1 0 1 0 0,-1 0-1 0 0,0 0 1 0 0,0 1-1 0 0,0-1 0 0 0,0 0 1 0 0,0 0-1 0 0,0 1 1 0 0,-1-1-1 0 0,1 0 1 0 0,0 0-1 0 0,0 0 1 0 0,0 1-1 0 0,-1-1 1 0 0,1 0-1 0 0,-1-1 1 0 0,-11-19 140 0 0,4 13-198 0 0,-1 0 0 0 0,0 0 0 0 0,-1 1 0 0 0,0 0 0 0 0,0 0 0 0 0,-13-6 0 0 0,-70-27 664 0 0,76 33-572 0 0,-22-6-335 0 0,-1 2-1 0 0,-61-10 1 0 0,73 16 248 0 0,16 4 45 0 0,9 1 0 0 0,0-1 0 0 0,-1 1 0 0 0,1-1 0 0 0,0 0 0 0 0,0 0 0 0 0,-1 0 0 0 0,1 0 0 0 0,0-1 0 0 0,0 1 0 0 0,-4-4 0 0 0,7 5 0 0 0,0 0 0 0 0,-1 0 0 0 0,1 0 0 0 0,0 0 0 0 0,0 0 0 0 0,0 0 0 0 0,0 0 0 0 0,0 0 0 0 0,-1 0 0 0 0,1-1 0 0 0,0 1 0 0 0,0 0 0 0 0,0 0 0 0 0,0 0 0 0 0,0 0 0 0 0,0 0 0 0 0,0 0 0 0 0,-1 0 0 0 0,1-1 0 0 0,0 1 0 0 0,0 0 0 0 0,0 0 0 0 0,0 0 0 0 0,0 0 0 0 0,0 0 0 0 0,0-1 0 0 0,0 1 0 0 0,0 0 0 0 0,0 0 0 0 0,0 0 0 0 0,0 0 0 0 0,0 0 0 0 0,0-1 0 0 0,0 1 0 0 0,0 0 0 0 0,0 0 0 0 0,0 0 0 0 0,0 0 0 0 0,0-1 0 0 0,0 1 0 0 0,0 0 0 0 0,0 0 0 0 0,0 0 0 0 0,0 0 0 0 0,0 0 0 0 0,1-1 0 0 0,-1 1 0 0 0,0 0 0 0 0,0 0 0 0 0,0 0 0 0 0,0 0 0 0 0,0 0 0 0 0,0 0 0 0 0,0 0 0 0 0,1 0 0 0 0,-1-1 0 0 0,0 1 0 0 0,0 0 0 0 0,0 0 0 0 0,0 0 0 0 0,1 0 0 0 0,5-2 0 0 0,4 1 71 0 0,-1 0 0 0 0,1 1 0 0 0,-1 0 0 0 0,1 0 0 0 0,14 3 0 0 0,8 1 151 0 0,-7-1-149 0 0,0 1 0 0 0,-1 1-1 0 0,28 9 1 0 0,-6-1-44 0 0,-18-6-109 0 0,62 19-552 0 0,-50-18 1333 0 0,-40-8-700 0 0,1 0-1 0 0,-1 0 0 0 0,0 1 1 0 0,1-1-1 0 0,-1 0 0 0 0,0 0 1 0 0,1 0-1 0 0,-1 1 0 0 0,0-1 1 0 0,0 0-1 0 0,1 0 1 0 0,-1 1-1 0 0,0-1 0 0 0,0 0 1 0 0,1 1-1 0 0,-1-1 0 0 0,0 0 1 0 0,0 1-1 0 0,0-1 0 0 0,0 0 1 0 0,0 1-1 0 0,0-1 0 0 0,1 1 1 0 0,-1-1-1 0 0,0 0 0 0 0,0 1 1 0 0,0-1-1 0 0,0 0 1 0 0,0 1-1 0 0,0-1 0 0 0,0 1 1 0 0,0-1-1 0 0,-1 0 0 0 0,1 1 1 0 0,0-1-1 0 0,0 0 0 0 0,0 1 1 0 0,-7 12-4 0 0,7-13 3 0 0,-47 55 0 0 0,27-30 0 0 0,-46 44 0 0 0,20-23 0 0 0,38-38 0 0 0,5-4 0 0 0,-1 1 0 0 0,0-1 0 0 0,0-1 0 0 0,-1 1 0 0 0,1 0 0 0 0,-5 2 0 0 0,7-5 4 0 0,-5 4-43 0 0,7-4-141 0 0,5-4-4237 0 0</inkml:trace>
+</inkml:ink>
+</file>
+
+<file path=ppt/ink/ink18.xml><?xml version="1.0" encoding="utf-8"?>
+<inkml:ink xmlns:inkml="http://www.w3.org/2003/InkML">
+  <inkml:definitions>
+    <inkml:context xml:id="ctx0">
+      <inkml:inkSource xml:id="inkSrc0">
+        <inkml:traceFormat>
+          <inkml:channel name="X" type="integer" min="-2.14748E9" max="2.14748E9" units="cm"/>
+          <inkml:channel name="Y" type="integer" min="-2.14748E9" max="2.14748E9" units="cm"/>
+          <inkml:channel name="F" type="integer" max="32767" units="dev"/>
+          <inkml:channel name="OA" type="integer" max="360" units="deg"/>
+          <inkml:channel name="OE" type="integer" max="90" units="deg"/>
+        </inkml:traceFormat>
+        <inkml:channelProperties>
+          <inkml:channelProperty channel="X" name="resolution" value="1000" units="1/cm"/>
+          <inkml:channelProperty channel="Y" name="resolution" value="1000" units="1/cm"/>
+          <inkml:channelProperty channel="F" name="resolution" value="0" units="1/dev"/>
+          <inkml:channelProperty channel="OA" name="resolution" value="1000" units="1/deg"/>
+          <inkml:channelProperty channel="OE" name="resolution" value="1000" units="1/deg"/>
+        </inkml:channelProperties>
+      </inkml:inkSource>
+      <inkml:timestamp xml:id="ts0" timeString="2021-08-17T16:31:40.172"/>
+    </inkml:context>
+    <inkml:brush xml:id="br0">
+      <inkml:brushProperty name="width" value="0.05" units="cm"/>
+      <inkml:brushProperty name="height" value="0.05" units="cm"/>
+      <inkml:brushProperty name="color" value="#FF0066"/>
+    </inkml:brush>
+  </inkml:definitions>
+  <inkml:trace contextRef="#ctx0" brushRef="#br0">37 106 3680 0 0,'-36'-23'24413'0'0,"60"18"-23704"0"0,-12 3 23 0 0,56-9 480 0 0,-22 4-596 0 0,53-15 0 0 0,-70 13-681 0 0,-1 2 1 0 0,1 1-1 0 0,0 2 1 0 0,56-2-1 0 0,-78 4 134 0 0,-4 1-2007 0 0</inkml:trace>
+</inkml:ink>
+</file>
+
+<file path=ppt/ink/ink19.xml><?xml version="1.0" encoding="utf-8"?>
+<inkml:ink xmlns:inkml="http://www.w3.org/2003/InkML">
+  <inkml:definitions>
+    <inkml:context xml:id="ctx0">
+      <inkml:inkSource xml:id="inkSrc0">
+        <inkml:traceFormat>
+          <inkml:channel name="X" type="integer" min="-2.14748E9" max="2.14748E9" units="cm"/>
+          <inkml:channel name="Y" type="integer" min="-2.14748E9" max="2.14748E9" units="cm"/>
+          <inkml:channel name="F" type="integer" max="32767" units="dev"/>
+          <inkml:channel name="OA" type="integer" max="360" units="deg"/>
+          <inkml:channel name="OE" type="integer" max="90" units="deg"/>
+        </inkml:traceFormat>
+        <inkml:channelProperties>
+          <inkml:channelProperty channel="X" name="resolution" value="1000" units="1/cm"/>
+          <inkml:channelProperty channel="Y" name="resolution" value="1000" units="1/cm"/>
+          <inkml:channelProperty channel="F" name="resolution" value="0" units="1/dev"/>
+          <inkml:channelProperty channel="OA" name="resolution" value="1000" units="1/deg"/>
+          <inkml:channelProperty channel="OE" name="resolution" value="1000" units="1/deg"/>
+        </inkml:channelProperties>
+      </inkml:inkSource>
+      <inkml:timestamp xml:id="ts0" timeString="2021-08-17T16:31:40.593"/>
+    </inkml:context>
+    <inkml:brush xml:id="br0">
+      <inkml:brushProperty name="width" value="0.05" units="cm"/>
+      <inkml:brushProperty name="height" value="0.05" units="cm"/>
+      <inkml:brushProperty name="color" value="#FF0066"/>
+    </inkml:brush>
+  </inkml:definitions>
+  <inkml:trace contextRef="#ctx0" brushRef="#br0">232 0 3680 0 0,'-14'12'14859'0'0,"11"1"-8268"0"0,6 15-5056 0 0,-1-8-488 0 0,-1-7-721 0 0,4 24 0 0 0,0 0-59 0 0,5 46 180 0 0,1 42-123 0 0,-10-115-373 0 0,-1 1 0 0 0,0 0 0 0 0,-1-1 0 0 0,-3 19 0 0 0,3-22-858 0 0,-1 0-1 0 0,0 0 1 0 0,-1 0 0 0 0,-5 9 0 0 0,3-6-8106 0 0</inkml:trace>
+  <inkml:trace contextRef="#ctx0" brushRef="#br0" timeOffset="1">1 456 5984 0 0,'0'0'464'0'0,"2"0"-306"0"0,44 1 8857 0 0,11 0-153 0 0,-18-3-7212 0 0,262-43 2832 0 0,-285 42-5025 0 0,-1-1 0 0 0,1 0 0 0 0,-1-1 0 0 0,0-1 0 0 0,0 0 0 0 0,-1-1 0 0 0,18-11 0 0 0,-18 9-1129 0 0</inkml:trace>
+</inkml:ink>
+</file>
+
+<file path=ppt/ink/ink2.xml><?xml version="1.0" encoding="utf-8"?>
+<inkml:ink xmlns:inkml="http://www.w3.org/2003/InkML">
+  <inkml:definitions>
+    <inkml:context xml:id="ctx0">
+      <inkml:inkSource xml:id="inkSrc0">
+        <inkml:traceFormat>
+          <inkml:channel name="X" type="integer" min="-2.14748E9" max="2.14748E9" units="cm"/>
+          <inkml:channel name="Y" type="integer" min="-2.14748E9" max="2.14748E9" units="cm"/>
+          <inkml:channel name="F" type="integer" max="32767" units="dev"/>
+          <inkml:channel name="OA" type="integer" max="360" units="deg"/>
+          <inkml:channel name="OE" type="integer" max="90" units="deg"/>
+        </inkml:traceFormat>
+        <inkml:channelProperties>
+          <inkml:channelProperty channel="X" name="resolution" value="1000" units="1/cm"/>
+          <inkml:channelProperty channel="Y" name="resolution" value="1000" units="1/cm"/>
+          <inkml:channelProperty channel="F" name="resolution" value="0" units="1/dev"/>
+          <inkml:channelProperty channel="OA" name="resolution" value="1000" units="1/deg"/>
+          <inkml:channelProperty channel="OE" name="resolution" value="1000" units="1/deg"/>
+        </inkml:channelProperties>
+      </inkml:inkSource>
+      <inkml:timestamp xml:id="ts0" timeString="2021-08-17T16:30:50.846"/>
+    </inkml:context>
+    <inkml:brush xml:id="br0">
+      <inkml:brushProperty name="width" value="0.05" units="cm"/>
+      <inkml:brushProperty name="height" value="0.05" units="cm"/>
+      <inkml:brushProperty name="color" value="#FF0066"/>
+    </inkml:brush>
+  </inkml:definitions>
+  <inkml:trace contextRef="#ctx0" brushRef="#br0">121 89 5296 0 0,'-11'1'520'0'0,"8"-1"-283"0"0,0 0 0 0 0,0 0 1 0 0,0 0-1 0 0,0-1 0 0 0,0 1 1 0 0,0-1-1 0 0,0 1 0 0 0,0-1 1 0 0,0 0-1 0 0,0 0 0 0 0,1-1 1 0 0,-1 1-1 0 0,0 0 0 0 0,-4-4 1 0 0,-2-2 1098 0 0,0-1 1 0 0,-12-11-1 0 0,19 17-1115 0 0,1 0 1 0 0,-1 0-1 0 0,1 0 1 0 0,0 0 0 0 0,0 0-1 0 0,-2-4 1 0 0,2 3 391 0 0,0 1 0 0 0,0 0 1 0 0,0-1-1 0 0,0 1 0 0 0,-1 0 0 0 0,-3-4 2005 0 0,5 3-76 0 0,7 4-2401 0 0,0 0 0 0 0,0 0-1 0 0,0 1 1 0 0,0 0 0 0 0,0 0-1 0 0,7 4 1 0 0,12 4 61 0 0,4-1 114 0 0,0-1 1 0 0,57 8-1 0 0,70-6 683 0 0,-107-8-686 0 0,-4-2 64 0 0,49-6 0 0 0,-5 0-27 0 0,246 11 674 0 0,-214-5-793 0 0,-71-1 30 0 0,97 10-1 0 0,-48 1 32 0 0,-43-6-152 0 0,-11 1-92 0 0,111 15 1008 0 0,-62-5-1005 0 0,-89-14-7 0 0,-1-1-1 0 0,0 1 1 0 0,0-1 0 0 0,0-1 0 0 0,0 1 0 0 0,0-1 0 0 0,0 0-1 0 0,0 0 1 0 0,0 0 0 0 0,0 0 0 0 0,0-1 0 0 0,-1 0 0 0 0,1 0-1 0 0,-1-1 1 0 0,7-4 0 0 0,-1 2-16 0 0,1 0 1 0 0,19-7-1 0 0,7-3 23 0 0,-27 11-2363 0 0,7 4-6676 0 0</inkml:trace>
+</inkml:ink>
+</file>
+
+<file path=ppt/ink/ink20.xml><?xml version="1.0" encoding="utf-8"?>
+<inkml:ink xmlns:inkml="http://www.w3.org/2003/InkML">
+  <inkml:definitions>
+    <inkml:context xml:id="ctx0">
+      <inkml:inkSource xml:id="inkSrc0">
+        <inkml:traceFormat>
+          <inkml:channel name="X" type="integer" min="-2.14748E9" max="2.14748E9" units="cm"/>
+          <inkml:channel name="Y" type="integer" min="-2.14748E9" max="2.14748E9" units="cm"/>
+          <inkml:channel name="F" type="integer" max="32767" units="dev"/>
+          <inkml:channel name="OA" type="integer" max="360" units="deg"/>
+          <inkml:channel name="OE" type="integer" max="90" units="deg"/>
+        </inkml:traceFormat>
+        <inkml:channelProperties>
+          <inkml:channelProperty channel="X" name="resolution" value="1000" units="1/cm"/>
+          <inkml:channelProperty channel="Y" name="resolution" value="1000" units="1/cm"/>
+          <inkml:channelProperty channel="F" name="resolution" value="0" units="1/dev"/>
+          <inkml:channelProperty channel="OA" name="resolution" value="1000" units="1/deg"/>
+          <inkml:channelProperty channel="OE" name="resolution" value="1000" units="1/deg"/>
+        </inkml:channelProperties>
+      </inkml:inkSource>
+      <inkml:timestamp xml:id="ts0" timeString="2021-08-17T16:31:41.508"/>
+    </inkml:context>
+    <inkml:brush xml:id="br0">
+      <inkml:brushProperty name="width" value="0.05" units="cm"/>
+      <inkml:brushProperty name="height" value="0.05" units="cm"/>
+      <inkml:brushProperty name="color" value="#FF0066"/>
+    </inkml:brush>
+  </inkml:definitions>
+  <inkml:trace contextRef="#ctx0" brushRef="#br0">3 9 3224 0 0,'-3'-9'21358'0'0,"9"20"-21271"0"0,0 1-1 0 0,-1-1 1 0 0,0 1 0 0 0,-1 1-1 0 0,0-1 1 0 0,-1 0 0 0 0,-1 1-1 0 0,0 0 1 0 0,-1-1 0 0 0,0 23-1 0 0,1 12-91 0 0,0-27 20 0 0,-3 36-1 0 0,-1-42 82 0 0,1-7-74 0 0,0 0 0 0 0,0 1 0 0 0,1 9 0 0 0,-3-34-104 0 0,3 15 135 0 0,-1 0 0 0 0,1 0 0 0 0,-1 0-1 0 0,1 0 1 0 0,0 0 0 0 0,-1 0 0 0 0,1 0 0 0 0,1-3 0 0 0,18-103 1253 0 0,-16 98-1128 0 0,1-1-1 0 0,0 1 1 0 0,0 0-1 0 0,1 0 0 0 0,0 0 1 0 0,1 1-1 0 0,0 0 1 0 0,10-13-1 0 0,-10 16-60 0 0,-1 0-1 0 0,1 0 1 0 0,0 0-1 0 0,1 1 1 0 0,-1 0-1 0 0,1 0 0 0 0,0 0 1 0 0,0 1-1 0 0,1 0 1 0 0,-1 1-1 0 0,14-5 1 0 0,-17 7-87 0 0,-1 0 0 0 0,0 0 0 0 0,1 1 1 0 0,-1-1-1 0 0,1 1 0 0 0,-1 0 0 0 0,0 0 1 0 0,1 1-1 0 0,-1-1 0 0 0,1 1 0 0 0,-1-1 1 0 0,0 1-1 0 0,1 0 0 0 0,-1 0 0 0 0,0 1 0 0 0,0-1 1 0 0,0 1-1 0 0,0-1 0 0 0,0 1 0 0 0,0 0 1 0 0,-1 0-1 0 0,1 0 0 0 0,0 1 0 0 0,-1-1 1 0 0,0 1-1 0 0,1-1 0 0 0,-1 1 0 0 0,0 0 1 0 0,-1 0-1 0 0,1 0 0 0 0,0 0 0 0 0,-1 0 0 0 0,1 0 1 0 0,-1 0-1 0 0,0 0 0 0 0,0 1 0 0 0,0-1 1 0 0,-1 0-1 0 0,1 5 0 0 0,-1 6-36 0 0,0 0 1 0 0,-1 0-1 0 0,0 0 1 0 0,-1 0-1 0 0,0 0 1 0 0,-2 0-1 0 0,1-1 1 0 0,-2 0-1 0 0,0 0 1 0 0,0 0-1 0 0,-1 0 1 0 0,-1-1-1 0 0,0 0 0 0 0,-1 0 1 0 0,0-1-1 0 0,-1 0 1 0 0,0 0-1 0 0,0-1 1 0 0,-1 0-1 0 0,-1-1 1 0 0,0 0-1 0 0,0 0 1 0 0,0-2-1 0 0,-1 1 1 0 0,-14 5-1 0 0,18-9-559 0 0,-4 2-52 0 0,-23 6 0 0 0,32-11-709 0 0,-1 0 1 0 0,0 0-1 0 0,0-1 0 0 0,1 0 1 0 0,-1 1-1 0 0,-5-2 1 0 0,-2-1-7484 0 0</inkml:trace>
+</inkml:ink>
+</file>
+
+<file path=ppt/ink/ink21.xml><?xml version="1.0" encoding="utf-8"?>
+<inkml:ink xmlns:inkml="http://www.w3.org/2003/InkML">
+  <inkml:definitions>
+    <inkml:context xml:id="ctx0">
+      <inkml:inkSource xml:id="inkSrc0">
+        <inkml:traceFormat>
+          <inkml:channel name="X" type="integer" min="-2.14748E9" max="2.14748E9" units="cm"/>
+          <inkml:channel name="Y" type="integer" min="-2.14748E9" max="2.14748E9" units="cm"/>
+          <inkml:channel name="F" type="integer" max="32767" units="dev"/>
+          <inkml:channel name="OA" type="integer" max="360" units="deg"/>
+          <inkml:channel name="OE" type="integer" max="90" units="deg"/>
+        </inkml:traceFormat>
+        <inkml:channelProperties>
+          <inkml:channelProperty channel="X" name="resolution" value="1000" units="1/cm"/>
+          <inkml:channelProperty channel="Y" name="resolution" value="1000" units="1/cm"/>
+          <inkml:channelProperty channel="F" name="resolution" value="0" units="1/dev"/>
+          <inkml:channelProperty channel="OA" name="resolution" value="1000" units="1/deg"/>
+          <inkml:channelProperty channel="OE" name="resolution" value="1000" units="1/deg"/>
+        </inkml:channelProperties>
+      </inkml:inkSource>
+      <inkml:timestamp xml:id="ts0" timeString="2021-08-17T16:31:43.502"/>
+    </inkml:context>
+    <inkml:brush xml:id="br0">
+      <inkml:brushProperty name="width" value="0.05" units="cm"/>
+      <inkml:brushProperty name="height" value="0.05" units="cm"/>
+      <inkml:brushProperty name="color" value="#FF0066"/>
+    </inkml:brush>
+  </inkml:definitions>
+  <inkml:trace contextRef="#ctx0" brushRef="#br0">1 54 8288 0 0,'0'0'190'0'0,"0"-8"484"0"0,0 2-440 0 0,0 5-47 0 0,0-1 1 0 0,0 0-1 0 0,0 0 0 0 0,0 1 0 0 0,0-1 1 0 0,0 0-1 0 0,1 1 0 0 0,-1-1 1 0 0,0 0-1 0 0,2-2 0 0 0,2-5 2835 0 0,-4 9-2870 0 0,0-1 0 0 0,0 1-1 0 0,0-1 1 0 0,1 0 0 0 0,-1 1 0 0 0,0-1 0 0 0,0 1 0 0 0,1-1-1 0 0,-1 1 1 0 0,0-1 0 0 0,1 1 0 0 0,-1 0 0 0 0,0-1 0 0 0,1 1-1 0 0,-1-1 1 0 0,1 1 0 0 0,1-1 1606 0 0,17 11 1504 0 0,-17-7-3022 0 0,0-1 0 0 0,0 1 0 0 0,0-1 0 0 0,0 1 1 0 0,0 0-1 0 0,0 0 0 0 0,-1 0 0 0 0,1 0 0 0 0,-1 0 1 0 0,0 0-1 0 0,1 7 0 0 0,1 2 184 0 0,0 24 0 0 0,-1-12-46 0 0,15 304 639 0 0,-16-262-743 0 0,0-33-1286 0 0,-1 0-3521 0 0</inkml:trace>
+</inkml:ink>
+</file>
+
+<file path=ppt/ink/ink22.xml><?xml version="1.0" encoding="utf-8"?>
+<inkml:ink xmlns:inkml="http://www.w3.org/2003/InkML">
+  <inkml:definitions>
+    <inkml:context xml:id="ctx0">
+      <inkml:inkSource xml:id="inkSrc0">
+        <inkml:traceFormat>
+          <inkml:channel name="X" type="integer" min="-2.14748E9" max="2.14748E9" units="cm"/>
+          <inkml:channel name="Y" type="integer" min="-2.14748E9" max="2.14748E9" units="cm"/>
+          <inkml:channel name="F" type="integer" max="32767" units="dev"/>
+          <inkml:channel name="OA" type="integer" max="360" units="deg"/>
+          <inkml:channel name="OE" type="integer" max="90" units="deg"/>
+        </inkml:traceFormat>
+        <inkml:channelProperties>
+          <inkml:channelProperty channel="X" name="resolution" value="1000" units="1/cm"/>
+          <inkml:channelProperty channel="Y" name="resolution" value="1000" units="1/cm"/>
+          <inkml:channelProperty channel="F" name="resolution" value="0" units="1/dev"/>
+          <inkml:channelProperty channel="OA" name="resolution" value="1000" units="1/deg"/>
+          <inkml:channelProperty channel="OE" name="resolution" value="1000" units="1/deg"/>
+        </inkml:channelProperties>
+      </inkml:inkSource>
+      <inkml:timestamp xml:id="ts0" timeString="2021-08-17T16:31:43.877"/>
+    </inkml:context>
+    <inkml:brush xml:id="br0">
+      <inkml:brushProperty name="width" value="0.05" units="cm"/>
+      <inkml:brushProperty name="height" value="0.05" units="cm"/>
+      <inkml:brushProperty name="color" value="#FF0066"/>
+    </inkml:brush>
+  </inkml:definitions>
+  <inkml:trace contextRef="#ctx0" brushRef="#br0">1 64 6448 0 0,'0'0'297'0'0,"0"-1"-9"0"0,0 1-217 0 0,0 0-1 0 0,0 0 1 0 0,0 0-1 0 0,0 0 1 0 0,0 0-1 0 0,0 0 1 0 0,0 0-1 0 0,0-1 1 0 0,0 1-1 0 0,0 0 1 0 0,0 0-1 0 0,0 0 1 0 0,0 0-1 0 0,0 0 1 0 0,0 0-1 0 0,0 0 1 0 0,0-1-1 0 0,0 1 1 0 0,0 0-1 0 0,0 0 1 0 0,0 0-1 0 0,1 0 1 0 0,-1 0-1 0 0,0 0 1 0 0,0 0-1 0 0,0 0 1 0 0,0 0-1 0 0,0 0 1 0 0,0 0-1 0 0,0 0 1 0 0,0 0-1 0 0,1 0 1 0 0,-1-1-1 0 0,0 1 1 0 0,0 0-1 0 0,0 0 1 0 0,0 0-1 0 0,0 0 1 0 0,0 0 0 0 0,0 0-1 0 0,1 0 1 0 0,-1 0-1 0 0,0 0 1 0 0,0 1-1 0 0,0-1 1 0 0,0 0-1 0 0,0 0 1 0 0,0 0-1 0 0,0 0 1 0 0,1 0-1 0 0,-1 0 1 0 0,0 0-1 0 0,0 0 1 0 0,0 0-1 0 0,8 0 4105 0 0,36 7 4273 0 0,0-5-3983 0 0,-11-3-4213 0 0,-1-1-1 0 0,1-1 0 0 0,-1-2 0 0 0,46-13 0 0 0,24-6-1485 0 0,-68 17-1742 0 0,0 1-3466 0 0,-10 2-1585 0 0</inkml:trace>
+</inkml:ink>
+</file>
+
+<file path=ppt/ink/ink23.xml><?xml version="1.0" encoding="utf-8"?>
+<inkml:ink xmlns:inkml="http://www.w3.org/2003/InkML">
+  <inkml:definitions>
+    <inkml:context xml:id="ctx0">
+      <inkml:inkSource xml:id="inkSrc0">
+        <inkml:traceFormat>
+          <inkml:channel name="X" type="integer" min="-2.14748E9" max="2.14748E9" units="cm"/>
+          <inkml:channel name="Y" type="integer" min="-2.14748E9" max="2.14748E9" units="cm"/>
+          <inkml:channel name="F" type="integer" max="32767" units="dev"/>
+          <inkml:channel name="OA" type="integer" max="360" units="deg"/>
+          <inkml:channel name="OE" type="integer" max="90" units="deg"/>
+        </inkml:traceFormat>
+        <inkml:channelProperties>
+          <inkml:channelProperty channel="X" name="resolution" value="1000" units="1/cm"/>
+          <inkml:channelProperty channel="Y" name="resolution" value="1000" units="1/cm"/>
+          <inkml:channelProperty channel="F" name="resolution" value="0" units="1/dev"/>
+          <inkml:channelProperty channel="OA" name="resolution" value="1000" units="1/deg"/>
+          <inkml:channelProperty channel="OE" name="resolution" value="1000" units="1/deg"/>
+        </inkml:channelProperties>
+      </inkml:inkSource>
+      <inkml:timestamp xml:id="ts0" timeString="2021-08-17T16:31:44.264"/>
+    </inkml:context>
+    <inkml:brush xml:id="br0">
+      <inkml:brushProperty name="width" value="0.05" units="cm"/>
+      <inkml:brushProperty name="height" value="0.05" units="cm"/>
+      <inkml:brushProperty name="color" value="#FF0066"/>
+    </inkml:brush>
+  </inkml:definitions>
+  <inkml:trace contextRef="#ctx0" brushRef="#br0">133 677 6912 0 0,'0'0'314'0'0,"-3"13"9987"0"0,3-15-9991 0 0,-1 0-1 0 0,1 0 1 0 0,0 0 0 0 0,0 1-1 0 0,-1-1 1 0 0,1 0-1 0 0,-1 0 1 0 0,0 1-1 0 0,-1-3 1 0 0,-1-5 344 0 0,1 0-210 0 0,1-1 1 0 0,0 0-1 0 0,0-11 0 0 0,-2-14 429 0 0,-7-44 497 0 0,-8-56-1028 0 0,10 93 428 0 0,1-1-1 0 0,3 0 0 0 0,0-69 0 0 0,5 106-723 0 0,-1 1-1 0 0,1 0 0 0 0,0-1 0 0 0,0 1 0 0 0,0 0 0 0 0,1 0 1 0 0,0 0-1 0 0,0 0 0 0 0,0 0 0 0 0,0 0 0 0 0,1 0 1 0 0,0 1-1 0 0,0-1 0 0 0,0 1 0 0 0,1 0 0 0 0,-1 0 0 0 0,1 0 1 0 0,0 1-1 0 0,0-1 0 0 0,0 1 0 0 0,1 0 0 0 0,-1 0 0 0 0,1 0 1 0 0,0 1-1 0 0,0-1 0 0 0,0 1 0 0 0,0 0 0 0 0,0 1 0 0 0,0-1 1 0 0,0 1-1 0 0,1 0 0 0 0,8 0 0 0 0,-4 1-44 0 0,0 1-1 0 0,1 0 1 0 0,-1 1-1 0 0,0 0 1 0 0,0 0-1 0 0,0 1 1 0 0,0 1-1 0 0,-1 0 0 0 0,1 0 1 0 0,-1 0-1 0 0,14 11 1 0 0,-15-10-187 0 0,0 1 1 0 0,-1 0-1 0 0,0 1 0 0 0,0 0 1 0 0,-1 0-1 0 0,11 14 0 0 0,-13-14-562 0 0,0 1-1 0 0,0-1 0 0 0,-1 1 1 0 0,5 14-1 0 0,-4-3-8461 0 0</inkml:trace>
+  <inkml:trace contextRef="#ctx0" brushRef="#br0" timeOffset="1">1 353 22895 0 0,'0'0'504'0'0,"2"6"104"0"0,1 1 16 0 0,3-2 16 0 0,2 2-512 0 0,6-1-128 0 0,6 2 0 0 0,2-4 0 0 0,0-1 64 0 0,1 2-64 0 0,0-2 72 0 0,5-1-72 0 0,-3 3 0 0 0,6 0 0 0 0,-2-3 0 0 0,2 1-6784 0 0,-3-1-1399 0 0</inkml:trace>
+</inkml:ink>
+</file>
+
+<file path=ppt/ink/ink24.xml><?xml version="1.0" encoding="utf-8"?>
+<inkml:ink xmlns:inkml="http://www.w3.org/2003/InkML">
+  <inkml:definitions>
+    <inkml:context xml:id="ctx0">
+      <inkml:inkSource xml:id="inkSrc0">
+        <inkml:traceFormat>
+          <inkml:channel name="X" type="integer" min="-2.14748E9" max="2.14748E9" units="cm"/>
+          <inkml:channel name="Y" type="integer" min="-2.14748E9" max="2.14748E9" units="cm"/>
+          <inkml:channel name="F" type="integer" max="32767" units="dev"/>
+          <inkml:channel name="OA" type="integer" max="360" units="deg"/>
+          <inkml:channel name="OE" type="integer" max="90" units="deg"/>
+        </inkml:traceFormat>
+        <inkml:channelProperties>
+          <inkml:channelProperty channel="X" name="resolution" value="1000" units="1/cm"/>
+          <inkml:channelProperty channel="Y" name="resolution" value="1000" units="1/cm"/>
+          <inkml:channelProperty channel="F" name="resolution" value="0" units="1/dev"/>
+          <inkml:channelProperty channel="OA" name="resolution" value="1000" units="1/deg"/>
+          <inkml:channelProperty channel="OE" name="resolution" value="1000" units="1/deg"/>
+        </inkml:channelProperties>
+      </inkml:inkSource>
+      <inkml:timestamp xml:id="ts0" timeString="2021-08-17T16:31:44.715"/>
+    </inkml:context>
+    <inkml:brush xml:id="br0">
+      <inkml:brushProperty name="width" value="0.05" units="cm"/>
+      <inkml:brushProperty name="height" value="0.05" units="cm"/>
+      <inkml:brushProperty name="color" value="#FF0066"/>
+    </inkml:brush>
+  </inkml:definitions>
+  <inkml:trace contextRef="#ctx0" brushRef="#br0">215 19 17247 0 0,'0'0'1320'0'0,"-9"-14"-744"0"0,7 13-388 0 0,0 0 0 0 0,0 0 0 0 0,-1 1-1 0 0,1-1 1 0 0,0 1 0 0 0,0 0 0 0 0,-1-1 0 0 0,1 1-1 0 0,-1 0 1 0 0,1 0 0 0 0,0 0 0 0 0,-1 1-1 0 0,1-1 1 0 0,0 1 0 0 0,-1-1 0 0 0,1 1-1 0 0,0 0 1 0 0,-4 1 0 0 0,-2 2 14 0 0,-1 0 0 0 0,1 0 0 0 0,-12 10 0 0 0,10-8-177 0 0,1 1-1 0 0,1 1 1 0 0,0-1 0 0 0,0 2-1 0 0,0-1 1 0 0,1 1-1 0 0,0 0 1 0 0,1 0 0 0 0,0 1-1 0 0,0 0 1 0 0,1 0-1 0 0,0 0 1 0 0,1 1 0 0 0,0 0-1 0 0,1-1 1 0 0,0 1-1 0 0,-2 18 1 0 0,4-21 284 0 0,1-6-184 0 0,-1 0 1 0 0,1-1 0 0 0,0 1-1 0 0,0 0 1 0 0,0 0 0 0 0,0 0 0 0 0,0-1-1 0 0,1 4 1 0 0,0-4-118 0 0,-1-1 1 0 0,1 0-1 0 0,-1 0 1 0 0,1 0-1 0 0,-1 1 1 0 0,1-1-1 0 0,-1 0 1 0 0,1 0-1 0 0,-1 0 1 0 0,1 0-1 0 0,-1 0 1 0 0,1 0-1 0 0,-1 0 1 0 0,1 0-1 0 0,0 0 1 0 0,-1 0-1 0 0,1 0 0 0 0,1 0 5 0 0,2-1-8 0 0,0 0 0 0 0,1 1 0 0 0,-1-1 1 0 0,0-1-1 0 0,0 1 0 0 0,0-1 0 0 0,0 1 0 0 0,0-1 0 0 0,0 0 0 0 0,0-1 0 0 0,-1 1 0 0 0,1 0 0 0 0,-1-1 0 0 0,1 0 0 0 0,-1 0 0 0 0,0 0 0 0 0,0 0 1 0 0,-1-1-1 0 0,3-3 0 0 0,7-10 170 0 0,-1 0 1 0 0,14-32-1 0 0,-22 44-131 0 0,40-86 1348 0 0,-43 90-1367 0 0,0 1 0 0 0,0 0 0 0 0,0 0-1 0 0,1-1 1 0 0,-1 1 0 0 0,0 0 0 0 0,0 0 0 0 0,0-1-1 0 0,0 1 1 0 0,0 0 0 0 0,1 0 0 0 0,-1-1 0 0 0,0 1-1 0 0,0 0 1 0 0,0 0 0 0 0,1 0 0 0 0,-1 0 0 0 0,0-1-1 0 0,0 1 1 0 0,0 0 0 0 0,1 0 0 0 0,-1 0 0 0 0,0 0-1 0 0,0 0 1 0 0,1 0 0 0 0,-1 0 0 0 0,0 0 0 0 0,0 0-1 0 0,1 0 1 0 0,-1 0 0 0 0,0 0 0 0 0,1 0 0 0 0,-1 0-1 0 0,0 0 1 0 0,0 0 0 0 0,1 0 0 0 0,-1 0 0 0 0,8 9 338 0 0,1 17-174 0 0,-2 27-32 0 0,-6-32-108 0 0,2-1 1 0 0,9 35-1 0 0,-12-53-98 0 0,1-1 0 0 0,0 1 0 0 0,-1-1 1 0 0,1 1-1 0 0,0-1 0 0 0,0 1 0 0 0,0-1 0 0 0,0 1 0 0 0,0-1 0 0 0,0 0 0 0 0,0 1 0 0 0,1-1 1 0 0,-1 0-1 0 0,0 0 0 0 0,1 0 0 0 0,-1 0 0 0 0,1 0 0 0 0,-1 0 0 0 0,1 0 0 0 0,-1-1 0 0 0,3 2 1 0 0,10-1-2850 0 0,2-3-3283 0 0,3-4-2128 0 0</inkml:trace>
+</inkml:ink>
+</file>
+
+<file path=ppt/ink/ink25.xml><?xml version="1.0" encoding="utf-8"?>
+<inkml:ink xmlns:inkml="http://www.w3.org/2003/InkML">
+  <inkml:definitions>
+    <inkml:context xml:id="ctx0">
+      <inkml:inkSource xml:id="inkSrc0">
+        <inkml:traceFormat>
+          <inkml:channel name="X" type="integer" min="-2.14748E9" max="2.14748E9" units="cm"/>
+          <inkml:channel name="Y" type="integer" min="-2.14748E9" max="2.14748E9" units="cm"/>
+          <inkml:channel name="F" type="integer" max="32767" units="dev"/>
+          <inkml:channel name="OA" type="integer" max="360" units="deg"/>
+          <inkml:channel name="OE" type="integer" max="90" units="deg"/>
+        </inkml:traceFormat>
+        <inkml:channelProperties>
+          <inkml:channelProperty channel="X" name="resolution" value="1000" units="1/cm"/>
+          <inkml:channelProperty channel="Y" name="resolution" value="1000" units="1/cm"/>
+          <inkml:channelProperty channel="F" name="resolution" value="0" units="1/dev"/>
+          <inkml:channelProperty channel="OA" name="resolution" value="1000" units="1/deg"/>
+          <inkml:channelProperty channel="OE" name="resolution" value="1000" units="1/deg"/>
+        </inkml:channelProperties>
+      </inkml:inkSource>
+      <inkml:timestamp xml:id="ts0" timeString="2021-08-17T16:31:45.199"/>
+    </inkml:context>
+    <inkml:brush xml:id="br0">
+      <inkml:brushProperty name="width" value="0.05" units="cm"/>
+      <inkml:brushProperty name="height" value="0.05" units="cm"/>
+      <inkml:brushProperty name="color" value="#FF0066"/>
+    </inkml:brush>
+  </inkml:definitions>
+  <inkml:trace contextRef="#ctx0" brushRef="#br0">116 5 17503 0 0,'-9'2'1588'0'0,"3"1"-1441"0"0,-1 0 0 0 0,1 1-1 0 0,0 0 1 0 0,0 0 0 0 0,0 0-1 0 0,0 1 1 0 0,-8 8 0 0 0,-1 1 757 0 0,12-11-737 0 0,0 0 1 0 0,0 1-1 0 0,1-1 1 0 0,-1 1-1 0 0,1-1 1 0 0,0 1-1 0 0,0 0 1 0 0,0 0-1 0 0,0 0 1 0 0,0 0-1 0 0,-1 8 1 0 0,2-5-9 0 0,-1 1 0 0 0,1 0 0 0 0,0 0 0 0 0,1-1 1 0 0,0 14-1 0 0,1-17-133 0 0,0-1-1 0 0,0 1 1 0 0,0-1 0 0 0,0 0-1 0 0,1 1 1 0 0,-1-1 0 0 0,1 0-1 0 0,0 0 1 0 0,-1 0 0 0 0,2 0-1 0 0,-1 0 1 0 0,0 0 0 0 0,1-1-1 0 0,2 4 1 0 0,0-2-28 0 0,0 1 0 0 0,1-1-1 0 0,0 0 1 0 0,0 0 0 0 0,0-1 0 0 0,8 4-1 0 0,9 7-335 0 0,-18-10 278 0 0,-1-1 0 0 0,1 0 0 0 0,0 0 1 0 0,0 0-1 0 0,6 1 0 0 0,-8-3 135 0 0,-3-1 30 0 0,18 2 856 0 0,-8-6-716 0 0,0-1 0 0 0,0 0 0 0 0,-1 0 0 0 0,0 0 0 0 0,0-2 0 0 0,0 1-1 0 0,0-1 1 0 0,-1 0 0 0 0,0 0 0 0 0,-1-1 0 0 0,0 0 0 0 0,0-1 0 0 0,-1 0 0 0 0,8-13-1 0 0,6-9 58 0 0,-12 18-137 0 0,1 0 0 0 0,6-17 0 0 0,-13 26-121 0 0,0 0 0 0 0,0-1-1 0 0,-1 1 1 0 0,0-1 0 0 0,0 1 0 0 0,0-1 0 0 0,-1 0 0 0 0,0 1 0 0 0,1-1-1 0 0,-2 0 1 0 0,0-7 0 0 0,1 11-32 0 0,-1-1-1 0 0,1 1 1 0 0,0 0-1 0 0,-1-1 1 0 0,0 1-1 0 0,1 0 1 0 0,-1-1-1 0 0,0 1 1 0 0,0 0-1 0 0,0 0 1 0 0,0 0-1 0 0,0 0 1 0 0,0 0-1 0 0,0 0 1 0 0,0 0-1 0 0,0 0 1 0 0,0 0-1 0 0,0 0 1 0 0,-1 1-1 0 0,1-1 1 0 0,0 1-1 0 0,0-1 0 0 0,-1 0 1 0 0,1 1-1 0 0,-1 0 1 0 0,1-1-1 0 0,0 1 1 0 0,-1 0-1 0 0,1 0 1 0 0,-1 0-1 0 0,1 0 1 0 0,-3 0-1 0 0,1 0 3 0 0,0 1-1 0 0,0-1 0 0 0,0 0 0 0 0,0 1 0 0 0,0 0 0 0 0,0 0 0 0 0,1 0 0 0 0,-1 0 1 0 0,0 0-1 0 0,1 0 0 0 0,-1 1 0 0 0,0-1 0 0 0,1 1 0 0 0,0 0 0 0 0,-4 3 0 0 0,1 1 17 0 0,0 0 1 0 0,1 1-1 0 0,0 0 0 0 0,1 0 0 0 0,-1 0 0 0 0,1 0 0 0 0,0 1 0 0 0,1-1 0 0 0,0 1 0 0 0,0 0 0 0 0,1-1 0 0 0,0 1 1 0 0,0 0-1 0 0,1 0 0 0 0,0 0 0 0 0,1 10 0 0 0,-1-13-12 0 0,1 1 0 0 0,0-1 0 0 0,0 0 1 0 0,0 0-1 0 0,1 0 0 0 0,0 0 0 0 0,0-1 0 0 0,0 1 0 0 0,0 0 1 0 0,1-1-1 0 0,0 1 0 0 0,0-1 0 0 0,0 0 0 0 0,0 0 0 0 0,1 0 1 0 0,-1 0-1 0 0,1-1 0 0 0,0 0 0 0 0,0 1 0 0 0,1-2 0 0 0,-1 1 1 0 0,1 0-1 0 0,-1-1 0 0 0,1 0 0 0 0,9 4 0 0 0,0-3-5 0 0,1 0-1 0 0,0-1 0 0 0,-1 0 0 0 0,1-2 1 0 0,0 1-1 0 0,0-2 0 0 0,21-2 1 0 0,-16-1-1309 0 0,19-5 0 0 0,-18 2-216 0 0</inkml:trace>
+</inkml:ink>
+</file>
+
+<file path=ppt/ink/ink26.xml><?xml version="1.0" encoding="utf-8"?>
+<inkml:ink xmlns:inkml="http://www.w3.org/2003/InkML">
+  <inkml:definitions>
+    <inkml:context xml:id="ctx0">
+      <inkml:inkSource xml:id="inkSrc0">
+        <inkml:traceFormat>
+          <inkml:channel name="X" type="integer" min="-2.14748E9" max="2.14748E9" units="cm"/>
+          <inkml:channel name="Y" type="integer" min="-2.14748E9" max="2.14748E9" units="cm"/>
+          <inkml:channel name="F" type="integer" max="32767" units="dev"/>
+          <inkml:channel name="OA" type="integer" max="360" units="deg"/>
+          <inkml:channel name="OE" type="integer" max="90" units="deg"/>
+        </inkml:traceFormat>
+        <inkml:channelProperties>
+          <inkml:channelProperty channel="X" name="resolution" value="1000" units="1/cm"/>
+          <inkml:channelProperty channel="Y" name="resolution" value="1000" units="1/cm"/>
+          <inkml:channelProperty channel="F" name="resolution" value="0" units="1/dev"/>
+          <inkml:channelProperty channel="OA" name="resolution" value="1000" units="1/deg"/>
+          <inkml:channelProperty channel="OE" name="resolution" value="1000" units="1/deg"/>
+        </inkml:channelProperties>
+      </inkml:inkSource>
+      <inkml:timestamp xml:id="ts0" timeString="2021-08-17T16:31:46.526"/>
+    </inkml:context>
+    <inkml:brush xml:id="br0">
+      <inkml:brushProperty name="width" value="0.05" units="cm"/>
+      <inkml:brushProperty name="height" value="0.05" units="cm"/>
+      <inkml:brushProperty name="color" value="#FF0066"/>
+    </inkml:brush>
+  </inkml:definitions>
+  <inkml:trace contextRef="#ctx0" brushRef="#br0">0 201 2760 0 0,'0'-15'248'0'0,"3"-4"4057"0"0,-1-5 3092 0 0,0 14-4937 0 0,2 16 576 0 0,2 16-1515 0 0,3 41-919 0 0,0 72-1 0 0,-4-36-353 0 0,-5-94-210 0 0,-1 15 220 0 0,2-1 1 0 0,4 30-1 0 0,-10-172 1750 0 0,6 91-1676 0 0,0 1 0 0 0,2 0-1 0 0,14-57 1 0 0,-11 58-6 0 0,-2 10-62 0 0,1 1-1 0 0,1 0 0 0 0,0 1 0 0 0,11-20 0 0 0,-13 29-165 0 0,1 0-1 0 0,0 0 1 0 0,1 0-1 0 0,0 1 1 0 0,1 0-1 0 0,0 0 1 0 0,0 1-1 0 0,0-1 1 0 0,13-8-1 0 0,-18 15-86 0 0,1-1 0 0 0,-1 1 0 0 0,0 0 0 0 0,1 0 0 0 0,-1 0 0 0 0,1 0 0 0 0,-1 1 0 0 0,1-1 0 0 0,-1 1 0 0 0,1-1 0 0 0,-1 1 0 0 0,1 0 0 0 0,0 0 0 0 0,-1 0 1 0 0,1 0-1 0 0,-1 1 0 0 0,1-1 0 0 0,-1 1 0 0 0,1-1 0 0 0,-1 1 0 0 0,1 0 0 0 0,-1 0 0 0 0,1 0 0 0 0,-1 0 0 0 0,4 3 0 0 0,-3-2 2 0 0,0 0 1 0 0,0 0-1 0 0,-1 1 0 0 0,1-1 1 0 0,0 1-1 0 0,-1 0 1 0 0,1 0-1 0 0,-1-1 0 0 0,0 2 1 0 0,0-1-1 0 0,0 0 1 0 0,0 0-1 0 0,-1 1 1 0 0,1-1-1 0 0,-1 1 0 0 0,2 6 1 0 0,-3-1 14 0 0,1 1 0 0 0,-1-1 0 0 0,0 0 1 0 0,-1 1-1 0 0,0-1 0 0 0,-1 0 0 0 0,0 0 1 0 0,0 0-1 0 0,-1 0 0 0 0,0 0 0 0 0,0 0 1 0 0,-1-1-1 0 0,0 0 0 0 0,-1 0 0 0 0,-7 11 1 0 0,4-8-14 0 0,-1 0 0 0 0,0 0 0 0 0,-1-1 0 0 0,0 0 1 0 0,-1-1-1 0 0,0 0 0 0 0,0-1 0 0 0,0 0 0 0 0,-20 9 1 0 0,27-15-329 0 0,1-1 0 0 0,-1 0 0 0 0,0 0 0 0 0,1 0 1 0 0,-8 1-1 0 0,11-2 203 0 0,-1 0 1 0 0,1 0 0 0 0,-1 0-1 0 0,0 0 1 0 0,1 0 0 0 0,-1 0-1 0 0,1 0 1 0 0,-1 0 0 0 0,1 0 0 0 0,-1 0-1 0 0,1 0 1 0 0,-1-1 0 0 0,0 1-1 0 0,1 0 1 0 0,-1 0 0 0 0,1-1-1 0 0,-1 1 1 0 0,0-1 0 0 0,1 0-40 0 0,0 1 1 0 0,-1-1-1 0 0,1 1 1 0 0,0-1-1 0 0,0 1 1 0 0,0-1 0 0 0,0 0-1 0 0,0 1 1 0 0,0-1-1 0 0,0 1 1 0 0,0-1 0 0 0,0 0-1 0 0,0 1 1 0 0,0-1-1 0 0,0 1 1 0 0,0-1-1 0 0,0 0 1 0 0,0 1 0 0 0,1-1-1 0 0,-1 1 1 0 0,0-1-1 0 0,1 0 1 0 0,6-9-1611 0 0</inkml:trace>
+</inkml:ink>
+</file>
+
+<file path=ppt/ink/ink27.xml><?xml version="1.0" encoding="utf-8"?>
+<inkml:ink xmlns:inkml="http://www.w3.org/2003/InkML">
+  <inkml:definitions>
+    <inkml:context xml:id="ctx0">
+      <inkml:inkSource xml:id="inkSrc0">
+        <inkml:traceFormat>
+          <inkml:channel name="X" type="integer" min="-2.14748E9" max="2.14748E9" units="cm"/>
+          <inkml:channel name="Y" type="integer" min="-2.14748E9" max="2.14748E9" units="cm"/>
+          <inkml:channel name="F" type="integer" max="32767" units="dev"/>
+          <inkml:channel name="OA" type="integer" max="360" units="deg"/>
+          <inkml:channel name="OE" type="integer" max="90" units="deg"/>
+        </inkml:traceFormat>
+        <inkml:channelProperties>
+          <inkml:channelProperty channel="X" name="resolution" value="1000" units="1/cm"/>
+          <inkml:channelProperty channel="Y" name="resolution" value="1000" units="1/cm"/>
+          <inkml:channelProperty channel="F" name="resolution" value="0" units="1/dev"/>
+          <inkml:channelProperty channel="OA" name="resolution" value="1000" units="1/deg"/>
+          <inkml:channelProperty channel="OE" name="resolution" value="1000" units="1/deg"/>
+        </inkml:channelProperties>
+      </inkml:inkSource>
+      <inkml:timestamp xml:id="ts0" timeString="2021-08-17T16:31:46.894"/>
+    </inkml:context>
+    <inkml:brush xml:id="br0">
+      <inkml:brushProperty name="width" value="0.05" units="cm"/>
+      <inkml:brushProperty name="height" value="0.05" units="cm"/>
+      <inkml:brushProperty name="color" value="#FF0066"/>
+    </inkml:brush>
+  </inkml:definitions>
+  <inkml:trace contextRef="#ctx0" brushRef="#br0">71 0 8752 0 0,'0'0'673'0'0,"0"2"-437"0"0,-17 64 7883 0 0,3-10-1944 0 0,3-19-6397 0 0,4-16 372 0 0,1 0 0 0 0,1 0 1 0 0,1 1-1 0 0,1 0 1 0 0,0 30-1 0 0,3-37-1167 0 0,2-2-4839 0 0</inkml:trace>
+</inkml:ink>
+</file>
+
+<file path=ppt/ink/ink28.xml><?xml version="1.0" encoding="utf-8"?>
+<inkml:ink xmlns:inkml="http://www.w3.org/2003/InkML">
+  <inkml:definitions>
+    <inkml:context xml:id="ctx0">
+      <inkml:inkSource xml:id="inkSrc0">
+        <inkml:traceFormat>
+          <inkml:channel name="X" type="integer" min="-2.14748E9" max="2.14748E9" units="cm"/>
+          <inkml:channel name="Y" type="integer" min="-2.14748E9" max="2.14748E9" units="cm"/>
+          <inkml:channel name="F" type="integer" max="32767" units="dev"/>
+          <inkml:channel name="OA" type="integer" max="360" units="deg"/>
+          <inkml:channel name="OE" type="integer" max="90" units="deg"/>
+        </inkml:traceFormat>
+        <inkml:channelProperties>
+          <inkml:channelProperty channel="X" name="resolution" value="1000" units="1/cm"/>
+          <inkml:channelProperty channel="Y" name="resolution" value="1000" units="1/cm"/>
+          <inkml:channelProperty channel="F" name="resolution" value="0" units="1/dev"/>
+          <inkml:channelProperty channel="OA" name="resolution" value="1000" units="1/deg"/>
+          <inkml:channelProperty channel="OE" name="resolution" value="1000" units="1/deg"/>
+        </inkml:channelProperties>
+      </inkml:inkSource>
+      <inkml:timestamp xml:id="ts0" timeString="2021-08-17T16:31:47.256"/>
+    </inkml:context>
+    <inkml:brush xml:id="br0">
+      <inkml:brushProperty name="width" value="0.05" units="cm"/>
+      <inkml:brushProperty name="height" value="0.05" units="cm"/>
+      <inkml:brushProperty name="color" value="#FF0066"/>
+    </inkml:brush>
+  </inkml:definitions>
+  <inkml:trace contextRef="#ctx0" brushRef="#br0">105 0 13360 0 0,'-10'11'604'0'0,"1"-1"1"0"0,0 1-1 0 0,0 1 1 0 0,1 0-1 0 0,-12 24 1 0 0,12-19 2315 0 0,-11 34 0 0 0,15-40-1595 0 0,-3 25 0 0 0,6-33-1163 0 0,1 1 0 0 0,0 0 0 0 0,0-1 0 0 0,0 1 0 0 0,0 0 0 0 0,1-1 0 0 0,-1 1 0 0 0,1 0 0 0 0,0-1 0 0 0,3 7 0 0 0,-4-9-142 0 0,1 0 0 0 0,0 0 0 0 0,0 0 0 0 0,0-1 0 0 0,0 1 0 0 0,-1 0 0 0 0,1 0 0 0 0,1 0 0 0 0,-1-1 0 0 0,0 1 0 0 0,0-1 0 0 0,0 1 0 0 0,0-1 0 0 0,0 1 0 0 0,0-1 0 0 0,1 1 0 0 0,-1-1 0 0 0,0 0 0 0 0,0 0 0 0 0,1 0 0 0 0,-1 0 0 0 0,0 0 0 0 0,0 0 0 0 0,1 0 0 0 0,0 0 0 0 0,4-1-5 0 0,-1 1 1 0 0,0-1 0 0 0,1-1 0 0 0,7-2 0 0 0,3-3-816 0 0,0-1 0 0 0,-1 0 0 0 0,25-19 0 0 0,-15 8-8122 0 0</inkml:trace>
+</inkml:ink>
+</file>
+
+<file path=ppt/ink/ink29.xml><?xml version="1.0" encoding="utf-8"?>
+<inkml:ink xmlns:inkml="http://www.w3.org/2003/InkML">
+  <inkml:definitions>
+    <inkml:context xml:id="ctx0">
+      <inkml:inkSource xml:id="inkSrc0">
+        <inkml:traceFormat>
+          <inkml:channel name="X" type="integer" min="-2.14748E9" max="2.14748E9" units="cm"/>
+          <inkml:channel name="Y" type="integer" min="-2.14748E9" max="2.14748E9" units="cm"/>
+          <inkml:channel name="F" type="integer" max="32767" units="dev"/>
+          <inkml:channel name="OA" type="integer" max="360" units="deg"/>
+          <inkml:channel name="OE" type="integer" max="90" units="deg"/>
+        </inkml:traceFormat>
+        <inkml:channelProperties>
+          <inkml:channelProperty channel="X" name="resolution" value="1000" units="1/cm"/>
+          <inkml:channelProperty channel="Y" name="resolution" value="1000" units="1/cm"/>
+          <inkml:channelProperty channel="F" name="resolution" value="0" units="1/dev"/>
+          <inkml:channelProperty channel="OA" name="resolution" value="1000" units="1/deg"/>
+          <inkml:channelProperty channel="OE" name="resolution" value="1000" units="1/deg"/>
+        </inkml:channelProperties>
+      </inkml:inkSource>
+      <inkml:timestamp xml:id="ts0" timeString="2021-08-17T16:31:47.663"/>
+    </inkml:context>
+    <inkml:brush xml:id="br0">
+      <inkml:brushProperty name="width" value="0.05" units="cm"/>
+      <inkml:brushProperty name="height" value="0.05" units="cm"/>
+      <inkml:brushProperty name="color" value="#FF0066"/>
+    </inkml:brush>
+  </inkml:definitions>
+  <inkml:trace contextRef="#ctx0" brushRef="#br0">186 46 3224 0 0,'-5'-19'255'0'0,"2"-7"20513"0"0,9 42-19425 0 0,-1-7-1175 0 0,6 34 94 0 0,-1 0 0 0 0,-3 1-1 0 0,2 45 1 0 0,-1-13-93 0 0,14 235 349 0 0,-18-222-403 0 0,-1-54-65 0 0,-1-23-90 0 0,-1 1 0 0 0,-1 0 0 0 0,-1 22-1 0 0,-4-21-1700 0 0</inkml:trace>
+  <inkml:trace contextRef="#ctx0" brushRef="#br0" timeOffset="1">0 493 15664 0 0,'0'0'1417'0'0,"4"5"-1139"0"0,-1-2 4 0 0,1-1 0 0 0,-1 0 0 0 0,1 0 0 0 0,0 0 0 0 0,-1-1-1 0 0,1 1 1 0 0,0-1 0 0 0,0 0 0 0 0,0 0 0 0 0,0 0 0 0 0,0-1-1 0 0,0 1 1 0 0,6-1 0 0 0,8 0 2087 0 0,28-3-1 0 0,-41 2-2325 0 0,27-4 881 0 0,34-10 1 0 0,-11 2-488 0 0,-32 8-1487 0 0,0-1 1 0 0,40-17-1 0 0,-46 16-597 0 0</inkml:trace>
+</inkml:ink>
+</file>
+
+<file path=ppt/ink/ink3.xml><?xml version="1.0" encoding="utf-8"?>
+<inkml:ink xmlns:inkml="http://www.w3.org/2003/InkML">
+  <inkml:definitions>
+    <inkml:context xml:id="ctx0">
+      <inkml:inkSource xml:id="inkSrc0">
+        <inkml:traceFormat>
+          <inkml:channel name="X" type="integer" min="-2.14748E9" max="2.14748E9" units="cm"/>
+          <inkml:channel name="Y" type="integer" min="-2.14748E9" max="2.14748E9" units="cm"/>
+          <inkml:channel name="F" type="integer" max="32767" units="dev"/>
+          <inkml:channel name="OA" type="integer" max="360" units="deg"/>
+          <inkml:channel name="OE" type="integer" max="90" units="deg"/>
+        </inkml:traceFormat>
+        <inkml:channelProperties>
+          <inkml:channelProperty channel="X" name="resolution" value="1000" units="1/cm"/>
+          <inkml:channelProperty channel="Y" name="resolution" value="1000" units="1/cm"/>
+          <inkml:channelProperty channel="F" name="resolution" value="0" units="1/dev"/>
+          <inkml:channelProperty channel="OA" name="resolution" value="1000" units="1/deg"/>
+          <inkml:channelProperty channel="OE" name="resolution" value="1000" units="1/deg"/>
+        </inkml:channelProperties>
+      </inkml:inkSource>
+      <inkml:timestamp xml:id="ts0" timeString="2021-08-17T16:30:58.017"/>
+    </inkml:context>
+    <inkml:brush xml:id="br0">
+      <inkml:brushProperty name="width" value="0.05" units="cm"/>
+      <inkml:brushProperty name="height" value="0.05" units="cm"/>
+      <inkml:brushProperty name="color" value="#FF0066"/>
+    </inkml:brush>
+  </inkml:definitions>
+  <inkml:trace contextRef="#ctx0" brushRef="#br0">4 157 2760 0 0,'-4'-10'13222'0'0,"7"10"-13046"0"0,-1 1-1 0 0,1-1 1 0 0,-1 1 0 0 0,1 0-1 0 0,-1-1 1 0 0,0 1 0 0 0,1 1-1 0 0,3 1 1 0 0,-4-1-54 0 0,1-1 0 0 0,0 0 0 0 0,0 1 0 0 0,0-1 0 0 0,0 0 0 0 0,0 0 0 0 0,0-1 0 0 0,0 1 0 0 0,3 0 0 0 0,65 4 798 0 0,-33-4-506 0 0,-17 0-48 0 0,21-1 0 0 0,-6-2-56 0 0,52 6-1 0 0,-7-1-330 0 0,-32-1 610 0 0,-30-1-350 0 0,1 0 0 0 0,-1-1 0 0 0,21-4-1 0 0,-19 2-97 0 0,-1 0 0 0 0,0 1 0 0 0,0 1-1 0 0,22 3 1 0 0,-32-3-74 0 0,0 0 0 0 0,0-1 0 0 0,0 1 0 0 0,12-4 0 0 0,24-1 198 0 0,92 10 383 0 0,-54-5-216 0 0,3-7-8 0 0,20-4 216 0 0,-81 10-502 0 0,-1-2 1 0 0,30-6-1 0 0,29-3 135 0 0,66-8 332 0 0,-121 15-543 0 0,43-11 121 0 0,-50 10-89 0 0,0 1 1 0 0,36-3-1 0 0,41 1 165 0 0,-8 11-59 0 0,-49-2 19 0 0,46-1-1 0 0,86-8 198 0 0,-16 2 243 0 0,-70 0-231 0 0,63-5 25 0 0,-86 8-323 0 0,11 3 0 0 0,-23 1 73 0 0,29-7 128 0 0,-43 2-214 0 0,-24 2-55 0 0,0 0-1 0 0,0-1 1 0 0,-1-1 0 0 0,1 0 0 0 0,-1-1-1 0 0,20-8 1 0 0,-33 11-14 0 0,9-1 91 0 0,-12 0-337 0 0,-1-2-448 0 0</inkml:trace>
+</inkml:ink>
+</file>
+
+<file path=ppt/ink/ink30.xml><?xml version="1.0" encoding="utf-8"?>
+<inkml:ink xmlns:inkml="http://www.w3.org/2003/InkML">
+  <inkml:definitions>
+    <inkml:context xml:id="ctx0">
+      <inkml:inkSource xml:id="inkSrc0">
+        <inkml:traceFormat>
+          <inkml:channel name="X" type="integer" min="-2.14748E9" max="2.14748E9" units="cm"/>
+          <inkml:channel name="Y" type="integer" min="-2.14748E9" max="2.14748E9" units="cm"/>
+          <inkml:channel name="F" type="integer" max="32767" units="dev"/>
+          <inkml:channel name="OA" type="integer" max="360" units="deg"/>
+          <inkml:channel name="OE" type="integer" max="90" units="deg"/>
+        </inkml:traceFormat>
+        <inkml:channelProperties>
+          <inkml:channelProperty channel="X" name="resolution" value="1000" units="1/cm"/>
+          <inkml:channelProperty channel="Y" name="resolution" value="1000" units="1/cm"/>
+          <inkml:channelProperty channel="F" name="resolution" value="0" units="1/dev"/>
+          <inkml:channelProperty channel="OA" name="resolution" value="1000" units="1/deg"/>
+          <inkml:channelProperty channel="OE" name="resolution" value="1000" units="1/deg"/>
+        </inkml:channelProperties>
+      </inkml:inkSource>
+      <inkml:timestamp xml:id="ts0" timeString="2021-08-17T16:31:48.024"/>
+    </inkml:context>
+    <inkml:brush xml:id="br0">
+      <inkml:brushProperty name="width" value="0.05" units="cm"/>
+      <inkml:brushProperty name="height" value="0.05" units="cm"/>
+      <inkml:brushProperty name="color" value="#FF0066"/>
+    </inkml:brush>
+  </inkml:definitions>
+  <inkml:trace contextRef="#ctx0" brushRef="#br0">41 0 16615 0 0,'0'0'2388'0'0,"-9"1"-1080"0"0,7 0-1225 0 0,0 0 0 0 0,0 0 0 0 0,0 0 0 0 0,0 0 0 0 0,1 0 0 0 0,-1 0 0 0 0,1 0 0 0 0,-1 1 0 0 0,1-1 0 0 0,-1 1 0 0 0,1-1 0 0 0,0 1 0 0 0,-1 0 0 0 0,1-1 0 0 0,0 1 0 0 0,0 0 0 0 0,0 0 0 0 0,1 0 0 0 0,-1 0 0 0 0,0 0-1 0 0,1 0 1 0 0,-1 0 0 0 0,1 0 0 0 0,0 0 0 0 0,-1 2 0 0 0,1 5 109 0 0,-1 0-1 0 0,1 0 0 0 0,1 1 0 0 0,1 10 1 0 0,-1-13-291 0 0,1 3 30 0 0,-1 0 1 0 0,2 0 0 0 0,3 11 0 0 0,-5-19 97 0 0,0 1 1 0 0,0 0 0 0 0,1-1-1 0 0,-1 0 1 0 0,1 1-1 0 0,-1-1 1 0 0,1 0-1 0 0,0 1 1 0 0,0-1 0 0 0,0 0-1 0 0,0-1 1 0 0,0 1-1 0 0,0 0 1 0 0,1 0-1 0 0,4 1 1 0 0,-4-1 47 0 0,1 0 0 0 0,0-1 0 0 0,-1 1 0 0 0,1-1 0 0 0,0 0 0 0 0,0 0 0 0 0,0-1 0 0 0,0 1 0 0 0,0-1-1 0 0,0 0 1 0 0,0 0 0 0 0,0 0 0 0 0,0-1 0 0 0,0 1 0 0 0,0-1 0 0 0,0 0 0 0 0,0 0 0 0 0,0 0 0 0 0,-1-1 0 0 0,1 1 0 0 0,0-1 0 0 0,-1 0 0 0 0,1 0 0 0 0,-1 0 0 0 0,0-1 0 0 0,0 1 0 0 0,5-5 0 0 0,5-7 245 0 0,0 0 1 0 0,-1-1 0 0 0,0 0 0 0 0,14-26 0 0 0,-15 23 8 0 0,-8 10-36 0 0,1 2-1 0 0,0-1 1 0 0,11-12 559 0 0,-6 52-646 0 0,-9-20-161 0 0,1 1-1 0 0,-4 25 0 0 0,1-26-51 0 0,1 1-1 0 0,1-1 1 0 0,1 17 0 0 0,3 2-1463 0 0,1-34-2660 0 0</inkml:trace>
+</inkml:ink>
+</file>
+
+<file path=ppt/ink/ink31.xml><?xml version="1.0" encoding="utf-8"?>
+<inkml:ink xmlns:inkml="http://www.w3.org/2003/InkML">
+  <inkml:definitions>
+    <inkml:context xml:id="ctx0">
+      <inkml:inkSource xml:id="inkSrc0">
+        <inkml:traceFormat>
+          <inkml:channel name="X" type="integer" min="-2.14748E9" max="2.14748E9" units="cm"/>
+          <inkml:channel name="Y" type="integer" min="-2.14748E9" max="2.14748E9" units="cm"/>
+          <inkml:channel name="F" type="integer" max="32767" units="dev"/>
+          <inkml:channel name="OA" type="integer" max="360" units="deg"/>
+          <inkml:channel name="OE" type="integer" max="90" units="deg"/>
+        </inkml:traceFormat>
+        <inkml:channelProperties>
+          <inkml:channelProperty channel="X" name="resolution" value="1000" units="1/cm"/>
+          <inkml:channelProperty channel="Y" name="resolution" value="1000" units="1/cm"/>
+          <inkml:channelProperty channel="F" name="resolution" value="0" units="1/dev"/>
+          <inkml:channelProperty channel="OA" name="resolution" value="1000" units="1/deg"/>
+          <inkml:channelProperty channel="OE" name="resolution" value="1000" units="1/deg"/>
+        </inkml:channelProperties>
+      </inkml:inkSource>
+      <inkml:timestamp xml:id="ts0" timeString="2021-08-17T16:31:48.414"/>
+    </inkml:context>
+    <inkml:brush xml:id="br0">
+      <inkml:brushProperty name="width" value="0.05" units="cm"/>
+      <inkml:brushProperty name="height" value="0.05" units="cm"/>
+      <inkml:brushProperty name="color" value="#FF0066"/>
+    </inkml:brush>
+  </inkml:definitions>
+  <inkml:trace contextRef="#ctx0" brushRef="#br0">1 40 7832 0 0,'0'0'8239'0'0,"0"6"-5833"0"0,1 14-570 0 0,5 26 1 0 0,0 10-484 0 0,-5-34-1106 0 0,0-5 353 0 0,0 0 1 0 0,5 24-1 0 0,-4-30-584 0 0,-2-11-16 0 0,0 0 0 0 0,0 0 1 0 0,0 0-1 0 0,0 0 0 0 0,0 1 0 0 0,0-1 0 0 0,0 0 0 0 0,0 0 0 0 0,0 0 0 0 0,0 0 0 0 0,0 1 1 0 0,1-1-1 0 0,-1 0 0 0 0,0 0 0 0 0,0 0 0 0 0,0 0 0 0 0,0 0 0 0 0,0 1 0 0 0,0-1 0 0 0,0 0 1 0 0,0 0-1 0 0,0 0 0 0 0,1 0 0 0 0,-1 0 0 0 0,0 0 0 0 0,0 1 0 0 0,0-1 0 0 0,0 0 1 0 0,0 0-1 0 0,1 0 0 0 0,-1 0 0 0 0,0 0 0 0 0,0 0 0 0 0,0 0 0 0 0,0 0 0 0 0,1 0 0 0 0,4-4-10 0 0,2-9 82 0 0,-7 13-66 0 0,3-6 183 0 0,1 0 0 0 0,0 0 0 0 0,0 0 0 0 0,0 1 0 0 0,1-1 0 0 0,0 1 0 0 0,0 0 0 0 0,0 1 0 0 0,1-1 0 0 0,7-4 0 0 0,2 0-169 0 0,-1 1 1 0 0,1 0 0 0 0,20-6-1 0 0,-11 3-30 0 0,0 0 0 0 0,-1-2-1 0 0,27-18 1 0 0,-34 19 176 0 0,-6 7 41 0 0,-1-2 0 0 0,1 0 0 0 0,-2 0 0 0 0,1 0 0 0 0,10-13 0 0 0,-5-4 257 0 0,-14 24-464 0 0,1 0 0 0 0,-1-1 0 0 0,0 1 0 0 0,0 0 0 0 0,0 0 0 0 0,0 0 0 0 0,0 0 0 0 0,0 0 0 0 0,0-1 0 0 0,0 1 0 0 0,0 0 0 0 0,0 0 0 0 0,0 0 0 0 0,0 0 0 0 0,0-1 0 0 0,0 1 0 0 0,0 0 0 0 0,0 0 0 0 0,0 0 0 0 0,0 0 0 0 0,0 0 0 0 0,0-1 0 0 0,0 1 0 0 0,0 0 0 0 0,-1 0 0 0 0,1 0 0 0 0,0 0 0 0 0,0 0 0 0 0,0 0 0 0 0,0-1 0 0 0,0 1 0 0 0,0 0 0 0 0,0 0 0 0 0,0 0 0 0 0,-1 0 0 0 0,1 0 0 0 0,0 0 0 0 0,0 0 0 0 0,0 0 0 0 0,0 0 0 0 0,0-1 0 0 0,-1 1 0 0 0,1 0 0 0 0,0 0 0 0 0,0 0 0 0 0,0 0 0 0 0,0 0 0 0 0,0 0 0 0 0,-1 0 0 0 0,1 0 0 0 0,-5 0 0 0 0,1 1 0 0 0,0-1 0 0 0,0 1 0 0 0,0 0 0 0 0,0 0 0 0 0,0 0 0 0 0,1 0 0 0 0,-1 1 0 0 0,0-1 0 0 0,1 1 0 0 0,-1 0 0 0 0,1 0 0 0 0,0 1 0 0 0,-1-1 0 0 0,1 1 0 0 0,0-1 0 0 0,1 1 0 0 0,-1 0 0 0 0,0 0 0 0 0,1 0 0 0 0,0 1 0 0 0,-1-1 0 0 0,-1 5 0 0 0,-1 2 0 0 0,0 0 0 0 0,0 0 0 0 0,1 1 0 0 0,1-1 0 0 0,0 1 0 0 0,-3 20 0 0 0,5-25-94 0 0,1 0 0 0 0,0 0 1 0 0,0 0-1 0 0,0 0 0 0 0,1 0 0 0 0,0 0 0 0 0,1-1 1 0 0,-1 1-1 0 0,1 0 0 0 0,0 0 0 0 0,5 9 0 0 0,-6-13 45 0 0,0 0-1 0 0,0 1 1 0 0,1-1-1 0 0,-1 0 1 0 0,0-1-1 0 0,1 1 1 0 0,0 0-1 0 0,-1 0 0 0 0,1-1 1 0 0,0 1-1 0 0,0-1 1 0 0,0 1-1 0 0,0-1 1 0 0,0 0-1 0 0,0 0 0 0 0,0 0 1 0 0,0 0-1 0 0,1 0 1 0 0,-1 0-1 0 0,0-1 1 0 0,1 1-1 0 0,-1-1 0 0 0,0 1 1 0 0,1-1-1 0 0,-1 0 1 0 0,1 0-1 0 0,-1 0 1 0 0,0 0-1 0 0,1-1 1 0 0,-1 1-1 0 0,0-1 0 0 0,4 0 1 0 0,8-4-974 0 0</inkml:trace>
+</inkml:ink>
+</file>
+
+<file path=ppt/ink/ink32.xml><?xml version="1.0" encoding="utf-8"?>
+<inkml:ink xmlns:inkml="http://www.w3.org/2003/InkML">
+  <inkml:definitions>
+    <inkml:context xml:id="ctx0">
+      <inkml:inkSource xml:id="inkSrc0">
+        <inkml:traceFormat>
+          <inkml:channel name="X" type="integer" min="-2.14748E9" max="2.14748E9" units="cm"/>
+          <inkml:channel name="Y" type="integer" min="-2.14748E9" max="2.14748E9" units="cm"/>
+          <inkml:channel name="F" type="integer" max="32767" units="dev"/>
+          <inkml:channel name="OA" type="integer" max="360" units="deg"/>
+          <inkml:channel name="OE" type="integer" max="90" units="deg"/>
+        </inkml:traceFormat>
+        <inkml:channelProperties>
+          <inkml:channelProperty channel="X" name="resolution" value="1000" units="1/cm"/>
+          <inkml:channelProperty channel="Y" name="resolution" value="1000" units="1/cm"/>
+          <inkml:channelProperty channel="F" name="resolution" value="0" units="1/dev"/>
+          <inkml:channelProperty channel="OA" name="resolution" value="1000" units="1/deg"/>
+          <inkml:channelProperty channel="OE" name="resolution" value="1000" units="1/deg"/>
+        </inkml:channelProperties>
+      </inkml:inkSource>
+      <inkml:timestamp xml:id="ts0" timeString="2021-08-17T16:31:48.801"/>
+    </inkml:context>
+    <inkml:brush xml:id="br0">
+      <inkml:brushProperty name="width" value="0.05" units="cm"/>
+      <inkml:brushProperty name="height" value="0.05" units="cm"/>
+      <inkml:brushProperty name="color" value="#FF0066"/>
+    </inkml:brush>
+  </inkml:definitions>
+  <inkml:trace contextRef="#ctx0" brushRef="#br0">63 31 14280 0 0,'-7'-3'1272'0'0,"-1"3"-1016"0"0,3-2-256 0 0,-4-2 0 0 0,0 2 2079 0 0,4-3 377 0 0,0 0 72 0 0,2 3 8 0 0,-4-3-1728 0 0,2 3 432 0 0,17 4-2800 0 0</inkml:trace>
+</inkml:ink>
+</file>
+
+<file path=ppt/ink/ink33.xml><?xml version="1.0" encoding="utf-8"?>
+<inkml:ink xmlns:inkml="http://www.w3.org/2003/InkML">
+  <inkml:definitions>
+    <inkml:context xml:id="ctx0">
+      <inkml:inkSource xml:id="inkSrc0">
+        <inkml:traceFormat>
+          <inkml:channel name="X" type="integer" min="-2.14748E9" max="2.14748E9" units="cm"/>
+          <inkml:channel name="Y" type="integer" min="-2.14748E9" max="2.14748E9" units="cm"/>
+          <inkml:channel name="F" type="integer" max="32767" units="dev"/>
+          <inkml:channel name="OA" type="integer" max="360" units="deg"/>
+          <inkml:channel name="OE" type="integer" max="90" units="deg"/>
+        </inkml:traceFormat>
+        <inkml:channelProperties>
+          <inkml:channelProperty channel="X" name="resolution" value="1000" units="1/cm"/>
+          <inkml:channelProperty channel="Y" name="resolution" value="1000" units="1/cm"/>
+          <inkml:channelProperty channel="F" name="resolution" value="0" units="1/dev"/>
+          <inkml:channelProperty channel="OA" name="resolution" value="1000" units="1/deg"/>
+          <inkml:channelProperty channel="OE" name="resolution" value="1000" units="1/deg"/>
+        </inkml:channelProperties>
+      </inkml:inkSource>
+      <inkml:timestamp xml:id="ts0" timeString="2021-08-17T16:31:49.865"/>
+    </inkml:context>
+    <inkml:brush xml:id="br0">
+      <inkml:brushProperty name="width" value="0.05" units="cm"/>
+      <inkml:brushProperty name="height" value="0.05" units="cm"/>
+      <inkml:brushProperty name="color" value="#FF0066"/>
+    </inkml:brush>
+  </inkml:definitions>
+  <inkml:trace contextRef="#ctx0" brushRef="#br0">6 364 11976 0 0,'-2'-15'11587'0'0,"0"62"-10870"0"0,0-26-638 0 0,2 24-1 0 0,1-38-73 0 0,-1 12 5 0 0,2 0 0 0 0,0 0 0 0 0,1-1 0 0 0,1 1 0 0 0,0-1-1 0 0,9 20 1 0 0,-12-36 23 0 0,0 0-1 0 0,0 0 1 0 0,0 0-1 0 0,1 0 1 0 0,-1 0-1 0 0,1-1 1 0 0,-1 1-1 0 0,1 0 1 0 0,0-1-1 0 0,0 1 1 0 0,-1-1-1 0 0,1 0 1 0 0,0 1-1 0 0,0-1 0 0 0,1 0 1 0 0,-1 0-1 0 0,0 0 1 0 0,0-1-1 0 0,0 1 1 0 0,1 0-1 0 0,-1-1 1 0 0,0 1-1 0 0,0-1 1 0 0,1 0-1 0 0,-1 0 1 0 0,0 0-1 0 0,1 0 1 0 0,-1 0-1 0 0,0-1 1 0 0,1 1-1 0 0,-1-1 1 0 0,0 1-1 0 0,0-1 1 0 0,1 0-1 0 0,1-1 1 0 0,4-2 120 0 0,-1-1 1 0 0,1 0 0 0 0,-1 0 0 0 0,-1 0 0 0 0,1-1 0 0 0,-1 0 0 0 0,0-1-1 0 0,0 1 1 0 0,9-15 0 0 0,-6 5 154 0 0,10-30 0 0 0,-13 29 274 0 0,16-29 0 0 0,-21 46-471 0 0,-1 8-100 0 0,1 1 1 0 0,0-1 0 0 0,0 1 0 0 0,1-1-1 0 0,0 1 1 0 0,0-1 0 0 0,1 0-1 0 0,0 0 1 0 0,0 0 0 0 0,1 0 0 0 0,0-1-1 0 0,10 14 1 0 0,-11-18 20 0 0,-1 1-1 0 0,1-1 1 0 0,0 0 0 0 0,0-1 0 0 0,0 1-1 0 0,1 0 1 0 0,-1-1 0 0 0,1 0-1 0 0,-1 0 1 0 0,1 0 0 0 0,0 0 0 0 0,0 0-1 0 0,-1-1 1 0 0,1 0 0 0 0,0 0-1 0 0,0 0 1 0 0,1 0 0 0 0,-1-1 0 0 0,0 1-1 0 0,0-1 1 0 0,0 0 0 0 0,0 0-1 0 0,0-1 1 0 0,1 1 0 0 0,-1-1 0 0 0,0 0-1 0 0,0 0 1 0 0,6-3 0 0 0,-1 1 1 0 0,0-1 0 0 0,-1-1 0 0 0,0 0 0 0 0,0 0 0 0 0,0 0 0 0 0,0-1 0 0 0,-1 0 0 0 0,0-1 0 0 0,0 1 0 0 0,8-13 0 0 0,4-7-1774 0 0,28-51-1 0 0,7-12-3938 0 0,5-5-3741 0 0,-25 38 4904 0 0,15-28 1724 0 0,-22 26 7944 0 0,-22 47-1811 0 0,1 0 0 0 0,10-11 6108 0 0,-15 47-8529 0 0,-5 7-477 0 0,-1-1 1 0 0,-10 37 0 0 0,8-39-342 0 0,-76 302 591 0 0,73-282-836 0 0,-2 62 1 0 0,11-101-188 0 0,1 0 0 0 0,1 19 0 0 0,7 2-7265 0 0,-1-10-1050 0 0</inkml:trace>
+</inkml:ink>
+</file>
+
+<file path=ppt/ink/ink34.xml><?xml version="1.0" encoding="utf-8"?>
+<inkml:ink xmlns:inkml="http://www.w3.org/2003/InkML">
+  <inkml:definitions>
+    <inkml:context xml:id="ctx0">
+      <inkml:inkSource xml:id="inkSrc0">
+        <inkml:traceFormat>
+          <inkml:channel name="X" type="integer" min="-2.14748E9" max="2.14748E9" units="cm"/>
+          <inkml:channel name="Y" type="integer" min="-2.14748E9" max="2.14748E9" units="cm"/>
+          <inkml:channel name="F" type="integer" max="32767" units="dev"/>
+          <inkml:channel name="OA" type="integer" max="360" units="deg"/>
+          <inkml:channel name="OE" type="integer" max="90" units="deg"/>
+        </inkml:traceFormat>
+        <inkml:channelProperties>
+          <inkml:channelProperty channel="X" name="resolution" value="1000" units="1/cm"/>
+          <inkml:channelProperty channel="Y" name="resolution" value="1000" units="1/cm"/>
+          <inkml:channelProperty channel="F" name="resolution" value="0" units="1/dev"/>
+          <inkml:channelProperty channel="OA" name="resolution" value="1000" units="1/deg"/>
+          <inkml:channelProperty channel="OE" name="resolution" value="1000" units="1/deg"/>
+        </inkml:channelProperties>
+      </inkml:inkSource>
+      <inkml:timestamp xml:id="ts0" timeString="2021-08-17T16:31:50.397"/>
+    </inkml:context>
+    <inkml:brush xml:id="br0">
+      <inkml:brushProperty name="width" value="0.05" units="cm"/>
+      <inkml:brushProperty name="height" value="0.05" units="cm"/>
+      <inkml:brushProperty name="color" value="#FF0066"/>
+    </inkml:brush>
+  </inkml:definitions>
+  <inkml:trace contextRef="#ctx0" brushRef="#br0">17 353 12872 0 0,'0'0'1164'0'0,"-9"-2"76"0"0,7-3-565 0 0,1-1 0 0 0,0 1 0 0 0,0 0 0 0 0,0 0 0 0 0,0 0 0 0 0,1-1 0 0 0,0 1 0 0 0,0 0 0 0 0,0 0 0 0 0,1-1 0 0 0,1-5 0 0 0,3-11 431 0 0,10-29 0 0 0,-5 22-208 0 0,8-26 91 0 0,-7 24-301 0 0,7-39 0 0 0,-13 49-401 0 0,-3 19-117 0 0,-2 12-143 0 0,-2 11-30 0 0,2-1 1 0 0,0 0-1 0 0,2 0 0 0 0,6 36 0 0 0,-5-44-9 0 0,0 1 0 0 0,1-1-1 0 0,0 1 1 0 0,1-1-1 0 0,1 0 1 0 0,0-1 0 0 0,1 1-1 0 0,10 14 1 0 0,-15-24 27 0 0,0 0 0 0 0,0 1 0 0 0,0-1 0 0 0,0 0 0 0 0,0 0 0 0 0,0 0 1 0 0,0-1-1 0 0,1 1 0 0 0,-1-1 0 0 0,1 1 0 0 0,-1-1 0 0 0,1 0 0 0 0,0 0 0 0 0,-1 0 1 0 0,6 1-1 0 0,-5-1 14 0 0,-1-1 0 0 0,1-1 0 0 0,-1 1 0 0 0,1 0 0 0 0,-1-1 0 0 0,1 1 0 0 0,-1-1 0 0 0,1 1 0 0 0,-1-1 0 0 0,0 0 0 0 0,1 0 0 0 0,-1-1 0 0 0,0 1 0 0 0,0 0 0 0 0,0-1 0 0 0,0 1 0 0 0,0-1 0 0 0,3-2 0 0 0,14-16 273 0 0,-1 0 0 0 0,-1-1 0 0 0,18-29 0 0 0,-6 9-843 0 0,-23 32-549 0 0,1 0 1 0 0,1 0-1 0 0,0 0 1 0 0,0 1-1 0 0,1 0 1 0 0,15-10-1 0 0,-8 8-970 0 0</inkml:trace>
+</inkml:ink>
+</file>
+
+<file path=ppt/ink/ink35.xml><?xml version="1.0" encoding="utf-8"?>
+<inkml:ink xmlns:inkml="http://www.w3.org/2003/InkML">
+  <inkml:definitions>
+    <inkml:context xml:id="ctx0">
+      <inkml:inkSource xml:id="inkSrc0">
+        <inkml:traceFormat>
+          <inkml:channel name="X" type="integer" min="-2.14748E9" max="2.14748E9" units="cm"/>
+          <inkml:channel name="Y" type="integer" min="-2.14748E9" max="2.14748E9" units="cm"/>
+          <inkml:channel name="F" type="integer" max="32767" units="dev"/>
+          <inkml:channel name="OA" type="integer" max="360" units="deg"/>
+          <inkml:channel name="OE" type="integer" max="90" units="deg"/>
+        </inkml:traceFormat>
+        <inkml:channelProperties>
+          <inkml:channelProperty channel="X" name="resolution" value="1000" units="1/cm"/>
+          <inkml:channelProperty channel="Y" name="resolution" value="1000" units="1/cm"/>
+          <inkml:channelProperty channel="F" name="resolution" value="0" units="1/dev"/>
+          <inkml:channelProperty channel="OA" name="resolution" value="1000" units="1/deg"/>
+          <inkml:channelProperty channel="OE" name="resolution" value="1000" units="1/deg"/>
+        </inkml:channelProperties>
+      </inkml:inkSource>
+      <inkml:timestamp xml:id="ts0" timeString="2021-08-17T16:31:51.222"/>
+    </inkml:context>
+    <inkml:brush xml:id="br0">
+      <inkml:brushProperty name="width" value="0.05" units="cm"/>
+      <inkml:brushProperty name="height" value="0.05" units="cm"/>
+      <inkml:brushProperty name="color" value="#FF0066"/>
+    </inkml:brush>
+  </inkml:definitions>
+  <inkml:trace contextRef="#ctx0" brushRef="#br0">163 69 6912 0 0,'-13'0'732'0'0,"-5"6"-1107"0"0,-9 10 5166 0 0,-11 17 3390 0 0,31-25-7872 0 0,-1 0 1 0 0,2 0 0 0 0,-1 0 0 0 0,1 0-1 0 0,1 1 1 0 0,-1 0 0 0 0,2 1 0 0 0,-6 12-1 0 0,8-17-237 0 0,1 0-1 0 0,-1 0 1 0 0,1 0-1 0 0,1 0 1 0 0,-1 0 0 0 0,1 0-1 0 0,0 0 1 0 0,0 0-1 0 0,0 0 1 0 0,0 0-1 0 0,1 0 1 0 0,0 0-1 0 0,0 0 1 0 0,1 0 0 0 0,-1 0-1 0 0,1-1 1 0 0,0 1-1 0 0,0-1 1 0 0,4 6-1 0 0,-5-8-22 0 0,-1-1-1 0 0,1 1 0 0 0,0-1 1 0 0,0 0-1 0 0,0 1 0 0 0,0-1 0 0 0,1 0 1 0 0,-1 0-1 0 0,0 1 0 0 0,1-1 1 0 0,-1 0-1 0 0,0 0 0 0 0,1-1 1 0 0,-1 1-1 0 0,1 0 0 0 0,-1 0 1 0 0,1-1-1 0 0,0 1 0 0 0,-1-1 1 0 0,1 1-1 0 0,0-1 0 0 0,-1 0 0 0 0,1 1 1 0 0,0-1-1 0 0,0 0 0 0 0,-1 0 1 0 0,1 0-1 0 0,0-1 0 0 0,-1 1 1 0 0,1 0-1 0 0,0-1 0 0 0,-1 1 1 0 0,4-2-1 0 0,2-1 67 0 0,0 0 0 0 0,0 0 1 0 0,0-1-1 0 0,0 0 0 0 0,-1 0 0 0 0,1-1 1 0 0,-1 0-1 0 0,0 0 0 0 0,-1 0 0 0 0,1-1 1 0 0,-1 0-1 0 0,0 0 0 0 0,-1 0 0 0 0,1-1 1 0 0,-1 1-1 0 0,3-9 0 0 0,3-5 249 0 0,-2 1 0 0 0,0-1 0 0 0,-2-1 0 0 0,8-35-1 0 0,-12 44 200 0 0,-1 1-1 0 0,0-20 0 0 0,-3 55-491 0 0,1-20-111 0 0,0 0 0 0 0,1 1 0 0 0,0-1 1 0 0,0 0-1 0 0,0 1 0 0 0,1 6 0 0 0,0-5-511 0 0,0 0 1 0 0,1 0-1 0 0,-1-1 0 0 0,1 1 1 0 0,1 0-1 0 0,-1-1 0 0 0,1 1 1 0 0,0-1-1 0 0,0 0 1 0 0,0 0-1 0 0,1 0 0 0 0,0 0 1 0 0,0 0-1 0 0,0-1 0 0 0,0 0 1 0 0,6 4-1 0 0,2 1-2588 0 0,17 10 3440 0 0,-24-24 2017 0 0,2-6-1533 0 0,10-27 1357 0 0,-9 17-742 0 0,20-32 1 0 0,-24 46-1161 0 0,1 1 0 0 0,0 0 1 0 0,0-1-1 0 0,0 2 0 0 0,1-1 1 0 0,0 1-1 0 0,0 0 0 0 0,10-7 0 0 0,-14 11-425 0 0,12 6 284 0 0,-12-4-70 0 0,-1 0-1 0 0,1 0 1 0 0,-1 0 0 0 0,0 0 0 0 0,1 0-1 0 0,-1 1 1 0 0,0-1 0 0 0,0 0-1 0 0,0 0 1 0 0,0 1 0 0 0,0-1 0 0 0,0 1-1 0 0,1 1 1 0 0,10 25-174 0 0,-8-17-140 0 0,9 20-1255 0 0,-12-29 1668 0 0,16-8 502 0 0,-14 4-620 0 0,1-1 0 0 0,-1 1-1 0 0,0-1 1 0 0,1 0-1 0 0,-1 0 1 0 0,-1 0-1 0 0,1 0 1 0 0,0-1-1 0 0,-1 1 1 0 0,4-8-1 0 0,14-16-11 0 0,-8 13 26 0 0,-9 10-49 0 0,-1 1 0 0 0,1 0 0 0 0,0-1 0 0 0,1 1 1 0 0,3-3-1 0 0,-6 6 9 0 0,0-1 1 0 0,0 1-1 0 0,0-1 1 0 0,0 1 0 0 0,0-1-1 0 0,0 1 1 0 0,0-1-1 0 0,0 1 1 0 0,1 0-1 0 0,-1 0 1 0 0,0 0-1 0 0,0 0 1 0 0,0-1 0 0 0,0 1-1 0 0,1 1 1 0 0,-1-1-1 0 0,0 0 1 0 0,0 0-1 0 0,0 0 1 0 0,0 1-1 0 0,0-1 1 0 0,1 0 0 0 0,1 2-1 0 0,72 31-240 0 0,-69-31 249 0 0,1 0 0 0 0,-1 0 0 0 0,1-1 0 0 0,-1 0 0 0 0,1 0-1 0 0,0-1 1 0 0,-1 1 0 0 0,14-2 0 0 0,-16 0 3 0 0,0 1 1 0 0,-1-1-1 0 0,1 0 0 0 0,0 0 0 0 0,0 0 1 0 0,-1 0-1 0 0,1 0 0 0 0,-1-1 0 0 0,1 0 1 0 0,-1 0-1 0 0,0 0 0 0 0,1 0 0 0 0,-1 0 0 0 0,0-1 1 0 0,0 1-1 0 0,4-6 0 0 0,-7 7 18 0 0,1 0 0 0 0,0 0-1 0 0,0 0 1 0 0,-1 0 0 0 0,1 0 0 0 0,-1 0-1 0 0,1 0 1 0 0,-1 0 0 0 0,1 0 0 0 0,-1-1-1 0 0,0 1 1 0 0,1 0 0 0 0,-1 0 0 0 0,0 0-1 0 0,0-1 1 0 0,0 1 0 0 0,0 0 0 0 0,0-3-1 0 0,0 4 18 0 0,-1-1 0 0 0,1 0-1 0 0,-1 0 1 0 0,1 0-1 0 0,-1 0 1 0 0,1 1-1 0 0,-1-1 1 0 0,0 0-1 0 0,1 1 1 0 0,-1-1 0 0 0,0 0-1 0 0,1 1 1 0 0,-1-1-1 0 0,0 1 1 0 0,0-1-1 0 0,1 1 1 0 0,-1-1 0 0 0,-2 0-1 0 0,0 0 30 0 0,0 0 0 0 0,1 1 1 0 0,-1-1-1 0 0,0 1 0 0 0,0-1 0 0 0,0 1 0 0 0,0 0 0 0 0,0 0 0 0 0,0 0 0 0 0,0 1 1 0 0,0-1-1 0 0,0 1 0 0 0,0-1 0 0 0,-2 2 0 0 0,0 0-24 0 0,1 1 0 0 0,-1-1 0 0 0,1 1 0 0 0,0 0 0 0 0,0 0 0 0 0,1 0 0 0 0,-1 1 0 0 0,0-1-1 0 0,1 1 1 0 0,0 0 0 0 0,0 0 0 0 0,0 0 0 0 0,0 0 0 0 0,1 0 0 0 0,0 1 0 0 0,0-1 0 0 0,0 1 0 0 0,0 0 0 0 0,1-1 0 0 0,-1 1 0 0 0,1 0-1 0 0,0 6 1 0 0,0-5-54 0 0,1 0 0 0 0,0 0 0 0 0,0 1 1 0 0,0-1-1 0 0,1 0 0 0 0,0 0 0 0 0,0 0 0 0 0,0 0 0 0 0,1 1 0 0 0,0-2 0 0 0,0 1 0 0 0,1 0 0 0 0,-1 0 0 0 0,1-1 0 0 0,1 1 0 0 0,-1-1 0 0 0,7 7 0 0 0,-7-8-203 0 0,1-1 0 0 0,0 0 0 0 0,0 0 0 0 0,1 0 0 0 0,-1 0 0 0 0,0-1 0 0 0,1 0 1 0 0,0 1-1 0 0,5 0 0 0 0,-2 0-1175 0 0,8 3-8126 0 0</inkml:trace>
+</inkml:ink>
+</file>
+
+<file path=ppt/ink/ink36.xml><?xml version="1.0" encoding="utf-8"?>
+<inkml:ink xmlns:inkml="http://www.w3.org/2003/InkML">
+  <inkml:definitions>
+    <inkml:context xml:id="ctx0">
+      <inkml:inkSource xml:id="inkSrc0">
+        <inkml:traceFormat>
+          <inkml:channel name="X" type="integer" min="-2.14748E9" max="2.14748E9" units="cm"/>
+          <inkml:channel name="Y" type="integer" min="-2.14748E9" max="2.14748E9" units="cm"/>
+          <inkml:channel name="F" type="integer" max="32767" units="dev"/>
+          <inkml:channel name="OA" type="integer" max="360" units="deg"/>
+          <inkml:channel name="OE" type="integer" max="90" units="deg"/>
+        </inkml:traceFormat>
+        <inkml:channelProperties>
+          <inkml:channelProperty channel="X" name="resolution" value="1000" units="1/cm"/>
+          <inkml:channelProperty channel="Y" name="resolution" value="1000" units="1/cm"/>
+          <inkml:channelProperty channel="F" name="resolution" value="0" units="1/dev"/>
+          <inkml:channelProperty channel="OA" name="resolution" value="1000" units="1/deg"/>
+          <inkml:channelProperty channel="OE" name="resolution" value="1000" units="1/deg"/>
+        </inkml:channelProperties>
+      </inkml:inkSource>
+      <inkml:timestamp xml:id="ts0" timeString="2021-08-17T16:31:26.700"/>
+    </inkml:context>
+    <inkml:brush xml:id="br0">
+      <inkml:brushProperty name="width" value="0.05" units="cm"/>
+      <inkml:brushProperty name="height" value="0.05" units="cm"/>
+      <inkml:brushProperty name="color" value="#FF0066"/>
+    </inkml:brush>
+  </inkml:definitions>
+  <inkml:trace contextRef="#ctx0" brushRef="#br0">9 73 9384 0 0,'0'0'449'0'0,"0"-12"78"0"0,-3-8 667 0 0,2 11-45 0 0,1 8-869 0 0,0-1 0 0 0,0 0 0 0 0,0 0 0 0 0,0 1 0 0 0,0-1 0 0 0,0 0 0 0 0,0 0 0 0 0,1 1 0 0 0,-1-1 0 0 0,1 0 0 0 0,0-2 1 0 0,4-4 3896 0 0,-6 20-3548 0 0,-5 48-41 0 0,2 28-240 0 0,2 34-299 0 0,3-102-50 0 0,0 3 13 0 0,4 27-1 0 0,-4-44 21 0 0,1 0 0 0 0,-1 0 1 0 0,1 0-1 0 0,0 0 0 0 0,0-1 0 0 0,1 1 0 0 0,0-1 0 0 0,0 1 0 0 0,6 7 0 0 0,-9-12-6 0 0,1 0 1 0 0,0 0-1 0 0,0 0 0 0 0,1 1 1 0 0,-1-1-1 0 0,0 0 0 0 0,0-1 0 0 0,0 1 1 0 0,1 0-1 0 0,-1 0 0 0 0,0 0 1 0 0,1-1-1 0 0,-1 1 0 0 0,0-1 1 0 0,1 1-1 0 0,-1-1 0 0 0,1 1 0 0 0,-1-1 1 0 0,1 0-1 0 0,2 0 0 0 0,-3 0 31 0 0,1 0 0 0 0,0-1-1 0 0,0 1 1 0 0,0-1 0 0 0,0 0-1 0 0,0 1 1 0 0,-1-1 0 0 0,1 0-1 0 0,0 0 1 0 0,-1 0 0 0 0,1 0-1 0 0,-1-1 1 0 0,3-2 0 0 0,2-2 114 0 0,-1 0 0 0 0,0-1 1 0 0,0 0-1 0 0,0 0 0 0 0,-1 0 1 0 0,4-9-1 0 0,32-98 771 0 0,-22 56-789 0 0,-12 41-9 0 0,19-51-3232 0 0,-19 58 1969 0 0</inkml:trace>
+</inkml:ink>
+</file>
+
+<file path=ppt/ink/ink37.xml><?xml version="1.0" encoding="utf-8"?>
+<inkml:ink xmlns:inkml="http://www.w3.org/2003/InkML">
+  <inkml:definitions>
+    <inkml:context xml:id="ctx0">
+      <inkml:inkSource xml:id="inkSrc0">
+        <inkml:traceFormat>
+          <inkml:channel name="X" type="integer" min="-2.14748E9" max="2.14748E9" units="cm"/>
+          <inkml:channel name="Y" type="integer" min="-2.14748E9" max="2.14748E9" units="cm"/>
+          <inkml:channel name="F" type="integer" max="32767" units="dev"/>
+          <inkml:channel name="OA" type="integer" max="360" units="deg"/>
+          <inkml:channel name="OE" type="integer" max="90" units="deg"/>
+        </inkml:traceFormat>
+        <inkml:channelProperties>
+          <inkml:channelProperty channel="X" name="resolution" value="1000" units="1/cm"/>
+          <inkml:channelProperty channel="Y" name="resolution" value="1000" units="1/cm"/>
+          <inkml:channelProperty channel="F" name="resolution" value="0" units="1/dev"/>
+          <inkml:channelProperty channel="OA" name="resolution" value="1000" units="1/deg"/>
+          <inkml:channelProperty channel="OE" name="resolution" value="1000" units="1/deg"/>
+        </inkml:channelProperties>
+      </inkml:inkSource>
+      <inkml:timestamp xml:id="ts0" timeString="2021-08-17T16:31:27.092"/>
+    </inkml:context>
+    <inkml:brush xml:id="br0">
+      <inkml:brushProperty name="width" value="0.05" units="cm"/>
+      <inkml:brushProperty name="height" value="0.05" units="cm"/>
+      <inkml:brushProperty name="color" value="#FF0066"/>
+    </inkml:brush>
+  </inkml:definitions>
+  <inkml:trace contextRef="#ctx0" brushRef="#br0">44 271 13824 0 0,'-11'10'1470'0'0,"3"3"-1113"0"0,2 14 4421 0 0,3-12-2553 0 0,-7 52-1346 0 0,7-42-770 0 0,1 1 0 0 0,1-1 1 0 0,4 28-1 0 0,-3-51-112 0 0,1 4-232 0 0,0 0 0 0 0,0 0 1 0 0,1 0-1 0 0,0 0 0 0 0,0 0 0 0 0,0 0 0 0 0,6 9 0 0 0,-5-10-318 0 0,3 5-807 0 0</inkml:trace>
+  <inkml:trace contextRef="#ctx0" brushRef="#br0" timeOffset="1">115 76 19839 0 0,'-12'-18'880'0'0,"7"11"176"0"0,-1-1-840 0 0,1 0-216 0 0,-1-1 0 0 0,0 3 0 0 0,1-1 344 0 0,2 2 24 0 0,-3 0 8 0 0,4 3 0 0 0,-1 2-464 0 0,6 5-480 0 0,-1 2-808 0 0,4 0-224 0 0,-1 6-56 0 0</inkml:trace>
+</inkml:ink>
+</file>
+
+<file path=ppt/ink/ink38.xml><?xml version="1.0" encoding="utf-8"?>
+<inkml:ink xmlns:inkml="http://www.w3.org/2003/InkML">
+  <inkml:definitions>
+    <inkml:context xml:id="ctx0">
+      <inkml:inkSource xml:id="inkSrc0">
+        <inkml:traceFormat>
+          <inkml:channel name="X" type="integer" min="-2.14748E9" max="2.14748E9" units="cm"/>
+          <inkml:channel name="Y" type="integer" min="-2.14748E9" max="2.14748E9" units="cm"/>
+          <inkml:channel name="F" type="integer" max="32767" units="dev"/>
+          <inkml:channel name="OA" type="integer" max="360" units="deg"/>
+          <inkml:channel name="OE" type="integer" max="90" units="deg"/>
+        </inkml:traceFormat>
+        <inkml:channelProperties>
+          <inkml:channelProperty channel="X" name="resolution" value="1000" units="1/cm"/>
+          <inkml:channelProperty channel="Y" name="resolution" value="1000" units="1/cm"/>
+          <inkml:channelProperty channel="F" name="resolution" value="0" units="1/dev"/>
+          <inkml:channelProperty channel="OA" name="resolution" value="1000" units="1/deg"/>
+          <inkml:channelProperty channel="OE" name="resolution" value="1000" units="1/deg"/>
+        </inkml:channelProperties>
+      </inkml:inkSource>
+      <inkml:timestamp xml:id="ts0" timeString="2021-08-17T16:31:27.748"/>
+    </inkml:context>
+    <inkml:brush xml:id="br0">
+      <inkml:brushProperty name="width" value="0.05" units="cm"/>
+      <inkml:brushProperty name="height" value="0.05" units="cm"/>
+      <inkml:brushProperty name="color" value="#FF0066"/>
+    </inkml:brush>
+  </inkml:definitions>
+  <inkml:trace contextRef="#ctx0" brushRef="#br0">112 276 16559 0 0,'-3'7'802'0'0,"-56"60"283"0"0,51-54-506 0 0,0-1 1 0 0,0 1-1 0 0,-8 20 1 0 0,14-30-428 0 0,1 1 1 0 0,-1 0 0 0 0,1 0-1 0 0,0 0 1 0 0,0 0 0 0 0,1 0-1 0 0,-1 0 1 0 0,1 0-1 0 0,0 0 1 0 0,0 0 0 0 0,0 0-1 0 0,1 0 1 0 0,-1-1 0 0 0,1 1-1 0 0,0 0 1 0 0,0 0 0 0 0,3 7-1 0 0,-3-9-153 0 0,0-1 1 0 0,0 1-1 0 0,0-1 0 0 0,0 1 0 0 0,1-1 0 0 0,-1 1 1 0 0,1-1-1 0 0,-1 0 0 0 0,1 0 0 0 0,-1 0 0 0 0,1 0 1 0 0,0 0-1 0 0,-1 0 0 0 0,1 0 0 0 0,0 0 0 0 0,0-1 1 0 0,0 1-1 0 0,0-1 0 0 0,0 1 0 0 0,0-1 0 0 0,-1 0 1 0 0,5 0-1 0 0,-1 0 34 0 0,0 0 1 0 0,-1 0 0 0 0,1-1-1 0 0,0 0 1 0 0,-1 0 0 0 0,1 0-1 0 0,8-4 1 0 0,-1 0 76 0 0,-1 0 0 0 0,0-1 1 0 0,0-1-1 0 0,-1 0 0 0 0,0 0 0 0 0,0-1 1 0 0,0-1-1 0 0,-1 1 0 0 0,-1-1 0 0 0,1-1 1 0 0,-1 0-1 0 0,-1 0 0 0 0,0 0 0 0 0,0-1 1 0 0,5-12-1 0 0,-4 2 29 0 0,0-1 1 0 0,-2 1-1 0 0,0-1 0 0 0,5-42 1 0 0,-4-91 1412 0 0,-10 95-440 0 0,3 59-784 0 0,-1 1-323 0 0,1 1 0 0 0,-1-1 0 0 0,1 0 0 0 0,-1 1 0 0 0,1-1 0 0 0,0 0 0 0 0,-1 1 0 0 0,1-1 0 0 0,-1 1 0 0 0,1-1 0 0 0,0 0 0 0 0,-1 1 0 0 0,1-1 0 0 0,0 1 0 0 0,0-1 0 0 0,-1 1 0 0 0,1-1 0 0 0,0 1 0 0 0,0-1 0 0 0,0 2 0 0 0,-5 12-21 0 0,5-12 23 0 0,-8 34-7 0 0,1 1 0 0 0,-2 54 0 0 0,9 75 0 0 0,0-152 0 0 0,2 1 0 0 0,0-1 0 0 0,7 28 0 0 0,-7-37 0 0 0,0 1 0 0 0,0-1 0 0 0,0 1 0 0 0,0-1 0 0 0,1 0 0 0 0,0 0 0 0 0,0-1 0 0 0,0 1 0 0 0,1 0 0 0 0,0-1 0 0 0,0 0 0 0 0,8 7 0 0 0,-11-10-1 0 0,1 0 0 0 0,-1-1-1 0 0,1 1 1 0 0,0 0 0 0 0,0-1 0 0 0,-1 1-1 0 0,1-1 1 0 0,0 0 0 0 0,0 1 0 0 0,0-1-1 0 0,0 0 1 0 0,-1 0 0 0 0,1 0 0 0 0,0-1-1 0 0,0 1 1 0 0,0 0 0 0 0,-1-1 0 0 0,1 1-1 0 0,0-1 1 0 0,0 1 0 0 0,-1-1 0 0 0,1 0-1 0 0,0 0 1 0 0,-1 0 0 0 0,1 0 0 0 0,2-2 0 0 0,4-3-256 0 0,-1 0 1 0 0,0 0 0 0 0,11-14-1 0 0,-7 8-74 0 0,16-19-2073 0 0,28-41 1 0 0,-44 51 1611 0 0,7-8-417 0 0,-16 27 1346 0 0,1 0 1 0 0,-1 0-1 0 0,0 0 0 0 0,1 0 1 0 0,-1 1-1 0 0,1-1 1 0 0,0 1-1 0 0,-1-1 1 0 0,1 1-1 0 0,0 0 0 0 0,0 0 1 0 0,0 0-1 0 0,0 1 1 0 0,0-1-1 0 0,0 1 1 0 0,0-1-1 0 0,0 1 0 0 0,0 0 1 0 0,4 0-1 0 0,-4 0 96 0 0,1 0 0 0 0,0 0-1 0 0,-1 0 1 0 0,1-1-1 0 0,0 1 1 0 0,-1-1-1 0 0,1 0 1 0 0,-1-1 0 0 0,6-1-1 0 0,-6 1-101 0 0,-1 0-1 0 0,1 0 1 0 0,-1 0-1 0 0,0 0 1 0 0,0 0-1 0 0,0 0 1 0 0,0 0-1 0 0,0-1 1 0 0,0 1-1 0 0,-1-1 1 0 0,2-3-1 0 0,-2 5-102 0 0,-1 0 0 0 0,1 0-1 0 0,-1 0 1 0 0,0 0-1 0 0,1 0 1 0 0,-1 0-1 0 0,0 0 1 0 0,0 0 0 0 0,0-1-1 0 0,0 1 1 0 0,0 0-1 0 0,0 0 1 0 0,0 0-1 0 0,0 0 1 0 0,0 0 0 0 0,-1 0-1 0 0,1-1 1 0 0,0 1-1 0 0,-1 0 1 0 0,1 0-1 0 0,-1 0 1 0 0,1 0-1 0 0,-1 0 1 0 0,1 0 0 0 0,-1 0-1 0 0,0 0 1 0 0,1 1-1 0 0,-1-1 1 0 0,0 0-1 0 0,0 0 1 0 0,0 1 0 0 0,-1-2-1 0 0,0 1 12 0 0,0 0 0 0 0,-1 0-1 0 0,1 0 1 0 0,-1 0 0 0 0,1 0-1 0 0,-1 1 1 0 0,1-1 0 0 0,-1 1 0 0 0,0-1-1 0 0,1 1 1 0 0,-1 0 0 0 0,0 0 0 0 0,1 0-1 0 0,-1 1 1 0 0,1-1 0 0 0,-5 2 0 0 0,1-1 16 0 0,1 1 1 0 0,-1 0-1 0 0,1 0 1 0 0,-1 0 0 0 0,1 1-1 0 0,-7 4 1 0 0,5-2 6 0 0,1 1 0 0 0,0 0-1 0 0,0 0 1 0 0,0 0 0 0 0,1 1-1 0 0,-9 14 1 0 0,5-6 41 0 0,0 2 0 0 0,-7 20 0 0 0,14-31-89 0 0,0 0 0 0 0,0 0 0 0 0,1 0 1 0 0,0 1-1 0 0,0-1 0 0 0,0 0 0 0 0,1 1 0 0 0,0-1 0 0 0,0 1 0 0 0,1-1 0 0 0,1 8 0 0 0,-1-11-40 0 0,-1-1 0 0 0,1 0 0 0 0,0 0 0 0 0,-1 0 0 0 0,1 0 0 0 0,0 0 0 0 0,0 0 0 0 0,1 0 0 0 0,-1 0 0 0 0,0 0 0 0 0,1-1 0 0 0,-1 1 0 0 0,1 0 0 0 0,-1-1 0 0 0,1 1 0 0 0,0-1 0 0 0,-1 0 0 0 0,1 1 0 0 0,0-1 0 0 0,0 0 0 0 0,0 0 0 0 0,0 0 0 0 0,0 0 0 0 0,0-1 0 0 0,1 1 0 0 0,-1-1 0 0 0,0 1-1 0 0,0-1 1 0 0,0 0 0 0 0,1 1 0 0 0,-1-1 0 0 0,0-1 0 0 0,0 1 0 0 0,1 0 0 0 0,2-1 0 0 0,9-2-838 0 0,-1-1-1 0 0,0 0 1 0 0,0-1-1 0 0,-1-1 0 0 0,0 0 1 0 0,0 0-1 0 0,17-13 0 0 0,-4 2-1535 0 0</inkml:trace>
+</inkml:ink>
+</file>
+
+<file path=ppt/ink/ink39.xml><?xml version="1.0" encoding="utf-8"?>
+<inkml:ink xmlns:inkml="http://www.w3.org/2003/InkML">
+  <inkml:definitions>
+    <inkml:context xml:id="ctx0">
+      <inkml:inkSource xml:id="inkSrc0">
+        <inkml:traceFormat>
+          <inkml:channel name="X" type="integer" min="-2.14748E9" max="2.14748E9" units="cm"/>
+          <inkml:channel name="Y" type="integer" min="-2.14748E9" max="2.14748E9" units="cm"/>
+          <inkml:channel name="F" type="integer" max="32767" units="dev"/>
+          <inkml:channel name="OA" type="integer" max="360" units="deg"/>
+          <inkml:channel name="OE" type="integer" max="90" units="deg"/>
+        </inkml:traceFormat>
+        <inkml:channelProperties>
+          <inkml:channelProperty channel="X" name="resolution" value="1000" units="1/cm"/>
+          <inkml:channelProperty channel="Y" name="resolution" value="1000" units="1/cm"/>
+          <inkml:channelProperty channel="F" name="resolution" value="0" units="1/dev"/>
+          <inkml:channelProperty channel="OA" name="resolution" value="1000" units="1/deg"/>
+          <inkml:channelProperty channel="OE" name="resolution" value="1000" units="1/deg"/>
+        </inkml:channelProperties>
+      </inkml:inkSource>
+      <inkml:timestamp xml:id="ts0" timeString="2021-08-17T16:31:28.199"/>
+    </inkml:context>
+    <inkml:brush xml:id="br0">
+      <inkml:brushProperty name="width" value="0.05" units="cm"/>
+      <inkml:brushProperty name="height" value="0.05" units="cm"/>
+      <inkml:brushProperty name="color" value="#FF0066"/>
+    </inkml:brush>
+  </inkml:definitions>
+  <inkml:trace contextRef="#ctx0" brushRef="#br0">190 1 21679 0 0,'-9'2'314'0'0,"-1"1"0"0"0,1 0-1 0 0,0 0 1 0 0,0 1 0 0 0,0 1-1 0 0,1-1 1 0 0,-1 1 0 0 0,1 1 0 0 0,0-1-1 0 0,1 1 1 0 0,-1 1 0 0 0,-9 11-1 0 0,9-10-63 0 0,1 1 1 0 0,0 0-1 0 0,1 1 0 0 0,-1-1 0 0 0,2 1 1 0 0,0 1-1 0 0,0-1 0 0 0,0 1 0 0 0,2-1 1 0 0,-5 17-1 0 0,7-17-85 0 0,0-1-1 0 0,0 0 1 0 0,1 1 0 0 0,0 0-1 0 0,1 11 1 0 0,-1-18-113 0 0,1 0 1 0 0,-1 0-1 0 0,1-1 1 0 0,-1 1-1 0 0,1 0 0 0 0,0 0 1 0 0,0 0-1 0 0,0 0 0 0 0,1-1 1 0 0,-1 1-1 0 0,1-1 0 0 0,-1 1 1 0 0,1-1-1 0 0,0 1 1 0 0,0-1-1 0 0,0 0 0 0 0,0 0 1 0 0,0 0-1 0 0,0 0 0 0 0,5 2 1 0 0,-5-3-25 0 0,1 0 0 0 0,-1-1 0 0 0,1 1 0 0 0,-1-1 0 0 0,1 0 0 0 0,-1 0 1 0 0,1 0-1 0 0,0 0 0 0 0,-1-1 0 0 0,1 1 0 0 0,-1-1 0 0 0,1 1 0 0 0,-1-1 0 0 0,0 0 0 0 0,1 0 1 0 0,-1 0-1 0 0,0 0 0 0 0,1 0 0 0 0,-1-1 0 0 0,0 1 0 0 0,0 0 0 0 0,0-1 0 0 0,2-2 0 0 0,6-5 104 0 0,0 0-1 0 0,15-20 1 0 0,-17 19-62 0 0,0-1 1 0 0,0 0-1 0 0,-1-1 1 0 0,-1 1-1 0 0,0-1 1 0 0,9-25-1 0 0,-14 32-73 0 0,1 0 0 0 0,-1-1-1 0 0,0 1 1 0 0,0 0 0 0 0,0 0 0 0 0,-1-1-1 0 0,0 1 1 0 0,0 0 0 0 0,-1-1 0 0 0,1 1 0 0 0,-1 0-1 0 0,0-1 1 0 0,0 1 0 0 0,-1 0 0 0 0,0 0-1 0 0,0 0 1 0 0,0 0 0 0 0,0 0 0 0 0,-1 1 0 0 0,-3-6-1 0 0,5 9-199 0 0,0-1-1 0 0,0 1 0 0 0,0 0 0 0 0,0-1 1 0 0,0 1-1 0 0,0 0 0 0 0,-1 0 0 0 0,1 0 1 0 0,0 0-1 0 0,-1 0 0 0 0,1 0 0 0 0,-1 0 1 0 0,1 0-1 0 0,-1 1 0 0 0,0-1 1 0 0,1 1-1 0 0,-1-1 0 0 0,1 1 0 0 0,-1 0 1 0 0,0-1-1 0 0,0 1 0 0 0,1 0 0 0 0,-1 0 1 0 0,0 0-1 0 0,-1 0 0 0 0,-3 1-1232 0 0</inkml:trace>
+</inkml:ink>
+</file>
+
+<file path=ppt/ink/ink4.xml><?xml version="1.0" encoding="utf-8"?>
+<inkml:ink xmlns:inkml="http://www.w3.org/2003/InkML">
+  <inkml:definitions>
+    <inkml:context xml:id="ctx0">
+      <inkml:inkSource xml:id="inkSrc0">
+        <inkml:traceFormat>
+          <inkml:channel name="X" type="integer" min="-2.14748E9" max="2.14748E9" units="cm"/>
+          <inkml:channel name="Y" type="integer" min="-2.14748E9" max="2.14748E9" units="cm"/>
+          <inkml:channel name="F" type="integer" max="32767" units="dev"/>
+          <inkml:channel name="OA" type="integer" max="360" units="deg"/>
+          <inkml:channel name="OE" type="integer" max="90" units="deg"/>
+        </inkml:traceFormat>
+        <inkml:channelProperties>
+          <inkml:channelProperty channel="X" name="resolution" value="1000" units="1/cm"/>
+          <inkml:channelProperty channel="Y" name="resolution" value="1000" units="1/cm"/>
+          <inkml:channelProperty channel="F" name="resolution" value="0" units="1/dev"/>
+          <inkml:channelProperty channel="OA" name="resolution" value="1000" units="1/deg"/>
+          <inkml:channelProperty channel="OE" name="resolution" value="1000" units="1/deg"/>
+        </inkml:channelProperties>
+      </inkml:inkSource>
+      <inkml:timestamp xml:id="ts0" timeString="2021-08-17T16:30:58.839"/>
+    </inkml:context>
+    <inkml:brush xml:id="br0">
+      <inkml:brushProperty name="width" value="0.05" units="cm"/>
+      <inkml:brushProperty name="height" value="0.05" units="cm"/>
+      <inkml:brushProperty name="color" value="#FF0066"/>
+    </inkml:brush>
+  </inkml:definitions>
+  <inkml:trace contextRef="#ctx0" brushRef="#br0">135 11 1840 0 0,'-6'1'1096'0'0,"-8"0"669"0"0,12-1-1748 0 0,0 0-1 0 0,0 0 0 0 0,0-1 1 0 0,0 1-1 0 0,0 0 1 0 0,0-1-1 0 0,0 0 1 0 0,0 1-1 0 0,0-1 1 0 0,0 0-1 0 0,-1-1 0 0 0,2 1-3 0 0,-1 1-1 0 0,1-1 0 0 0,0 0 0 0 0,0 1 0 0 0,-1-1 0 0 0,1 1 0 0 0,0 0 0 0 0,-1-1 1 0 0,1 1-1 0 0,-3 0 0 0 0,-7 0 88 0 0,-1 0-1 0 0,0 1 1 0 0,1 1 0 0 0,-12 2-1 0 0,20-1-197 0 0</inkml:trace>
+</inkml:ink>
+</file>
+
+<file path=ppt/ink/ink40.xml><?xml version="1.0" encoding="utf-8"?>
+<inkml:ink xmlns:inkml="http://www.w3.org/2003/InkML">
+  <inkml:definitions>
+    <inkml:context xml:id="ctx0">
+      <inkml:inkSource xml:id="inkSrc0">
+        <inkml:traceFormat>
+          <inkml:channel name="X" type="integer" min="-2.14748E9" max="2.14748E9" units="cm"/>
+          <inkml:channel name="Y" type="integer" min="-2.14748E9" max="2.14748E9" units="cm"/>
+          <inkml:channel name="F" type="integer" max="32767" units="dev"/>
+          <inkml:channel name="OA" type="integer" max="360" units="deg"/>
+          <inkml:channel name="OE" type="integer" max="90" units="deg"/>
+        </inkml:traceFormat>
+        <inkml:channelProperties>
+          <inkml:channelProperty channel="X" name="resolution" value="1000" units="1/cm"/>
+          <inkml:channelProperty channel="Y" name="resolution" value="1000" units="1/cm"/>
+          <inkml:channelProperty channel="F" name="resolution" value="0" units="1/dev"/>
+          <inkml:channelProperty channel="OA" name="resolution" value="1000" units="1/deg"/>
+          <inkml:channelProperty channel="OE" name="resolution" value="1000" units="1/deg"/>
+        </inkml:channelProperties>
+      </inkml:inkSource>
+      <inkml:timestamp xml:id="ts0" timeString="2021-08-17T16:32:03.955"/>
+    </inkml:context>
+    <inkml:brush xml:id="br0">
+      <inkml:brushProperty name="width" value="0.05" units="cm"/>
+      <inkml:brushProperty name="height" value="0.05" units="cm"/>
+      <inkml:brushProperty name="color" value="#FF0066"/>
+    </inkml:brush>
+  </inkml:definitions>
+  <inkml:trace contextRef="#ctx0" brushRef="#br0">18 128 4608 0 0,'1'-9'11438'0'0,"-3"6"-10333"0"0,-7 0 2717 0 0,9 3-3706 0 0,0 0 1 0 0,0 0 0 0 0,0 0-1 0 0,-1 0 1 0 0,1 0 0 0 0,0 0-1 0 0,0-1 1 0 0,-1 1 0 0 0,1 0-1 0 0,0 0 1 0 0,0 0 0 0 0,-1 0-1 0 0,1 0 1 0 0,0 0 0 0 0,0 0-1 0 0,-1 0 1 0 0,1 1 0 0 0,0-1-1 0 0,0 0 1 0 0,0 0 0 0 0,-1 0-1 0 0,1 0 1 0 0,0 0 0 0 0,0 0-1 0 0,-1 0 1 0 0,1 0 0 0 0,0 1-1 0 0,0-1 1 0 0,0 0 0 0 0,0 0-1 0 0,-1 0 1 0 0,1 0 0 0 0,0 1-1 0 0,0-1 1 0 0,0 0 0 0 0,0 0-1 0 0,-1 1 1 0 0,15 11 348 0 0,-10-9-409 0 0,0 0-1 0 0,0-1 0 0 0,0 1 1 0 0,0-1-1 0 0,0 0 0 0 0,0 0 1 0 0,1 0-1 0 0,-1-1 0 0 0,1 1 1 0 0,5 0-1 0 0,8 1 630 0 0,24 1 1 0 0,-14-2-546 0 0,30 0 402 0 0,0-1 0 0 0,75-10 0 0 0,-120 8-505 0 0,166-19 73 0 0,1-15 692 0 0,-127 22-475 0 0,1 4 0 0 0,77-5 0 0 0,111 9-151 0 0,-225 5-51 0 0,117 4 59 0 0,86-3-161 0 0,-161-5 344 0 0,130-7-159 0 0,-174 12-267 0 0,28 4-1 0 0,-28-2 153 0 0,26 1-1 0 0,-40-4-161 0 0,0 0 1 0 0,-1 0 68 0 0,0 0-1 0 0,0 0 1 0 0,1 0 0 0 0,-1 0 0 0 0,0 0-1 0 0,0 0 1 0 0,0 0 0 0 0,0 0-1 0 0,0 0 1 0 0,0 0 0 0 0,0 0 0 0 0,0 0-1 0 0,0 0 1 0 0,1 0 0 0 0,-1 0-1 0 0,0 0 1 0 0,0 0 0 0 0,0-1 0 0 0,0 1-1 0 0,0 0 1 0 0,0 0 0 0 0,0 0-1 0 0,0 0 1 0 0,0 0 0 0 0,0 0 0 0 0,0 0-1 0 0,0 0 1 0 0,1 0 0 0 0,-1 0-1 0 0,0 0 1 0 0,0 0 0 0 0,0 0 0 0 0,0-1-1 0 0,0 1 1 0 0,0 0 0 0 0,0 0-1 0 0,0 0 1 0 0,0 0 0 0 0,0 0 0 0 0,0 0-1 0 0,0 0 1 0 0,0 0 0 0 0,0 0-1 0 0,0 0 1 0 0,0-1 0 0 0,-3-4 14 0 0,-4-3 38 0 0,-1 2-176 0 0,0 0-1 0 0,-17-7 0 0 0,4 1-3043 0 0,7 4-7335 0 0</inkml:trace>
+</inkml:ink>
+</file>
+
+<file path=ppt/ink/ink41.xml><?xml version="1.0" encoding="utf-8"?>
+<inkml:ink xmlns:inkml="http://www.w3.org/2003/InkML">
+  <inkml:definitions>
+    <inkml:context xml:id="ctx0">
+      <inkml:inkSource xml:id="inkSrc0">
+        <inkml:traceFormat>
+          <inkml:channel name="X" type="integer" min="-2.14748E9" max="2.14748E9" units="cm"/>
+          <inkml:channel name="Y" type="integer" min="-2.14748E9" max="2.14748E9" units="cm"/>
+          <inkml:channel name="F" type="integer" max="32767" units="dev"/>
+          <inkml:channel name="OA" type="integer" max="360" units="deg"/>
+          <inkml:channel name="OE" type="integer" max="90" units="deg"/>
+        </inkml:traceFormat>
+        <inkml:channelProperties>
+          <inkml:channelProperty channel="X" name="resolution" value="1000" units="1/cm"/>
+          <inkml:channelProperty channel="Y" name="resolution" value="1000" units="1/cm"/>
+          <inkml:channelProperty channel="F" name="resolution" value="0" units="1/dev"/>
+          <inkml:channelProperty channel="OA" name="resolution" value="1000" units="1/deg"/>
+          <inkml:channelProperty channel="OE" name="resolution" value="1000" units="1/deg"/>
+        </inkml:channelProperties>
+      </inkml:inkSource>
       <inkml:timestamp xml:id="ts0" timeString="2021-08-16T16:32:46.292"/>
     </inkml:context>
     <inkml:brush xml:id="br0">
@@ -189,7 +1314,295 @@
 </inkml:ink>
 </file>
 
-<file path=ppt/ink/ink10.xml><?xml version="1.0" encoding="utf-8"?>
+<file path=ppt/ink/ink42.xml><?xml version="1.0" encoding="utf-8"?>
+<inkml:ink xmlns:inkml="http://www.w3.org/2003/InkML">
+  <inkml:definitions>
+    <inkml:context xml:id="ctx0">
+      <inkml:inkSource xml:id="inkSrc0">
+        <inkml:traceFormat>
+          <inkml:channel name="X" type="integer" min="-2.14748E9" max="2.14748E9" units="cm"/>
+          <inkml:channel name="Y" type="integer" min="-2.14748E9" max="2.14748E9" units="cm"/>
+          <inkml:channel name="F" type="integer" max="32767" units="dev"/>
+          <inkml:channel name="OA" type="integer" max="360" units="deg"/>
+          <inkml:channel name="OE" type="integer" max="90" units="deg"/>
+        </inkml:traceFormat>
+        <inkml:channelProperties>
+          <inkml:channelProperty channel="X" name="resolution" value="1000" units="1/cm"/>
+          <inkml:channelProperty channel="Y" name="resolution" value="1000" units="1/cm"/>
+          <inkml:channelProperty channel="F" name="resolution" value="0" units="1/dev"/>
+          <inkml:channelProperty channel="OA" name="resolution" value="1000" units="1/deg"/>
+          <inkml:channelProperty channel="OE" name="resolution" value="1000" units="1/deg"/>
+        </inkml:channelProperties>
+      </inkml:inkSource>
+      <inkml:timestamp xml:id="ts0" timeString="2021-08-16T16:32:55.543"/>
+    </inkml:context>
+    <inkml:brush xml:id="br0">
+      <inkml:brushProperty name="width" value="0.05" units="cm"/>
+      <inkml:brushProperty name="height" value="0.05" units="cm"/>
+      <inkml:brushProperty name="color" value="#FF0066"/>
+    </inkml:brush>
+  </inkml:definitions>
+  <inkml:trace contextRef="#ctx0" brushRef="#br0">2 80 4144 0 0,'-2'3'8336'0'0,"4"-4"-8210"0"0,0 0 0 0 0,-1 1 1 0 0,1-1-1 0 0,0 0 0 0 0,-1 0 1 0 0,1 0-1 0 0,-1 0 1 0 0,1 0-1 0 0,-1 0 0 0 0,2-3 1 0 0,7-3 723 0 0,0 2-400 0 0,-1 0 0 0 0,1 1 0 0 0,0 1-1 0 0,15-4 1 0 0,44-7 311 0 0,-51 11-313 0 0,76-8 1771 0 0,179 0-1 0 0,101 24-850 0 0,-53 1-96 0 0,-163-22-533 0 0,-1-1 1 0 0,234 22 149 0 0,-340-9-376 0 0,54 2 994 0 0,-99-7-1535 0 0,-1 1 0 0 0,1-1 0 0 0,0-1 0 0 0,0 1 0 0 0,10-4 0 0 0,0-3-2986 0 0</inkml:trace>
+</inkml:ink>
+</file>
+
+<file path=ppt/ink/ink43.xml><?xml version="1.0" encoding="utf-8"?>
+<inkml:ink xmlns:inkml="http://www.w3.org/2003/InkML">
+  <inkml:definitions>
+    <inkml:context xml:id="ctx0">
+      <inkml:inkSource xml:id="inkSrc0">
+        <inkml:traceFormat>
+          <inkml:channel name="X" type="integer" min="-2.14748E9" max="2.14748E9" units="cm"/>
+          <inkml:channel name="Y" type="integer" min="-2.14748E9" max="2.14748E9" units="cm"/>
+          <inkml:channel name="F" type="integer" max="32767" units="dev"/>
+          <inkml:channel name="OA" type="integer" max="360" units="deg"/>
+          <inkml:channel name="OE" type="integer" max="90" units="deg"/>
+        </inkml:traceFormat>
+        <inkml:channelProperties>
+          <inkml:channelProperty channel="X" name="resolution" value="1000" units="1/cm"/>
+          <inkml:channelProperty channel="Y" name="resolution" value="1000" units="1/cm"/>
+          <inkml:channelProperty channel="F" name="resolution" value="0" units="1/dev"/>
+          <inkml:channelProperty channel="OA" name="resolution" value="1000" units="1/deg"/>
+          <inkml:channelProperty channel="OE" name="resolution" value="1000" units="1/deg"/>
+        </inkml:channelProperties>
+      </inkml:inkSource>
+      <inkml:timestamp xml:id="ts0" timeString="2021-08-16T16:33:04.128"/>
+    </inkml:context>
+    <inkml:brush xml:id="br0">
+      <inkml:brushProperty name="width" value="0.05" units="cm"/>
+      <inkml:brushProperty name="height" value="0.05" units="cm"/>
+      <inkml:brushProperty name="color" value="#FF0066"/>
+    </inkml:brush>
+  </inkml:definitions>
+  <inkml:trace contextRef="#ctx0" brushRef="#br0">11 158 3224 0 0,'0'0'9232'0'0,"1"-8"-3805"0"0,-1 6-5154 0 0,-1 1-87 0 0,1 1 0 0 0,0-1 0 0 0,0 0 0 0 0,-1 1-1 0 0,1-1 1 0 0,0 0 0 0 0,-1 1 0 0 0,1-1 0 0 0,-1 1-1 0 0,1-1 1 0 0,-1 1 0 0 0,1-1 0 0 0,-1 1 0 0 0,-1-2 1415 0 0,1-6 37 0 0,0 8-1579 0 0,1-1-1 0 0,0 1 1 0 0,0 0 0 0 0,0 0-1 0 0,0-1 1 0 0,-1 1 0 0 0,1 0-1 0 0,0-1 1 0 0,0 1-1 0 0,0 0 1 0 0,0-1 0 0 0,0 1-1 0 0,0 0 1 0 0,0-1 0 0 0,0 1-1 0 0,0-1 1 0 0,0 1 0 0 0,0 0-1 0 0,0-1 1 0 0,0 1 0 0 0,0 0-1 0 0,0-1 1 0 0,0 1 0 0 0,1 0-1 0 0,-1-1 1 0 0,0 1 0 0 0,0 0-1 0 0,0 0 1 0 0,0-1 0 0 0,1 1-1 0 0,-1 0 1 0 0,0-1 0 0 0,1 1-1 0 0,3-14 1894 0 0,9 0-885 0 0,-13 13-1014 0 0,14-1 78 0 0,-12 0-103 0 0,0 1 0 0 0,0 0 1 0 0,1 0-1 0 0,-1 0 0 0 0,0 0 1 0 0,1 0-1 0 0,-1 0 0 0 0,1 1 1 0 0,-1-1-1 0 0,1 1 0 0 0,-1 0 1 0 0,1 0-1 0 0,-1-1 0 0 0,1 2 1 0 0,-1-1-1 0 0,1 0 0 0 0,-1 0 1 0 0,1 1-1 0 0,2 1 0 0 0,25 0 376 0 0,-24-1-370 0 0,1-1-1 0 0,-1 1 1 0 0,1-1-1 0 0,0-1 1 0 0,-1 1-1 0 0,1-1 1 0 0,11-3-1 0 0,-14 3-15 0 0,58-3 307 0 0,-9 0-264 0 0,-36 3-19 0 0,30-5-1 0 0,22-5-41 0 0,38 0 0 0 0,-89 10 0 0 0,30-2 10 0 0,-8 0 17 0 0,69-12 0 0 0,-85 11 51 0 0,0 1 0 0 0,43 0 0 0 0,23-3 80 0 0,-70 5-186 0 0,31 0 0 0 0,-31 1 20 0 0,63 1 72 0 0,112 18 0 0 0,-54-6-60 0 0,31 6-24 0 0,8 6 87 0 0,121-7-278 0 0,-140-11 611 0 0,-87-7-389 0 0,178-13 170 0 0,-125 7-107 0 0,-3 0-8 0 0,-46 11-27 0 0,-1 0-18 0 0,101-10-21 0 0,-125 3 0 0 0,-7 3 0 0 0,85 12 0 0 0,-6 0 0 0 0,-70-11 0 0 0,61 4 0 0 0,107 21 0 0 0,-145-17 10 0 0,134 11 55 0 0,-96-8-43 0 0,3 0-15 0 0,196-2 273 0 0,-250-6-256 0 0,38-1 45 0 0,-32-4-41 0 0,134 3 43 0 0,-51-1-26 0 0,-89-3-8 0 0,87 10 1 0 0,-69 1-38 0 0,159-3 0 0 0,-137-13 0 0 0,43-2 0 0 0,-18 5 0 0 0,-93 1 0 0 0,94-8 0 0 0,-119 9 0 0 0,0 0 0 0 0,14 0 0 0 0,-10 1 0 0 0,-11 0 0 0 0,1 0 0 0 0,-2 0-65 0 0,-3 0-271 0 0</inkml:trace>
+</inkml:ink>
+</file>
+
+<file path=ppt/ink/ink44.xml><?xml version="1.0" encoding="utf-8"?>
+<inkml:ink xmlns:inkml="http://www.w3.org/2003/InkML">
+  <inkml:definitions>
+    <inkml:context xml:id="ctx0">
+      <inkml:inkSource xml:id="inkSrc0">
+        <inkml:traceFormat>
+          <inkml:channel name="X" type="integer" min="-2.14748E9" max="2.14748E9" units="cm"/>
+          <inkml:channel name="Y" type="integer" min="-2.14748E9" max="2.14748E9" units="cm"/>
+          <inkml:channel name="F" type="integer" max="32767" units="dev"/>
+          <inkml:channel name="OA" type="integer" max="360" units="deg"/>
+          <inkml:channel name="OE" type="integer" max="90" units="deg"/>
+        </inkml:traceFormat>
+        <inkml:channelProperties>
+          <inkml:channelProperty channel="X" name="resolution" value="1000" units="1/cm"/>
+          <inkml:channelProperty channel="Y" name="resolution" value="1000" units="1/cm"/>
+          <inkml:channelProperty channel="F" name="resolution" value="0" units="1/dev"/>
+          <inkml:channelProperty channel="OA" name="resolution" value="1000" units="1/deg"/>
+          <inkml:channelProperty channel="OE" name="resolution" value="1000" units="1/deg"/>
+        </inkml:channelProperties>
+      </inkml:inkSource>
+      <inkml:timestamp xml:id="ts0" timeString="2021-08-16T16:52:44.790"/>
+    </inkml:context>
+    <inkml:brush xml:id="br0">
+      <inkml:brushProperty name="width" value="0.05" units="cm"/>
+      <inkml:brushProperty name="height" value="0.05" units="cm"/>
+      <inkml:brushProperty name="color" value="#FF0066"/>
+    </inkml:brush>
+  </inkml:definitions>
+  <inkml:trace contextRef="#ctx0" brushRef="#br0">68 13 4608 0 0,'-14'6'628'0'0,"10"-5"176"0"0,-20 5 2363 0 0,22-5-2990 0 0,1-1-1 0 0,-1 0 1 0 0,1 0 0 0 0,-1 0 0 0 0,1 0-1 0 0,0 0 1 0 0,-1 0 0 0 0,1 0 0 0 0,-1 0-1 0 0,1-1 1 0 0,0 1 0 0 0,-7-3 5788 0 0,9-3-4625 0 0,4-2-834 0 0,-3 6-381 0 0,0 1-1 0 0,0 0 1 0 0,0 0-1 0 0,0 0 1 0 0,0 1-1 0 0,0-1 1 0 0,0 1 0 0 0,1-1-1 0 0,-1 1 1 0 0,0-1-1 0 0,1 1 1 0 0,2 0-1 0 0,0 1 126 0 0,0 0 0 0 0,0 0 0 0 0,-1 0-1 0 0,10 4 1 0 0,15 4 554 0 0,1 0 0 0 0,45 6 0 0 0,64 1 386 0 0,-88-11-857 0 0,376 2 1624 0 0,-334-9-1598 0 0,208-5 62 0 0,-154 6-168 0 0,1-1-9 0 0,155 18-1 0 0,-191-5 205 0 0,86 13 159 0 0,-164-18-436 0 0,2 0 33 0 0,65 4 1 0 0,-40-8 113 0 0,-31 0-127 0 0,39-3 0 0 0,-16-5 166 0 0,80-18 0 0 0,-124 22-296 0 0,-6 2-66 0 0,-1-1 0 0 0,1 0-1 0 0,-1 1 1 0 0,1-1 0 0 0,-1 0 0 0 0,5-3-1 0 0,-6 3-223 0 0</inkml:trace>
+</inkml:ink>
+</file>
+
+<file path=ppt/ink/ink45.xml><?xml version="1.0" encoding="utf-8"?>
+<inkml:ink xmlns:inkml="http://www.w3.org/2003/InkML">
+  <inkml:definitions>
+    <inkml:context xml:id="ctx0">
+      <inkml:inkSource xml:id="inkSrc0">
+        <inkml:traceFormat>
+          <inkml:channel name="X" type="integer" min="-2.14748E9" max="2.14748E9" units="cm"/>
+          <inkml:channel name="Y" type="integer" min="-2.14748E9" max="2.14748E9" units="cm"/>
+          <inkml:channel name="F" type="integer" max="32767" units="dev"/>
+          <inkml:channel name="OA" type="integer" max="360" units="deg"/>
+          <inkml:channel name="OE" type="integer" max="90" units="deg"/>
+        </inkml:traceFormat>
+        <inkml:channelProperties>
+          <inkml:channelProperty channel="X" name="resolution" value="1000" units="1/cm"/>
+          <inkml:channelProperty channel="Y" name="resolution" value="1000" units="1/cm"/>
+          <inkml:channelProperty channel="F" name="resolution" value="0" units="1/dev"/>
+          <inkml:channelProperty channel="OA" name="resolution" value="1000" units="1/deg"/>
+          <inkml:channelProperty channel="OE" name="resolution" value="1000" units="1/deg"/>
+        </inkml:channelProperties>
+      </inkml:inkSource>
+      <inkml:timestamp xml:id="ts0" timeString="2021-08-16T16:52:46.847"/>
+    </inkml:context>
+    <inkml:brush xml:id="br0">
+      <inkml:brushProperty name="width" value="0.05" units="cm"/>
+      <inkml:brushProperty name="height" value="0.05" units="cm"/>
+      <inkml:brushProperty name="color" value="#FF0066"/>
+    </inkml:brush>
+  </inkml:definitions>
+  <inkml:trace contextRef="#ctx0" brushRef="#br0">43 110 10592 0 0,'-43'-2'6607'0'0,"47"1"-6184"0"0,-1-1-1 0 0,0 1 1 0 0,0 0-1 0 0,0 0 1 0 0,7-1-1 0 0,189-21 2793 0 0,-126 16-2581 0 0,436-31 2006 0 0,-132 23-1719 0 0,-107 6-154 0 0,57 4-45 0 0,-86 3-244 0 0,95 19 871 0 0,-298-10-1342 0 0,-28-5 42 0 0,0 0 1 0 0,21 1-1 0 0,-30-3 31 0 0,7-2 27 0 0,-7 2-130 0 0,4-10-3318 0 0,-2 8 1694 0 0</inkml:trace>
+</inkml:ink>
+</file>
+
+<file path=ppt/ink/ink46.xml><?xml version="1.0" encoding="utf-8"?>
+<inkml:ink xmlns:inkml="http://www.w3.org/2003/InkML">
+  <inkml:definitions>
+    <inkml:context xml:id="ctx0">
+      <inkml:inkSource xml:id="inkSrc0">
+        <inkml:traceFormat>
+          <inkml:channel name="X" type="integer" min="-2.14748E9" max="2.14748E9" units="cm"/>
+          <inkml:channel name="Y" type="integer" min="-2.14748E9" max="2.14748E9" units="cm"/>
+          <inkml:channel name="F" type="integer" max="32767" units="dev"/>
+          <inkml:channel name="OA" type="integer" max="360" units="deg"/>
+          <inkml:channel name="OE" type="integer" max="90" units="deg"/>
+        </inkml:traceFormat>
+        <inkml:channelProperties>
+          <inkml:channelProperty channel="X" name="resolution" value="1000" units="1/cm"/>
+          <inkml:channelProperty channel="Y" name="resolution" value="1000" units="1/cm"/>
+          <inkml:channelProperty channel="F" name="resolution" value="0" units="1/dev"/>
+          <inkml:channelProperty channel="OA" name="resolution" value="1000" units="1/deg"/>
+          <inkml:channelProperty channel="OE" name="resolution" value="1000" units="1/deg"/>
+        </inkml:channelProperties>
+      </inkml:inkSource>
+      <inkml:timestamp xml:id="ts0" timeString="2021-08-16T16:53:00.726"/>
+    </inkml:context>
+    <inkml:brush xml:id="br0">
+      <inkml:brushProperty name="width" value="0.05" units="cm"/>
+      <inkml:brushProperty name="height" value="0.05" units="cm"/>
+      <inkml:brushProperty name="color" value="#FF0066"/>
+    </inkml:brush>
+  </inkml:definitions>
+  <inkml:trace contextRef="#ctx0" brushRef="#br0">0 86 9848 0 0,'0'0'6525'0'0,"4"-8"-3968"0"0,-2 8-2349 0 0,0 0 0 0 0,0-1 0 0 0,0 1 0 0 0,0 0 0 0 0,0 0 0 0 0,0 1-1 0 0,1-1 1 0 0,-1 0 0 0 0,0 1 0 0 0,0-1 0 0 0,0 1 0 0 0,0 0 0 0 0,0 0 0 0 0,-1 0 0 0 0,5 2 1213 0 0,2 1 584 0 0,-4 0-1441 0 0,-2-3-337 0 0,-1 1 1 0 0,1-1 0 0 0,-1 0 0 0 0,1 0 0 0 0,0 1-1 0 0,0-1 1 0 0,0 0 0 0 0,0 0 0 0 0,0-1 0 0 0,3 2-1 0 0,4 0 319 0 0,-8-2-526 0 0,0 0 0 0 0,0 0 1 0 0,-1 0-1 0 0,1 1 0 0 0,0-1 1 0 0,0 0-1 0 0,0 0 0 0 0,-1 0 1 0 0,1 0-1 0 0,0-1 0 0 0,0 1 1 0 0,-1 0-1 0 0,1 0 0 0 0,0 0 1 0 0,1-1-1 0 0,10 3 289 0 0,-3-4-204 0 0,-1 1-1 0 0,0 0 0 0 0,1 1 0 0 0,10 0 1 0 0,-10 0-1 0 0,0 0 0 0 0,0 0 1 0 0,12-3-1 0 0,-13 1-95 0 0,0 1-1 0 0,-1 1 1 0 0,15 0 0 0 0,-14 0 0 0 0,1 0 1 0 0,14-2 0 0 0,-11 0 14 0 0,0 0-1 0 0,1 1 0 0 0,-1 0 1 0 0,15 1-1 0 0,18 0-12 0 0,38 2-11 0 0,-60-3 0 0 0,0 1 0 0 0,34 5 0 0 0,8-1 0 0 0,79-4 1 0 0,-64-2 74 0 0,116-3 313 0 0,-182 5-388 0 0,-8 0 0 0 0,0 1 0 0 0,0-2 0 0 0,0 1 0 0 0,0-1 0 0 0,0 0 0 0 0,8-2 0 0 0,13-4 1 0 0,0 0 0 0 0,34-2 0 0 0,-18 3 113 0 0,166-34 225 0 0,-169 32-316 0 0,0 2-1 0 0,0 2 1 0 0,1 2 0 0 0,-1 2-1 0 0,60 6 1 0 0,-61-2-23 0 0,61-2 0 0 0,-62-2 0 0 0,13-1 0 0 0,45 1 0 0 0,-66 2 0 0 0,55 6 0 0 0,-42-3 19 0 0,52 0 0 0 0,12 1 7 0 0,-80-4-26 0 0,-15-1 0 0 0,1 0 0 0 0,-1 1 0 0 0,14 4 0 0 0,26 6 21 0 0,0-2 1 0 0,97 6-1 0 0,-55-13-24 0 0,30 4 59 0 0,-10 0-42 0 0,-6 0-17 0 0,-34-3 29 0 0,20 3 12 0 0,80 3-41 0 0,-85-8 59 0 0,-29-2-8 0 0,12 0 70 0 0,-48 1-90 0 0,29-3 0 0 0,16 1-15 0 0,191-5 112 0 0,-234 4-122 0 0,62-4-3 0 0,135-6 0 0 0,-81 6 38 0 0,-32 0-12 0 0,155-13 64 0 0,-136 9-60 0 0,60 1-30 0 0,-130 8 0 0 0,86 7 0 0 0,-141-5 0 0 0,129 9 0 0 0,-88-5 0 0 0,-9-2 0 0 0,43 11 0 0 0,-4-4 0 0 0,-71-9 3 0 0,0 0 0 0 0,0-1-1 0 0,0 1 1 0 0,0-1 0 0 0,7 0 0 0 0,25-1-124 0 0,-35 1-419 0 0</inkml:trace>
+</inkml:ink>
+</file>
+
+<file path=ppt/ink/ink47.xml><?xml version="1.0" encoding="utf-8"?>
+<inkml:ink xmlns:inkml="http://www.w3.org/2003/InkML">
+  <inkml:definitions>
+    <inkml:context xml:id="ctx0">
+      <inkml:inkSource xml:id="inkSrc0">
+        <inkml:traceFormat>
+          <inkml:channel name="X" type="integer" min="-2.14748E9" max="2.14748E9" units="cm"/>
+          <inkml:channel name="Y" type="integer" min="-2.14748E9" max="2.14748E9" units="cm"/>
+          <inkml:channel name="F" type="integer" max="32767" units="dev"/>
+          <inkml:channel name="OA" type="integer" max="360" units="deg"/>
+          <inkml:channel name="OE" type="integer" max="90" units="deg"/>
+        </inkml:traceFormat>
+        <inkml:channelProperties>
+          <inkml:channelProperty channel="X" name="resolution" value="1000" units="1/cm"/>
+          <inkml:channelProperty channel="Y" name="resolution" value="1000" units="1/cm"/>
+          <inkml:channelProperty channel="F" name="resolution" value="0" units="1/dev"/>
+          <inkml:channelProperty channel="OA" name="resolution" value="1000" units="1/deg"/>
+          <inkml:channelProperty channel="OE" name="resolution" value="1000" units="1/deg"/>
+        </inkml:channelProperties>
+      </inkml:inkSource>
+      <inkml:timestamp xml:id="ts0" timeString="2021-08-16T16:53:04.616"/>
+    </inkml:context>
+    <inkml:brush xml:id="br0">
+      <inkml:brushProperty name="width" value="0.05" units="cm"/>
+      <inkml:brushProperty name="height" value="0.05" units="cm"/>
+      <inkml:brushProperty name="color" value="#FF0066"/>
+    </inkml:brush>
+  </inkml:definitions>
+  <inkml:trace contextRef="#ctx0" brushRef="#br0">95 258 4144 0 0,'-1'0'143'0'0,"0"0"1"0"0,0 0-1 0 0,0 0 0 0 0,-1-1 1 0 0,1 1-1 0 0,0-1 0 0 0,0 1 1 0 0,0-1-1 0 0,0 1 0 0 0,0-1 0 0 0,-1 0 1 0 0,1 1-1 0 0,1-1 0 0 0,-1 0 1 0 0,0 0-1 0 0,0 0 0 0 0,0 0 1 0 0,0 0-1 0 0,0 0 0 0 0,1 0 1 0 0,-1 0-1 0 0,1 0 0 0 0,-1 0 1 0 0,0-2-1 0 0,-2-4 1434 0 0,1 0 1 0 0,-1 0-1 0 0,0-8 0 0 0,2 10-1687 0 0,-1-10 784 0 0,1 1 0 0 0,0-1 0 0 0,1 1 0 0 0,0-1 0 0 0,5-23 0 0 0,-3 25-229 0 0,-2 4 112 0 0,1 0 0 0 0,1 1-1 0 0,0 0 1 0 0,0-1-1 0 0,1 1 1 0 0,6-15 1511 0 0,-33 303 2534 0 0,8-124-4039 0 0,1-21-189 0 0,-4 65-94 0 0,16-157-218 0 0,1-27-365 0 0,0 1-1 0 0,2 22 1 0 0,4-27-659 0 0,-4-11 857 0 0,0-1 0 0 0,1 0 1 0 0,-1 0-1 0 0,0 1 0 0 0,0-1 1 0 0,1 0-1 0 0,-1 0 0 0 0,0 0 1 0 0,1 0-1 0 0,-1 1 0 0 0,0-1 1 0 0,0 0-1 0 0,1 0 0 0 0,-1 0 0 0 0,0 0 1 0 0,1 0-1 0 0,-1 0 0 0 0,0 0 1 0 0,1 0-1 0 0,-1 0 0 0 0,0 0 1 0 0,1 0-1 0 0,1 0-312 0 0,-1-1 1 0 0,1 0-1 0 0,0 1 1 0 0,-1-1-1 0 0,1 0 1 0 0,-1 0-1 0 0,1 0 1 0 0,-1 0-1 0 0,0 0 1 0 0,2-1-1 0 0,9-12-7425 0 0</inkml:trace>
+</inkml:ink>
+</file>
+
+<file path=ppt/ink/ink48.xml><?xml version="1.0" encoding="utf-8"?>
+<inkml:ink xmlns:inkml="http://www.w3.org/2003/InkML">
+  <inkml:definitions>
+    <inkml:context xml:id="ctx0">
+      <inkml:inkSource xml:id="inkSrc0">
+        <inkml:traceFormat>
+          <inkml:channel name="X" type="integer" min="-2.14748E9" max="2.14748E9" units="cm"/>
+          <inkml:channel name="Y" type="integer" min="-2.14748E9" max="2.14748E9" units="cm"/>
+          <inkml:channel name="F" type="integer" max="32767" units="dev"/>
+          <inkml:channel name="OA" type="integer" max="360" units="deg"/>
+          <inkml:channel name="OE" type="integer" max="90" units="deg"/>
+        </inkml:traceFormat>
+        <inkml:channelProperties>
+          <inkml:channelProperty channel="X" name="resolution" value="1000" units="1/cm"/>
+          <inkml:channelProperty channel="Y" name="resolution" value="1000" units="1/cm"/>
+          <inkml:channelProperty channel="F" name="resolution" value="0" units="1/dev"/>
+          <inkml:channelProperty channel="OA" name="resolution" value="1000" units="1/deg"/>
+          <inkml:channelProperty channel="OE" name="resolution" value="1000" units="1/deg"/>
+        </inkml:channelProperties>
+      </inkml:inkSource>
+      <inkml:timestamp xml:id="ts0" timeString="2021-08-16T16:53:04.995"/>
+    </inkml:context>
+    <inkml:brush xml:id="br0">
+      <inkml:brushProperty name="width" value="0.05" units="cm"/>
+      <inkml:brushProperty name="height" value="0.05" units="cm"/>
+      <inkml:brushProperty name="color" value="#FF0066"/>
+    </inkml:brush>
+  </inkml:definitions>
+  <inkml:trace contextRef="#ctx0" brushRef="#br0">1 185 18199 0 0,'0'0'830'0'0,"3"-3"276"0"0,7-2-799 0 0,0-1 0 0 0,0 0-1 0 0,0 0 1 0 0,-1-1 0 0 0,0 0-1 0 0,-1-1 1 0 0,1 0 0 0 0,-1 0-1 0 0,-1-1 1 0 0,0 0 0 0 0,0 0-1 0 0,-1-1 1 0 0,0 0 0 0 0,6-14-1 0 0,-4-1 293 0 0,-8 24-581 0 0,1 0-1 0 0,-1 0 1 0 0,0 0 0 0 0,0-1-1 0 0,0 1 1 0 0,0 0 0 0 0,0 0 0 0 0,0-1-1 0 0,0 1 1 0 0,0 0 0 0 0,0 0-1 0 0,0 0 1 0 0,-1-1 0 0 0,1 1-1 0 0,0 0 1 0 0,-1 0 0 0 0,0-1 0 0 0,0 1 7 0 0,1 1 0 0 0,-1-1 0 0 0,0 1 0 0 0,0 0 1 0 0,1 0-1 0 0,-1 0 0 0 0,0-1 0 0 0,0 1 0 0 0,1 0 1 0 0,-1 0-1 0 0,0 0 0 0 0,0 0 0 0 0,1 0 0 0 0,-1 0 1 0 0,0 0-1 0 0,0 0 0 0 0,1 1 0 0 0,-1-1 0 0 0,0 0 1 0 0,1 0-1 0 0,-1 1 0 0 0,0-1 0 0 0,0 0 0 0 0,1 1 1 0 0,-1-1-1 0 0,1 1 0 0 0,-1-1 0 0 0,0 0 0 0 0,0 2 1 0 0,-18 14 438 0 0,10-7-282 0 0,1 0 1 0 0,0 1-1 0 0,0 0 1 0 0,2 0-1 0 0,-1 1 1 0 0,1 0 0 0 0,0 0-1 0 0,-4 15 1 0 0,6-16-88 0 0,1 0-1 0 0,0 0 1 0 0,1 0 0 0 0,0 0-1 0 0,1 1 1 0 0,0-1 0 0 0,0 1 0 0 0,1-1-1 0 0,1 0 1 0 0,1 13 0 0 0,-1-21-81 0 0,-1 1 1 0 0,1-1 0 0 0,-1 0-1 0 0,1 0 1 0 0,0 1 0 0 0,0-1-1 0 0,0 0 1 0 0,0 0 0 0 0,0 0-1 0 0,0 0 1 0 0,0 0 0 0 0,1 0 0 0 0,-1-1-1 0 0,1 1 1 0 0,-1 0 0 0 0,1-1-1 0 0,0 1 1 0 0,0-1 0 0 0,0 1-1 0 0,0-1 1 0 0,0 0 0 0 0,0 0-1 0 0,0 0 1 0 0,0 0 0 0 0,0 0-1 0 0,0 0 1 0 0,1-1 0 0 0,-1 1-1 0 0,0-1 1 0 0,1 0 0 0 0,-1 1-1 0 0,0-1 1 0 0,1 0 0 0 0,-1 0-1 0 0,4-1 1 0 0,6-1-12 0 0,-1 0 0 0 0,0-1 0 0 0,0 0-1 0 0,0-1 1 0 0,20-9 0 0 0,34-19-1070 0 0,-25 5-2579 0 0,-20 11-5648 0 0</inkml:trace>
+</inkml:ink>
+</file>
+
+<file path=ppt/ink/ink49.xml><?xml version="1.0" encoding="utf-8"?>
+<inkml:ink xmlns:inkml="http://www.w3.org/2003/InkML">
+  <inkml:definitions>
+    <inkml:context xml:id="ctx0">
+      <inkml:inkSource xml:id="inkSrc0">
+        <inkml:traceFormat>
+          <inkml:channel name="X" type="integer" min="-2.14748E9" max="2.14748E9" units="cm"/>
+          <inkml:channel name="Y" type="integer" min="-2.14748E9" max="2.14748E9" units="cm"/>
+          <inkml:channel name="F" type="integer" max="32767" units="dev"/>
+          <inkml:channel name="OA" type="integer" max="360" units="deg"/>
+          <inkml:channel name="OE" type="integer" max="90" units="deg"/>
+        </inkml:traceFormat>
+        <inkml:channelProperties>
+          <inkml:channelProperty channel="X" name="resolution" value="1000" units="1/cm"/>
+          <inkml:channelProperty channel="Y" name="resolution" value="1000" units="1/cm"/>
+          <inkml:channelProperty channel="F" name="resolution" value="0" units="1/dev"/>
+          <inkml:channelProperty channel="OA" name="resolution" value="1000" units="1/deg"/>
+          <inkml:channelProperty channel="OE" name="resolution" value="1000" units="1/deg"/>
+        </inkml:channelProperties>
+      </inkml:inkSource>
+      <inkml:timestamp xml:id="ts0" timeString="2021-08-16T16:53:05.384"/>
+    </inkml:context>
+    <inkml:brush xml:id="br0">
+      <inkml:brushProperty name="width" value="0.05" units="cm"/>
+      <inkml:brushProperty name="height" value="0.05" units="cm"/>
+      <inkml:brushProperty name="color" value="#FF0066"/>
+    </inkml:brush>
+  </inkml:definitions>
+  <inkml:trace contextRef="#ctx0" brushRef="#br0">1 315 16903 0 0,'0'0'3946'0'0,"5"-5"-2542"0"0,1 0-1029 0 0,-1 0 1 0 0,1 0 0 0 0,-1-1-1 0 0,-1 1 1 0 0,1-1 0 0 0,-1 0-1 0 0,4-7 1 0 0,22-51 1004 0 0,-16 31-665 0 0,25-64 922 0 0,-38 95-1557 0 0,4-10 168 0 0,-4 10-150 0 0,-1 6-59 0 0,-3 7-32 0 0,1 0 0 0 0,0 0 0 0 0,1 0 1 0 0,1 0-1 0 0,-1 0 0 0 0,2 0 0 0 0,0 0 0 0 0,3 17 0 0 0,-3-19-7 0 0,-1-8 0 0 0,0 0 0 0 0,0 0 0 0 0,0 1 0 0 0,0-1 0 0 0,0 0 0 0 0,1 0 0 0 0,-1 0 0 0 0,0 1 0 0 0,1-1 0 0 0,-1 0 0 0 0,1 0 0 0 0,-1 0 0 0 0,1 0 0 0 0,0 0 0 0 0,-1 0 0 0 0,1 0 0 0 0,0 0 0 0 0,0 0 0 0 0,0 0 0 0 0,-1 0 0 0 0,1 0 0 0 0,0-1 0 0 0,0 1 0 0 0,0 0 0 0 0,1 0 0 0 0,-1-1 0 0 0,2 1 0 0 0,-2 0 16 0 0,0-1-1 0 0,1 0 1 0 0,-1 0-1 0 0,1 0 1 0 0,-1 0 0 0 0,1 0-1 0 0,-1 0 1 0 0,1 0-1 0 0,-1 0 1 0 0,1-1 0 0 0,-1 1-1 0 0,1 0 1 0 0,-1-1-1 0 0,0 1 1 0 0,1-1 0 0 0,-1 0-1 0 0,0 1 1 0 0,1-1-1 0 0,-1 0 1 0 0,0 0 0 0 0,0 0-1 0 0,2-2 1 0 0,3-2 127 0 0,-1 0 1 0 0,10-12-1 0 0,37-57 216 0 0,-35 49-307 0 0,-15 22-64 0 0,1-2-352 0 0,0 0-1 0 0,0 1 0 0 0,0-1 1 0 0,1 1-1 0 0,-1-1 0 0 0,1 1 1 0 0,0 0-1 0 0,1 1 0 0 0,-1-1 1 0 0,1 1-1 0 0,-1 0 0 0 0,1 0 1 0 0,6-3-1 0 0,0 1-1572 0 0,-2 1-57 0 0</inkml:trace>
+</inkml:ink>
+</file>
+
+<file path=ppt/ink/ink5.xml><?xml version="1.0" encoding="utf-8"?>
+<inkml:ink xmlns:inkml="http://www.w3.org/2003/InkML">
+  <inkml:definitions>
+    <inkml:context xml:id="ctx0">
+      <inkml:inkSource xml:id="inkSrc0">
+        <inkml:traceFormat>
+          <inkml:channel name="X" type="integer" min="-2.14748E9" max="2.14748E9" units="cm"/>
+          <inkml:channel name="Y" type="integer" min="-2.14748E9" max="2.14748E9" units="cm"/>
+          <inkml:channel name="F" type="integer" max="32767" units="dev"/>
+          <inkml:channel name="OA" type="integer" max="360" units="deg"/>
+          <inkml:channel name="OE" type="integer" max="90" units="deg"/>
+        </inkml:traceFormat>
+        <inkml:channelProperties>
+          <inkml:channelProperty channel="X" name="resolution" value="1000" units="1/cm"/>
+          <inkml:channelProperty channel="Y" name="resolution" value="1000" units="1/cm"/>
+          <inkml:channelProperty channel="F" name="resolution" value="0" units="1/dev"/>
+          <inkml:channelProperty channel="OA" name="resolution" value="1000" units="1/deg"/>
+          <inkml:channelProperty channel="OE" name="resolution" value="1000" units="1/deg"/>
+        </inkml:channelProperties>
+      </inkml:inkSource>
+      <inkml:timestamp xml:id="ts0" timeString="2021-08-17T16:30:59.509"/>
+    </inkml:context>
+    <inkml:brush xml:id="br0">
+      <inkml:brushProperty name="width" value="0.05" units="cm"/>
+      <inkml:brushProperty name="height" value="0.05" units="cm"/>
+      <inkml:brushProperty name="color" value="#FF0066"/>
+    </inkml:brush>
+  </inkml:definitions>
+  <inkml:trace contextRef="#ctx0" brushRef="#br0">63 1 4144 0 0,'-12'3'-702'0'0,"-8"1"4388"0"0,-10 3 10433 0 0,34-7-13889 0 0,0 1 0 0 0,0 0-1 0 0,0 0 1 0 0,0 0-1 0 0,0 0 1 0 0,7 3 0 0 0,14 5 329 0 0,-3-4-436 0 0,-8-2 400 0 0,26 4 0 0 0,69 3 605 0 0,94 4-193 0 0,42 1-459 0 0,-32-1-55 0 0,-114-9-251 0 0,23 0 76 0 0,-31-5-61 0 0,141-2 374 0 0,-52-2-79 0 0,123-1 283 0 0,-198 15-508 0 0,42 0 832 0 0,-28-4-626 0 0,-80-2-469 0 0,0-3 1 0 0,0 0-1 0 0,55-8 1 0 0,-54 1 0 0 0,86-17 254 0 0,-100 19-205 0 0,0 1 0 0 0,1 1 0 0 0,31 3 0 0 0,-26-1-23 0 0,6 3 12 0 0,-28-2-24 0 0,0 0 1 0 0,16-1-1 0 0,12 0 54 0 0,-29 0-36 0 0,-1 0-1 0 0,0 0 0 0 0,1-1 1 0 0,-1 0-1 0 0,0 0 0 0 0,0-1 1 0 0,12-4-1 0 0,-11 2-16 0 0,-3 2 5 0 0,-1-1 0 0 0,1 1 1 0 0,-1 0-1 0 0,1 1 1 0 0,0-1-1 0 0,0 1 0 0 0,0 0 1 0 0,9 0-1 0 0,-13 1-21 0 0,0 0 0 0 0,0 1 0 0 0,0-1 0 0 0,0 0 0 0 0,0 1 0 0 0,0-1-1 0 0,3 2 1 0 0,1 1-215 0 0,-5-3 44 0 0</inkml:trace>
+</inkml:ink>
+</file>
+
+<file path=ppt/ink/ink50.xml><?xml version="1.0" encoding="utf-8"?>
 <inkml:ink xmlns:inkml="http://www.w3.org/2003/InkML">
   <inkml:definitions>
     <inkml:context xml:id="ctx0">
@@ -221,7 +1634,7 @@
 </inkml:ink>
 </file>
 
-<file path=ppt/ink/ink11.xml><?xml version="1.0" encoding="utf-8"?>
+<file path=ppt/ink/ink51.xml><?xml version="1.0" encoding="utf-8"?>
 <inkml:ink xmlns:inkml="http://www.w3.org/2003/InkML">
   <inkml:definitions>
     <inkml:context xml:id="ctx0">
@@ -254,7 +1667,7 @@
 </inkml:ink>
 </file>
 
-<file path=ppt/ink/ink12.xml><?xml version="1.0" encoding="utf-8"?>
+<file path=ppt/ink/ink52.xml><?xml version="1.0" encoding="utf-8"?>
 <inkml:ink xmlns:inkml="http://www.w3.org/2003/InkML">
   <inkml:definitions>
     <inkml:context xml:id="ctx0">
@@ -286,7 +1699,7 @@
 </inkml:ink>
 </file>
 
-<file path=ppt/ink/ink13.xml><?xml version="1.0" encoding="utf-8"?>
+<file path=ppt/ink/ink53.xml><?xml version="1.0" encoding="utf-8"?>
 <inkml:ink xmlns:inkml="http://www.w3.org/2003/InkML">
   <inkml:definitions>
     <inkml:context xml:id="ctx0">
@@ -318,7 +1731,7 @@
 </inkml:ink>
 </file>
 
-<file path=ppt/ink/ink14.xml><?xml version="1.0" encoding="utf-8"?>
+<file path=ppt/ink/ink54.xml><?xml version="1.0" encoding="utf-8"?>
 <inkml:ink xmlns:inkml="http://www.w3.org/2003/InkML">
   <inkml:definitions>
     <inkml:context xml:id="ctx0">
@@ -350,7 +1763,7 @@
 </inkml:ink>
 </file>
 
-<file path=ppt/ink/ink15.xml><?xml version="1.0" encoding="utf-8"?>
+<file path=ppt/ink/ink55.xml><?xml version="1.0" encoding="utf-8"?>
 <inkml:ink xmlns:inkml="http://www.w3.org/2003/InkML">
   <inkml:definitions>
     <inkml:context xml:id="ctx0">
@@ -383,7 +1796,7 @@
 </inkml:ink>
 </file>
 
-<file path=ppt/ink/ink16.xml><?xml version="1.0" encoding="utf-8"?>
+<file path=ppt/ink/ink56.xml><?xml version="1.0" encoding="utf-8"?>
 <inkml:ink xmlns:inkml="http://www.w3.org/2003/InkML">
   <inkml:definitions>
     <inkml:context xml:id="ctx0">
@@ -415,7 +1828,7 @@
 </inkml:ink>
 </file>
 
-<file path=ppt/ink/ink17.xml><?xml version="1.0" encoding="utf-8"?>
+<file path=ppt/ink/ink57.xml><?xml version="1.0" encoding="utf-8"?>
 <inkml:ink xmlns:inkml="http://www.w3.org/2003/InkML">
   <inkml:definitions>
     <inkml:context xml:id="ctx0">
@@ -447,7 +1860,7 @@
 </inkml:ink>
 </file>
 
-<file path=ppt/ink/ink18.xml><?xml version="1.0" encoding="utf-8"?>
+<file path=ppt/ink/ink58.xml><?xml version="1.0" encoding="utf-8"?>
 <inkml:ink xmlns:inkml="http://www.w3.org/2003/InkML">
   <inkml:definitions>
     <inkml:context xml:id="ctx0">
@@ -480,7 +1893,7 @@
 </inkml:ink>
 </file>
 
-<file path=ppt/ink/ink19.xml><?xml version="1.0" encoding="utf-8"?>
+<file path=ppt/ink/ink59.xml><?xml version="1.0" encoding="utf-8"?>
 <inkml:ink xmlns:inkml="http://www.w3.org/2003/InkML">
   <inkml:definitions>
     <inkml:context xml:id="ctx0">
@@ -512,7 +1925,7 @@
 </inkml:ink>
 </file>
 
-<file path=ppt/ink/ink2.xml><?xml version="1.0" encoding="utf-8"?>
+<file path=ppt/ink/ink6.xml><?xml version="1.0" encoding="utf-8"?>
 <inkml:ink xmlns:inkml="http://www.w3.org/2003/InkML">
   <inkml:definitions>
     <inkml:context xml:id="ctx0">
@@ -532,7 +1945,7 @@
           <inkml:channelProperty channel="OE" name="resolution" value="1000" units="1/deg"/>
         </inkml:channelProperties>
       </inkml:inkSource>
-      <inkml:timestamp xml:id="ts0" timeString="2021-08-16T16:32:55.543"/>
+      <inkml:timestamp xml:id="ts0" timeString="2021-08-17T16:31:11.187"/>
     </inkml:context>
     <inkml:brush xml:id="br0">
       <inkml:brushProperty name="width" value="0.05" units="cm"/>
@@ -540,11 +1953,11 @@
       <inkml:brushProperty name="color" value="#FF0066"/>
     </inkml:brush>
   </inkml:definitions>
-  <inkml:trace contextRef="#ctx0" brushRef="#br0">2 80 4144 0 0,'-2'3'8336'0'0,"4"-4"-8210"0"0,0 0 0 0 0,-1 1 1 0 0,1-1-1 0 0,0 0 0 0 0,-1 0 1 0 0,1 0-1 0 0,-1 0 1 0 0,1 0-1 0 0,-1 0 0 0 0,2-3 1 0 0,7-3 723 0 0,0 2-400 0 0,-1 0 0 0 0,1 1 0 0 0,0 1-1 0 0,15-4 1 0 0,44-7 311 0 0,-51 11-313 0 0,76-8 1771 0 0,179 0-1 0 0,101 24-850 0 0,-53 1-96 0 0,-163-22-533 0 0,-1-1 1 0 0,234 22 149 0 0,-340-9-376 0 0,54 2 994 0 0,-99-7-1535 0 0,-1 1 0 0 0,1-1 0 0 0,0-1 0 0 0,0 1 0 0 0,10-4 0 0 0,0-3-2986 0 0</inkml:trace>
+  <inkml:trace contextRef="#ctx0" brushRef="#br0">11 26 7112 0 0,'0'0'644'0'0,"-10"-3"8591"0"0,21 27-7163 0 0,-8-22-1931 0 0,-1 1 0 0 0,1-1 0 0 0,-1 0 0 0 0,1 0 0 0 0,0 0 0 0 0,0 0-1 0 0,0 0 1 0 0,0-1 0 0 0,0 1 0 0 0,0-1 0 0 0,0 0 0 0 0,1 0 0 0 0,-1 0-1 0 0,0 0 1 0 0,1-1 0 0 0,3 1 0 0 0,11 1 614 0 0,34-1 0 0 0,-34-1-397 0 0,89-4 665 0 0,-68 4-807 0 0,-11-1 73 0 0,49 5 0 0 0,6 3 58 0 0,8 1 12 0 0,-3 8 29 0 0,61 9 358 0 0,-43-22-213 0 0,-35-2-221 0 0,22-2 73 0 0,-60-1-258 0 0,149-13 572 0 0,31-1 45 0 0,-83 10-361 0 0,-103 4-303 0 0,113-12 305 0 0,25 0 159 0 0,-106 11-386 0 0,138-1 212 0 0,32 6 121 0 0,-153-2-402 0 0,-47 1-30 0 0,-20 0-33 0 0,0-1 0 0 0,0 0-1 0 0,1 0 1 0 0,11-2 0 0 0,-4 0-15 0 0,-17 2-10 0 0,0-1 0 0 0,1 1 0 0 0,-1 0 0 0 0,1 0 0 0 0,-1 0 0 0 0,0 0 1 0 0,1 0-1 0 0,-1 0 0 0 0,0 0 0 0 0,1 0 0 0 0,-1-1 0 0 0,0 1 0 0 0,1 0 0 0 0,-1 0 1 0 0,0 0-1 0 0,1-1 0 0 0,-1 1 0 0 0,0 0 0 0 0,0 0 0 0 0,1-1 0 0 0,-1 1 1 0 0,0 0-1 0 0,0-1 0 0 0,1 1 0 0 0,-1 0 0 0 0,0-1 0 0 0,0 1 0 0 0,0 0 0 0 0,0-1 1 0 0,0 1-1 0 0,1 0 0 0 0,-1-1 0 0 0,0 1 0 0 0,0-1 0 0 0,0 1 0 0 0,0 0 0 0 0,0-1 1 0 0,0 1-1 0 0,0-1 0 0 0,-1 1 0 0 0,1-2-5 0 0,1-1-201 0 0,-1 1-1 0 0,0-1 0 0 0,0 0 1 0 0,0 0-1 0 0,0 0 1 0 0,0 1-1 0 0,-1-6 0 0 0,-1-1-2477 0 0,2 1 550 0 0</inkml:trace>
 </inkml:ink>
 </file>
 
-<file path=ppt/ink/ink20.xml><?xml version="1.0" encoding="utf-8"?>
+<file path=ppt/ink/ink60.xml><?xml version="1.0" encoding="utf-8"?>
 <inkml:ink xmlns:inkml="http://www.w3.org/2003/InkML">
   <inkml:definitions>
     <inkml:context xml:id="ctx0">
@@ -576,7 +1989,7 @@
 </inkml:ink>
 </file>
 
-<file path=ppt/ink/ink21.xml><?xml version="1.0" encoding="utf-8"?>
+<file path=ppt/ink/ink61.xml><?xml version="1.0" encoding="utf-8"?>
 <inkml:ink xmlns:inkml="http://www.w3.org/2003/InkML">
   <inkml:definitions>
     <inkml:context xml:id="ctx0">
@@ -608,7 +2021,7 @@
 </inkml:ink>
 </file>
 
-<file path=ppt/ink/ink22.xml><?xml version="1.0" encoding="utf-8"?>
+<file path=ppt/ink/ink62.xml><?xml version="1.0" encoding="utf-8"?>
 <inkml:ink xmlns:inkml="http://www.w3.org/2003/InkML">
   <inkml:definitions>
     <inkml:context xml:id="ctx0">
@@ -640,7 +2053,7 @@
 </inkml:ink>
 </file>
 
-<file path=ppt/ink/ink23.xml><?xml version="1.0" encoding="utf-8"?>
+<file path=ppt/ink/ink63.xml><?xml version="1.0" encoding="utf-8"?>
 <inkml:ink xmlns:inkml="http://www.w3.org/2003/InkML">
   <inkml:definitions>
     <inkml:context xml:id="ctx0">
@@ -672,7 +2085,7 @@
 </inkml:ink>
 </file>
 
-<file path=ppt/ink/ink24.xml><?xml version="1.0" encoding="utf-8"?>
+<file path=ppt/ink/ink64.xml><?xml version="1.0" encoding="utf-8"?>
 <inkml:ink xmlns:inkml="http://www.w3.org/2003/InkML">
   <inkml:definitions>
     <inkml:context xml:id="ctx0">
@@ -705,7 +2118,7 @@
 </inkml:ink>
 </file>
 
-<file path=ppt/ink/ink25.xml><?xml version="1.0" encoding="utf-8"?>
+<file path=ppt/ink/ink65.xml><?xml version="1.0" encoding="utf-8"?>
 <inkml:ink xmlns:inkml="http://www.w3.org/2003/InkML">
   <inkml:definitions>
     <inkml:context xml:id="ctx0">
@@ -737,7 +2150,7 @@
 </inkml:ink>
 </file>
 
-<file path=ppt/ink/ink26.xml><?xml version="1.0" encoding="utf-8"?>
+<file path=ppt/ink/ink66.xml><?xml version="1.0" encoding="utf-8"?>
 <inkml:ink xmlns:inkml="http://www.w3.org/2003/InkML">
   <inkml:definitions>
     <inkml:context xml:id="ctx0">
@@ -769,7 +2182,7 @@
 </inkml:ink>
 </file>
 
-<file path=ppt/ink/ink27.xml><?xml version="1.0" encoding="utf-8"?>
+<file path=ppt/ink/ink67.xml><?xml version="1.0" encoding="utf-8"?>
 <inkml:ink xmlns:inkml="http://www.w3.org/2003/InkML">
   <inkml:definitions>
     <inkml:context xml:id="ctx0">
@@ -801,7 +2214,7 @@
 </inkml:ink>
 </file>
 
-<file path=ppt/ink/ink28.xml><?xml version="1.0" encoding="utf-8"?>
+<file path=ppt/ink/ink68.xml><?xml version="1.0" encoding="utf-8"?>
 <inkml:ink xmlns:inkml="http://www.w3.org/2003/InkML">
   <inkml:definitions>
     <inkml:context xml:id="ctx0">
@@ -833,7 +2246,7 @@
 </inkml:ink>
 </file>
 
-<file path=ppt/ink/ink29.xml><?xml version="1.0" encoding="utf-8"?>
+<file path=ppt/ink/ink69.xml><?xml version="1.0" encoding="utf-8"?>
 <inkml:ink xmlns:inkml="http://www.w3.org/2003/InkML">
   <inkml:definitions>
     <inkml:context xml:id="ctx0">
@@ -865,7 +2278,7 @@
 </inkml:ink>
 </file>
 
-<file path=ppt/ink/ink3.xml><?xml version="1.0" encoding="utf-8"?>
+<file path=ppt/ink/ink7.xml><?xml version="1.0" encoding="utf-8"?>
 <inkml:ink xmlns:inkml="http://www.w3.org/2003/InkML">
   <inkml:definitions>
     <inkml:context xml:id="ctx0">
@@ -885,7 +2298,7 @@
           <inkml:channelProperty channel="OE" name="resolution" value="1000" units="1/deg"/>
         </inkml:channelProperties>
       </inkml:inkSource>
-      <inkml:timestamp xml:id="ts0" timeString="2021-08-16T16:33:04.128"/>
+      <inkml:timestamp xml:id="ts0" timeString="2021-08-17T16:31:14.562"/>
     </inkml:context>
     <inkml:brush xml:id="br0">
       <inkml:brushProperty name="width" value="0.05" units="cm"/>
@@ -893,11 +2306,11 @@
       <inkml:brushProperty name="color" value="#FF0066"/>
     </inkml:brush>
   </inkml:definitions>
-  <inkml:trace contextRef="#ctx0" brushRef="#br0">11 158 3224 0 0,'0'0'9232'0'0,"1"-8"-3805"0"0,-1 6-5154 0 0,-1 1-87 0 0,1 1 0 0 0,0-1 0 0 0,0 0 0 0 0,-1 1-1 0 0,1-1 1 0 0,0 0 0 0 0,-1 1 0 0 0,1-1 0 0 0,-1 1-1 0 0,1-1 1 0 0,-1 1 0 0 0,1-1 0 0 0,-1 1 0 0 0,-1-2 1415 0 0,1-6 37 0 0,0 8-1579 0 0,1-1-1 0 0,0 1 1 0 0,0 0 0 0 0,0 0-1 0 0,0-1 1 0 0,-1 1 0 0 0,1 0-1 0 0,0-1 1 0 0,0 1-1 0 0,0 0 1 0 0,0-1 0 0 0,0 1-1 0 0,0 0 1 0 0,0-1 0 0 0,0 1-1 0 0,0-1 1 0 0,0 1 0 0 0,0 0-1 0 0,0-1 1 0 0,0 1 0 0 0,0 0-1 0 0,0-1 1 0 0,0 1 0 0 0,1 0-1 0 0,-1-1 1 0 0,0 1 0 0 0,0 0-1 0 0,0 0 1 0 0,0-1 0 0 0,1 1-1 0 0,-1 0 1 0 0,0-1 0 0 0,1 1-1 0 0,3-14 1894 0 0,9 0-885 0 0,-13 13-1014 0 0,14-1 78 0 0,-12 0-103 0 0,0 1 0 0 0,0 0 1 0 0,1 0-1 0 0,-1 0 0 0 0,0 0 1 0 0,1 0-1 0 0,-1 0 0 0 0,1 1 1 0 0,-1-1-1 0 0,1 1 0 0 0,-1 0 1 0 0,1 0-1 0 0,-1-1 0 0 0,1 2 1 0 0,-1-1-1 0 0,1 0 0 0 0,-1 0 1 0 0,1 1-1 0 0,2 1 0 0 0,25 0 376 0 0,-24-1-370 0 0,1-1-1 0 0,-1 1 1 0 0,1-1-1 0 0,0-1 1 0 0,-1 1-1 0 0,1-1 1 0 0,11-3-1 0 0,-14 3-15 0 0,58-3 307 0 0,-9 0-264 0 0,-36 3-19 0 0,30-5-1 0 0,22-5-41 0 0,38 0 0 0 0,-89 10 0 0 0,30-2 10 0 0,-8 0 17 0 0,69-12 0 0 0,-85 11 51 0 0,0 1 0 0 0,43 0 0 0 0,23-3 80 0 0,-70 5-186 0 0,31 0 0 0 0,-31 1 20 0 0,63 1 72 0 0,112 18 0 0 0,-54-6-60 0 0,31 6-24 0 0,8 6 87 0 0,121-7-278 0 0,-140-11 611 0 0,-87-7-389 0 0,178-13 170 0 0,-125 7-107 0 0,-3 0-8 0 0,-46 11-27 0 0,-1 0-18 0 0,101-10-21 0 0,-125 3 0 0 0,-7 3 0 0 0,85 12 0 0 0,-6 0 0 0 0,-70-11 0 0 0,61 4 0 0 0,107 21 0 0 0,-145-17 10 0 0,134 11 55 0 0,-96-8-43 0 0,3 0-15 0 0,196-2 273 0 0,-250-6-256 0 0,38-1 45 0 0,-32-4-41 0 0,134 3 43 0 0,-51-1-26 0 0,-89-3-8 0 0,87 10 1 0 0,-69 1-38 0 0,159-3 0 0 0,-137-13 0 0 0,43-2 0 0 0,-18 5 0 0 0,-93 1 0 0 0,94-8 0 0 0,-119 9 0 0 0,0 0 0 0 0,14 0 0 0 0,-10 1 0 0 0,-11 0 0 0 0,1 0 0 0 0,-2 0-65 0 0,-3 0-271 0 0</inkml:trace>
+  <inkml:trace contextRef="#ctx0" brushRef="#br0">34 86 3680 0 0,'0'0'167'0'0,"-15"-1"26"0"0,-3 2 14934 0 0,45-7-13003 0 0,-2-1-1153 0 0,-10 6-716 0 0,-1 0-1 0 0,0 0 1 0 0,1 1 0 0 0,17 3-1 0 0,57 4 599 0 0,-5-1-2 0 0,-23-2-449 0 0,15 3-164 0 0,-46-2-149 0 0,112 15 733 0 0,97-17 98 0 0,-185-6-274 0 0,0-2-1 0 0,75-18 1 0 0,-45 6-629 0 0,15-3-7 0 0,70-13 315 0 0,-139 28-237 0 0,-13 4-17 0 0,0 1 0 0 0,1 0 0 0 0,-1 1-1 0 0,0 1 1 0 0,0 0 0 0 0,22 7 0 0 0,-20-5 25 0 0,8 5 102 0 0,-22-7-73 0 0,0-1-1 0 0,0 1 1 0 0,0-1 0 0 0,0 0 0 0 0,0 0 0 0 0,7 0 0 0 0,-12-2-72 0 0,1-2-30 0 0,3-3 13 0 0,-1 0 27 0 0,-7-10-30 0 0,4 15-33 0 0,0 0 0 0 0,0 1 0 0 0,-1-1-1 0 0,1 1 1 0 0,-1-1 0 0 0,1 0 0 0 0,-1 1 0 0 0,1-1-1 0 0,-1 1 1 0 0,1-1 0 0 0,-1 1 0 0 0,1 0 0 0 0,-1-1 0 0 0,1 1-1 0 0,-2-1 1 0 0,-1-1-10 0 0,3 2-10 0 0,0 0 0 0 0,0 0 0 0 0,-1 0 0 0 0,1-1 0 0 0,0 1 0 0 0,0 0 0 0 0,-1 0 0 0 0,1 0 0 0 0,0-1 0 0 0,0 1 0 0 0,0 0 0 0 0,-1 0 0 0 0,1-1 0 0 0,0 1 0 0 0,0 0 0 0 0,0 0 0 0 0,0-1 0 0 0,0 1 0 0 0,-1 0 0 0 0,1-1 0 0 0,0 1 0 0 0,0 0 0 0 0,0-1 0 0 0,0 1 0 0 0,0 0 0 0 0,0-1 0 0 0,0 1 0 0 0,0-3-2281 0 0</inkml:trace>
 </inkml:ink>
 </file>
 
-<file path=ppt/ink/ink30.xml><?xml version="1.0" encoding="utf-8"?>
+<file path=ppt/ink/ink70.xml><?xml version="1.0" encoding="utf-8"?>
 <inkml:ink xmlns:inkml="http://www.w3.org/2003/InkML">
   <inkml:definitions>
     <inkml:context xml:id="ctx0">
@@ -929,7 +2342,7 @@
 </inkml:ink>
 </file>
 
-<file path=ppt/ink/ink31.xml><?xml version="1.0" encoding="utf-8"?>
+<file path=ppt/ink/ink71.xml><?xml version="1.0" encoding="utf-8"?>
 <inkml:ink xmlns:inkml="http://www.w3.org/2003/InkML">
   <inkml:definitions>
     <inkml:context xml:id="ctx0">
@@ -962,7 +2375,7 @@
 </inkml:ink>
 </file>
 
-<file path=ppt/ink/ink32.xml><?xml version="1.0" encoding="utf-8"?>
+<file path=ppt/ink/ink72.xml><?xml version="1.0" encoding="utf-8"?>
 <inkml:ink xmlns:inkml="http://www.w3.org/2003/InkML">
   <inkml:definitions>
     <inkml:context xml:id="ctx0">
@@ -994,7 +2407,7 @@
 </inkml:ink>
 </file>
 
-<file path=ppt/ink/ink33.xml><?xml version="1.0" encoding="utf-8"?>
+<file path=ppt/ink/ink73.xml><?xml version="1.0" encoding="utf-8"?>
 <inkml:ink xmlns:inkml="http://www.w3.org/2003/InkML">
   <inkml:definitions>
     <inkml:context xml:id="ctx0">
@@ -1027,7 +2440,7 @@
 </inkml:ink>
 </file>
 
-<file path=ppt/ink/ink34.xml><?xml version="1.0" encoding="utf-8"?>
+<file path=ppt/ink/ink74.xml><?xml version="1.0" encoding="utf-8"?>
 <inkml:ink xmlns:inkml="http://www.w3.org/2003/InkML">
   <inkml:definitions>
     <inkml:context xml:id="ctx0">
@@ -1059,7 +2472,7 @@
 </inkml:ink>
 </file>
 
-<file path=ppt/ink/ink4.xml><?xml version="1.0" encoding="utf-8"?>
+<file path=ppt/ink/ink75.xml><?xml version="1.0" encoding="utf-8"?>
 <inkml:ink xmlns:inkml="http://www.w3.org/2003/InkML">
   <inkml:definitions>
     <inkml:context xml:id="ctx0">
@@ -1079,7 +2492,7 @@
           <inkml:channelProperty channel="OE" name="resolution" value="1000" units="1/deg"/>
         </inkml:channelProperties>
       </inkml:inkSource>
-      <inkml:timestamp xml:id="ts0" timeString="2021-08-16T16:52:44.790"/>
+      <inkml:timestamp xml:id="ts0" timeString="2021-08-17T16:32:43.683"/>
     </inkml:context>
     <inkml:brush xml:id="br0">
       <inkml:brushProperty name="width" value="0.05" units="cm"/>
@@ -1087,11 +2500,11 @@
       <inkml:brushProperty name="color" value="#FF0066"/>
     </inkml:brush>
   </inkml:definitions>
-  <inkml:trace contextRef="#ctx0" brushRef="#br0">68 13 4608 0 0,'-14'6'628'0'0,"10"-5"176"0"0,-20 5 2363 0 0,22-5-2990 0 0,1-1-1 0 0,-1 0 1 0 0,1 0 0 0 0,-1 0 0 0 0,1 0-1 0 0,0 0 1 0 0,-1 0 0 0 0,1 0 0 0 0,-1 0-1 0 0,1-1 1 0 0,0 1 0 0 0,-7-3 5788 0 0,9-3-4625 0 0,4-2-834 0 0,-3 6-381 0 0,0 1-1 0 0,0 0 1 0 0,0 0-1 0 0,0 0 1 0 0,0 1-1 0 0,0-1 1 0 0,0 1 0 0 0,1-1-1 0 0,-1 1 1 0 0,0-1-1 0 0,1 1 1 0 0,2 0-1 0 0,0 1 126 0 0,0 0 0 0 0,0 0 0 0 0,-1 0-1 0 0,10 4 1 0 0,15 4 554 0 0,1 0 0 0 0,45 6 0 0 0,64 1 386 0 0,-88-11-857 0 0,376 2 1624 0 0,-334-9-1598 0 0,208-5 62 0 0,-154 6-168 0 0,1-1-9 0 0,155 18-1 0 0,-191-5 205 0 0,86 13 159 0 0,-164-18-436 0 0,2 0 33 0 0,65 4 1 0 0,-40-8 113 0 0,-31 0-127 0 0,39-3 0 0 0,-16-5 166 0 0,80-18 0 0 0,-124 22-296 0 0,-6 2-66 0 0,-1-1 0 0 0,1 0-1 0 0,-1 1 1 0 0,1-1 0 0 0,-1 0 0 0 0,5-3-1 0 0,-6 3-223 0 0</inkml:trace>
+  <inkml:trace contextRef="#ctx0" brushRef="#br0">93 137 3248 0 0,'0'0'149'0'0,"-1"0"-7"0"0,-21-1 64 0 0,12 1 1452 0 0,1 0 0 0 0,0 0-1 0 0,-11 2 1 0 0,18-1-1014 0 0,-1-1 0 0 0,0 1 1 0 0,1 0-1 0 0,-1 0 0 0 0,1 0 1 0 0,-5 3 1832 0 0,11 5-363 0 0,-2-6-2017 0 0,0-1 0 0 0,1 0-1 0 0,-1 0 1 0 0,1 0 0 0 0,0 0 0 0 0,0 0 0 0 0,-1-1 0 0 0,1 1 0 0 0,0-1 0 0 0,1 0 0 0 0,-1 0 0 0 0,0 0 0 0 0,0 0-1 0 0,0-1 1 0 0,5 1 0 0 0,7 1 485 0 0,0-2 0 0 0,17 0-1 0 0,-10-1-334 0 0,10 2 184 0 0,27-1 242 0 0,112-5 655 0 0,30 6-483 0 0,-170 1-738 0 0,-1-1-10 0 0,36 2 595 0 0,127-10-1 0 0,-131 0-385 0 0,45-7 100 0 0,-54 6-193 0 0,55-2 1 0 0,-34 3-89 0 0,-33 5-12 0 0,68 5 0 0 0,-70-1-23 0 0,-1-1 0 0 0,44-5 0 0 0,23-10 158 0 0,91-9 125 0 0,4 9-34 0 0,-130 10-253 0 0,65-1 111 0 0,86-6 185 0 0,0 0 297 0 0,-137 12-669 0 0,119-5-156 0 0,-131 2 365 0 0,-44 2-60 0 0,36-5-1 0 0,-19 0-154 0 0,-24 3-14 0 0,29-6 0 0 0,29-7-238 0 0,-12 8 248 0 0,-59 7 0 0 0,7-1 54 0 0,0 1-1 0 0,-1 1 1 0 0,1 0-1 0 0,19 5 1 0 0,-11-1-51 0 0,-1 0 0 0 0,1-2 0 0 0,28 1 0 0 0,-50-4-3 0 0,0 0 0 0 0,0 1 0 0 0,0-1 0 0 0,0 0 0 0 0,-1-1 0 0 0,1 1 0 0 0,0 0 0 0 0,0 0 0 0 0,0 0 0 0 0,0 0 0 0 0,0-1 0 0 0,0 1 0 0 0,-1 0 0 0 0,1-1 0 0 0,1 0 0 0 0,1 0 0 0 0,0-1 0 0 0,0 1 0 0 0,0 0 0 0 0,0 0 0 0 0,0 0 0 0 0,0 0 0 0 0,0 0 0 0 0,5 0 0 0 0,-4 1 0 0 0,1-1 0 0 0,-1 1 0 0 0,1 0 0 0 0,-1 0 0 0 0,0 1 0 0 0,1-1 0 0 0,-1 1 0 0 0,9 2 0 0 0,8 1 0 0 0,-19-3 0 0 0,-1 0 0 0 0,12 0 0 0 0,-3 0 531 0 0,-7 0-2024 0 0</inkml:trace>
 </inkml:ink>
 </file>
 
-<file path=ppt/ink/ink5.xml><?xml version="1.0" encoding="utf-8"?>
+<file path=ppt/ink/ink76.xml><?xml version="1.0" encoding="utf-8"?>
 <inkml:ink xmlns:inkml="http://www.w3.org/2003/InkML">
   <inkml:definitions>
     <inkml:context xml:id="ctx0">
@@ -1111,7 +2524,7 @@
           <inkml:channelProperty channel="OE" name="resolution" value="1000" units="1/deg"/>
         </inkml:channelProperties>
       </inkml:inkSource>
-      <inkml:timestamp xml:id="ts0" timeString="2021-08-16T16:52:46.847"/>
+      <inkml:timestamp xml:id="ts0" timeString="2021-08-17T16:32:44.898"/>
     </inkml:context>
     <inkml:brush xml:id="br0">
       <inkml:brushProperty name="width" value="0.05" units="cm"/>
@@ -1119,11 +2532,11 @@
       <inkml:brushProperty name="color" value="#FF0066"/>
     </inkml:brush>
   </inkml:definitions>
-  <inkml:trace contextRef="#ctx0" brushRef="#br0">43 110 10592 0 0,'-43'-2'6607'0'0,"47"1"-6184"0"0,-1-1-1 0 0,0 1 1 0 0,0 0-1 0 0,0 0 1 0 0,7-1-1 0 0,189-21 2793 0 0,-126 16-2581 0 0,436-31 2006 0 0,-132 23-1719 0 0,-107 6-154 0 0,57 4-45 0 0,-86 3-244 0 0,95 19 871 0 0,-298-10-1342 0 0,-28-5 42 0 0,0 0 1 0 0,21 1-1 0 0,-30-3 31 0 0,7-2 27 0 0,-7 2-130 0 0,4-10-3318 0 0,-2 8 1694 0 0</inkml:trace>
+  <inkml:trace contextRef="#ctx0" brushRef="#br0">337 129 11808 0 0,'-3'-13'1258'0'0,"3"-12"-580"0"0,-3-27 3764 0 0,1 37-3679 0 0,2 13-666 0 0,0 1-1 0 0,0-1 1 0 0,0 0-1 0 0,0 1 1 0 0,0-1-1 0 0,-1 1 0 0 0,1-1 1 0 0,-1 1-1 0 0,1-1 1 0 0,-1 1-1 0 0,0-1 1 0 0,1 1-1 0 0,-2-2 0 0 0,1 3 163 0 0,0 0-237 0 0,0 1-1 0 0,0 0 0 0 0,0 0 1 0 0,0 0-1 0 0,0-1 1 0 0,0 1-1 0 0,0 0 1 0 0,1 0-1 0 0,-1 1 1 0 0,-1 0-1 0 0,0 2 26 0 0,-4 3-30 0 0,0 0 0 0 0,1 0 0 0 0,0 1 1 0 0,1 0-1 0 0,-4 9 0 0 0,-16 46-2 0 0,16-42 25 0 0,-23 82-41 0 0,10-29 96 0 0,17-62-85 0 0,0 3 37 0 0,-1 1 0 0 0,0-1 0 0 0,-1 0 0 0 0,-1-1 0 0 0,0 0 0 0 0,-1 0 0 0 0,-14 19 0 0 0,21-32-46 0 0,1-1-1 0 0,-1 1 0 0 0,0-1 0 0 0,1 1 0 0 0,-1 0 1 0 0,1-1-1 0 0,-1 1 0 0 0,0-1 0 0 0,1 0 1 0 0,-1 1-1 0 0,0-1 0 0 0,0 1 0 0 0,1-1 0 0 0,-1 0 1 0 0,0 0-1 0 0,0 1 0 0 0,0-1 0 0 0,1 0 0 0 0,-1 0 1 0 0,0 0-1 0 0,0 0 0 0 0,-1 0 0 0 0,1 0 0 0 0,-1-1-1 0 0,1 1 0 0 0,-1-1 0 0 0,1 0 0 0 0,-1 1 1 0 0,1-1-1 0 0,0 0 0 0 0,-1 0 0 0 0,1 1 0 0 0,0-1 0 0 0,-2-2 1 0 0,-2-3 10 0 0,-1 0 0 0 0,1-1 0 0 0,-7-11-1 0 0,8 12 27 0 0,-2-4 456 0 0,0-1 1 0 0,0 0-1 0 0,-5-16 0 0 0,8 23-492 0 0,3 4 0 0 0,0 0 0 0 0,0 0 0 0 0,0 0 0 0 0,-1 0 0 0 0,1 0 0 0 0,0-1 0 0 0,0 1 0 0 0,-1 0 0 0 0,1 0 0 0 0,0 0 0 0 0,0 0 0 0 0,0 0 0 0 0,-1 0 0 0 0,1 0 0 0 0,0 0 0 0 0,0 0 0 0 0,-1 0 0 0 0,1 0 0 0 0,0 0 0 0 0,0 0 0 0 0,-1 0 0 0 0,1 0 0 0 0,0 1 0 0 0,0-1 0 0 0,0 0 0 0 0,-1 0 0 0 0,1 0 0 0 0,0 0 0 0 0,0 0 0 0 0,0 0 0 0 0,-1 1 0 0 0,1-1 0 0 0,0 0 0 0 0,0 0 0 0 0,0 0 0 0 0,0 0 0 0 0,0 1 0 0 0,-1-1 0 0 0,1 0 0 0 0,0 1 0 0 0,-3 8 0 0 0,2-8 0 0 0,-1 7 0 0 0,-1 1 0 0 0,1-1 0 0 0,1 0 0 0 0,0 1 0 0 0,0-1 0 0 0,0 1 0 0 0,1 10 0 0 0,1-5 0 0 0,0 0 0 0 0,1 0 0 0 0,6 23 0 0 0,-7-35 0 0 0,-1 0 0 0 0,1 1 0 0 0,0-1 0 0 0,0 0 0 0 0,0 0 0 0 0,0 0 0 0 0,0 0 0 0 0,0-1 0 0 0,0 1 0 0 0,1 0 0 0 0,-1 0 0 0 0,1-1 0 0 0,-1 1 0 0 0,1-1 0 0 0,0 1 0 0 0,3 1 0 0 0,-4-2 31 0 0,1-1 0 0 0,-1 1 1 0 0,1-1-1 0 0,-1 1 0 0 0,1-1 0 0 0,-1 1 0 0 0,1-1 0 0 0,-1 0 0 0 0,1 0 0 0 0,0 0 0 0 0,-1 0 0 0 0,1 0 0 0 0,-1 0 0 0 0,1-1 0 0 0,-1 1 1 0 0,1 0-1 0 0,-1-1 0 0 0,1 1 0 0 0,1-2 0 0 0,4-1 278 0 0,6-2-127 0 0,-1 0 1 0 0,1-2-1 0 0,-1 1 1 0 0,-1-1-1 0 0,1-1 1 0 0,12-11-1 0 0,-15 12 66 0 0,8-8-354 0 0,-2 1-1 0 0,24-28 1 0 0,-30 30-1149 0 0,-1 5 77 0 0</inkml:trace>
 </inkml:ink>
 </file>
 
-<file path=ppt/ink/ink6.xml><?xml version="1.0" encoding="utf-8"?>
+<file path=ppt/ink/ink77.xml><?xml version="1.0" encoding="utf-8"?>
 <inkml:ink xmlns:inkml="http://www.w3.org/2003/InkML">
   <inkml:definitions>
     <inkml:context xml:id="ctx0">
@@ -1143,7 +2556,7 @@
           <inkml:channelProperty channel="OE" name="resolution" value="1000" units="1/deg"/>
         </inkml:channelProperties>
       </inkml:inkSource>
-      <inkml:timestamp xml:id="ts0" timeString="2021-08-16T16:53:00.726"/>
+      <inkml:timestamp xml:id="ts0" timeString="2021-08-17T16:32:47.492"/>
     </inkml:context>
     <inkml:brush xml:id="br0">
       <inkml:brushProperty name="width" value="0.05" units="cm"/>
@@ -1151,11 +2564,11 @@
       <inkml:brushProperty name="color" value="#FF0066"/>
     </inkml:brush>
   </inkml:definitions>
-  <inkml:trace contextRef="#ctx0" brushRef="#br0">0 86 9848 0 0,'0'0'6525'0'0,"4"-8"-3968"0"0,-2 8-2349 0 0,0 0 0 0 0,0-1 0 0 0,0 1 0 0 0,0 0 0 0 0,0 0 0 0 0,0 1-1 0 0,1-1 1 0 0,-1 0 0 0 0,0 1 0 0 0,0-1 0 0 0,0 1 0 0 0,0 0 0 0 0,0 0 0 0 0,-1 0 0 0 0,5 2 1213 0 0,2 1 584 0 0,-4 0-1441 0 0,-2-3-337 0 0,-1 1 1 0 0,1-1 0 0 0,-1 0 0 0 0,1 0 0 0 0,0 1-1 0 0,0-1 1 0 0,0 0 0 0 0,0 0 0 0 0,0-1 0 0 0,3 2-1 0 0,4 0 319 0 0,-8-2-526 0 0,0 0 0 0 0,0 0 1 0 0,-1 0-1 0 0,1 1 0 0 0,0-1 1 0 0,0 0-1 0 0,0 0 0 0 0,-1 0 1 0 0,1 0-1 0 0,0-1 0 0 0,0 1 1 0 0,-1 0-1 0 0,1 0 0 0 0,0 0 1 0 0,1-1-1 0 0,10 3 289 0 0,-3-4-204 0 0,-1 1-1 0 0,0 0 0 0 0,1 1 0 0 0,10 0 1 0 0,-10 0-1 0 0,0 0 0 0 0,0 0 1 0 0,12-3-1 0 0,-13 1-95 0 0,0 1-1 0 0,-1 1 1 0 0,15 0 0 0 0,-14 0 0 0 0,1 0 1 0 0,14-2 0 0 0,-11 0 14 0 0,0 0-1 0 0,1 1 0 0 0,-1 0 1 0 0,15 1-1 0 0,18 0-12 0 0,38 2-11 0 0,-60-3 0 0 0,0 1 0 0 0,34 5 0 0 0,8-1 0 0 0,79-4 1 0 0,-64-2 74 0 0,116-3 313 0 0,-182 5-388 0 0,-8 0 0 0 0,0 1 0 0 0,0-2 0 0 0,0 1 0 0 0,0-1 0 0 0,0 0 0 0 0,8-2 0 0 0,13-4 1 0 0,0 0 0 0 0,34-2 0 0 0,-18 3 113 0 0,166-34 225 0 0,-169 32-316 0 0,0 2-1 0 0,0 2 1 0 0,1 2 0 0 0,-1 2-1 0 0,60 6 1 0 0,-61-2-23 0 0,61-2 0 0 0,-62-2 0 0 0,13-1 0 0 0,45 1 0 0 0,-66 2 0 0 0,55 6 0 0 0,-42-3 19 0 0,52 0 0 0 0,12 1 7 0 0,-80-4-26 0 0,-15-1 0 0 0,1 0 0 0 0,-1 1 0 0 0,14 4 0 0 0,26 6 21 0 0,0-2 1 0 0,97 6-1 0 0,-55-13-24 0 0,30 4 59 0 0,-10 0-42 0 0,-6 0-17 0 0,-34-3 29 0 0,20 3 12 0 0,80 3-41 0 0,-85-8 59 0 0,-29-2-8 0 0,12 0 70 0 0,-48 1-90 0 0,29-3 0 0 0,16 1-15 0 0,191-5 112 0 0,-234 4-122 0 0,62-4-3 0 0,135-6 0 0 0,-81 6 38 0 0,-32 0-12 0 0,155-13 64 0 0,-136 9-60 0 0,60 1-30 0 0,-130 8 0 0 0,86 7 0 0 0,-141-5 0 0 0,129 9 0 0 0,-88-5 0 0 0,-9-2 0 0 0,43 11 0 0 0,-4-4 0 0 0,-71-9 3 0 0,0 0 0 0 0,0-1-1 0 0,0 1 1 0 0,0-1 0 0 0,7 0 0 0 0,25-1-124 0 0,-35 1-419 0 0</inkml:trace>
+  <inkml:trace contextRef="#ctx0" brushRef="#br0">21 0 10136 0 0,'-20'7'5981'0'0,"39"-1"-4325"0"0,8-2-775 0 0,-1 0 0 0 0,38 0 1 0 0,-6-1-180 0 0,93 5 315 0 0,56 6 374 0 0,121 16-298 0 0,-228-23-754 0 0,592 14 1841 0 0,-160-41-61 0 0,-336 10-1698 0 0,-63 6 152 0 0,0 6 1 0 0,197 27-1 0 0,-294-24-361 0 0,-7-1-202 0 0,-1 0 0 0 0,1 2 0 0 0,35 13 0 0 0,-46-13-10 0 0,0 0 0 0 0,0-1 1 0 0,0-1-1 0 0,1 0 0 0 0,0-2 0 0 0,0 0 0 0 0,30-1 0 0 0,-46-1 14 0 0,0 0-1 0 0,0-1 0 0 0,0 1 0 0 0,0 0 0 0 0,0-1 0 0 0,0 0 1 0 0,-1 0-1 0 0,1 1 0 0 0,0-2 0 0 0,0 1 0 0 0,0 0 1 0 0,-1-1-1 0 0,1 1 0 0 0,-1-1 0 0 0,1 1 0 0 0,-1-1 1 0 0,4-4-1 0 0,4-2 59 0 0,-1 1-1684 0 0</inkml:trace>
 </inkml:ink>
 </file>
 
-<file path=ppt/ink/ink7.xml><?xml version="1.0" encoding="utf-8"?>
+<file path=ppt/ink/ink78.xml><?xml version="1.0" encoding="utf-8"?>
 <inkml:ink xmlns:inkml="http://www.w3.org/2003/InkML">
   <inkml:definitions>
     <inkml:context xml:id="ctx0">
@@ -1175,7 +2588,7 @@
           <inkml:channelProperty channel="OE" name="resolution" value="1000" units="1/deg"/>
         </inkml:channelProperties>
       </inkml:inkSource>
-      <inkml:timestamp xml:id="ts0" timeString="2021-08-16T16:53:04.616"/>
+      <inkml:timestamp xml:id="ts0" timeString="2021-08-17T16:38:41.158"/>
     </inkml:context>
     <inkml:brush xml:id="br0">
       <inkml:brushProperty name="width" value="0.05" units="cm"/>
@@ -1183,7 +2596,39 @@
       <inkml:brushProperty name="color" value="#FF0066"/>
     </inkml:brush>
   </inkml:definitions>
-  <inkml:trace contextRef="#ctx0" brushRef="#br0">95 258 4144 0 0,'-1'0'143'0'0,"0"0"1"0"0,0 0-1 0 0,0 0 0 0 0,-1-1 1 0 0,1 1-1 0 0,0-1 0 0 0,0 1 1 0 0,0-1-1 0 0,0 1 0 0 0,0-1 0 0 0,-1 0 1 0 0,1 1-1 0 0,1-1 0 0 0,-1 0 1 0 0,0 0-1 0 0,0 0 0 0 0,0 0 1 0 0,0 0-1 0 0,0 0 0 0 0,1 0 1 0 0,-1 0-1 0 0,1 0 0 0 0,-1 0 1 0 0,0-2-1 0 0,-2-4 1434 0 0,1 0 1 0 0,-1 0-1 0 0,0-8 0 0 0,2 10-1687 0 0,-1-10 784 0 0,1 1 0 0 0,0-1 0 0 0,1 1 0 0 0,0-1 0 0 0,5-23 0 0 0,-3 25-229 0 0,-2 4 112 0 0,1 0 0 0 0,1 1-1 0 0,0 0 1 0 0,0-1-1 0 0,1 1 1 0 0,6-15 1511 0 0,-33 303 2534 0 0,8-124-4039 0 0,1-21-189 0 0,-4 65-94 0 0,16-157-218 0 0,1-27-365 0 0,0 1-1 0 0,2 22 1 0 0,4-27-659 0 0,-4-11 857 0 0,0-1 0 0 0,1 0 1 0 0,-1 0-1 0 0,0 1 0 0 0,0-1 1 0 0,1 0-1 0 0,-1 0 0 0 0,0 0 1 0 0,1 0-1 0 0,-1 1 0 0 0,0-1 1 0 0,0 0-1 0 0,1 0 0 0 0,-1 0 0 0 0,0 0 1 0 0,1 0-1 0 0,-1 0 0 0 0,0 0 1 0 0,1 0-1 0 0,-1 0 0 0 0,0 0 1 0 0,1 0-1 0 0,1 0-312 0 0,-1-1 1 0 0,1 0-1 0 0,0 1 1 0 0,-1-1-1 0 0,1 0 1 0 0,-1 0-1 0 0,1 0 1 0 0,-1 0-1 0 0,0 0 1 0 0,2-1-1 0 0,9-12-7425 0 0</inkml:trace>
+  <inkml:trace contextRef="#ctx0" brushRef="#br0">0 1 3680 0 0,'0'0'12184'0'0,"7"4"-10209"0"0,-5-4-1856 0 0,0 1-1 0 0,-1-1 1 0 0,1 1-1 0 0,0-1 1 0 0,0 1-1 0 0,0 0 1 0 0,-1 0-1 0 0,1 0 0 0 0,-1 0 1 0 0,1 0-1 0 0,-1 0 1 0 0,1 1-1 0 0,-1-1 1 0 0,1 0-1 0 0,-1 1 1 0 0,0-1-1 0 0,0 1 0 0 0,0-1 1 0 0,2 4-1 0 0,-1-2-43 0 0,0-1-1 0 0,0 1 0 0 0,0 0 1 0 0,0-1-1 0 0,1 0 0 0 0,-1 1 0 0 0,1-1 1 0 0,-1 0-1 0 0,4 2 0 0 0,5 1 219 0 0,-6-2-182 0 0,0-1 0 0 0,0 1-1 0 0,0-1 1 0 0,0-1 0 0 0,0 1 0 0 0,0-1-1 0 0,1 0 1 0 0,-1 0 0 0 0,9 1-1 0 0,44-1 194 0 0,-29 1-86 0 0,0-2 0 0 0,35-4 0 0 0,177-11 125 0 0,-17 3-216 0 0,32-5 9 0 0,-99 10-68 0 0,107 7 246 0 0,-108 4-12 0 0,85 6 87 0 0,3 0-23 0 0,-55-2-53 0 0,2-1-53 0 0,21 1-97 0 0,49-1 154 0 0,-39-5-50 0 0,-64 1 10 0 0,87 7 270 0 0,4 1 191 0 0,-181-12-633 0 0,150 3 305 0 0,-174-3-309 0 0,-1-1 0 0 0,79-17 0 0 0,-30 4-84 0 0,-82 14-160 0 0,0-1 0 0 0,18-6 0 0 0,-11 0-8414 0 0</inkml:trace>
+</inkml:ink>
+</file>
+
+<file path=ppt/ink/ink79.xml><?xml version="1.0" encoding="utf-8"?>
+<inkml:ink xmlns:inkml="http://www.w3.org/2003/InkML">
+  <inkml:definitions>
+    <inkml:context xml:id="ctx0">
+      <inkml:inkSource xml:id="inkSrc0">
+        <inkml:traceFormat>
+          <inkml:channel name="X" type="integer" min="-2.14748E9" max="2.14748E9" units="cm"/>
+          <inkml:channel name="Y" type="integer" min="-2.14748E9" max="2.14748E9" units="cm"/>
+          <inkml:channel name="F" type="integer" max="32767" units="dev"/>
+          <inkml:channel name="OA" type="integer" max="360" units="deg"/>
+          <inkml:channel name="OE" type="integer" max="90" units="deg"/>
+        </inkml:traceFormat>
+        <inkml:channelProperties>
+          <inkml:channelProperty channel="X" name="resolution" value="1000" units="1/cm"/>
+          <inkml:channelProperty channel="Y" name="resolution" value="1000" units="1/cm"/>
+          <inkml:channelProperty channel="F" name="resolution" value="0" units="1/dev"/>
+          <inkml:channelProperty channel="OA" name="resolution" value="1000" units="1/deg"/>
+          <inkml:channelProperty channel="OE" name="resolution" value="1000" units="1/deg"/>
+        </inkml:channelProperties>
+      </inkml:inkSource>
+      <inkml:timestamp xml:id="ts0" timeString="2021-08-17T16:38:45.392"/>
+    </inkml:context>
+    <inkml:brush xml:id="br0">
+      <inkml:brushProperty name="width" value="0.05" units="cm"/>
+      <inkml:brushProperty name="height" value="0.05" units="cm"/>
+      <inkml:brushProperty name="color" value="#FF0066"/>
+    </inkml:brush>
+  </inkml:definitions>
+  <inkml:trace contextRef="#ctx0" brushRef="#br0">0 60 3224 0 0,'0'0'14559'0'0,"14"2"-13028"0"0,3-2-215 0 0,0 2 0 0 0,22 4-1 0 0,-30-4-1050 0 0,-8-2-159 0 0,0 0 1 0 0,0 0-1 0 0,0 0 0 0 0,0-1 1 0 0,0 1-1 0 0,0 0 0 0 0,0 0 0 0 0,-1 0 1 0 0,1-1-1 0 0,0 1 0 0 0,0 0 1 0 0,1-2-1 0 0,0 2-42 0 0,-1-1 1 0 0,0 0-1 0 0,1 1 0 0 0,-1-1 1 0 0,1 1-1 0 0,-1 0 0 0 0,1-1 1 0 0,-1 1-1 0 0,2 0 0 0 0,14-1 26 0 0,28-5 0 0 0,-34 4 68 0 0,0 1 1 0 0,1-1-1 0 0,-1 2 0 0 0,0 0 1 0 0,1 0-1 0 0,10 2 0 0 0,-10-1-125 0 0,0 0-1 0 0,0-1 1 0 0,0 0 0 0 0,14-2-1 0 0,16-1 96 0 0,-22 3-76 0 0,0 0 0 0 0,0 2 0 0 0,-1 0 1 0 0,1 1-1 0 0,-1 1 0 0 0,20 6 0 0 0,29 13 23 0 0,-67-23-63 0 0,1 1 0 0 0,-1 0 1 0 0,1 1-1 0 0,0-1 0 0 0,-1 0 1 0 0,0 0-1 0 0,1 1 0 0 0,-1-1 1 0 0,2 3-1 0 0,12 12 110 0 0,-8-13-60 0 0,-1 0 0 0 0,1 0 0 0 0,-1-1 0 0 0,1 0 0 0 0,0 0 0 0 0,0 0 0 0 0,0-1 1 0 0,0 0-1 0 0,7 0 0 0 0,67-2 331 0 0,-74 1-370 0 0,193-7 223 0 0,-183 6-234 0 0,0-1-1 0 0,0-1 1 0 0,16-5 0 0 0,-1 1-6 0 0,136-27 118 0 0,-112 21-94 0 0,-20 4 34 0 0,39-4 1 0 0,-58 11-21 0 0,-5 0-42 0 0,0 1 0 0 0,0 0 1 0 0,14 1-1 0 0,76 2 36 0 0,-21-1-12 0 0,27-1 23 0 0,-59 0-34 0 0,23 0-16 0 0,186-5 377 0 0,-129 3-247 0 0,-106 2-129 0 0,29 3 0 0 0,8 1 0 0 0,166 0 53 0 0,137-23 147 0 0,-154 9-178 0 0,-5 1 91 0 0,-22 0-101 0 0,-80 8 67 0 0,108 3 210 0 0,-66 6-234 0 0,-75 1 9 0 0,-68-9 30 0 0</inkml:trace>
 </inkml:ink>
 </file>
 
@@ -1207,7 +2652,7 @@
           <inkml:channelProperty channel="OE" name="resolution" value="1000" units="1/deg"/>
         </inkml:channelProperties>
       </inkml:inkSource>
-      <inkml:timestamp xml:id="ts0" timeString="2021-08-16T16:53:04.995"/>
+      <inkml:timestamp xml:id="ts0" timeString="2021-08-17T16:31:15.980"/>
     </inkml:context>
     <inkml:brush xml:id="br0">
       <inkml:brushProperty name="width" value="0.05" units="cm"/>
@@ -1215,7 +2660,231 @@
       <inkml:brushProperty name="color" value="#FF0066"/>
     </inkml:brush>
   </inkml:definitions>
-  <inkml:trace contextRef="#ctx0" brushRef="#br0">1 185 18199 0 0,'0'0'830'0'0,"3"-3"276"0"0,7-2-799 0 0,0-1 0 0 0,0 0-1 0 0,0 0 1 0 0,-1-1 0 0 0,0 0-1 0 0,-1-1 1 0 0,1 0 0 0 0,-1 0-1 0 0,-1-1 1 0 0,0 0 0 0 0,0 0-1 0 0,-1-1 1 0 0,0 0 0 0 0,6-14-1 0 0,-4-1 293 0 0,-8 24-581 0 0,1 0-1 0 0,-1 0 1 0 0,0 0 0 0 0,0-1-1 0 0,0 1 1 0 0,0 0 0 0 0,0 0 0 0 0,0-1-1 0 0,0 1 1 0 0,0 0 0 0 0,0 0-1 0 0,0 0 1 0 0,-1-1 0 0 0,1 1-1 0 0,0 0 1 0 0,-1 0 0 0 0,0-1 0 0 0,0 1 7 0 0,1 1 0 0 0,-1-1 0 0 0,0 1 0 0 0,0 0 1 0 0,1 0-1 0 0,-1 0 0 0 0,0-1 0 0 0,0 1 0 0 0,1 0 1 0 0,-1 0-1 0 0,0 0 0 0 0,0 0 0 0 0,1 0 0 0 0,-1 0 1 0 0,0 0-1 0 0,0 0 0 0 0,1 1 0 0 0,-1-1 0 0 0,0 0 1 0 0,1 0-1 0 0,-1 1 0 0 0,0-1 0 0 0,0 0 0 0 0,1 1 1 0 0,-1-1-1 0 0,1 1 0 0 0,-1-1 0 0 0,0 0 0 0 0,0 2 1 0 0,-18 14 438 0 0,10-7-282 0 0,1 0 1 0 0,0 1-1 0 0,0 0 1 0 0,2 0-1 0 0,-1 1 1 0 0,1 0 0 0 0,0 0-1 0 0,-4 15 1 0 0,6-16-88 0 0,1 0-1 0 0,0 0 1 0 0,1 0 0 0 0,0 0-1 0 0,1 1 1 0 0,0-1 0 0 0,0 1 0 0 0,1-1-1 0 0,1 0 1 0 0,1 13 0 0 0,-1-21-81 0 0,-1 1 1 0 0,1-1 0 0 0,-1 0-1 0 0,1 0 1 0 0,0 1 0 0 0,0-1-1 0 0,0 0 1 0 0,0 0 0 0 0,0 0-1 0 0,0 0 1 0 0,0 0 0 0 0,1 0 0 0 0,-1-1-1 0 0,1 1 1 0 0,-1 0 0 0 0,1-1-1 0 0,0 1 1 0 0,0-1 0 0 0,0 1-1 0 0,0-1 1 0 0,0 0 0 0 0,0 0-1 0 0,0 0 1 0 0,0 0 0 0 0,0 0-1 0 0,0 0 1 0 0,1-1 0 0 0,-1 1-1 0 0,0-1 1 0 0,1 0 0 0 0,-1 1-1 0 0,0-1 1 0 0,1 0 0 0 0,-1 0-1 0 0,4-1 1 0 0,6-1-12 0 0,-1 0 0 0 0,0-1 0 0 0,0 0-1 0 0,0-1 1 0 0,20-9 0 0 0,34-19-1070 0 0,-25 5-2579 0 0,-20 11-5648 0 0</inkml:trace>
+  <inkml:trace contextRef="#ctx0" brushRef="#br0">7 39 2760 0 0,'0'0'8816'0'0,"2"-13"-6111"0"0,-6 8-2035 0 0,4 5-559 0 0,0 0 0 0 0,-1 0 0 0 0,1-1 0 0 0,0 1 0 0 0,-1 0 0 0 0,1-1-1 0 0,0 1 1 0 0,-1 0 0 0 0,1-1 0 0 0,0 1 0 0 0,0-1 0 0 0,-1 1 0 0 0,1 0-1 0 0,0-1 1 0 0,0 1 0 0 0,0-1 0 0 0,0 1 0 0 0,0-1 0 0 0,-1 1 0 0 0,1-2 1535 0 0,13-2 273 0 0,-10 3-1786 0 0,-1 0-1 0 0,1 0 1 0 0,-1 0-1 0 0,1 0 1 0 0,0 0-1 0 0,3 0 1 0 0,7 1 295 0 0,-6 0-297 0 0,0 0 0 0 0,0 0 1 0 0,12 3-1 0 0,13 2 83 0 0,-20-4-97 0 0,0 1-1 0 0,17 5 0 0 0,-3 0 210 0 0,31 5 0 0 0,-25-6-141 0 0,255 29 1345 0 0,-286-35-1522 0 0,75 3 641 0 0,97-9 0 0 0,-13-1 70 0 0,-16 2-687 0 0,-78 1-34 0 0,92 6 1 0 0,252 12 2185 0 0,-371-13-2084 0 0,1-1 740 0 0,75-8 0 0 0,18-7-1235 0 0,-133 15 395 0 0,136-7 527 0 0,-95 6-427 0 0,52 6 0 0 0,6 1-23 0 0,-9 1 435 0 0,-89-7-523 0 0,13 0-361 0 0,-10-4 162 0 0,-8-5 118 0 0,-6-2-1288 0 0,-11-15-8196 0 0</inkml:trace>
+</inkml:ink>
+</file>
+
+<file path=ppt/ink/ink80.xml><?xml version="1.0" encoding="utf-8"?>
+<inkml:ink xmlns:inkml="http://www.w3.org/2003/InkML">
+  <inkml:definitions>
+    <inkml:context xml:id="ctx0">
+      <inkml:inkSource xml:id="inkSrc0">
+        <inkml:traceFormat>
+          <inkml:channel name="X" type="integer" min="-2.14748E9" max="2.14748E9" units="cm"/>
+          <inkml:channel name="Y" type="integer" min="-2.14748E9" max="2.14748E9" units="cm"/>
+          <inkml:channel name="F" type="integer" max="32767" units="dev"/>
+          <inkml:channel name="OA" type="integer" max="360" units="deg"/>
+          <inkml:channel name="OE" type="integer" max="90" units="deg"/>
+        </inkml:traceFormat>
+        <inkml:channelProperties>
+          <inkml:channelProperty channel="X" name="resolution" value="1000" units="1/cm"/>
+          <inkml:channelProperty channel="Y" name="resolution" value="1000" units="1/cm"/>
+          <inkml:channelProperty channel="F" name="resolution" value="0" units="1/dev"/>
+          <inkml:channelProperty channel="OA" name="resolution" value="1000" units="1/deg"/>
+          <inkml:channelProperty channel="OE" name="resolution" value="1000" units="1/deg"/>
+        </inkml:channelProperties>
+      </inkml:inkSource>
+      <inkml:timestamp xml:id="ts0" timeString="2021-08-17T16:38:48.417"/>
+    </inkml:context>
+    <inkml:brush xml:id="br0">
+      <inkml:brushProperty name="width" value="0.05" units="cm"/>
+      <inkml:brushProperty name="height" value="0.05" units="cm"/>
+      <inkml:brushProperty name="color" value="#FF0066"/>
+    </inkml:brush>
+  </inkml:definitions>
+  <inkml:trace contextRef="#ctx0" brushRef="#br0">4 91 15408 0 0,'0'0'1163'0'0,"0"-1"-785"0"0,-4-3-246 0 0,4 4-126 0 0,0 0 1 0 0,0-1 0 0 0,0 1-1 0 0,0 0 1 0 0,0 0 0 0 0,0 0-1 0 0,0 0 1 0 0,0-1 0 0 0,0 1-1 0 0,0 0 1 0 0,0 0 0 0 0,0 0-1 0 0,0 0 1 0 0,0 0 0 0 0,0-1-1 0 0,1 1 1 0 0,-1 0 0 0 0,0 0-1 0 0,0 0 1 0 0,0 0 0 0 0,0 0-1 0 0,0 0 1 0 0,0-1 0 0 0,0 1-1 0 0,1 0 1 0 0,-1 0 0 0 0,0 0-1 0 0,0 0 1 0 0,0 0 0 0 0,0 0-1 0 0,0 0 1 0 0,0 0 0 0 0,1 0-1 0 0,-1 0 1 0 0,0 0 0 0 0,0 0-1 0 0,0 0 1 0 0,0 0-1 0 0,1 0 1 0 0,-1 0 0 0 0,0 0-1 0 0,0 0 1 0 0,0 0 0 0 0,0 0-1 0 0,0 0 1 0 0,1 0 0 0 0,-1 0-1 0 0,0 0 1 0 0,0 0 0 0 0,0 0-1 0 0,0 0 1 0 0,0 0 0 0 0,1 0-1 0 0,-1 0 1 0 0,2 0 605 0 0,-2 0-572 0 0,0 0 0 0 0,0-1 0 0 0,0 1 0 0 0,0 0 0 0 0,0-1 0 0 0,0 1 0 0 0,1 0 0 0 0,-1-1 0 0 0,0 1 0 0 0,0 0-1 0 0,0-1 1 0 0,1 1 0 0 0,-1 0 0 0 0,0 0 0 0 0,0-1 0 0 0,1 1 0 0 0,-1 0 0 0 0,0 0 0 0 0,1-1 0 0 0,-1 1 0 0 0,0 0-1 0 0,1 0 1 0 0,-1 0 0 0 0,0 0 0 0 0,1 0 0 0 0,-1 0 0 0 0,0-1 0 0 0,1 1 0 0 0,-1 0 0 0 0,1 0 0 0 0,-1 0 0 0 0,0 0-1 0 0,1 0 1 0 0,-1 0 0 0 0,0 0 0 0 0,1 1 0 0 0,-1-1 0 0 0,1 0 0 0 0,23 4 1364 0 0,-7 0 50 0 0,10-5 367 0 0,-14 0-919 0 0,0 1-1 0 0,15 2 0 0 0,68 4 594 0 0,-43-5-1227 0 0,37 9 281 0 0,-19-2-229 0 0,162-3-633 0 0,-43-3 82 0 0,35 2 159 0 0,-41-1 140 0 0,249 19 189 0 0,-286-14 26 0 0,264-15 437 0 0,-251-9-482 0 0,-15 2 4 0 0,23-2 105 0 0,-152 14-267 0 0,0 0 1 0 0,-1-2 0 0 0,18-4-1 0 0,-33 7-77 0 0,1 1 0 0 0,0 0 0 0 0,-1 0 0 0 0,1-1 0 0 0,0 1 1 0 0,-1 0-1 0 0,1-1 0 0 0,-1 1 0 0 0,1 0 0 0 0,0-1 0 0 0,-1 1 0 0 0,1-1 0 0 0,-1 1 0 0 0,1-1 0 0 0,-1 1 0 0 0,1-1 0 0 0,-1 1 0 0 0,0-1 0 0 0,1 0 0 0 0,-1 1 0 0 0,0-1 0 0 0,1 0 0 0 0,-1 1 0 0 0,0-1 0 0 0,0 0 0 0 0,0 1 0 0 0,0-1 0 0 0,1 0 0 0 0,-1 1 0 0 0,0-1 0 0 0,0 0 0 0 0,0 0 0 0 0,0 1 0 0 0,-1-1 0 0 0,1 0 0 0 0,0 1 0 0 0,0-1 0 0 0,0 0 0 0 0,0 1 0 0 0,-1-1 0 0 0,1 0 0 0 0,0 1 0 0 0,-1-2 0 0 0,-2-3 0 0 0,-1 0-1 0 0,1 0 1 0 0,-1 0-1 0 0,-6-6 1 0 0,1 2-847 0 0,7 6 406 0 0,-1 1 0 0 0,1 0-1 0 0,0 0 1 0 0,-1 0 0 0 0,1 1 0 0 0,-5-3 0 0 0,5 2-578 0 0</inkml:trace>
+</inkml:ink>
+</file>
+
+<file path=ppt/ink/ink81.xml><?xml version="1.0" encoding="utf-8"?>
+<inkml:ink xmlns:inkml="http://www.w3.org/2003/InkML">
+  <inkml:definitions>
+    <inkml:context xml:id="ctx0">
+      <inkml:inkSource xml:id="inkSrc0">
+        <inkml:traceFormat>
+          <inkml:channel name="X" type="integer" min="-2.14748E9" max="2.14748E9" units="cm"/>
+          <inkml:channel name="Y" type="integer" min="-2.14748E9" max="2.14748E9" units="cm"/>
+          <inkml:channel name="F" type="integer" max="32767" units="dev"/>
+          <inkml:channel name="OA" type="integer" max="360" units="deg"/>
+          <inkml:channel name="OE" type="integer" max="90" units="deg"/>
+        </inkml:traceFormat>
+        <inkml:channelProperties>
+          <inkml:channelProperty channel="X" name="resolution" value="1000" units="1/cm"/>
+          <inkml:channelProperty channel="Y" name="resolution" value="1000" units="1/cm"/>
+          <inkml:channelProperty channel="F" name="resolution" value="0" units="1/dev"/>
+          <inkml:channelProperty channel="OA" name="resolution" value="1000" units="1/deg"/>
+          <inkml:channelProperty channel="OE" name="resolution" value="1000" units="1/deg"/>
+        </inkml:channelProperties>
+      </inkml:inkSource>
+      <inkml:timestamp xml:id="ts0" timeString="2021-08-17T16:39:00.390"/>
+    </inkml:context>
+    <inkml:brush xml:id="br0">
+      <inkml:brushProperty name="width" value="0.05" units="cm"/>
+      <inkml:brushProperty name="height" value="0.05" units="cm"/>
+      <inkml:brushProperty name="color" value="#FF0066"/>
+    </inkml:brush>
+  </inkml:definitions>
+  <inkml:trace contextRef="#ctx0" brushRef="#br0">0 0 5296 0 0,'0'0'9836'0'0,"10"3"-9495"0"0,6 7-27 0 0,0-1 0 0 0,0-1 0 0 0,1 0 0 0 0,0-2 0 0 0,1 0 0 0 0,0 0 0 0 0,0-2 0 0 0,0 0 0 0 0,0-2 0 0 0,0 0 0 0 0,21 0 0 0 0,186-13 1594 0 0,-210 10-1826 0 0,58 0 193 0 0,20-3-56 0 0,-69 2-319 0 0,34 3 0 0 0,-33 0 554 0 0,29-3 0 0 0,-39 1-155 0 0,-13 1-231 0 0,1 0 0 0 0,-1 0 0 0 0,1 0 0 0 0,-1 0 0 0 0,1-1 0 0 0,-1 1 0 0 0,1-1-1 0 0,-1 0 1 0 0,0 0 0 0 0,5-2 0 0 0,-3 2-58 0 0,0 0 0 0 0,0 0 0 0 0,0 0-1 0 0,0 1 1 0 0,0-1 0 0 0,0 1 0 0 0,1 0 0 0 0,-1 0-1 0 0,5 0 1 0 0,19 0 67 0 0,31-7 682 0 0,102 1 1 0 0,-150 7-707 0 0,1 0 0 0 0,14 4 0 0 0,-14-3-16 0 0,-1 0 1 0 0,17 0 0 0 0,99 3 40 0 0,-71-1 424 0 0,87-5 0 0 0,-43-11 272 0 0,-45 4-517 0 0,63 0 0 0 0,62 3 19 0 0,-50 0-5 0 0,-93 4-28 0 0,-15 0 96 0 0,0 1 1 0 0,32 5-1 0 0,-10 1-336 0 0,35 7 42 0 0,-65-10 50 0 0,0-1-1 0 0,0 0 1 0 0,1-1-1 0 0,-1-1 0 0 0,0 0 1 0 0,28-5-1 0 0,12 3 42 0 0,-35 3-96 0 0,-16 0-31 0 0,-1-1 1 0 0,0 1-1 0 0,1-1 1 0 0,-1 0-1 0 0,0 0 1 0 0,1 0 0 0 0,-1 0-1 0 0,0-1 1 0 0,4 0-1 0 0,-2-1 3 0 0,-1 0-65 0 0,-3 2-235 0 0</inkml:trace>
+</inkml:ink>
+</file>
+
+<file path=ppt/ink/ink82.xml><?xml version="1.0" encoding="utf-8"?>
+<inkml:ink xmlns:inkml="http://www.w3.org/2003/InkML">
+  <inkml:definitions>
+    <inkml:context xml:id="ctx0">
+      <inkml:inkSource xml:id="inkSrc0">
+        <inkml:traceFormat>
+          <inkml:channel name="X" type="integer" min="-2.14748E9" max="2.14748E9" units="cm"/>
+          <inkml:channel name="Y" type="integer" min="-2.14748E9" max="2.14748E9" units="cm"/>
+          <inkml:channel name="F" type="integer" max="32767" units="dev"/>
+          <inkml:channel name="OA" type="integer" max="360" units="deg"/>
+          <inkml:channel name="OE" type="integer" max="90" units="deg"/>
+        </inkml:traceFormat>
+        <inkml:channelProperties>
+          <inkml:channelProperty channel="X" name="resolution" value="1000" units="1/cm"/>
+          <inkml:channelProperty channel="Y" name="resolution" value="1000" units="1/cm"/>
+          <inkml:channelProperty channel="F" name="resolution" value="0" units="1/dev"/>
+          <inkml:channelProperty channel="OA" name="resolution" value="1000" units="1/deg"/>
+          <inkml:channelProperty channel="OE" name="resolution" value="1000" units="1/deg"/>
+        </inkml:channelProperties>
+      </inkml:inkSource>
+      <inkml:timestamp xml:id="ts0" timeString="2021-08-17T16:39:04.191"/>
+    </inkml:context>
+    <inkml:brush xml:id="br0">
+      <inkml:brushProperty name="width" value="0.05" units="cm"/>
+      <inkml:brushProperty name="height" value="0.05" units="cm"/>
+      <inkml:brushProperty name="color" value="#FF0066"/>
+    </inkml:brush>
+  </inkml:definitions>
+  <inkml:trace contextRef="#ctx0" brushRef="#br0">14 0 3680 0 0,'-14'1'11610'0'0,"17"1"-11435"0"0,-1 1-1 0 0,1-1 1 0 0,0 0-1 0 0,0 0 1 0 0,0 0-1 0 0,0 0 1 0 0,0-1-1 0 0,0 1 1 0 0,5 1-1 0 0,9 5 328 0 0,-9-3-367 0 0,0 0 0 0 0,1 0 0 0 0,-1-1 0 0 0,1-1 1 0 0,0 1-1 0 0,0-1 0 0 0,0-1 0 0 0,1 0 0 0 0,-1 0 0 0 0,18 1 0 0 0,89 0 1524 0 0,-34-5-1188 0 0,-34 0-387 0 0,89 8 1 0 0,-5 16-5 0 0,-103-16-43 0 0,-3-3-36 0 0,0-1 0 0 0,42-2 0 0 0,-29-1 40 0 0,53 3 1130 0 0,90-4-314 0 0,7-12-857 0 0,-23 10 893 0 0,-6 1-34 0 0,15-2-86 0 0,36-3 302 0 0,0-3-147 0 0,-97 19-405 0 0,-94-8-480 0 0,19 0 31 0 0,112-9 74 0 0,-74 16 176 0 0,41 0 44 0 0,-37-8-306 0 0,92 2 263 0 0,-114 8-223 0 0,-43-6-52 0 0,1-1 0 0 0,-1 0-1 0 0,32-1 1 0 0,7-6 271 0 0,85-4 283 0 0,-35 6-25 0 0,-97-2-4620 0 0</inkml:trace>
+</inkml:ink>
+</file>
+
+<file path=ppt/ink/ink83.xml><?xml version="1.0" encoding="utf-8"?>
+<inkml:ink xmlns:inkml="http://www.w3.org/2003/InkML">
+  <inkml:definitions>
+    <inkml:context xml:id="ctx0">
+      <inkml:inkSource xml:id="inkSrc0">
+        <inkml:traceFormat>
+          <inkml:channel name="X" type="integer" min="-2.14748E9" max="2.14748E9" units="cm"/>
+          <inkml:channel name="Y" type="integer" min="-2.14748E9" max="2.14748E9" units="cm"/>
+          <inkml:channel name="F" type="integer" max="32767" units="dev"/>
+          <inkml:channel name="OA" type="integer" max="360" units="deg"/>
+          <inkml:channel name="OE" type="integer" max="90" units="deg"/>
+        </inkml:traceFormat>
+        <inkml:channelProperties>
+          <inkml:channelProperty channel="X" name="resolution" value="1000" units="1/cm"/>
+          <inkml:channelProperty channel="Y" name="resolution" value="1000" units="1/cm"/>
+          <inkml:channelProperty channel="F" name="resolution" value="0" units="1/dev"/>
+          <inkml:channelProperty channel="OA" name="resolution" value="1000" units="1/deg"/>
+          <inkml:channelProperty channel="OE" name="resolution" value="1000" units="1/deg"/>
+        </inkml:channelProperties>
+      </inkml:inkSource>
+      <inkml:timestamp xml:id="ts0" timeString="2021-08-17T16:39:11.008"/>
+    </inkml:context>
+    <inkml:brush xml:id="br0">
+      <inkml:brushProperty name="width" value="0.05" units="cm"/>
+      <inkml:brushProperty name="height" value="0.05" units="cm"/>
+      <inkml:brushProperty name="color" value="#FF0066"/>
+    </inkml:brush>
+  </inkml:definitions>
+  <inkml:trace contextRef="#ctx0" brushRef="#br0">1 50 7344 0 0,'0'0'660'0'0,"0"3"-703"0"0,1 7 6323 0 0,5-9-5774 0 0,-1 0-1 0 0,1-1 1 0 0,0 1 0 0 0,0-1 0 0 0,0 0 0 0 0,0-1-1 0 0,0 0 1 0 0,0 0 0 0 0,6-2 0 0 0,3 1 161 0 0,33-11 814 0 0,-42 12-1213 0 0,0 0-1 0 0,0 0 1 0 0,0 0-1 0 0,1 1 0 0 0,-1 0 1 0 0,0 0-1 0 0,0 1 1 0 0,11 2-1 0 0,-4-1 13 0 0,21 1-54 0 0,-1-1-1 0 0,1-2 1 0 0,42-4 0 0 0,167-22 836 0 0,-189 20-890 0 0,39 0-4 0 0,78-1 512 0 0,-93 8 144 0 0,-46-2-725 0 0,0 1-1 0 0,42 7 1 0 0,-14-2-54 0 0,-38-2-41 0 0,1 1 0 0 0,26 7-1 0 0,0 1-3 0 0,70 20 181 0 0,-79-25-3 0 0,50 2 0 0 0,-28-4-152 0 0,-58-5-22 0 0,0 0 1 0 0,0 1-1 0 0,0 0 1 0 0,-1 0-1 0 0,1 0 0 0 0,0 1 1 0 0,0-1-1 0 0,-1 1 1 0 0,1 0-1 0 0,-1 0 1 0 0,6 4-1 0 0,4 3 5 0 0,0-1 0 0 0,0 0 0 0 0,1-1 0 0 0,0 0 0 0 0,29 9-1 0 0,-35-14-7 0 0,124 32 23 0 0,-112-30 11 0 0,1-1 0 0 0,0-1 0 0 0,0-1 0 0 0,32-2 0 0 0,119-13 51 0 0,-27 5 109 0 0,-42 5-118 0 0,46-3-13 0 0,-81 5-8 0 0,-32 2-57 0 0,59-9-1 0 0,-64 6 21 0 0,35-1-1 0 0,13-1 9 0 0,16-2-27 0 0,-82 6 0 0 0,25 3 0 0 0,-25-1 0 0 0,24-1 0 0 0,63-2 64 0 0,23-6 0 0 0,52-2 0 0 0,45-3 117 0 0,-6-5-42 0 0,-78 5-91 0 0,107-14 85 0 0,-97 12 1 0 0,174 4-1 0 0,-201 9-60 0 0,110 3 150 0 0,-160-2-127 0 0,-22 0-21 0 0,89-7 58 0 0,-51 3-53 0 0,40-6-84 0 0,-125 11 1 0 0,0 0-1 0 0,0 0 1 0 0,0 0 0 0 0,0 0-1 0 0,0 0 1 0 0,0 0 0 0 0,0 0-1 0 0,0 0 1 0 0,0 0-1 0 0,0 0 1 0 0,0 0 0 0 0,0 0-1 0 0,0 0 1 0 0,0 0 0 0 0,0 0-1 0 0,0 0 1 0 0,0 0 0 0 0,0 0-1 0 0,0 0 1 0 0,0-1-1 0 0,-1 1 1 0 0,1 0 0 0 0,0 0-1 0 0,0 0 1 0 0,0 0 0 0 0,0 0-1 0 0,0 0 1 0 0,0 0 0 0 0,0 0-1 0 0,0 0 1 0 0,0 0-1 0 0,1 0 1 0 0,-1 0 0 0 0,0 0-1 0 0,0 0 1 0 0,0 0 0 0 0,0 0-1 0 0,0 0 1 0 0,0 0 0 0 0,0-1-1 0 0,0 1 1 0 0,0 0 0 0 0,0 0-1 0 0,0 0 1 0 0,0 0-1 0 0,0 0 1 0 0,0 0 0 0 0,0 0-1 0 0,0 0 1 0 0,-10-3-722 0 0,-13-2-738 0 0,22 5 1374 0 0,0 0 0 0 0,-1 1 0 0 0,1-1 0 0 0,0 1 1 0 0,0-1-1 0 0,0 1 0 0 0,-1-1 0 0 0,1 1 0 0 0,0 0 0 0 0,0 0 0 0 0,0-1 0 0 0,0 1 0 0 0,0 0 0 0 0,1 0 0 0 0,-1 0 0 0 0,0 0 1 0 0,0 0-1 0 0,0 0 0 0 0,1 0 0 0 0,-1 1 0 0 0,1-1 0 0 0,-1 0 0 0 0,1 0 0 0 0,-1 3 0 0 0,-2 3-698 0 0,1 0-1 0 0,-3 14 1 0 0,4-20 643 0 0,1 1 0 0 0,0-1 0 0 0,0 0 0 0 0,0 0 0 0 0,0 0 0 0 0,0 0 0 0 0,1 1 0 0 0,-1-1 0 0 0,0 0 0 0 0,0 0 0 0 0,1 0 0 0 0,-1 0 0 0 0,1 0 0 0 0,-1 0 0 0 0,1 0 0 0 0,-1 0 0 0 0,1 0 0 0 0,0 0 0 0 0,1 2 0 0 0,21 15 244 0 0,-12-10-235 0 0,-5-5 289 0 0,0 0 0 0 0,0 0 0 0 0,0-1 0 0 0,0 0 0 0 0,1 0 0 0 0,-1-1-1 0 0,11 2 1 0 0,-6-1 142 0 0,-6-2-370 0 0,0 1 0 0 0,0-1 0 0 0,0 0 0 0 0,1-1 0 0 0,-1 1 0 0 0,0-1-1 0 0,0 0 1 0 0,5-2 0 0 0</inkml:trace>
+</inkml:ink>
+</file>
+
+<file path=ppt/ink/ink84.xml><?xml version="1.0" encoding="utf-8"?>
+<inkml:ink xmlns:inkml="http://www.w3.org/2003/InkML">
+  <inkml:definitions>
+    <inkml:context xml:id="ctx0">
+      <inkml:inkSource xml:id="inkSrc0">
+        <inkml:traceFormat>
+          <inkml:channel name="X" type="integer" min="-2.14748E9" max="2.14748E9" units="cm"/>
+          <inkml:channel name="Y" type="integer" min="-2.14748E9" max="2.14748E9" units="cm"/>
+          <inkml:channel name="F" type="integer" max="32767" units="dev"/>
+          <inkml:channel name="OA" type="integer" max="360" units="deg"/>
+          <inkml:channel name="OE" type="integer" max="90" units="deg"/>
+        </inkml:traceFormat>
+        <inkml:channelProperties>
+          <inkml:channelProperty channel="X" name="resolution" value="1000" units="1/cm"/>
+          <inkml:channelProperty channel="Y" name="resolution" value="1000" units="1/cm"/>
+          <inkml:channelProperty channel="F" name="resolution" value="0" units="1/dev"/>
+          <inkml:channelProperty channel="OA" name="resolution" value="1000" units="1/deg"/>
+          <inkml:channelProperty channel="OE" name="resolution" value="1000" units="1/deg"/>
+        </inkml:channelProperties>
+      </inkml:inkSource>
+      <inkml:timestamp xml:id="ts0" timeString="2021-08-17T16:39:17.314"/>
+    </inkml:context>
+    <inkml:brush xml:id="br0">
+      <inkml:brushProperty name="width" value="0.05" units="cm"/>
+      <inkml:brushProperty name="height" value="0.05" units="cm"/>
+      <inkml:brushProperty name="color" value="#FF0066"/>
+    </inkml:brush>
+  </inkml:definitions>
+  <inkml:trace contextRef="#ctx0" brushRef="#br0">23 74 8720 0 0,'0'0'197'0'0,"-4"5"264"0"0,0-2-250 0 0,3-3-94 0 0,0 1 0 0 0,0-1 0 0 0,0 1 0 0 0,0-1-1 0 0,0 1 1 0 0,0 0 0 0 0,0 0 0 0 0,0-1 0 0 0,0 1 0 0 0,1 0 0 0 0,-1 0 0 0 0,0 0 0 0 0,1 0-1 0 0,-1 0 1 0 0,1 0 0 0 0,-1 1 0 0 0,1 0 39 0 0,0-1 0 0 0,0 0 1 0 0,0 1-1 0 0,0-1 0 0 0,0 0 0 0 0,1 1 0 0 0,-1-1 0 0 0,0 0 1 0 0,1 1-1 0 0,1 3 1423 0 0,8 10 5423 0 0,-9-13-6775 0 0,0-1-1 0 0,1 1 1 0 0,-1-1-1 0 0,1 1 0 0 0,0-1 1 0 0,-1 1-1 0 0,1-1 1 0 0,0 0-1 0 0,0 0 0 0 0,0 0 1 0 0,-1 0-1 0 0,4 1 1 0 0,3 2-205 0 0,32 9 148 0 0,-38-12-166 0 0,0 0-1 0 0,0 0 0 0 0,0 0 1 0 0,0-1-1 0 0,0 1 1 0 0,0 0-1 0 0,0-1 0 0 0,0 0 1 0 0,0 1-1 0 0,0-1 1 0 0,0 0-1 0 0,0 0 0 0 0,3 0 1 0 0,7 0 12 0 0,28 5-6 0 0,-22-3 5 0 0,1 1-1 0 0,18 5 1 0 0,18-1 94 0 0,-32-3 85 0 0,0 0 0 0 0,1-2 0 0 0,0 0 0 0 0,32-3 0 0 0,-15 0-287 0 0,43-4 431 0 0,-20 0-292 0 0,118 10 93 0 0,-153-4-84 0 0,42-4 0 0 0,-2 0 6 0 0,-26 5 24 0 0,0 2 0 0 0,78 18 1 0 0,-82-15-62 0 0,-1-1 1 0 0,72 1 0 0 0,118 8 434 0 0,-160-10-335 0 0,2-4 1 0 0,99-9-1 0 0,-61 2-120 0 0,41-4-24 0 0,-89 4 36 0 0,71-8 32 0 0,-88 10-21 0 0,85 2 0 0 0,-71 3-17 0 0,84 2 54 0 0,242-3 208 0 0,-263-1-199 0 0,185-4 514 0 0,-168-1-319 0 0,-79 5-146 0 0,48-3 60 0 0,-71 1-97 0 0,-12 1-15 0 0,0-1-1 0 0,31-8 0 0 0,-25 5-9 0 0,-21 4-15 0 0,0 0 1 0 0,0 0-1 0 0,0 0 0 0 0,-1-1 0 0 0,10-5 0 0 0,-10 4 59 0 0,0-1-1 0 0,-1 0 1 0 0,1-1 0 0 0,-1 1-1 0 0,0-1 1 0 0,9-12 0 0 0,-13 16-70 0 0,-1 1-7 0 0,0 0 0 0 0,-1 1 0 0 0,1-1 0 0 0,-1 1 0 0 0,1-1 0 0 0,-1 0 0 0 0,1 1 0 0 0,-1-1 0 0 0,1 0-1 0 0,-1 0 1 0 0,0 1 0 0 0,1-1 0 0 0,-1 0 0 0 0,0 0 0 0 0,1 1 0 0 0,-1-1 0 0 0,0 0 0 0 0,0 0 0 0 0,0 0 0 0 0,0 0 0 0 0,0 1 0 0 0,0-1 0 0 0,0 0 0 0 0,0 0 0 0 0,0 0 0 0 0,-1 0 0 0 0,1 0-1 0 0,-1-1-45 0 0,-1 0 0 0 0,1 1 0 0 0,-1-1 0 0 0,0 1 0 0 0,1-1 0 0 0,-1 1 0 0 0,0 0 0 0 0,-3-3 0 0 0,2 3 9 0 0,-14-16 12 0 0,10 9 144 0 0,7 8-143 0 0,0 0 1 0 0,0 0-1 0 0,0-1 1 0 0,0 1 0 0 0,0 0-1 0 0,0-1 1 0 0,0 1 0 0 0,1 0-1 0 0,-1 0 1 0 0,0-1-1 0 0,0 1 1 0 0,0 0 0 0 0,0 0-1 0 0,0-1 1 0 0,0 1-1 0 0,0 0 1 0 0,1 0 0 0 0,-1-1-1 0 0,0 1 1 0 0,0 0 0 0 0,0 0-1 0 0,1 0 1 0 0,-1-1-1 0 0,0 1 1 0 0,0 0 0 0 0,0 0-1 0 0,1 0 1 0 0,-1 0 0 0 0,0 0-1 0 0,0-1 1 0 0,1 1-1 0 0,-1 0 1 0 0,1 0-17 0 0,0-1-1 0 0,-1 1 1 0 0,1 0 0 0 0,0-1-1 0 0,-1 1 1 0 0,1-1 0 0 0,0 1-1 0 0,-1-1 1 0 0,1 1-1 0 0,-1-1 1 0 0,1 1 0 0 0,-1-1-1 0 0,1 0 1 0 0,-1 1 0 0 0,0-1-1 0 0,1 0 1 0 0,-1 1 0 0 0,0-1-1 0 0,1 0 1 0 0,-1 0 0 0 0,0 1-1 0 0,0-1 1 0 0,0 0-1 0 0,0 0 1 0 0,0 1 0 0 0,1-1-1 0 0,-1 0 1 0 0,-1 0 0 0 0,1 0-1 0 0,0 1 1 0 0,0-1 0 0 0,0 0-1 0 0,0 0 1 0 0,0 1 0 0 0,-1-1-1 0 0,1 0 1 0 0,0 1-1 0 0,-1-1 1 0 0,1 0 0 0 0,-1 1-1 0 0,1-1 1 0 0,-1 0 0 0 0,1 1-1 0 0,-1-1 1 0 0,1 1 0 0 0,-1-1-1 0 0,1 1 1 0 0,-1-1 0 0 0,0 1-1 0 0,1-1 1 0 0,-1 1-1 0 0,0 0 1 0 0,-1-1 0 0 0,-6-3-428 0 0</inkml:trace>
+</inkml:ink>
+</file>
+
+<file path=ppt/ink/ink85.xml><?xml version="1.0" encoding="utf-8"?>
+<inkml:ink xmlns:inkml="http://www.w3.org/2003/InkML">
+  <inkml:definitions>
+    <inkml:context xml:id="ctx0">
+      <inkml:inkSource xml:id="inkSrc0">
+        <inkml:traceFormat>
+          <inkml:channel name="X" type="integer" min="-2.14748E9" max="2.14748E9" units="cm"/>
+          <inkml:channel name="Y" type="integer" min="-2.14748E9" max="2.14748E9" units="cm"/>
+          <inkml:channel name="F" type="integer" max="32767" units="dev"/>
+          <inkml:channel name="OA" type="integer" max="360" units="deg"/>
+          <inkml:channel name="OE" type="integer" max="90" units="deg"/>
+        </inkml:traceFormat>
+        <inkml:channelProperties>
+          <inkml:channelProperty channel="X" name="resolution" value="1000" units="1/cm"/>
+          <inkml:channelProperty channel="Y" name="resolution" value="1000" units="1/cm"/>
+          <inkml:channelProperty channel="F" name="resolution" value="0" units="1/dev"/>
+          <inkml:channelProperty channel="OA" name="resolution" value="1000" units="1/deg"/>
+          <inkml:channelProperty channel="OE" name="resolution" value="1000" units="1/deg"/>
+        </inkml:channelProperties>
+      </inkml:inkSource>
+      <inkml:timestamp xml:id="ts0" timeString="2021-08-17T16:39:19.721"/>
+    </inkml:context>
+    <inkml:brush xml:id="br0">
+      <inkml:brushProperty name="width" value="0.05" units="cm"/>
+      <inkml:brushProperty name="height" value="0.05" units="cm"/>
+      <inkml:brushProperty name="color" value="#FF0066"/>
+    </inkml:brush>
+  </inkml:definitions>
+  <inkml:trace contextRef="#ctx0" brushRef="#br0">1 0 11832 0 0,'0'0'1074'0'0,"11"11"7846"0"0,-1-11-7574 0 0,-9 1-1278 0 0,0-1 1 0 0,1 0-1 0 0,-1 0 1 0 0,0 0-1 0 0,0 0 1 0 0,0 0-1 0 0,0 0 1 0 0,0 0-1 0 0,1 0 1 0 0,-1 0-1 0 0,0 0 1 0 0,0-1-1 0 0,0 1 1 0 0,0-1-1 0 0,0 1 1 0 0,0 0-1 0 0,2-2 1 0 0,-3 2-53 0 0,1-1 1 0 0,0 1 0 0 0,-1-1 0 0 0,1 1-1 0 0,0 0 1 0 0,-1 0 0 0 0,1-1-1 0 0,0 1 1 0 0,0 0 0 0 0,-1 0 0 0 0,1 0-1 0 0,0 0 1 0 0,-1 0 0 0 0,1 0 0 0 0,0 0-1 0 0,0 0 1 0 0,-1 0 0 0 0,1 0-1 0 0,0 0 1 0 0,0 1 0 0 0,17 6 61 0 0,-11-4-78 0 0,26 12 68 0 0,-18-8-3 0 0,-1-1-1 0 0,16 5 0 0 0,-21-8-43 0 0,96 24 1006 0 0,-81-25-916 0 0,-23-2-104 0 0,-1 0 0 0 0,0 0 1 0 0,1 0-1 0 0,-1 0 0 0 0,1 0 0 0 0,-1 0 0 0 0,1 0 0 0 0,-1 0 0 0 0,1 0 0 0 0,-1 0 0 0 0,0 1 0 0 0,1-1 0 0 0,-1 0 0 0 0,1 0 0 0 0,-1 1 0 0 0,0-1 1 0 0,1 0-1 0 0,-1 0 0 0 0,0 1 0 0 0,1-1 0 0 0,0 1 0 0 0,1 1 29 0 0,1 0 1 0 0,-1 0 0 0 0,1 1-1 0 0,-1-1 1 0 0,4 6-1 0 0,-5-8-28 0 0,-1 1-1 0 0,0-1 1 0 0,0 0-1 0 0,1 1 1 0 0,-1-1-1 0 0,0 1 1 0 0,0-1-1 0 0,0 1 1 0 0,0-1-1 0 0,0 0 1 0 0,0 1 0 0 0,0-1-1 0 0,1 1 1 0 0,-1-1-1 0 0,0 1 1 0 0,-1-1-1 0 0,1 1 1 0 0,0-1-1 0 0,0 1 1 0 0,0-1-1 0 0,0 1 1 0 0,-1 0-1 0 0,1-1 0 0 0,-1 1 0 0 0,0 0-1 0 0,1-1 1 0 0,-1 1 0 0 0,1-1 0 0 0,-1 1 0 0 0,0-1 0 0 0,0 0 0 0 0,1 1 0 0 0,-1-1 0 0 0,0 0 0 0 0,0 1 0 0 0,1-1-1 0 0,-1 0 1 0 0,0 0 0 0 0,-1 0 0 0 0,-17 3 108 0 0,-13 2 249 0 0,-17 13 392 0 0,-77 37 0 0 0,124-54-747 0 0,0 0 0 0 0,0 0 0 0 0,0 0 0 0 0,0 1 0 0 0,1-1 0 0 0,-1 0-1 0 0,0 1 1 0 0,1-1 0 0 0,-1 1 0 0 0,1 0 0 0 0,0-1 0 0 0,-1 1 0 0 0,1 0 0 0 0,0 0 0 0 0,-1 3 0 0 0,-7 10 44 0 0,0-16-379 0 0,9 2 540 0 0,-1 0-470 0 0,1-1 1 0 0,0 1-1 0 0,0 0 1 0 0,0 0 0 0 0,0-1-1 0 0,0 1 1 0 0,-1 0-1 0 0,1 0 1 0 0,1-1 0 0 0,-1 1-1 0 0,0 0 1 0 0,0 0-1 0 0,0-1 1 0 0,0 1 0 0 0,1 1-1 0 0</inkml:trace>
+</inkml:ink>
+</file>
+
+<file path=ppt/ink/ink86.xml><?xml version="1.0" encoding="utf-8"?>
+<inkml:ink xmlns:inkml="http://www.w3.org/2003/InkML">
+  <inkml:definitions>
+    <inkml:context xml:id="ctx0">
+      <inkml:inkSource xml:id="inkSrc0">
+        <inkml:traceFormat>
+          <inkml:channel name="X" type="integer" min="-2.14748E9" max="2.14748E9" units="cm"/>
+          <inkml:channel name="Y" type="integer" min="-2.14748E9" max="2.14748E9" units="cm"/>
+          <inkml:channel name="F" type="integer" max="32767" units="dev"/>
+          <inkml:channel name="OA" type="integer" max="360" units="deg"/>
+          <inkml:channel name="OE" type="integer" max="90" units="deg"/>
+        </inkml:traceFormat>
+        <inkml:channelProperties>
+          <inkml:channelProperty channel="X" name="resolution" value="1000" units="1/cm"/>
+          <inkml:channelProperty channel="Y" name="resolution" value="1000" units="1/cm"/>
+          <inkml:channelProperty channel="F" name="resolution" value="0" units="1/dev"/>
+          <inkml:channelProperty channel="OA" name="resolution" value="1000" units="1/deg"/>
+          <inkml:channelProperty channel="OE" name="resolution" value="1000" units="1/deg"/>
+        </inkml:channelProperties>
+      </inkml:inkSource>
+      <inkml:timestamp xml:id="ts0" timeString="2021-08-17T16:50:30.323"/>
+    </inkml:context>
+    <inkml:brush xml:id="br0">
+      <inkml:brushProperty name="width" value="0.05" units="cm"/>
+      <inkml:brushProperty name="height" value="0.05" units="cm"/>
+      <inkml:brushProperty name="color" value="#FF0066"/>
+    </inkml:brush>
+  </inkml:definitions>
+  <inkml:trace contextRef="#ctx0" brushRef="#br0">0 12 11400 0 0,'0'0'1032'0'0,"1"-7"-824"0"0,-1 7-191 0 0,0-1 1 0 0,-1 1 0 0 0,1 0 0 0 0,0 0-1 0 0,0 0 1 0 0,0 0 0 0 0,0 0 0 0 0,0-1-1 0 0,0 1 1 0 0,0 0 0 0 0,0 0 0 0 0,1 0-1 0 0,-1 0 1 0 0,0-1 0 0 0,0 1 0 0 0,0 0-1 0 0,0 0 1 0 0,0 0 0 0 0,0 0 0 0 0,0 0-1 0 0,0 0 1 0 0,0-1 0 0 0,0 1 0 0 0,0 0-1 0 0,0 0 1 0 0,1 0 0 0 0,-1 0-1 0 0,0 0 1 0 0,0 0 0 0 0,0 0 0 0 0,0 0-1 0 0,0 0 1 0 0,0-1 0 0 0,1 1 0 0 0,-1 0-1 0 0,0 0 1 0 0,0 0 0 0 0,0 0 0 0 0,0 0-1 0 0,1 0 1 0 0,-1 0 0 0 0,0 0 0 0 0,0 0-1 0 0,0 0 1 0 0,0 0 0 0 0,0 0 0 0 0,1 0-1 0 0,-1 0 1 0 0,0 0 0 0 0,0 0 0 0 0,0 0-1 0 0,0 0 1 0 0,0 1 0 0 0,1-1 0 0 0,-1 0-1 0 0,0 0 1 0 0,0 0 0 0 0,0 0 0 0 0,0 0-1 0 0,0 0 1 0 0,0 0 0 0 0,0 0 0 0 0,1 0-1 0 0,-1 1 1 0 0,0-1 0 0 0,0 0 0 0 0,0 0-1 0 0,0 0 1 0 0,9 15 2297 0 0,-2-2-967 0 0,-2-7-1162 0 0,1-1-1 0 0,-1 1 0 0 0,1-1 0 0 0,0 0 1 0 0,1-1-1 0 0,-1 1 0 0 0,1-1 1 0 0,0 0-1 0 0,0-1 0 0 0,0 0 0 0 0,0 0 1 0 0,1 0-1 0 0,-1-1 0 0 0,1 0 0 0 0,0-1 1 0 0,-1 0-1 0 0,1 0 0 0 0,8 0 0 0 0,221-16 2085 0 0,-187 8-2194 0 0,-31 3 40 0 0,0 2 1 0 0,0 0-1 0 0,0 1 1 0 0,32 2-1 0 0,70 6-467 0 0,-9-2 704 0 0,-53 4-117 0 0,35 2 253 0 0,-30-10-176 0 0,-10-2-29 0 0,-25 1-78 0 0,55-8 0 0 0,-46 3-76 0 0,39 0-1 0 0,-14 1 15 0 0,-14 1-107 0 0,-1 2 1 0 0,1 3-1 0 0,72 10 0 0 0,-17 6 122 0 0,32 5-56 0 0,-7 5-32 0 0,-3 0 212 0 0,-11-13 79 0 0,86 13 20 0 0,-170-25-256 0 0,1-1 0 0 0,45-3 0 0 0,-22 0 40 0 0,8 1 133 0 0,124-16-1 0 0,289-60 12 0 0,-439 69-304 0 0,301-39 41 0 0,-102 26 17 0 0,228 14 286 0 0,-458 6-340 0 0,252 17 212 0 0,-101-6-152 0 0,-24 2 46 0 0,-67-5-55 0 0,0-1-8 0 0,-21-1 30 0 0,0-2 0 0 0,47-2 0 0 0,-11-6 105 0 0,187-17 232 0 0,-182 7-378 0 0,111-16 179 0 0,0 17-79 0 0,-120 12 11 0 0,107 4 463 0 0,8 8-253 0 0,-181-9-306 0 0,-8-1-92 0 0,0-1-1 0 0,0 1 1 0 0,0-1-1 0 0,1 1 1 0 0,-1-1 0 0 0,4 0-1 0 0,-5-5-2429 0 0</inkml:trace>
 </inkml:ink>
 </file>
 
@@ -1239,7 +2908,7 @@
           <inkml:channelProperty channel="OE" name="resolution" value="1000" units="1/deg"/>
         </inkml:channelProperties>
       </inkml:inkSource>
-      <inkml:timestamp xml:id="ts0" timeString="2021-08-16T16:53:05.384"/>
+      <inkml:timestamp xml:id="ts0" timeString="2021-08-17T16:31:29.859"/>
     </inkml:context>
     <inkml:brush xml:id="br0">
       <inkml:brushProperty name="width" value="0.05" units="cm"/>
@@ -1247,7 +2916,7 @@
       <inkml:brushProperty name="color" value="#FF0066"/>
     </inkml:brush>
   </inkml:definitions>
-  <inkml:trace contextRef="#ctx0" brushRef="#br0">1 315 16903 0 0,'0'0'3946'0'0,"5"-5"-2542"0"0,1 0-1029 0 0,-1 0 1 0 0,1 0 0 0 0,-1-1-1 0 0,-1 1 1 0 0,1-1 0 0 0,-1 0-1 0 0,4-7 1 0 0,22-51 1004 0 0,-16 31-665 0 0,25-64 922 0 0,-38 95-1557 0 0,4-10 168 0 0,-4 10-150 0 0,-1 6-59 0 0,-3 7-32 0 0,1 0 0 0 0,0 0 0 0 0,1 0 1 0 0,1 0-1 0 0,-1 0 0 0 0,2 0 0 0 0,0 0 0 0 0,3 17 0 0 0,-3-19-7 0 0,-1-8 0 0 0,0 0 0 0 0,0 0 0 0 0,0 1 0 0 0,0-1 0 0 0,0 0 0 0 0,1 0 0 0 0,-1 0 0 0 0,0 1 0 0 0,1-1 0 0 0,-1 0 0 0 0,1 0 0 0 0,-1 0 0 0 0,1 0 0 0 0,0 0 0 0 0,-1 0 0 0 0,1 0 0 0 0,0 0 0 0 0,0 0 0 0 0,0 0 0 0 0,-1 0 0 0 0,1 0 0 0 0,0-1 0 0 0,0 1 0 0 0,0 0 0 0 0,1 0 0 0 0,-1-1 0 0 0,2 1 0 0 0,-2 0 16 0 0,0-1-1 0 0,1 0 1 0 0,-1 0-1 0 0,1 0 1 0 0,-1 0 0 0 0,1 0-1 0 0,-1 0 1 0 0,1 0-1 0 0,-1 0 1 0 0,1-1 0 0 0,-1 1-1 0 0,1 0 1 0 0,-1-1-1 0 0,0 1 1 0 0,1-1 0 0 0,-1 0-1 0 0,0 1 1 0 0,1-1-1 0 0,-1 0 1 0 0,0 0 0 0 0,0 0-1 0 0,2-2 1 0 0,3-2 127 0 0,-1 0 1 0 0,10-12-1 0 0,37-57 216 0 0,-35 49-307 0 0,-15 22-64 0 0,1-2-352 0 0,0 0-1 0 0,0 1 0 0 0,0-1 1 0 0,1 1-1 0 0,-1-1 0 0 0,1 1 1 0 0,0 0-1 0 0,1 1 0 0 0,-1-1 1 0 0,1 1-1 0 0,-1 0 0 0 0,1 0 1 0 0,6-3-1 0 0,0 1-1572 0 0,-2 1-57 0 0</inkml:trace>
+  <inkml:trace contextRef="#ctx0" brushRef="#br0">32 489 10592 0 0,'-7'-4'1013'0'0,"-11"-2"7568"0"0,18 6-8487 0 0,-1 0 0 0 0,1 0-1 0 0,0 0 1 0 0,-1-1 0 0 0,1 1 0 0 0,0 0 0 0 0,-1 0-1 0 0,1-1 1 0 0,0 1 0 0 0,-1 0 0 0 0,1 0-1 0 0,0-1 1 0 0,0 1 0 0 0,-1 0 0 0 0,1-1 0 0 0,0 1-1 0 0,0 0 1 0 0,-1-1 0 0 0,1 1 0 0 0,0 0-1 0 0,0-1 1 0 0,0 1 0 0 0,0-1 0 0 0,0 1 0 0 0,-1 0-1 0 0,1-1 1 0 0,0 1 0 0 0,0-1 0 0 0,0 1-1 0 0,0-1 1 0 0,0 1 0 0 0,0 0 0 0 0,1-1 0 0 0,-1 1-1 0 0,0-1 1 0 0,0 1 0 0 0,3-16 336 0 0,4 2-328 0 0,1 0-1 0 0,0 0 1 0 0,1 1 0 0 0,0 0-1 0 0,1 1 1 0 0,1 0-1 0 0,0 1 1 0 0,0 0 0 0 0,1 0-1 0 0,0 1 1 0 0,1 1 0 0 0,0 0-1 0 0,24-11 1 0 0,-3 3-78 0 0,1 2 0 0 0,1 2 0 0 0,0 1 0 0 0,58-11 0 0 0,-53 16-19 0 0,70-3 0 0 0,41 9 120 0 0,-80 1 110 0 0,33 4 1084 0 0,-108-15-1078 0 0,-6 1-21 0 0,0 1 0 0 0,0 0 0 0 0,-1 0 0 0 0,-1 1 0 0 0,-12-8-1 0 0,-3 0-113 0 0,-32-14 0 0 0,3 7-80 0 0,-67-19 1 0 0,119 42-27 0 0,7 2 0 0 0,7 3 0 0 0,93 8 0 0 0,-35-12 2 0 0,-47-2 53 0 0,-1 2 1 0 0,1 0-1 0 0,0 1 0 0 0,27 7 1 0 0,-47-9-50 0 0,0 1 0 0 0,0 0 0 0 0,1 0 0 0 0,-1 0 0 0 0,0 0 0 0 0,0 0 1 0 0,0 0-1 0 0,0 1 0 0 0,0-1 0 0 0,-1 0 0 0 0,1 1 0 0 0,0 0 0 0 0,-1-1 0 0 0,1 1 0 0 0,-1 0 0 0 0,0 0 1 0 0,1 0-1 0 0,-1 0 0 0 0,0 0 0 0 0,0 0 0 0 0,0 0 0 0 0,0 0 0 0 0,-1 1 0 0 0,1-1 0 0 0,-1 0 0 0 0,1 0 1 0 0,-1 1-1 0 0,0-1 0 0 0,1 0 0 0 0,-1 1 0 0 0,-1-1 0 0 0,1 0 0 0 0,-1 4 0 0 0,0 3 14 0 0,-1 0-1 0 0,0 0 1 0 0,-1-1 0 0 0,0 1-1 0 0,0-1 1 0 0,-1 1-1 0 0,-6 9 1 0 0,-3 2-205 0 0,-1-1-1 0 0,-2 0 1 0 0,0-1 0 0 0,-30 27 0 0 0,10-11-2240 0 0,17-15-4143 0 0,0-3-1987 0 0</inkml:trace>
 </inkml:ink>
 </file>
 
@@ -1943,7 +3612,7 @@
           <a:p>
             <a:fld id="{3A2BF66F-FEB0-48C1-A8B9-A73F54BB1A08}" type="datetimeFigureOut">
               <a:rPr lang="en-US" smtClean="0"/>
-              <a:t>8/16/2021</a:t>
+              <a:t>8/17/2021</a:t>
             </a:fld>
             <a:endParaRPr lang="en-US" dirty="0"/>
           </a:p>
@@ -2151,7 +3820,7 @@
           <a:p>
             <a:fld id="{3A2BF66F-FEB0-48C1-A8B9-A73F54BB1A08}" type="datetimeFigureOut">
               <a:rPr lang="en-US" smtClean="0"/>
-              <a:t>8/16/2021</a:t>
+              <a:t>8/17/2021</a:t>
             </a:fld>
             <a:endParaRPr lang="en-US" dirty="0"/>
           </a:p>
@@ -2369,7 +4038,7 @@
           <a:p>
             <a:fld id="{3A2BF66F-FEB0-48C1-A8B9-A73F54BB1A08}" type="datetimeFigureOut">
               <a:rPr lang="en-US" smtClean="0"/>
-              <a:t>8/16/2021</a:t>
+              <a:t>8/17/2021</a:t>
             </a:fld>
             <a:endParaRPr lang="en-US" dirty="0"/>
           </a:p>
@@ -2577,7 +4246,7 @@
           <a:p>
             <a:fld id="{3A2BF66F-FEB0-48C1-A8B9-A73F54BB1A08}" type="datetimeFigureOut">
               <a:rPr lang="en-US" smtClean="0"/>
-              <a:t>8/16/2021</a:t>
+              <a:t>8/17/2021</a:t>
             </a:fld>
             <a:endParaRPr lang="en-US" dirty="0"/>
           </a:p>
@@ -2862,7 +4531,7 @@
           <a:p>
             <a:fld id="{3A2BF66F-FEB0-48C1-A8B9-A73F54BB1A08}" type="datetimeFigureOut">
               <a:rPr lang="en-US" smtClean="0"/>
-              <a:t>8/16/2021</a:t>
+              <a:t>8/17/2021</a:t>
             </a:fld>
             <a:endParaRPr lang="en-US" dirty="0"/>
           </a:p>
@@ -3137,7 +4806,7 @@
           <a:p>
             <a:fld id="{3A2BF66F-FEB0-48C1-A8B9-A73F54BB1A08}" type="datetimeFigureOut">
               <a:rPr lang="en-US" smtClean="0"/>
-              <a:t>8/16/2021</a:t>
+              <a:t>8/17/2021</a:t>
             </a:fld>
             <a:endParaRPr lang="en-US" dirty="0"/>
           </a:p>
@@ -3559,7 +5228,7 @@
           <a:p>
             <a:fld id="{3A2BF66F-FEB0-48C1-A8B9-A73F54BB1A08}" type="datetimeFigureOut">
               <a:rPr lang="en-US" smtClean="0"/>
-              <a:t>8/16/2021</a:t>
+              <a:t>8/17/2021</a:t>
             </a:fld>
             <a:endParaRPr lang="en-US" dirty="0"/>
           </a:p>
@@ -3710,7 +5379,7 @@
           <a:p>
             <a:fld id="{3A2BF66F-FEB0-48C1-A8B9-A73F54BB1A08}" type="datetimeFigureOut">
               <a:rPr lang="en-US" smtClean="0"/>
-              <a:t>8/16/2021</a:t>
+              <a:t>8/17/2021</a:t>
             </a:fld>
             <a:endParaRPr lang="en-US" dirty="0"/>
           </a:p>
@@ -3833,7 +5502,7 @@
           <a:p>
             <a:fld id="{3A2BF66F-FEB0-48C1-A8B9-A73F54BB1A08}" type="datetimeFigureOut">
               <a:rPr lang="en-US" smtClean="0"/>
-              <a:t>8/16/2021</a:t>
+              <a:t>8/17/2021</a:t>
             </a:fld>
             <a:endParaRPr lang="en-US" dirty="0"/>
           </a:p>
@@ -4153,7 +5822,7 @@
           <a:p>
             <a:fld id="{3A2BF66F-FEB0-48C1-A8B9-A73F54BB1A08}" type="datetimeFigureOut">
               <a:rPr lang="en-US" smtClean="0"/>
-              <a:t>8/16/2021</a:t>
+              <a:t>8/17/2021</a:t>
             </a:fld>
             <a:endParaRPr lang="en-US" dirty="0"/>
           </a:p>
@@ -4451,7 +6120,7 @@
           <a:p>
             <a:fld id="{3A2BF66F-FEB0-48C1-A8B9-A73F54BB1A08}" type="datetimeFigureOut">
               <a:rPr lang="en-US" smtClean="0"/>
-              <a:t>8/16/2021</a:t>
+              <a:t>8/17/2021</a:t>
             </a:fld>
             <a:endParaRPr lang="en-US" dirty="0"/>
           </a:p>
@@ -4702,7 +6371,7 @@
           <a:p>
             <a:fld id="{3A2BF66F-FEB0-48C1-A8B9-A73F54BB1A08}" type="datetimeFigureOut">
               <a:rPr lang="en-US" smtClean="0"/>
-              <a:t>8/16/2021</a:t>
+              <a:t>8/17/2021</a:t>
             </a:fld>
             <a:endParaRPr lang="en-US" dirty="0"/>
           </a:p>
@@ -6110,6 +7779,159 @@
           </a:p>
         </p:txBody>
       </p:sp>
+      <mc:AlternateContent xmlns:mc="http://schemas.openxmlformats.org/markup-compatibility/2006">
+        <mc:Choice xmlns:p14="http://schemas.microsoft.com/office/powerpoint/2010/main" Requires="p14">
+          <p:contentPart p14:bwMode="auto" r:id="rId2">
+            <p14:nvContentPartPr>
+              <p14:cNvPr id="4" name="Ink 3">
+                <a:extLst>
+                  <a:ext uri="{FF2B5EF4-FFF2-40B4-BE49-F238E27FC236}">
+                    <a16:creationId xmlns:a16="http://schemas.microsoft.com/office/drawing/2014/main" id="{6099FBBB-FE07-4EAC-8599-900248EC5C91}"/>
+                  </a:ext>
+                </a:extLst>
+              </p14:cNvPr>
+              <p14:cNvContentPartPr/>
+              <p14:nvPr/>
+            </p14:nvContentPartPr>
+            <p14:xfrm>
+              <a:off x="3496969" y="2028499"/>
+              <a:ext cx="1389960" cy="66240"/>
+            </p14:xfrm>
+          </p:contentPart>
+        </mc:Choice>
+        <mc:Fallback>
+          <p:pic>
+            <p:nvPicPr>
+              <p:cNvPr id="4" name="Ink 3">
+                <a:extLst>
+                  <a:ext uri="{FF2B5EF4-FFF2-40B4-BE49-F238E27FC236}">
+                    <a16:creationId xmlns:a16="http://schemas.microsoft.com/office/drawing/2014/main" id="{6099FBBB-FE07-4EAC-8599-900248EC5C91}"/>
+                  </a:ext>
+                </a:extLst>
+              </p:cNvPr>
+              <p:cNvPicPr/>
+              <p:nvPr/>
+            </p:nvPicPr>
+            <p:blipFill>
+              <a:blip r:embed="rId3"/>
+              <a:stretch>
+                <a:fillRect/>
+              </a:stretch>
+            </p:blipFill>
+            <p:spPr>
+              <a:xfrm>
+                <a:off x="3487969" y="2019859"/>
+                <a:ext cx="1407600" cy="83880"/>
+              </a:xfrm>
+              <a:prstGeom prst="rect">
+                <a:avLst/>
+              </a:prstGeom>
+            </p:spPr>
+          </p:pic>
+        </mc:Fallback>
+      </mc:AlternateContent>
+      <mc:AlternateContent xmlns:mc="http://schemas.openxmlformats.org/markup-compatibility/2006">
+        <mc:Choice xmlns:p14="http://schemas.microsoft.com/office/powerpoint/2010/main" Requires="p14">
+          <p:contentPart p14:bwMode="auto" r:id="rId4">
+            <p14:nvContentPartPr>
+              <p14:cNvPr id="5" name="Ink 4">
+                <a:extLst>
+                  <a:ext uri="{FF2B5EF4-FFF2-40B4-BE49-F238E27FC236}">
+                    <a16:creationId xmlns:a16="http://schemas.microsoft.com/office/drawing/2014/main" id="{099DF704-E815-47AC-A185-46E9ED1989D6}"/>
+                  </a:ext>
+                </a:extLst>
+              </p14:cNvPr>
+              <p14:cNvContentPartPr/>
+              <p14:nvPr/>
+            </p14:nvContentPartPr>
+            <p14:xfrm>
+              <a:off x="3997369" y="1140019"/>
+              <a:ext cx="121680" cy="208080"/>
+            </p14:xfrm>
+          </p:contentPart>
+        </mc:Choice>
+        <mc:Fallback>
+          <p:pic>
+            <p:nvPicPr>
+              <p:cNvPr id="5" name="Ink 4">
+                <a:extLst>
+                  <a:ext uri="{FF2B5EF4-FFF2-40B4-BE49-F238E27FC236}">
+                    <a16:creationId xmlns:a16="http://schemas.microsoft.com/office/drawing/2014/main" id="{099DF704-E815-47AC-A185-46E9ED1989D6}"/>
+                  </a:ext>
+                </a:extLst>
+              </p:cNvPr>
+              <p:cNvPicPr/>
+              <p:nvPr/>
+            </p:nvPicPr>
+            <p:blipFill>
+              <a:blip r:embed="rId5"/>
+              <a:stretch>
+                <a:fillRect/>
+              </a:stretch>
+            </p:blipFill>
+            <p:spPr>
+              <a:xfrm>
+                <a:off x="3988369" y="1131379"/>
+                <a:ext cx="139320" cy="225720"/>
+              </a:xfrm>
+              <a:prstGeom prst="rect">
+                <a:avLst/>
+              </a:prstGeom>
+            </p:spPr>
+          </p:pic>
+        </mc:Fallback>
+      </mc:AlternateContent>
+      <mc:AlternateContent xmlns:mc="http://schemas.openxmlformats.org/markup-compatibility/2006">
+        <mc:Choice xmlns:p14="http://schemas.microsoft.com/office/powerpoint/2010/main" Requires="p14">
+          <p:contentPart p14:bwMode="auto" r:id="rId6">
+            <p14:nvContentPartPr>
+              <p14:cNvPr id="6" name="Ink 5">
+                <a:extLst>
+                  <a:ext uri="{FF2B5EF4-FFF2-40B4-BE49-F238E27FC236}">
+                    <a16:creationId xmlns:a16="http://schemas.microsoft.com/office/drawing/2014/main" id="{F9ED22F4-E9A5-4E37-81E3-4052EA8507E0}"/>
+                  </a:ext>
+                </a:extLst>
+              </p14:cNvPr>
+              <p14:cNvContentPartPr/>
+              <p14:nvPr/>
+            </p14:nvContentPartPr>
+            <p14:xfrm>
+              <a:off x="2307529" y="2404699"/>
+              <a:ext cx="1235880" cy="62280"/>
+            </p14:xfrm>
+          </p:contentPart>
+        </mc:Choice>
+        <mc:Fallback>
+          <p:pic>
+            <p:nvPicPr>
+              <p:cNvPr id="6" name="Ink 5">
+                <a:extLst>
+                  <a:ext uri="{FF2B5EF4-FFF2-40B4-BE49-F238E27FC236}">
+                    <a16:creationId xmlns:a16="http://schemas.microsoft.com/office/drawing/2014/main" id="{F9ED22F4-E9A5-4E37-81E3-4052EA8507E0}"/>
+                  </a:ext>
+                </a:extLst>
+              </p:cNvPr>
+              <p:cNvPicPr/>
+              <p:nvPr/>
+            </p:nvPicPr>
+            <p:blipFill>
+              <a:blip r:embed="rId7"/>
+              <a:stretch>
+                <a:fillRect/>
+              </a:stretch>
+            </p:blipFill>
+            <p:spPr>
+              <a:xfrm>
+                <a:off x="2298889" y="2395699"/>
+                <a:ext cx="1253520" cy="79920"/>
+              </a:xfrm>
+              <a:prstGeom prst="rect">
+                <a:avLst/>
+              </a:prstGeom>
+            </p:spPr>
+          </p:pic>
+        </mc:Fallback>
+      </mc:AlternateContent>
     </p:spTree>
     <p:extLst>
       <p:ext uri="{BB962C8B-B14F-4D97-AF65-F5344CB8AC3E}">
@@ -6278,6 +8100,465 @@
           </a:p>
         </p:txBody>
       </p:sp>
+      <mc:AlternateContent xmlns:mc="http://schemas.openxmlformats.org/markup-compatibility/2006">
+        <mc:Choice xmlns:p14="http://schemas.microsoft.com/office/powerpoint/2010/main" Requires="p14">
+          <p:contentPart p14:bwMode="auto" r:id="rId2">
+            <p14:nvContentPartPr>
+              <p14:cNvPr id="4" name="Ink 3">
+                <a:extLst>
+                  <a:ext uri="{FF2B5EF4-FFF2-40B4-BE49-F238E27FC236}">
+                    <a16:creationId xmlns:a16="http://schemas.microsoft.com/office/drawing/2014/main" id="{B321C28B-8BCF-41EE-822E-C40F641FA73D}"/>
+                  </a:ext>
+                </a:extLst>
+              </p14:cNvPr>
+              <p14:cNvContentPartPr/>
+              <p14:nvPr/>
+            </p14:nvContentPartPr>
+            <p14:xfrm>
+              <a:off x="4286809" y="1709899"/>
+              <a:ext cx="1612080" cy="38880"/>
+            </p14:xfrm>
+          </p:contentPart>
+        </mc:Choice>
+        <mc:Fallback>
+          <p:pic>
+            <p:nvPicPr>
+              <p:cNvPr id="4" name="Ink 3">
+                <a:extLst>
+                  <a:ext uri="{FF2B5EF4-FFF2-40B4-BE49-F238E27FC236}">
+                    <a16:creationId xmlns:a16="http://schemas.microsoft.com/office/drawing/2014/main" id="{B321C28B-8BCF-41EE-822E-C40F641FA73D}"/>
+                  </a:ext>
+                </a:extLst>
+              </p:cNvPr>
+              <p:cNvPicPr/>
+              <p:nvPr/>
+            </p:nvPicPr>
+            <p:blipFill>
+              <a:blip r:embed="rId3"/>
+              <a:stretch>
+                <a:fillRect/>
+              </a:stretch>
+            </p:blipFill>
+            <p:spPr>
+              <a:xfrm>
+                <a:off x="4277809" y="1701259"/>
+                <a:ext cx="1629720" cy="56520"/>
+              </a:xfrm>
+              <a:prstGeom prst="rect">
+                <a:avLst/>
+              </a:prstGeom>
+            </p:spPr>
+          </p:pic>
+        </mc:Fallback>
+      </mc:AlternateContent>
+      <mc:AlternateContent xmlns:mc="http://schemas.openxmlformats.org/markup-compatibility/2006">
+        <mc:Choice xmlns:p14="http://schemas.microsoft.com/office/powerpoint/2010/main" Requires="p14">
+          <p:contentPart p14:bwMode="auto" r:id="rId4">
+            <p14:nvContentPartPr>
+              <p14:cNvPr id="5" name="Ink 4">
+                <a:extLst>
+                  <a:ext uri="{FF2B5EF4-FFF2-40B4-BE49-F238E27FC236}">
+                    <a16:creationId xmlns:a16="http://schemas.microsoft.com/office/drawing/2014/main" id="{CDB434BB-2CD8-4A2F-BF91-75BFE8C772D8}"/>
+                  </a:ext>
+                </a:extLst>
+              </p14:cNvPr>
+              <p14:cNvContentPartPr/>
+              <p14:nvPr/>
+            </p14:nvContentPartPr>
+            <p14:xfrm>
+              <a:off x="1531729" y="2277979"/>
+              <a:ext cx="1507320" cy="52560"/>
+            </p14:xfrm>
+          </p:contentPart>
+        </mc:Choice>
+        <mc:Fallback>
+          <p:pic>
+            <p:nvPicPr>
+              <p:cNvPr id="5" name="Ink 4">
+                <a:extLst>
+                  <a:ext uri="{FF2B5EF4-FFF2-40B4-BE49-F238E27FC236}">
+                    <a16:creationId xmlns:a16="http://schemas.microsoft.com/office/drawing/2014/main" id="{CDB434BB-2CD8-4A2F-BF91-75BFE8C772D8}"/>
+                  </a:ext>
+                </a:extLst>
+              </p:cNvPr>
+              <p:cNvPicPr/>
+              <p:nvPr/>
+            </p:nvPicPr>
+            <p:blipFill>
+              <a:blip r:embed="rId5"/>
+              <a:stretch>
+                <a:fillRect/>
+              </a:stretch>
+            </p:blipFill>
+            <p:spPr>
+              <a:xfrm>
+                <a:off x="1522729" y="2268979"/>
+                <a:ext cx="1524960" cy="70200"/>
+              </a:xfrm>
+              <a:prstGeom prst="rect">
+                <a:avLst/>
+              </a:prstGeom>
+            </p:spPr>
+          </p:pic>
+        </mc:Fallback>
+      </mc:AlternateContent>
+      <mc:AlternateContent xmlns:mc="http://schemas.openxmlformats.org/markup-compatibility/2006">
+        <mc:Choice xmlns:p14="http://schemas.microsoft.com/office/powerpoint/2010/main" Requires="p14">
+          <p:contentPart p14:bwMode="auto" r:id="rId6">
+            <p14:nvContentPartPr>
+              <p14:cNvPr id="6" name="Ink 5">
+                <a:extLst>
+                  <a:ext uri="{FF2B5EF4-FFF2-40B4-BE49-F238E27FC236}">
+                    <a16:creationId xmlns:a16="http://schemas.microsoft.com/office/drawing/2014/main" id="{C36D0600-4548-40F1-905D-C13292B2D2CC}"/>
+                  </a:ext>
+                </a:extLst>
+              </p14:cNvPr>
+              <p14:cNvContentPartPr/>
+              <p14:nvPr/>
+            </p14:nvContentPartPr>
+            <p14:xfrm>
+              <a:off x="4939129" y="2646979"/>
+              <a:ext cx="1022760" cy="55440"/>
+            </p14:xfrm>
+          </p:contentPart>
+        </mc:Choice>
+        <mc:Fallback>
+          <p:pic>
+            <p:nvPicPr>
+              <p:cNvPr id="6" name="Ink 5">
+                <a:extLst>
+                  <a:ext uri="{FF2B5EF4-FFF2-40B4-BE49-F238E27FC236}">
+                    <a16:creationId xmlns:a16="http://schemas.microsoft.com/office/drawing/2014/main" id="{C36D0600-4548-40F1-905D-C13292B2D2CC}"/>
+                  </a:ext>
+                </a:extLst>
+              </p:cNvPr>
+              <p:cNvPicPr/>
+              <p:nvPr/>
+            </p:nvPicPr>
+            <p:blipFill>
+              <a:blip r:embed="rId7"/>
+              <a:stretch>
+                <a:fillRect/>
+              </a:stretch>
+            </p:blipFill>
+            <p:spPr>
+              <a:xfrm>
+                <a:off x="4930129" y="2637979"/>
+                <a:ext cx="1040400" cy="73080"/>
+              </a:xfrm>
+              <a:prstGeom prst="rect">
+                <a:avLst/>
+              </a:prstGeom>
+            </p:spPr>
+          </p:pic>
+        </mc:Fallback>
+      </mc:AlternateContent>
+      <mc:AlternateContent xmlns:mc="http://schemas.openxmlformats.org/markup-compatibility/2006">
+        <mc:Choice xmlns:p14="http://schemas.microsoft.com/office/powerpoint/2010/main" Requires="p14">
+          <p:contentPart p14:bwMode="auto" r:id="rId8">
+            <p14:nvContentPartPr>
+              <p14:cNvPr id="7" name="Ink 6">
+                <a:extLst>
+                  <a:ext uri="{FF2B5EF4-FFF2-40B4-BE49-F238E27FC236}">
+                    <a16:creationId xmlns:a16="http://schemas.microsoft.com/office/drawing/2014/main" id="{EBA0B1D2-1ECC-4C17-89C8-303DF8F95FE8}"/>
+                  </a:ext>
+                </a:extLst>
+              </p14:cNvPr>
+              <p14:cNvContentPartPr/>
+              <p14:nvPr/>
+            </p14:nvContentPartPr>
+            <p14:xfrm>
+              <a:off x="1200529" y="2977819"/>
+              <a:ext cx="953280" cy="25560"/>
+            </p14:xfrm>
+          </p:contentPart>
+        </mc:Choice>
+        <mc:Fallback>
+          <p:pic>
+            <p:nvPicPr>
+              <p:cNvPr id="7" name="Ink 6">
+                <a:extLst>
+                  <a:ext uri="{FF2B5EF4-FFF2-40B4-BE49-F238E27FC236}">
+                    <a16:creationId xmlns:a16="http://schemas.microsoft.com/office/drawing/2014/main" id="{EBA0B1D2-1ECC-4C17-89C8-303DF8F95FE8}"/>
+                  </a:ext>
+                </a:extLst>
+              </p:cNvPr>
+              <p:cNvPicPr/>
+              <p:nvPr/>
+            </p:nvPicPr>
+            <p:blipFill>
+              <a:blip r:embed="rId9"/>
+              <a:stretch>
+                <a:fillRect/>
+              </a:stretch>
+            </p:blipFill>
+            <p:spPr>
+              <a:xfrm>
+                <a:off x="1191529" y="2968819"/>
+                <a:ext cx="970920" cy="43200"/>
+              </a:xfrm>
+              <a:prstGeom prst="rect">
+                <a:avLst/>
+              </a:prstGeom>
+            </p:spPr>
+          </p:pic>
+        </mc:Fallback>
+      </mc:AlternateContent>
+      <mc:AlternateContent xmlns:mc="http://schemas.openxmlformats.org/markup-compatibility/2006">
+        <mc:Choice xmlns:p14="http://schemas.microsoft.com/office/powerpoint/2010/main" Requires="p14">
+          <p:contentPart p14:bwMode="auto" r:id="rId10">
+            <p14:nvContentPartPr>
+              <p14:cNvPr id="8" name="Ink 7">
+                <a:extLst>
+                  <a:ext uri="{FF2B5EF4-FFF2-40B4-BE49-F238E27FC236}">
+                    <a16:creationId xmlns:a16="http://schemas.microsoft.com/office/drawing/2014/main" id="{224E375D-EA4F-4861-800F-D5F778D83C0A}"/>
+                  </a:ext>
+                </a:extLst>
+              </p14:cNvPr>
+              <p14:cNvContentPartPr/>
+              <p14:nvPr/>
+            </p14:nvContentPartPr>
+            <p14:xfrm>
+              <a:off x="1206649" y="3267979"/>
+              <a:ext cx="1257120" cy="38880"/>
+            </p14:xfrm>
+          </p:contentPart>
+        </mc:Choice>
+        <mc:Fallback>
+          <p:pic>
+            <p:nvPicPr>
+              <p:cNvPr id="8" name="Ink 7">
+                <a:extLst>
+                  <a:ext uri="{FF2B5EF4-FFF2-40B4-BE49-F238E27FC236}">
+                    <a16:creationId xmlns:a16="http://schemas.microsoft.com/office/drawing/2014/main" id="{224E375D-EA4F-4861-800F-D5F778D83C0A}"/>
+                  </a:ext>
+                </a:extLst>
+              </p:cNvPr>
+              <p:cNvPicPr/>
+              <p:nvPr/>
+            </p:nvPicPr>
+            <p:blipFill>
+              <a:blip r:embed="rId11"/>
+              <a:stretch>
+                <a:fillRect/>
+              </a:stretch>
+            </p:blipFill>
+            <p:spPr>
+              <a:xfrm>
+                <a:off x="1197649" y="3258979"/>
+                <a:ext cx="1274760" cy="56520"/>
+              </a:xfrm>
+              <a:prstGeom prst="rect">
+                <a:avLst/>
+              </a:prstGeom>
+            </p:spPr>
+          </p:pic>
+        </mc:Fallback>
+      </mc:AlternateContent>
+      <mc:AlternateContent xmlns:mc="http://schemas.openxmlformats.org/markup-compatibility/2006">
+        <mc:Choice xmlns:p14="http://schemas.microsoft.com/office/powerpoint/2010/main" Requires="p14">
+          <p:contentPart p14:bwMode="auto" r:id="rId12">
+            <p14:nvContentPartPr>
+              <p14:cNvPr id="9" name="Ink 8">
+                <a:extLst>
+                  <a:ext uri="{FF2B5EF4-FFF2-40B4-BE49-F238E27FC236}">
+                    <a16:creationId xmlns:a16="http://schemas.microsoft.com/office/drawing/2014/main" id="{803BCB0E-282F-4927-A9C0-EF59B6E6C5DC}"/>
+                  </a:ext>
+                </a:extLst>
+              </p14:cNvPr>
+              <p14:cNvContentPartPr/>
+              <p14:nvPr/>
+            </p14:nvContentPartPr>
+            <p14:xfrm>
+              <a:off x="1224649" y="3572899"/>
+              <a:ext cx="2101320" cy="78840"/>
+            </p14:xfrm>
+          </p:contentPart>
+        </mc:Choice>
+        <mc:Fallback>
+          <p:pic>
+            <p:nvPicPr>
+              <p:cNvPr id="9" name="Ink 8">
+                <a:extLst>
+                  <a:ext uri="{FF2B5EF4-FFF2-40B4-BE49-F238E27FC236}">
+                    <a16:creationId xmlns:a16="http://schemas.microsoft.com/office/drawing/2014/main" id="{803BCB0E-282F-4927-A9C0-EF59B6E6C5DC}"/>
+                  </a:ext>
+                </a:extLst>
+              </p:cNvPr>
+              <p:cNvPicPr/>
+              <p:nvPr/>
+            </p:nvPicPr>
+            <p:blipFill>
+              <a:blip r:embed="rId13"/>
+              <a:stretch>
+                <a:fillRect/>
+              </a:stretch>
+            </p:blipFill>
+            <p:spPr>
+              <a:xfrm>
+                <a:off x="1216009" y="3564259"/>
+                <a:ext cx="2118960" cy="96480"/>
+              </a:xfrm>
+              <a:prstGeom prst="rect">
+                <a:avLst/>
+              </a:prstGeom>
+            </p:spPr>
+          </p:pic>
+        </mc:Fallback>
+      </mc:AlternateContent>
+      <mc:AlternateContent xmlns:mc="http://schemas.openxmlformats.org/markup-compatibility/2006">
+        <mc:Choice xmlns:p14="http://schemas.microsoft.com/office/powerpoint/2010/main" Requires="p14">
+          <p:contentPart p14:bwMode="auto" r:id="rId14">
+            <p14:nvContentPartPr>
+              <p14:cNvPr id="10" name="Ink 9">
+                <a:extLst>
+                  <a:ext uri="{FF2B5EF4-FFF2-40B4-BE49-F238E27FC236}">
+                    <a16:creationId xmlns:a16="http://schemas.microsoft.com/office/drawing/2014/main" id="{6E9C9786-AD49-4D95-9183-19DD9BB92190}"/>
+                  </a:ext>
+                </a:extLst>
+              </p14:cNvPr>
+              <p14:cNvContentPartPr/>
+              <p14:nvPr/>
+            </p14:nvContentPartPr>
+            <p14:xfrm>
+              <a:off x="1150849" y="4252579"/>
+              <a:ext cx="1486080" cy="96120"/>
+            </p14:xfrm>
+          </p:contentPart>
+        </mc:Choice>
+        <mc:Fallback>
+          <p:pic>
+            <p:nvPicPr>
+              <p:cNvPr id="10" name="Ink 9">
+                <a:extLst>
+                  <a:ext uri="{FF2B5EF4-FFF2-40B4-BE49-F238E27FC236}">
+                    <a16:creationId xmlns:a16="http://schemas.microsoft.com/office/drawing/2014/main" id="{6E9C9786-AD49-4D95-9183-19DD9BB92190}"/>
+                  </a:ext>
+                </a:extLst>
+              </p:cNvPr>
+              <p:cNvPicPr/>
+              <p:nvPr/>
+            </p:nvPicPr>
+            <p:blipFill>
+              <a:blip r:embed="rId15"/>
+              <a:stretch>
+                <a:fillRect/>
+              </a:stretch>
+            </p:blipFill>
+            <p:spPr>
+              <a:xfrm>
+                <a:off x="1142209" y="4243579"/>
+                <a:ext cx="1503720" cy="113760"/>
+              </a:xfrm>
+              <a:prstGeom prst="rect">
+                <a:avLst/>
+              </a:prstGeom>
+            </p:spPr>
+          </p:pic>
+        </mc:Fallback>
+      </mc:AlternateContent>
+      <mc:AlternateContent xmlns:mc="http://schemas.openxmlformats.org/markup-compatibility/2006">
+        <mc:Choice xmlns:p14="http://schemas.microsoft.com/office/powerpoint/2010/main" Requires="p14">
+          <p:contentPart p14:bwMode="auto" r:id="rId16">
+            <p14:nvContentPartPr>
+              <p14:cNvPr id="11" name="Ink 10">
+                <a:extLst>
+                  <a:ext uri="{FF2B5EF4-FFF2-40B4-BE49-F238E27FC236}">
+                    <a16:creationId xmlns:a16="http://schemas.microsoft.com/office/drawing/2014/main" id="{EAD46C89-CC14-45F8-A1DA-0B2F37F78336}"/>
+                  </a:ext>
+                </a:extLst>
+              </p14:cNvPr>
+              <p14:cNvContentPartPr/>
+              <p14:nvPr/>
+            </p14:nvContentPartPr>
+            <p14:xfrm>
+              <a:off x="4053169" y="4050259"/>
+              <a:ext cx="124200" cy="95040"/>
+            </p14:xfrm>
+          </p:contentPart>
+        </mc:Choice>
+        <mc:Fallback>
+          <p:pic>
+            <p:nvPicPr>
+              <p:cNvPr id="11" name="Ink 10">
+                <a:extLst>
+                  <a:ext uri="{FF2B5EF4-FFF2-40B4-BE49-F238E27FC236}">
+                    <a16:creationId xmlns:a16="http://schemas.microsoft.com/office/drawing/2014/main" id="{EAD46C89-CC14-45F8-A1DA-0B2F37F78336}"/>
+                  </a:ext>
+                </a:extLst>
+              </p:cNvPr>
+              <p:cNvPicPr/>
+              <p:nvPr/>
+            </p:nvPicPr>
+            <p:blipFill>
+              <a:blip r:embed="rId17"/>
+              <a:stretch>
+                <a:fillRect/>
+              </a:stretch>
+            </p:blipFill>
+            <p:spPr>
+              <a:xfrm>
+                <a:off x="4044529" y="4041259"/>
+                <a:ext cx="141840" cy="112680"/>
+              </a:xfrm>
+              <a:prstGeom prst="rect">
+                <a:avLst/>
+              </a:prstGeom>
+            </p:spPr>
+          </p:pic>
+        </mc:Fallback>
+      </mc:AlternateContent>
+      <mc:AlternateContent xmlns:mc="http://schemas.openxmlformats.org/markup-compatibility/2006">
+        <mc:Choice xmlns:p14="http://schemas.microsoft.com/office/powerpoint/2010/main" Requires="p14">
+          <p:contentPart p14:bwMode="auto" r:id="rId18">
+            <p14:nvContentPartPr>
+              <p14:cNvPr id="19" name="Ink 18">
+                <a:extLst>
+                  <a:ext uri="{FF2B5EF4-FFF2-40B4-BE49-F238E27FC236}">
+                    <a16:creationId xmlns:a16="http://schemas.microsoft.com/office/drawing/2014/main" id="{F3EF213F-57FD-49EF-AC51-583B7C8EE3EA}"/>
+                  </a:ext>
+                </a:extLst>
+              </p14:cNvPr>
+              <p14:cNvContentPartPr/>
+              <p14:nvPr/>
+            </p14:nvContentPartPr>
+            <p14:xfrm>
+              <a:off x="1180009" y="4979059"/>
+              <a:ext cx="2388240" cy="82800"/>
+            </p14:xfrm>
+          </p:contentPart>
+        </mc:Choice>
+        <mc:Fallback>
+          <p:pic>
+            <p:nvPicPr>
+              <p:cNvPr id="19" name="Ink 18">
+                <a:extLst>
+                  <a:ext uri="{FF2B5EF4-FFF2-40B4-BE49-F238E27FC236}">
+                    <a16:creationId xmlns:a16="http://schemas.microsoft.com/office/drawing/2014/main" id="{F3EF213F-57FD-49EF-AC51-583B7C8EE3EA}"/>
+                  </a:ext>
+                </a:extLst>
+              </p:cNvPr>
+              <p:cNvPicPr/>
+              <p:nvPr/>
+            </p:nvPicPr>
+            <p:blipFill>
+              <a:blip r:embed="rId19"/>
+              <a:stretch>
+                <a:fillRect/>
+              </a:stretch>
+            </p:blipFill>
+            <p:spPr>
+              <a:xfrm>
+                <a:off x="1171009" y="4970059"/>
+                <a:ext cx="2405880" cy="100440"/>
+              </a:xfrm>
+              <a:prstGeom prst="rect">
+                <a:avLst/>
+              </a:prstGeom>
+            </p:spPr>
+          </p:pic>
+        </mc:Fallback>
+      </mc:AlternateContent>
     </p:spTree>
     <p:extLst>
       <p:ext uri="{BB962C8B-B14F-4D97-AF65-F5344CB8AC3E}">
@@ -6667,6 +8948,2130 @@
           </a:p>
         </p:txBody>
       </p:sp>
+      <mc:AlternateContent xmlns:mc="http://schemas.openxmlformats.org/markup-compatibility/2006">
+        <mc:Choice xmlns:p14="http://schemas.microsoft.com/office/powerpoint/2010/main" Requires="p14">
+          <p:contentPart p14:bwMode="auto" r:id="rId2">
+            <p14:nvContentPartPr>
+              <p14:cNvPr id="4" name="Ink 3">
+                <a:extLst>
+                  <a:ext uri="{FF2B5EF4-FFF2-40B4-BE49-F238E27FC236}">
+                    <a16:creationId xmlns:a16="http://schemas.microsoft.com/office/drawing/2014/main" id="{FEE52091-35CC-4C82-9737-C2F5402EA2C3}"/>
+                  </a:ext>
+                </a:extLst>
+              </p14:cNvPr>
+              <p14:cNvContentPartPr/>
+              <p14:nvPr/>
+            </p14:nvContentPartPr>
+            <p14:xfrm>
+              <a:off x="884089" y="1726819"/>
+              <a:ext cx="399240" cy="26640"/>
+            </p14:xfrm>
+          </p:contentPart>
+        </mc:Choice>
+        <mc:Fallback>
+          <p:pic>
+            <p:nvPicPr>
+              <p:cNvPr id="4" name="Ink 3">
+                <a:extLst>
+                  <a:ext uri="{FF2B5EF4-FFF2-40B4-BE49-F238E27FC236}">
+                    <a16:creationId xmlns:a16="http://schemas.microsoft.com/office/drawing/2014/main" id="{FEE52091-35CC-4C82-9737-C2F5402EA2C3}"/>
+                  </a:ext>
+                </a:extLst>
+              </p:cNvPr>
+              <p:cNvPicPr/>
+              <p:nvPr/>
+            </p:nvPicPr>
+            <p:blipFill>
+              <a:blip r:embed="rId3"/>
+              <a:stretch>
+                <a:fillRect/>
+              </a:stretch>
+            </p:blipFill>
+            <p:spPr>
+              <a:xfrm>
+                <a:off x="875089" y="1717819"/>
+                <a:ext cx="416880" cy="44280"/>
+              </a:xfrm>
+              <a:prstGeom prst="rect">
+                <a:avLst/>
+              </a:prstGeom>
+            </p:spPr>
+          </p:pic>
+        </mc:Fallback>
+      </mc:AlternateContent>
+      <mc:AlternateContent xmlns:mc="http://schemas.openxmlformats.org/markup-compatibility/2006">
+        <mc:Choice xmlns:p14="http://schemas.microsoft.com/office/powerpoint/2010/main" Requires="p14">
+          <p:contentPart p14:bwMode="auto" r:id="rId4">
+            <p14:nvContentPartPr>
+              <p14:cNvPr id="5" name="Ink 4">
+                <a:extLst>
+                  <a:ext uri="{FF2B5EF4-FFF2-40B4-BE49-F238E27FC236}">
+                    <a16:creationId xmlns:a16="http://schemas.microsoft.com/office/drawing/2014/main" id="{78C4C6D0-BE69-4021-AC7C-17DF2CE32DDA}"/>
+                  </a:ext>
+                </a:extLst>
+              </p14:cNvPr>
+              <p14:cNvContentPartPr/>
+              <p14:nvPr/>
+            </p14:nvContentPartPr>
+            <p14:xfrm>
+              <a:off x="2945449" y="2153779"/>
+              <a:ext cx="712800" cy="46080"/>
+            </p14:xfrm>
+          </p:contentPart>
+        </mc:Choice>
+        <mc:Fallback>
+          <p:pic>
+            <p:nvPicPr>
+              <p:cNvPr id="5" name="Ink 4">
+                <a:extLst>
+                  <a:ext uri="{FF2B5EF4-FFF2-40B4-BE49-F238E27FC236}">
+                    <a16:creationId xmlns:a16="http://schemas.microsoft.com/office/drawing/2014/main" id="{78C4C6D0-BE69-4021-AC7C-17DF2CE32DDA}"/>
+                  </a:ext>
+                </a:extLst>
+              </p:cNvPr>
+              <p:cNvPicPr/>
+              <p:nvPr/>
+            </p:nvPicPr>
+            <p:blipFill>
+              <a:blip r:embed="rId5"/>
+              <a:stretch>
+                <a:fillRect/>
+              </a:stretch>
+            </p:blipFill>
+            <p:spPr>
+              <a:xfrm>
+                <a:off x="2936449" y="2145139"/>
+                <a:ext cx="730440" cy="63720"/>
+              </a:xfrm>
+              <a:prstGeom prst="rect">
+                <a:avLst/>
+              </a:prstGeom>
+            </p:spPr>
+          </p:pic>
+        </mc:Fallback>
+      </mc:AlternateContent>
+      <mc:AlternateContent xmlns:mc="http://schemas.openxmlformats.org/markup-compatibility/2006">
+        <mc:Choice xmlns:p14="http://schemas.microsoft.com/office/powerpoint/2010/main" Requires="p14">
+          <p:contentPart p14:bwMode="auto" r:id="rId6">
+            <p14:nvContentPartPr>
+              <p14:cNvPr id="6" name="Ink 5">
+                <a:extLst>
+                  <a:ext uri="{FF2B5EF4-FFF2-40B4-BE49-F238E27FC236}">
+                    <a16:creationId xmlns:a16="http://schemas.microsoft.com/office/drawing/2014/main" id="{4B96A898-08A0-42B0-9990-5566AF030FAA}"/>
+                  </a:ext>
+                </a:extLst>
+              </p14:cNvPr>
+              <p14:cNvContentPartPr/>
+              <p14:nvPr/>
+            </p14:nvContentPartPr>
+            <p14:xfrm>
+              <a:off x="869329" y="2533939"/>
+              <a:ext cx="1120320" cy="66240"/>
+            </p14:xfrm>
+          </p:contentPart>
+        </mc:Choice>
+        <mc:Fallback>
+          <p:pic>
+            <p:nvPicPr>
+              <p:cNvPr id="6" name="Ink 5">
+                <a:extLst>
+                  <a:ext uri="{FF2B5EF4-FFF2-40B4-BE49-F238E27FC236}">
+                    <a16:creationId xmlns:a16="http://schemas.microsoft.com/office/drawing/2014/main" id="{4B96A898-08A0-42B0-9990-5566AF030FAA}"/>
+                  </a:ext>
+                </a:extLst>
+              </p:cNvPr>
+              <p:cNvPicPr/>
+              <p:nvPr/>
+            </p:nvPicPr>
+            <p:blipFill>
+              <a:blip r:embed="rId7"/>
+              <a:stretch>
+                <a:fillRect/>
+              </a:stretch>
+            </p:blipFill>
+            <p:spPr>
+              <a:xfrm>
+                <a:off x="860329" y="2524939"/>
+                <a:ext cx="1137960" cy="83880"/>
+              </a:xfrm>
+              <a:prstGeom prst="rect">
+                <a:avLst/>
+              </a:prstGeom>
+            </p:spPr>
+          </p:pic>
+        </mc:Fallback>
+      </mc:AlternateContent>
+      <p:grpSp>
+        <p:nvGrpSpPr>
+          <p:cNvPr id="9" name="Group 8">
+            <a:extLst>
+              <a:ext uri="{FF2B5EF4-FFF2-40B4-BE49-F238E27FC236}">
+                <a16:creationId xmlns:a16="http://schemas.microsoft.com/office/drawing/2014/main" id="{CF2F1009-5C02-4388-9277-CD7FFCF743AC}"/>
+              </a:ext>
+            </a:extLst>
+          </p:cNvPr>
+          <p:cNvGrpSpPr/>
+          <p:nvPr/>
+        </p:nvGrpSpPr>
+        <p:grpSpPr>
+          <a:xfrm>
+            <a:off x="3657889" y="2528899"/>
+            <a:ext cx="1132920" cy="64800"/>
+            <a:chOff x="3657889" y="2528899"/>
+            <a:chExt cx="1132920" cy="64800"/>
+          </a:xfrm>
+        </p:grpSpPr>
+        <mc:AlternateContent xmlns:mc="http://schemas.openxmlformats.org/markup-compatibility/2006">
+          <mc:Choice xmlns:p14="http://schemas.microsoft.com/office/powerpoint/2010/main" Requires="p14">
+            <p:contentPart p14:bwMode="auto" r:id="rId8">
+              <p14:nvContentPartPr>
+                <p14:cNvPr id="7" name="Ink 6">
+                  <a:extLst>
+                    <a:ext uri="{FF2B5EF4-FFF2-40B4-BE49-F238E27FC236}">
+                      <a16:creationId xmlns:a16="http://schemas.microsoft.com/office/drawing/2014/main" id="{A831F683-D8B9-4C1C-9BE4-9D8330FA72E6}"/>
+                    </a:ext>
+                  </a:extLst>
+                </p14:cNvPr>
+                <p14:cNvContentPartPr/>
+                <p14:nvPr/>
+              </p14:nvContentPartPr>
+              <p14:xfrm>
+                <a:off x="3729169" y="2528899"/>
+                <a:ext cx="48600" cy="4680"/>
+              </p14:xfrm>
+            </p:contentPart>
+          </mc:Choice>
+          <mc:Fallback>
+            <p:pic>
+              <p:nvPicPr>
+                <p:cNvPr id="7" name="Ink 6">
+                  <a:extLst>
+                    <a:ext uri="{FF2B5EF4-FFF2-40B4-BE49-F238E27FC236}">
+                      <a16:creationId xmlns:a16="http://schemas.microsoft.com/office/drawing/2014/main" id="{A831F683-D8B9-4C1C-9BE4-9D8330FA72E6}"/>
+                    </a:ext>
+                  </a:extLst>
+                </p:cNvPr>
+                <p:cNvPicPr/>
+                <p:nvPr/>
+              </p:nvPicPr>
+              <p:blipFill>
+                <a:blip r:embed="rId9"/>
+                <a:stretch>
+                  <a:fillRect/>
+                </a:stretch>
+              </p:blipFill>
+              <p:spPr>
+                <a:xfrm>
+                  <a:off x="3720529" y="2520259"/>
+                  <a:ext cx="66240" cy="22320"/>
+                </a:xfrm>
+                <a:prstGeom prst="rect">
+                  <a:avLst/>
+                </a:prstGeom>
+              </p:spPr>
+            </p:pic>
+          </mc:Fallback>
+        </mc:AlternateContent>
+        <mc:AlternateContent xmlns:mc="http://schemas.openxmlformats.org/markup-compatibility/2006">
+          <mc:Choice xmlns:p14="http://schemas.microsoft.com/office/powerpoint/2010/main" Requires="p14">
+            <p:contentPart p14:bwMode="auto" r:id="rId10">
+              <p14:nvContentPartPr>
+                <p14:cNvPr id="8" name="Ink 7">
+                  <a:extLst>
+                    <a:ext uri="{FF2B5EF4-FFF2-40B4-BE49-F238E27FC236}">
+                      <a16:creationId xmlns:a16="http://schemas.microsoft.com/office/drawing/2014/main" id="{41BEBD33-A6F2-47F3-AA5B-61C8F08A3519}"/>
+                    </a:ext>
+                  </a:extLst>
+                </p14:cNvPr>
+                <p14:cNvContentPartPr/>
+                <p14:nvPr/>
+              </p14:nvContentPartPr>
+              <p14:xfrm>
+                <a:off x="3657889" y="2546179"/>
+                <a:ext cx="1132920" cy="47520"/>
+              </p14:xfrm>
+            </p:contentPart>
+          </mc:Choice>
+          <mc:Fallback>
+            <p:pic>
+              <p:nvPicPr>
+                <p:cNvPr id="8" name="Ink 7">
+                  <a:extLst>
+                    <a:ext uri="{FF2B5EF4-FFF2-40B4-BE49-F238E27FC236}">
+                      <a16:creationId xmlns:a16="http://schemas.microsoft.com/office/drawing/2014/main" id="{41BEBD33-A6F2-47F3-AA5B-61C8F08A3519}"/>
+                    </a:ext>
+                  </a:extLst>
+                </p:cNvPr>
+                <p:cNvPicPr/>
+                <p:nvPr/>
+              </p:nvPicPr>
+              <p:blipFill>
+                <a:blip r:embed="rId11"/>
+                <a:stretch>
+                  <a:fillRect/>
+                </a:stretch>
+              </p:blipFill>
+              <p:spPr>
+                <a:xfrm>
+                  <a:off x="3649249" y="2537539"/>
+                  <a:ext cx="1150560" cy="65160"/>
+                </a:xfrm>
+                <a:prstGeom prst="rect">
+                  <a:avLst/>
+                </a:prstGeom>
+              </p:spPr>
+            </p:pic>
+          </mc:Fallback>
+        </mc:AlternateContent>
+      </p:grpSp>
+      <mc:AlternateContent xmlns:mc="http://schemas.openxmlformats.org/markup-compatibility/2006">
+        <mc:Choice xmlns:p14="http://schemas.microsoft.com/office/powerpoint/2010/main" Requires="p14">
+          <p:contentPart p14:bwMode="auto" r:id="rId12">
+            <p14:nvContentPartPr>
+              <p14:cNvPr id="10" name="Ink 9">
+                <a:extLst>
+                  <a:ext uri="{FF2B5EF4-FFF2-40B4-BE49-F238E27FC236}">
+                    <a16:creationId xmlns:a16="http://schemas.microsoft.com/office/drawing/2014/main" id="{3B28AD1B-4FD1-4989-BFA0-FC113231E10D}"/>
+                  </a:ext>
+                </a:extLst>
+              </p14:cNvPr>
+              <p14:cNvContentPartPr/>
+              <p14:nvPr/>
+            </p14:nvContentPartPr>
+            <p14:xfrm>
+              <a:off x="830449" y="3337459"/>
+              <a:ext cx="954720" cy="48960"/>
+            </p14:xfrm>
+          </p:contentPart>
+        </mc:Choice>
+        <mc:Fallback>
+          <p:pic>
+            <p:nvPicPr>
+              <p:cNvPr id="10" name="Ink 9">
+                <a:extLst>
+                  <a:ext uri="{FF2B5EF4-FFF2-40B4-BE49-F238E27FC236}">
+                    <a16:creationId xmlns:a16="http://schemas.microsoft.com/office/drawing/2014/main" id="{3B28AD1B-4FD1-4989-BFA0-FC113231E10D}"/>
+                  </a:ext>
+                </a:extLst>
+              </p:cNvPr>
+              <p:cNvPicPr/>
+              <p:nvPr/>
+            </p:nvPicPr>
+            <p:blipFill>
+              <a:blip r:embed="rId13"/>
+              <a:stretch>
+                <a:fillRect/>
+              </a:stretch>
+            </p:blipFill>
+            <p:spPr>
+              <a:xfrm>
+                <a:off x="821809" y="3328819"/>
+                <a:ext cx="972360" cy="66600"/>
+              </a:xfrm>
+              <a:prstGeom prst="rect">
+                <a:avLst/>
+              </a:prstGeom>
+            </p:spPr>
+          </p:pic>
+        </mc:Fallback>
+      </mc:AlternateContent>
+      <p:grpSp>
+        <p:nvGrpSpPr>
+          <p:cNvPr id="13" name="Group 12">
+            <a:extLst>
+              <a:ext uri="{FF2B5EF4-FFF2-40B4-BE49-F238E27FC236}">
+                <a16:creationId xmlns:a16="http://schemas.microsoft.com/office/drawing/2014/main" id="{1D2402BA-DBB1-4163-8C01-F174425A4480}"/>
+              </a:ext>
+            </a:extLst>
+          </p:cNvPr>
+          <p:cNvGrpSpPr/>
+          <p:nvPr/>
+        </p:nvGrpSpPr>
+        <p:grpSpPr>
+          <a:xfrm>
+            <a:off x="1681129" y="3643459"/>
+            <a:ext cx="1537920" cy="45000"/>
+            <a:chOff x="1681129" y="3643459"/>
+            <a:chExt cx="1537920" cy="45000"/>
+          </a:xfrm>
+        </p:grpSpPr>
+        <mc:AlternateContent xmlns:mc="http://schemas.openxmlformats.org/markup-compatibility/2006">
+          <mc:Choice xmlns:p14="http://schemas.microsoft.com/office/powerpoint/2010/main" Requires="p14">
+            <p:contentPart p14:bwMode="auto" r:id="rId14">
+              <p14:nvContentPartPr>
+                <p14:cNvPr id="11" name="Ink 10">
+                  <a:extLst>
+                    <a:ext uri="{FF2B5EF4-FFF2-40B4-BE49-F238E27FC236}">
+                      <a16:creationId xmlns:a16="http://schemas.microsoft.com/office/drawing/2014/main" id="{2665106F-71A0-46F8-9DCC-283FE6E40D70}"/>
+                    </a:ext>
+                  </a:extLst>
+                </p14:cNvPr>
+                <p14:cNvContentPartPr/>
+                <p14:nvPr/>
+              </p14:nvContentPartPr>
+              <p14:xfrm>
+                <a:off x="1681129" y="3643459"/>
+                <a:ext cx="619560" cy="45000"/>
+              </p14:xfrm>
+            </p:contentPart>
+          </mc:Choice>
+          <mc:Fallback>
+            <p:pic>
+              <p:nvPicPr>
+                <p:cNvPr id="11" name="Ink 10">
+                  <a:extLst>
+                    <a:ext uri="{FF2B5EF4-FFF2-40B4-BE49-F238E27FC236}">
+                      <a16:creationId xmlns:a16="http://schemas.microsoft.com/office/drawing/2014/main" id="{2665106F-71A0-46F8-9DCC-283FE6E40D70}"/>
+                    </a:ext>
+                  </a:extLst>
+                </p:cNvPr>
+                <p:cNvPicPr/>
+                <p:nvPr/>
+              </p:nvPicPr>
+              <p:blipFill>
+                <a:blip r:embed="rId15"/>
+                <a:stretch>
+                  <a:fillRect/>
+                </a:stretch>
+              </p:blipFill>
+              <p:spPr>
+                <a:xfrm>
+                  <a:off x="1672489" y="3634819"/>
+                  <a:ext cx="637200" cy="62640"/>
+                </a:xfrm>
+                <a:prstGeom prst="rect">
+                  <a:avLst/>
+                </a:prstGeom>
+              </p:spPr>
+            </p:pic>
+          </mc:Fallback>
+        </mc:AlternateContent>
+        <mc:AlternateContent xmlns:mc="http://schemas.openxmlformats.org/markup-compatibility/2006">
+          <mc:Choice xmlns:p14="http://schemas.microsoft.com/office/powerpoint/2010/main" Requires="p14">
+            <p:contentPart p14:bwMode="auto" r:id="rId16">
+              <p14:nvContentPartPr>
+                <p14:cNvPr id="12" name="Ink 11">
+                  <a:extLst>
+                    <a:ext uri="{FF2B5EF4-FFF2-40B4-BE49-F238E27FC236}">
+                      <a16:creationId xmlns:a16="http://schemas.microsoft.com/office/drawing/2014/main" id="{A47E5CEB-FA48-4E3C-9677-4B21692A0B8F}"/>
+                    </a:ext>
+                  </a:extLst>
+                </p14:cNvPr>
+                <p14:cNvContentPartPr/>
+                <p14:nvPr/>
+              </p14:nvContentPartPr>
+              <p14:xfrm>
+                <a:off x="2294209" y="3657859"/>
+                <a:ext cx="924840" cy="29520"/>
+              </p14:xfrm>
+            </p:contentPart>
+          </mc:Choice>
+          <mc:Fallback>
+            <p:pic>
+              <p:nvPicPr>
+                <p:cNvPr id="12" name="Ink 11">
+                  <a:extLst>
+                    <a:ext uri="{FF2B5EF4-FFF2-40B4-BE49-F238E27FC236}">
+                      <a16:creationId xmlns:a16="http://schemas.microsoft.com/office/drawing/2014/main" id="{A47E5CEB-FA48-4E3C-9677-4B21692A0B8F}"/>
+                    </a:ext>
+                  </a:extLst>
+                </p:cNvPr>
+                <p:cNvPicPr/>
+                <p:nvPr/>
+              </p:nvPicPr>
+              <p:blipFill>
+                <a:blip r:embed="rId17"/>
+                <a:stretch>
+                  <a:fillRect/>
+                </a:stretch>
+              </p:blipFill>
+              <p:spPr>
+                <a:xfrm>
+                  <a:off x="2285209" y="3649219"/>
+                  <a:ext cx="942480" cy="47160"/>
+                </a:xfrm>
+                <a:prstGeom prst="rect">
+                  <a:avLst/>
+                </a:prstGeom>
+              </p:spPr>
+            </p:pic>
+          </mc:Fallback>
+        </mc:AlternateContent>
+      </p:grpSp>
+      <p:grpSp>
+        <p:nvGrpSpPr>
+          <p:cNvPr id="29" name="Group 28">
+            <a:extLst>
+              <a:ext uri="{FF2B5EF4-FFF2-40B4-BE49-F238E27FC236}">
+                <a16:creationId xmlns:a16="http://schemas.microsoft.com/office/drawing/2014/main" id="{98A4D7A9-08D0-4741-B19D-AE11E283FB44}"/>
+              </a:ext>
+            </a:extLst>
+          </p:cNvPr>
+          <p:cNvGrpSpPr/>
+          <p:nvPr/>
+        </p:nvGrpSpPr>
+        <p:grpSpPr>
+          <a:xfrm>
+            <a:off x="1114849" y="1022659"/>
+            <a:ext cx="1134360" cy="384480"/>
+            <a:chOff x="1114849" y="1022659"/>
+            <a:chExt cx="1134360" cy="384480"/>
+          </a:xfrm>
+        </p:grpSpPr>
+        <mc:AlternateContent xmlns:mc="http://schemas.openxmlformats.org/markup-compatibility/2006">
+          <mc:Choice xmlns:p14="http://schemas.microsoft.com/office/powerpoint/2010/main" Requires="p14">
+            <p:contentPart p14:bwMode="auto" r:id="rId18">
+              <p14:nvContentPartPr>
+                <p14:cNvPr id="25" name="Ink 24">
+                  <a:extLst>
+                    <a:ext uri="{FF2B5EF4-FFF2-40B4-BE49-F238E27FC236}">
+                      <a16:creationId xmlns:a16="http://schemas.microsoft.com/office/drawing/2014/main" id="{367FF2B3-7579-4F4E-ADF6-C87521C05503}"/>
+                    </a:ext>
+                  </a:extLst>
+                </p14:cNvPr>
+                <p14:cNvContentPartPr/>
+                <p14:nvPr/>
+              </p14:nvContentPartPr>
+              <p14:xfrm>
+                <a:off x="1114849" y="1231099"/>
+                <a:ext cx="330480" cy="176040"/>
+              </p14:xfrm>
+            </p:contentPart>
+          </mc:Choice>
+          <mc:Fallback>
+            <p:pic>
+              <p:nvPicPr>
+                <p:cNvPr id="25" name="Ink 24">
+                  <a:extLst>
+                    <a:ext uri="{FF2B5EF4-FFF2-40B4-BE49-F238E27FC236}">
+                      <a16:creationId xmlns:a16="http://schemas.microsoft.com/office/drawing/2014/main" id="{367FF2B3-7579-4F4E-ADF6-C87521C05503}"/>
+                    </a:ext>
+                  </a:extLst>
+                </p:cNvPr>
+                <p:cNvPicPr/>
+                <p:nvPr/>
+              </p:nvPicPr>
+              <p:blipFill>
+                <a:blip r:embed="rId19"/>
+                <a:stretch>
+                  <a:fillRect/>
+                </a:stretch>
+              </p:blipFill>
+              <p:spPr>
+                <a:xfrm>
+                  <a:off x="1105849" y="1222459"/>
+                  <a:ext cx="348120" cy="193680"/>
+                </a:xfrm>
+                <a:prstGeom prst="rect">
+                  <a:avLst/>
+                </a:prstGeom>
+              </p:spPr>
+            </p:pic>
+          </mc:Fallback>
+        </mc:AlternateContent>
+        <mc:AlternateContent xmlns:mc="http://schemas.openxmlformats.org/markup-compatibility/2006">
+          <mc:Choice xmlns:p14="http://schemas.microsoft.com/office/powerpoint/2010/main" Requires="p14">
+            <p:contentPart p14:bwMode="auto" r:id="rId20">
+              <p14:nvContentPartPr>
+                <p14:cNvPr id="26" name="Ink 25">
+                  <a:extLst>
+                    <a:ext uri="{FF2B5EF4-FFF2-40B4-BE49-F238E27FC236}">
+                      <a16:creationId xmlns:a16="http://schemas.microsoft.com/office/drawing/2014/main" id="{02AE2CBC-AC8F-47B9-8919-DA0A7AC0881E}"/>
+                    </a:ext>
+                  </a:extLst>
+                </p14:cNvPr>
+                <p14:cNvContentPartPr/>
+                <p14:nvPr/>
+              </p14:nvContentPartPr>
+              <p14:xfrm>
+                <a:off x="1579609" y="1158019"/>
+                <a:ext cx="106920" cy="119880"/>
+              </p14:xfrm>
+            </p:contentPart>
+          </mc:Choice>
+          <mc:Fallback>
+            <p:pic>
+              <p:nvPicPr>
+                <p:cNvPr id="26" name="Ink 25">
+                  <a:extLst>
+                    <a:ext uri="{FF2B5EF4-FFF2-40B4-BE49-F238E27FC236}">
+                      <a16:creationId xmlns:a16="http://schemas.microsoft.com/office/drawing/2014/main" id="{02AE2CBC-AC8F-47B9-8919-DA0A7AC0881E}"/>
+                    </a:ext>
+                  </a:extLst>
+                </p:cNvPr>
+                <p:cNvPicPr/>
+                <p:nvPr/>
+              </p:nvPicPr>
+              <p:blipFill>
+                <a:blip r:embed="rId21"/>
+                <a:stretch>
+                  <a:fillRect/>
+                </a:stretch>
+              </p:blipFill>
+              <p:spPr>
+                <a:xfrm>
+                  <a:off x="1570969" y="1149019"/>
+                  <a:ext cx="124560" cy="137520"/>
+                </a:xfrm>
+                <a:prstGeom prst="rect">
+                  <a:avLst/>
+                </a:prstGeom>
+              </p:spPr>
+            </p:pic>
+          </mc:Fallback>
+        </mc:AlternateContent>
+        <mc:AlternateContent xmlns:mc="http://schemas.openxmlformats.org/markup-compatibility/2006">
+          <mc:Choice xmlns:p14="http://schemas.microsoft.com/office/powerpoint/2010/main" Requires="p14">
+            <p:contentPart p14:bwMode="auto" r:id="rId22">
+              <p14:nvContentPartPr>
+                <p14:cNvPr id="27" name="Ink 26">
+                  <a:extLst>
+                    <a:ext uri="{FF2B5EF4-FFF2-40B4-BE49-F238E27FC236}">
+                      <a16:creationId xmlns:a16="http://schemas.microsoft.com/office/drawing/2014/main" id="{0B6DDAF3-9F62-4684-9DCA-00835D8D97A4}"/>
+                    </a:ext>
+                  </a:extLst>
+                </p14:cNvPr>
+                <p14:cNvContentPartPr/>
+                <p14:nvPr/>
+              </p14:nvContentPartPr>
+              <p14:xfrm>
+                <a:off x="1756009" y="1051819"/>
+                <a:ext cx="56880" cy="215640"/>
+              </p14:xfrm>
+            </p:contentPart>
+          </mc:Choice>
+          <mc:Fallback>
+            <p:pic>
+              <p:nvPicPr>
+                <p:cNvPr id="27" name="Ink 26">
+                  <a:extLst>
+                    <a:ext uri="{FF2B5EF4-FFF2-40B4-BE49-F238E27FC236}">
+                      <a16:creationId xmlns:a16="http://schemas.microsoft.com/office/drawing/2014/main" id="{0B6DDAF3-9F62-4684-9DCA-00835D8D97A4}"/>
+                    </a:ext>
+                  </a:extLst>
+                </p:cNvPr>
+                <p:cNvPicPr/>
+                <p:nvPr/>
+              </p:nvPicPr>
+              <p:blipFill>
+                <a:blip r:embed="rId23"/>
+                <a:stretch>
+                  <a:fillRect/>
+                </a:stretch>
+              </p:blipFill>
+              <p:spPr>
+                <a:xfrm>
+                  <a:off x="1747369" y="1043179"/>
+                  <a:ext cx="74520" cy="233280"/>
+                </a:xfrm>
+                <a:prstGeom prst="rect">
+                  <a:avLst/>
+                </a:prstGeom>
+              </p:spPr>
+            </p:pic>
+          </mc:Fallback>
+        </mc:AlternateContent>
+        <mc:AlternateContent xmlns:mc="http://schemas.openxmlformats.org/markup-compatibility/2006">
+          <mc:Choice xmlns:p14="http://schemas.microsoft.com/office/powerpoint/2010/main" Requires="p14">
+            <p:contentPart p14:bwMode="auto" r:id="rId24">
+              <p14:nvContentPartPr>
+                <p14:cNvPr id="28" name="Ink 27">
+                  <a:extLst>
+                    <a:ext uri="{FF2B5EF4-FFF2-40B4-BE49-F238E27FC236}">
+                      <a16:creationId xmlns:a16="http://schemas.microsoft.com/office/drawing/2014/main" id="{905C255D-7964-4604-9623-A8861B20D4DE}"/>
+                    </a:ext>
+                  </a:extLst>
+                </p14:cNvPr>
+                <p14:cNvContentPartPr/>
+                <p14:nvPr/>
+              </p14:nvContentPartPr>
+              <p14:xfrm>
+                <a:off x="1849609" y="1022659"/>
+                <a:ext cx="399600" cy="240120"/>
+              </p14:xfrm>
+            </p:contentPart>
+          </mc:Choice>
+          <mc:Fallback>
+            <p:pic>
+              <p:nvPicPr>
+                <p:cNvPr id="28" name="Ink 27">
+                  <a:extLst>
+                    <a:ext uri="{FF2B5EF4-FFF2-40B4-BE49-F238E27FC236}">
+                      <a16:creationId xmlns:a16="http://schemas.microsoft.com/office/drawing/2014/main" id="{905C255D-7964-4604-9623-A8861B20D4DE}"/>
+                    </a:ext>
+                  </a:extLst>
+                </p:cNvPr>
+                <p:cNvPicPr/>
+                <p:nvPr/>
+              </p:nvPicPr>
+              <p:blipFill>
+                <a:blip r:embed="rId25"/>
+                <a:stretch>
+                  <a:fillRect/>
+                </a:stretch>
+              </p:blipFill>
+              <p:spPr>
+                <a:xfrm>
+                  <a:off x="1840969" y="1014019"/>
+                  <a:ext cx="417240" cy="257760"/>
+                </a:xfrm>
+                <a:prstGeom prst="rect">
+                  <a:avLst/>
+                </a:prstGeom>
+              </p:spPr>
+            </p:pic>
+          </mc:Fallback>
+        </mc:AlternateContent>
+      </p:grpSp>
+      <mc:AlternateContent xmlns:mc="http://schemas.openxmlformats.org/markup-compatibility/2006">
+        <mc:Choice xmlns:p14="http://schemas.microsoft.com/office/powerpoint/2010/main" Requires="p14">
+          <p:contentPart p14:bwMode="auto" r:id="rId26">
+            <p14:nvContentPartPr>
+              <p14:cNvPr id="14" name="Ink 13">
+                <a:extLst>
+                  <a:ext uri="{FF2B5EF4-FFF2-40B4-BE49-F238E27FC236}">
+                    <a16:creationId xmlns:a16="http://schemas.microsoft.com/office/drawing/2014/main" id="{979CDB92-C536-420F-987B-F0D9C47D33EE}"/>
+                  </a:ext>
+                </a:extLst>
+              </p14:cNvPr>
+              <p14:cNvContentPartPr/>
+              <p14:nvPr/>
+            </p14:nvContentPartPr>
+            <p14:xfrm>
+              <a:off x="1554049" y="4289659"/>
+              <a:ext cx="884520" cy="24840"/>
+            </p14:xfrm>
+          </p:contentPart>
+        </mc:Choice>
+        <mc:Fallback>
+          <p:pic>
+            <p:nvPicPr>
+              <p:cNvPr id="14" name="Ink 13">
+                <a:extLst>
+                  <a:ext uri="{FF2B5EF4-FFF2-40B4-BE49-F238E27FC236}">
+                    <a16:creationId xmlns:a16="http://schemas.microsoft.com/office/drawing/2014/main" id="{979CDB92-C536-420F-987B-F0D9C47D33EE}"/>
+                  </a:ext>
+                </a:extLst>
+              </p:cNvPr>
+              <p:cNvPicPr/>
+              <p:nvPr/>
+            </p:nvPicPr>
+            <p:blipFill>
+              <a:blip r:embed="rId27"/>
+              <a:stretch>
+                <a:fillRect/>
+              </a:stretch>
+            </p:blipFill>
+            <p:spPr>
+              <a:xfrm>
+                <a:off x="1545409" y="4281019"/>
+                <a:ext cx="902160" cy="42480"/>
+              </a:xfrm>
+              <a:prstGeom prst="rect">
+                <a:avLst/>
+              </a:prstGeom>
+            </p:spPr>
+          </p:pic>
+        </mc:Fallback>
+      </mc:AlternateContent>
+      <mc:AlternateContent xmlns:mc="http://schemas.openxmlformats.org/markup-compatibility/2006">
+        <mc:Choice xmlns:p14="http://schemas.microsoft.com/office/powerpoint/2010/main" Requires="p14">
+          <p:contentPart p14:bwMode="auto" r:id="rId28">
+            <p14:nvContentPartPr>
+              <p14:cNvPr id="15" name="Ink 14">
+                <a:extLst>
+                  <a:ext uri="{FF2B5EF4-FFF2-40B4-BE49-F238E27FC236}">
+                    <a16:creationId xmlns:a16="http://schemas.microsoft.com/office/drawing/2014/main" id="{40B6CF77-D533-41AF-B46F-B786CE571F07}"/>
+                  </a:ext>
+                </a:extLst>
+              </p14:cNvPr>
+              <p14:cNvContentPartPr/>
+              <p14:nvPr/>
+            </p14:nvContentPartPr>
+            <p14:xfrm>
+              <a:off x="2954449" y="4313419"/>
+              <a:ext cx="30960" cy="261360"/>
+            </p14:xfrm>
+          </p:contentPart>
+        </mc:Choice>
+        <mc:Fallback>
+          <p:pic>
+            <p:nvPicPr>
+              <p:cNvPr id="15" name="Ink 14">
+                <a:extLst>
+                  <a:ext uri="{FF2B5EF4-FFF2-40B4-BE49-F238E27FC236}">
+                    <a16:creationId xmlns:a16="http://schemas.microsoft.com/office/drawing/2014/main" id="{40B6CF77-D533-41AF-B46F-B786CE571F07}"/>
+                  </a:ext>
+                </a:extLst>
+              </p:cNvPr>
+              <p:cNvPicPr/>
+              <p:nvPr/>
+            </p:nvPicPr>
+            <p:blipFill>
+              <a:blip r:embed="rId29"/>
+              <a:stretch>
+                <a:fillRect/>
+              </a:stretch>
+            </p:blipFill>
+            <p:spPr>
+              <a:xfrm>
+                <a:off x="2945449" y="4304779"/>
+                <a:ext cx="48600" cy="279000"/>
+              </a:xfrm>
+              <a:prstGeom prst="rect">
+                <a:avLst/>
+              </a:prstGeom>
+            </p:spPr>
+          </p:pic>
+        </mc:Fallback>
+      </mc:AlternateContent>
+      <mc:AlternateContent xmlns:mc="http://schemas.openxmlformats.org/markup-compatibility/2006">
+        <mc:Choice xmlns:p14="http://schemas.microsoft.com/office/powerpoint/2010/main" Requires="p14">
+          <p:contentPart p14:bwMode="auto" r:id="rId30">
+            <p14:nvContentPartPr>
+              <p14:cNvPr id="16" name="Ink 15">
+                <a:extLst>
+                  <a:ext uri="{FF2B5EF4-FFF2-40B4-BE49-F238E27FC236}">
+                    <a16:creationId xmlns:a16="http://schemas.microsoft.com/office/drawing/2014/main" id="{2AF871C3-F60A-4564-BCB1-3B81655980E7}"/>
+                  </a:ext>
+                </a:extLst>
+              </p14:cNvPr>
+              <p14:cNvContentPartPr/>
+              <p14:nvPr/>
+            </p14:nvContentPartPr>
+            <p14:xfrm>
+              <a:off x="2902609" y="4330339"/>
+              <a:ext cx="129240" cy="55800"/>
+            </p14:xfrm>
+          </p:contentPart>
+        </mc:Choice>
+        <mc:Fallback>
+          <p:pic>
+            <p:nvPicPr>
+              <p:cNvPr id="16" name="Ink 15">
+                <a:extLst>
+                  <a:ext uri="{FF2B5EF4-FFF2-40B4-BE49-F238E27FC236}">
+                    <a16:creationId xmlns:a16="http://schemas.microsoft.com/office/drawing/2014/main" id="{2AF871C3-F60A-4564-BCB1-3B81655980E7}"/>
+                  </a:ext>
+                </a:extLst>
+              </p:cNvPr>
+              <p:cNvPicPr/>
+              <p:nvPr/>
+            </p:nvPicPr>
+            <p:blipFill>
+              <a:blip r:embed="rId31"/>
+              <a:stretch>
+                <a:fillRect/>
+              </a:stretch>
+            </p:blipFill>
+            <p:spPr>
+              <a:xfrm>
+                <a:off x="2893609" y="4321699"/>
+                <a:ext cx="146880" cy="73440"/>
+              </a:xfrm>
+              <a:prstGeom prst="rect">
+                <a:avLst/>
+              </a:prstGeom>
+            </p:spPr>
+          </p:pic>
+        </mc:Fallback>
+      </mc:AlternateContent>
+      <mc:AlternateContent xmlns:mc="http://schemas.openxmlformats.org/markup-compatibility/2006">
+        <mc:Choice xmlns:p14="http://schemas.microsoft.com/office/powerpoint/2010/main" Requires="p14">
+          <p:contentPart p14:bwMode="auto" r:id="rId32">
+            <p14:nvContentPartPr>
+              <p14:cNvPr id="18" name="Ink 17">
+                <a:extLst>
+                  <a:ext uri="{FF2B5EF4-FFF2-40B4-BE49-F238E27FC236}">
+                    <a16:creationId xmlns:a16="http://schemas.microsoft.com/office/drawing/2014/main" id="{A6BD789B-4342-4F2C-92EA-1CF6453E8556}"/>
+                  </a:ext>
+                </a:extLst>
+              </p14:cNvPr>
+              <p14:cNvContentPartPr/>
+              <p14:nvPr/>
+            </p14:nvContentPartPr>
+            <p14:xfrm>
+              <a:off x="1899289" y="4364899"/>
+              <a:ext cx="90360" cy="229320"/>
+            </p14:xfrm>
+          </p:contentPart>
+        </mc:Choice>
+        <mc:Fallback>
+          <p:pic>
+            <p:nvPicPr>
+              <p:cNvPr id="18" name="Ink 17">
+                <a:extLst>
+                  <a:ext uri="{FF2B5EF4-FFF2-40B4-BE49-F238E27FC236}">
+                    <a16:creationId xmlns:a16="http://schemas.microsoft.com/office/drawing/2014/main" id="{A6BD789B-4342-4F2C-92EA-1CF6453E8556}"/>
+                  </a:ext>
+                </a:extLst>
+              </p:cNvPr>
+              <p:cNvPicPr/>
+              <p:nvPr/>
+            </p:nvPicPr>
+            <p:blipFill>
+              <a:blip r:embed="rId33"/>
+              <a:stretch>
+                <a:fillRect/>
+              </a:stretch>
+            </p:blipFill>
+            <p:spPr>
+              <a:xfrm>
+                <a:off x="1890289" y="4355899"/>
+                <a:ext cx="108000" cy="246960"/>
+              </a:xfrm>
+              <a:prstGeom prst="rect">
+                <a:avLst/>
+              </a:prstGeom>
+            </p:spPr>
+          </p:pic>
+        </mc:Fallback>
+      </mc:AlternateContent>
+      <mc:AlternateContent xmlns:mc="http://schemas.openxmlformats.org/markup-compatibility/2006">
+        <mc:Choice xmlns:p14="http://schemas.microsoft.com/office/powerpoint/2010/main" Requires="p14">
+          <p:contentPart p14:bwMode="auto" r:id="rId34">
+            <p14:nvContentPartPr>
+              <p14:cNvPr id="30" name="Ink 29">
+                <a:extLst>
+                  <a:ext uri="{FF2B5EF4-FFF2-40B4-BE49-F238E27FC236}">
+                    <a16:creationId xmlns:a16="http://schemas.microsoft.com/office/drawing/2014/main" id="{17F967AF-681C-4901-9097-40EE146CDC12}"/>
+                  </a:ext>
+                </a:extLst>
+              </p14:cNvPr>
+              <p14:cNvContentPartPr/>
+              <p14:nvPr/>
+            </p14:nvContentPartPr>
+            <p14:xfrm>
+              <a:off x="2328409" y="4831819"/>
+              <a:ext cx="429840" cy="127080"/>
+            </p14:xfrm>
+          </p:contentPart>
+        </mc:Choice>
+        <mc:Fallback>
+          <p:pic>
+            <p:nvPicPr>
+              <p:cNvPr id="30" name="Ink 29">
+                <a:extLst>
+                  <a:ext uri="{FF2B5EF4-FFF2-40B4-BE49-F238E27FC236}">
+                    <a16:creationId xmlns:a16="http://schemas.microsoft.com/office/drawing/2014/main" id="{17F967AF-681C-4901-9097-40EE146CDC12}"/>
+                  </a:ext>
+                </a:extLst>
+              </p:cNvPr>
+              <p:cNvPicPr/>
+              <p:nvPr/>
+            </p:nvPicPr>
+            <p:blipFill>
+              <a:blip r:embed="rId35"/>
+              <a:stretch>
+                <a:fillRect/>
+              </a:stretch>
+            </p:blipFill>
+            <p:spPr>
+              <a:xfrm>
+                <a:off x="2319769" y="4823179"/>
+                <a:ext cx="447480" cy="144720"/>
+              </a:xfrm>
+              <a:prstGeom prst="rect">
+                <a:avLst/>
+              </a:prstGeom>
+            </p:spPr>
+          </p:pic>
+        </mc:Fallback>
+      </mc:AlternateContent>
+      <mc:AlternateContent xmlns:mc="http://schemas.openxmlformats.org/markup-compatibility/2006">
+        <mc:Choice xmlns:p14="http://schemas.microsoft.com/office/powerpoint/2010/main" Requires="p14">
+          <p:contentPart p14:bwMode="auto" r:id="rId36">
+            <p14:nvContentPartPr>
+              <p14:cNvPr id="31" name="Ink 30">
+                <a:extLst>
+                  <a:ext uri="{FF2B5EF4-FFF2-40B4-BE49-F238E27FC236}">
+                    <a16:creationId xmlns:a16="http://schemas.microsoft.com/office/drawing/2014/main" id="{D46CF106-AC8C-4BE3-AE57-96F9F59A4B54}"/>
+                  </a:ext>
+                </a:extLst>
+              </p14:cNvPr>
+              <p14:cNvContentPartPr/>
+              <p14:nvPr/>
+            </p14:nvContentPartPr>
+            <p14:xfrm>
+              <a:off x="3042649" y="4706179"/>
+              <a:ext cx="165600" cy="38160"/>
+            </p14:xfrm>
+          </p:contentPart>
+        </mc:Choice>
+        <mc:Fallback>
+          <p:pic>
+            <p:nvPicPr>
+              <p:cNvPr id="31" name="Ink 30">
+                <a:extLst>
+                  <a:ext uri="{FF2B5EF4-FFF2-40B4-BE49-F238E27FC236}">
+                    <a16:creationId xmlns:a16="http://schemas.microsoft.com/office/drawing/2014/main" id="{D46CF106-AC8C-4BE3-AE57-96F9F59A4B54}"/>
+                  </a:ext>
+                </a:extLst>
+              </p:cNvPr>
+              <p:cNvPicPr/>
+              <p:nvPr/>
+            </p:nvPicPr>
+            <p:blipFill>
+              <a:blip r:embed="rId37"/>
+              <a:stretch>
+                <a:fillRect/>
+              </a:stretch>
+            </p:blipFill>
+            <p:spPr>
+              <a:xfrm>
+                <a:off x="3034009" y="4697539"/>
+                <a:ext cx="183240" cy="55800"/>
+              </a:xfrm>
+              <a:prstGeom prst="rect">
+                <a:avLst/>
+              </a:prstGeom>
+            </p:spPr>
+          </p:pic>
+        </mc:Fallback>
+      </mc:AlternateContent>
+      <mc:AlternateContent xmlns:mc="http://schemas.openxmlformats.org/markup-compatibility/2006">
+        <mc:Choice xmlns:p14="http://schemas.microsoft.com/office/powerpoint/2010/main" Requires="p14">
+          <p:contentPart p14:bwMode="auto" r:id="rId38">
+            <p14:nvContentPartPr>
+              <p14:cNvPr id="32" name="Ink 31">
+                <a:extLst>
+                  <a:ext uri="{FF2B5EF4-FFF2-40B4-BE49-F238E27FC236}">
+                    <a16:creationId xmlns:a16="http://schemas.microsoft.com/office/drawing/2014/main" id="{3C2F1B6C-C729-43AD-BC06-E895F67B6492}"/>
+                  </a:ext>
+                </a:extLst>
+              </p14:cNvPr>
+              <p14:cNvContentPartPr/>
+              <p14:nvPr/>
+            </p14:nvContentPartPr>
+            <p14:xfrm>
+              <a:off x="3077929" y="4701859"/>
+              <a:ext cx="215280" cy="177840"/>
+            </p14:xfrm>
+          </p:contentPart>
+        </mc:Choice>
+        <mc:Fallback>
+          <p:pic>
+            <p:nvPicPr>
+              <p:cNvPr id="32" name="Ink 31">
+                <a:extLst>
+                  <a:ext uri="{FF2B5EF4-FFF2-40B4-BE49-F238E27FC236}">
+                    <a16:creationId xmlns:a16="http://schemas.microsoft.com/office/drawing/2014/main" id="{3C2F1B6C-C729-43AD-BC06-E895F67B6492}"/>
+                  </a:ext>
+                </a:extLst>
+              </p:cNvPr>
+              <p:cNvPicPr/>
+              <p:nvPr/>
+            </p:nvPicPr>
+            <p:blipFill>
+              <a:blip r:embed="rId39"/>
+              <a:stretch>
+                <a:fillRect/>
+              </a:stretch>
+            </p:blipFill>
+            <p:spPr>
+              <a:xfrm>
+                <a:off x="3069289" y="4692859"/>
+                <a:ext cx="232920" cy="195480"/>
+              </a:xfrm>
+              <a:prstGeom prst="rect">
+                <a:avLst/>
+              </a:prstGeom>
+            </p:spPr>
+          </p:pic>
+        </mc:Fallback>
+      </mc:AlternateContent>
+      <mc:AlternateContent xmlns:mc="http://schemas.openxmlformats.org/markup-compatibility/2006">
+        <mc:Choice xmlns:p14="http://schemas.microsoft.com/office/powerpoint/2010/main" Requires="p14">
+          <p:contentPart p14:bwMode="auto" r:id="rId40">
+            <p14:nvContentPartPr>
+              <p14:cNvPr id="33" name="Ink 32">
+                <a:extLst>
+                  <a:ext uri="{FF2B5EF4-FFF2-40B4-BE49-F238E27FC236}">
+                    <a16:creationId xmlns:a16="http://schemas.microsoft.com/office/drawing/2014/main" id="{6666BA54-4E28-42CC-BF87-59178C25A2C9}"/>
+                  </a:ext>
+                </a:extLst>
+              </p14:cNvPr>
+              <p14:cNvContentPartPr/>
+              <p14:nvPr/>
+            </p14:nvContentPartPr>
+            <p14:xfrm>
+              <a:off x="3364129" y="4703299"/>
+              <a:ext cx="107640" cy="153360"/>
+            </p14:xfrm>
+          </p:contentPart>
+        </mc:Choice>
+        <mc:Fallback>
+          <p:pic>
+            <p:nvPicPr>
+              <p:cNvPr id="33" name="Ink 32">
+                <a:extLst>
+                  <a:ext uri="{FF2B5EF4-FFF2-40B4-BE49-F238E27FC236}">
+                    <a16:creationId xmlns:a16="http://schemas.microsoft.com/office/drawing/2014/main" id="{6666BA54-4E28-42CC-BF87-59178C25A2C9}"/>
+                  </a:ext>
+                </a:extLst>
+              </p:cNvPr>
+              <p:cNvPicPr/>
+              <p:nvPr/>
+            </p:nvPicPr>
+            <p:blipFill>
+              <a:blip r:embed="rId41"/>
+              <a:stretch>
+                <a:fillRect/>
+              </a:stretch>
+            </p:blipFill>
+            <p:spPr>
+              <a:xfrm>
+                <a:off x="3355129" y="4694299"/>
+                <a:ext cx="125280" cy="171000"/>
+              </a:xfrm>
+              <a:prstGeom prst="rect">
+                <a:avLst/>
+              </a:prstGeom>
+            </p:spPr>
+          </p:pic>
+        </mc:Fallback>
+      </mc:AlternateContent>
+      <mc:AlternateContent xmlns:mc="http://schemas.openxmlformats.org/markup-compatibility/2006">
+        <mc:Choice xmlns:p14="http://schemas.microsoft.com/office/powerpoint/2010/main" Requires="p14">
+          <p:contentPart p14:bwMode="auto" r:id="rId42">
+            <p14:nvContentPartPr>
+              <p14:cNvPr id="35" name="Ink 34">
+                <a:extLst>
+                  <a:ext uri="{FF2B5EF4-FFF2-40B4-BE49-F238E27FC236}">
+                    <a16:creationId xmlns:a16="http://schemas.microsoft.com/office/drawing/2014/main" id="{848A9DE4-D2D0-4626-968F-6285FC485F1C}"/>
+                  </a:ext>
+                </a:extLst>
+              </p14:cNvPr>
+              <p14:cNvContentPartPr/>
+              <p14:nvPr/>
+            </p14:nvContentPartPr>
+            <p14:xfrm>
+              <a:off x="3762289" y="4643899"/>
+              <a:ext cx="29880" cy="210240"/>
+            </p14:xfrm>
+          </p:contentPart>
+        </mc:Choice>
+        <mc:Fallback>
+          <p:pic>
+            <p:nvPicPr>
+              <p:cNvPr id="35" name="Ink 34">
+                <a:extLst>
+                  <a:ext uri="{FF2B5EF4-FFF2-40B4-BE49-F238E27FC236}">
+                    <a16:creationId xmlns:a16="http://schemas.microsoft.com/office/drawing/2014/main" id="{848A9DE4-D2D0-4626-968F-6285FC485F1C}"/>
+                  </a:ext>
+                </a:extLst>
+              </p:cNvPr>
+              <p:cNvPicPr/>
+              <p:nvPr/>
+            </p:nvPicPr>
+            <p:blipFill>
+              <a:blip r:embed="rId43"/>
+              <a:stretch>
+                <a:fillRect/>
+              </a:stretch>
+            </p:blipFill>
+            <p:spPr>
+              <a:xfrm>
+                <a:off x="3753649" y="4635259"/>
+                <a:ext cx="47520" cy="227880"/>
+              </a:xfrm>
+              <a:prstGeom prst="rect">
+                <a:avLst/>
+              </a:prstGeom>
+            </p:spPr>
+          </p:pic>
+        </mc:Fallback>
+      </mc:AlternateContent>
+      <mc:AlternateContent xmlns:mc="http://schemas.openxmlformats.org/markup-compatibility/2006">
+        <mc:Choice xmlns:p14="http://schemas.microsoft.com/office/powerpoint/2010/main" Requires="p14">
+          <p:contentPart p14:bwMode="auto" r:id="rId44">
+            <p14:nvContentPartPr>
+              <p14:cNvPr id="36" name="Ink 35">
+                <a:extLst>
+                  <a:ext uri="{FF2B5EF4-FFF2-40B4-BE49-F238E27FC236}">
+                    <a16:creationId xmlns:a16="http://schemas.microsoft.com/office/drawing/2014/main" id="{E7D0477C-B92F-4789-B0B6-C21239A3E96C}"/>
+                  </a:ext>
+                </a:extLst>
+              </p14:cNvPr>
+              <p14:cNvContentPartPr/>
+              <p14:nvPr/>
+            </p14:nvContentPartPr>
+            <p14:xfrm>
+              <a:off x="3706489" y="4724179"/>
+              <a:ext cx="181080" cy="25560"/>
+            </p14:xfrm>
+          </p:contentPart>
+        </mc:Choice>
+        <mc:Fallback>
+          <p:pic>
+            <p:nvPicPr>
+              <p:cNvPr id="36" name="Ink 35">
+                <a:extLst>
+                  <a:ext uri="{FF2B5EF4-FFF2-40B4-BE49-F238E27FC236}">
+                    <a16:creationId xmlns:a16="http://schemas.microsoft.com/office/drawing/2014/main" id="{E7D0477C-B92F-4789-B0B6-C21239A3E96C}"/>
+                  </a:ext>
+                </a:extLst>
+              </p:cNvPr>
+              <p:cNvPicPr/>
+              <p:nvPr/>
+            </p:nvPicPr>
+            <p:blipFill>
+              <a:blip r:embed="rId45"/>
+              <a:stretch>
+                <a:fillRect/>
+              </a:stretch>
+            </p:blipFill>
+            <p:spPr>
+              <a:xfrm>
+                <a:off x="3697849" y="4715179"/>
+                <a:ext cx="198720" cy="43200"/>
+              </a:xfrm>
+              <a:prstGeom prst="rect">
+                <a:avLst/>
+              </a:prstGeom>
+            </p:spPr>
+          </p:pic>
+        </mc:Fallback>
+      </mc:AlternateContent>
+      <mc:AlternateContent xmlns:mc="http://schemas.openxmlformats.org/markup-compatibility/2006">
+        <mc:Choice xmlns:p14="http://schemas.microsoft.com/office/powerpoint/2010/main" Requires="p14">
+          <p:contentPart p14:bwMode="auto" r:id="rId46">
+            <p14:nvContentPartPr>
+              <p14:cNvPr id="37" name="Ink 36">
+                <a:extLst>
+                  <a:ext uri="{FF2B5EF4-FFF2-40B4-BE49-F238E27FC236}">
+                    <a16:creationId xmlns:a16="http://schemas.microsoft.com/office/drawing/2014/main" id="{67F363F4-0DE5-4A4A-ACDA-05DEEEE28145}"/>
+                  </a:ext>
+                </a:extLst>
+              </p14:cNvPr>
+              <p14:cNvContentPartPr/>
+              <p14:nvPr/>
+            </p14:nvContentPartPr>
+            <p14:xfrm>
+              <a:off x="3949129" y="4588099"/>
+              <a:ext cx="144360" cy="248400"/>
+            </p14:xfrm>
+          </p:contentPart>
+        </mc:Choice>
+        <mc:Fallback>
+          <p:pic>
+            <p:nvPicPr>
+              <p:cNvPr id="37" name="Ink 36">
+                <a:extLst>
+                  <a:ext uri="{FF2B5EF4-FFF2-40B4-BE49-F238E27FC236}">
+                    <a16:creationId xmlns:a16="http://schemas.microsoft.com/office/drawing/2014/main" id="{67F363F4-0DE5-4A4A-ACDA-05DEEEE28145}"/>
+                  </a:ext>
+                </a:extLst>
+              </p:cNvPr>
+              <p:cNvPicPr/>
+              <p:nvPr/>
+            </p:nvPicPr>
+            <p:blipFill>
+              <a:blip r:embed="rId47"/>
+              <a:stretch>
+                <a:fillRect/>
+              </a:stretch>
+            </p:blipFill>
+            <p:spPr>
+              <a:xfrm>
+                <a:off x="3940489" y="4579459"/>
+                <a:ext cx="162000" cy="266040"/>
+              </a:xfrm>
+              <a:prstGeom prst="rect">
+                <a:avLst/>
+              </a:prstGeom>
+            </p:spPr>
+          </p:pic>
+        </mc:Fallback>
+      </mc:AlternateContent>
+      <mc:AlternateContent xmlns:mc="http://schemas.openxmlformats.org/markup-compatibility/2006">
+        <mc:Choice xmlns:p14="http://schemas.microsoft.com/office/powerpoint/2010/main" Requires="p14">
+          <p:contentPart p14:bwMode="auto" r:id="rId48">
+            <p14:nvContentPartPr>
+              <p14:cNvPr id="38" name="Ink 37">
+                <a:extLst>
+                  <a:ext uri="{FF2B5EF4-FFF2-40B4-BE49-F238E27FC236}">
+                    <a16:creationId xmlns:a16="http://schemas.microsoft.com/office/drawing/2014/main" id="{5944CBD1-CC10-4611-AD25-2BB7B435CC4A}"/>
+                  </a:ext>
+                </a:extLst>
+              </p14:cNvPr>
+              <p14:cNvContentPartPr/>
+              <p14:nvPr/>
+            </p14:nvContentPartPr>
+            <p14:xfrm>
+              <a:off x="4152529" y="4719499"/>
+              <a:ext cx="110520" cy="88560"/>
+            </p14:xfrm>
+          </p:contentPart>
+        </mc:Choice>
+        <mc:Fallback>
+          <p:pic>
+            <p:nvPicPr>
+              <p:cNvPr id="38" name="Ink 37">
+                <a:extLst>
+                  <a:ext uri="{FF2B5EF4-FFF2-40B4-BE49-F238E27FC236}">
+                    <a16:creationId xmlns:a16="http://schemas.microsoft.com/office/drawing/2014/main" id="{5944CBD1-CC10-4611-AD25-2BB7B435CC4A}"/>
+                  </a:ext>
+                </a:extLst>
+              </p:cNvPr>
+              <p:cNvPicPr/>
+              <p:nvPr/>
+            </p:nvPicPr>
+            <p:blipFill>
+              <a:blip r:embed="rId49"/>
+              <a:stretch>
+                <a:fillRect/>
+              </a:stretch>
+            </p:blipFill>
+            <p:spPr>
+              <a:xfrm>
+                <a:off x="4143529" y="4710499"/>
+                <a:ext cx="128160" cy="106200"/>
+              </a:xfrm>
+              <a:prstGeom prst="rect">
+                <a:avLst/>
+              </a:prstGeom>
+            </p:spPr>
+          </p:pic>
+        </mc:Fallback>
+      </mc:AlternateContent>
+      <mc:AlternateContent xmlns:mc="http://schemas.openxmlformats.org/markup-compatibility/2006">
+        <mc:Choice xmlns:p14="http://schemas.microsoft.com/office/powerpoint/2010/main" Requires="p14">
+          <p:contentPart p14:bwMode="auto" r:id="rId50">
+            <p14:nvContentPartPr>
+              <p14:cNvPr id="39" name="Ink 38">
+                <a:extLst>
+                  <a:ext uri="{FF2B5EF4-FFF2-40B4-BE49-F238E27FC236}">
+                    <a16:creationId xmlns:a16="http://schemas.microsoft.com/office/drawing/2014/main" id="{184327DC-1209-4220-B288-E49F09DA8645}"/>
+                  </a:ext>
+                </a:extLst>
+              </p14:cNvPr>
+              <p14:cNvContentPartPr/>
+              <p14:nvPr/>
+            </p14:nvContentPartPr>
+            <p14:xfrm>
+              <a:off x="4312009" y="4688539"/>
+              <a:ext cx="190800" cy="104400"/>
+            </p14:xfrm>
+          </p:contentPart>
+        </mc:Choice>
+        <mc:Fallback>
+          <p:pic>
+            <p:nvPicPr>
+              <p:cNvPr id="39" name="Ink 38">
+                <a:extLst>
+                  <a:ext uri="{FF2B5EF4-FFF2-40B4-BE49-F238E27FC236}">
+                    <a16:creationId xmlns:a16="http://schemas.microsoft.com/office/drawing/2014/main" id="{184327DC-1209-4220-B288-E49F09DA8645}"/>
+                  </a:ext>
+                </a:extLst>
+              </p:cNvPr>
+              <p:cNvPicPr/>
+              <p:nvPr/>
+            </p:nvPicPr>
+            <p:blipFill>
+              <a:blip r:embed="rId51"/>
+              <a:stretch>
+                <a:fillRect/>
+              </a:stretch>
+            </p:blipFill>
+            <p:spPr>
+              <a:xfrm>
+                <a:off x="4303369" y="4679899"/>
+                <a:ext cx="208440" cy="122040"/>
+              </a:xfrm>
+              <a:prstGeom prst="rect">
+                <a:avLst/>
+              </a:prstGeom>
+            </p:spPr>
+          </p:pic>
+        </mc:Fallback>
+      </mc:AlternateContent>
+      <mc:AlternateContent xmlns:mc="http://schemas.openxmlformats.org/markup-compatibility/2006">
+        <mc:Choice xmlns:p14="http://schemas.microsoft.com/office/powerpoint/2010/main" Requires="p14">
+          <p:contentPart p14:bwMode="auto" r:id="rId52">
+            <p14:nvContentPartPr>
+              <p14:cNvPr id="40" name="Ink 39">
+                <a:extLst>
+                  <a:ext uri="{FF2B5EF4-FFF2-40B4-BE49-F238E27FC236}">
+                    <a16:creationId xmlns:a16="http://schemas.microsoft.com/office/drawing/2014/main" id="{FB134A99-5B9A-4793-803A-B6EDCF6B1047}"/>
+                  </a:ext>
+                </a:extLst>
+              </p14:cNvPr>
+              <p14:cNvContentPartPr/>
+              <p14:nvPr/>
+            </p14:nvContentPartPr>
+            <p14:xfrm>
+              <a:off x="3220129" y="4413499"/>
+              <a:ext cx="104040" cy="198360"/>
+            </p14:xfrm>
+          </p:contentPart>
+        </mc:Choice>
+        <mc:Fallback>
+          <p:pic>
+            <p:nvPicPr>
+              <p:cNvPr id="40" name="Ink 39">
+                <a:extLst>
+                  <a:ext uri="{FF2B5EF4-FFF2-40B4-BE49-F238E27FC236}">
+                    <a16:creationId xmlns:a16="http://schemas.microsoft.com/office/drawing/2014/main" id="{FB134A99-5B9A-4793-803A-B6EDCF6B1047}"/>
+                  </a:ext>
+                </a:extLst>
+              </p:cNvPr>
+              <p:cNvPicPr/>
+              <p:nvPr/>
+            </p:nvPicPr>
+            <p:blipFill>
+              <a:blip r:embed="rId53"/>
+              <a:stretch>
+                <a:fillRect/>
+              </a:stretch>
+            </p:blipFill>
+            <p:spPr>
+              <a:xfrm>
+                <a:off x="3211129" y="4404859"/>
+                <a:ext cx="121680" cy="216000"/>
+              </a:xfrm>
+              <a:prstGeom prst="rect">
+                <a:avLst/>
+              </a:prstGeom>
+            </p:spPr>
+          </p:pic>
+        </mc:Fallback>
+      </mc:AlternateContent>
+      <mc:AlternateContent xmlns:mc="http://schemas.openxmlformats.org/markup-compatibility/2006">
+        <mc:Choice xmlns:p14="http://schemas.microsoft.com/office/powerpoint/2010/main" Requires="p14">
+          <p:contentPart p14:bwMode="auto" r:id="rId54">
+            <p14:nvContentPartPr>
+              <p14:cNvPr id="41" name="Ink 40">
+                <a:extLst>
+                  <a:ext uri="{FF2B5EF4-FFF2-40B4-BE49-F238E27FC236}">
+                    <a16:creationId xmlns:a16="http://schemas.microsoft.com/office/drawing/2014/main" id="{49B57559-3B9F-4117-8113-10888BE19459}"/>
+                  </a:ext>
+                </a:extLst>
+              </p14:cNvPr>
+              <p14:cNvContentPartPr/>
+              <p14:nvPr/>
+            </p14:nvContentPartPr>
+            <p14:xfrm>
+              <a:off x="3408409" y="4372819"/>
+              <a:ext cx="25920" cy="125640"/>
+            </p14:xfrm>
+          </p:contentPart>
+        </mc:Choice>
+        <mc:Fallback>
+          <p:pic>
+            <p:nvPicPr>
+              <p:cNvPr id="41" name="Ink 40">
+                <a:extLst>
+                  <a:ext uri="{FF2B5EF4-FFF2-40B4-BE49-F238E27FC236}">
+                    <a16:creationId xmlns:a16="http://schemas.microsoft.com/office/drawing/2014/main" id="{49B57559-3B9F-4117-8113-10888BE19459}"/>
+                  </a:ext>
+                </a:extLst>
+              </p:cNvPr>
+              <p:cNvPicPr/>
+              <p:nvPr/>
+            </p:nvPicPr>
+            <p:blipFill>
+              <a:blip r:embed="rId55"/>
+              <a:stretch>
+                <a:fillRect/>
+              </a:stretch>
+            </p:blipFill>
+            <p:spPr>
+              <a:xfrm>
+                <a:off x="3399769" y="4363819"/>
+                <a:ext cx="43560" cy="143280"/>
+              </a:xfrm>
+              <a:prstGeom prst="rect">
+                <a:avLst/>
+              </a:prstGeom>
+            </p:spPr>
+          </p:pic>
+        </mc:Fallback>
+      </mc:AlternateContent>
+      <mc:AlternateContent xmlns:mc="http://schemas.openxmlformats.org/markup-compatibility/2006">
+        <mc:Choice xmlns:p14="http://schemas.microsoft.com/office/powerpoint/2010/main" Requires="p14">
+          <p:contentPart p14:bwMode="auto" r:id="rId56">
+            <p14:nvContentPartPr>
+              <p14:cNvPr id="42" name="Ink 41">
+                <a:extLst>
+                  <a:ext uri="{FF2B5EF4-FFF2-40B4-BE49-F238E27FC236}">
+                    <a16:creationId xmlns:a16="http://schemas.microsoft.com/office/drawing/2014/main" id="{83CB64A6-A394-44CB-BE3E-60FBF7422B2D}"/>
+                  </a:ext>
+                </a:extLst>
+              </p14:cNvPr>
+              <p14:cNvContentPartPr/>
+              <p14:nvPr/>
+            </p14:nvContentPartPr>
+            <p14:xfrm>
+              <a:off x="3484369" y="4391899"/>
+              <a:ext cx="66240" cy="95760"/>
+            </p14:xfrm>
+          </p:contentPart>
+        </mc:Choice>
+        <mc:Fallback>
+          <p:pic>
+            <p:nvPicPr>
+              <p:cNvPr id="42" name="Ink 41">
+                <a:extLst>
+                  <a:ext uri="{FF2B5EF4-FFF2-40B4-BE49-F238E27FC236}">
+                    <a16:creationId xmlns:a16="http://schemas.microsoft.com/office/drawing/2014/main" id="{83CB64A6-A394-44CB-BE3E-60FBF7422B2D}"/>
+                  </a:ext>
+                </a:extLst>
+              </p:cNvPr>
+              <p:cNvPicPr/>
+              <p:nvPr/>
+            </p:nvPicPr>
+            <p:blipFill>
+              <a:blip r:embed="rId57"/>
+              <a:stretch>
+                <a:fillRect/>
+              </a:stretch>
+            </p:blipFill>
+            <p:spPr>
+              <a:xfrm>
+                <a:off x="3475729" y="4382899"/>
+                <a:ext cx="83880" cy="113400"/>
+              </a:xfrm>
+              <a:prstGeom prst="rect">
+                <a:avLst/>
+              </a:prstGeom>
+            </p:spPr>
+          </p:pic>
+        </mc:Fallback>
+      </mc:AlternateContent>
+      <mc:AlternateContent xmlns:mc="http://schemas.openxmlformats.org/markup-compatibility/2006">
+        <mc:Choice xmlns:p14="http://schemas.microsoft.com/office/powerpoint/2010/main" Requires="p14">
+          <p:contentPart p14:bwMode="auto" r:id="rId58">
+            <p14:nvContentPartPr>
+              <p14:cNvPr id="43" name="Ink 42">
+                <a:extLst>
+                  <a:ext uri="{FF2B5EF4-FFF2-40B4-BE49-F238E27FC236}">
+                    <a16:creationId xmlns:a16="http://schemas.microsoft.com/office/drawing/2014/main" id="{5C4B607A-ECC3-479C-992D-C1A306749A98}"/>
+                  </a:ext>
+                </a:extLst>
+              </p14:cNvPr>
+              <p14:cNvContentPartPr/>
+              <p14:nvPr/>
+            </p14:nvContentPartPr>
+            <p14:xfrm>
+              <a:off x="3678409" y="4175539"/>
+              <a:ext cx="148320" cy="303480"/>
+            </p14:xfrm>
+          </p:contentPart>
+        </mc:Choice>
+        <mc:Fallback>
+          <p:pic>
+            <p:nvPicPr>
+              <p:cNvPr id="43" name="Ink 42">
+                <a:extLst>
+                  <a:ext uri="{FF2B5EF4-FFF2-40B4-BE49-F238E27FC236}">
+                    <a16:creationId xmlns:a16="http://schemas.microsoft.com/office/drawing/2014/main" id="{5C4B607A-ECC3-479C-992D-C1A306749A98}"/>
+                  </a:ext>
+                </a:extLst>
+              </p:cNvPr>
+              <p:cNvPicPr/>
+              <p:nvPr/>
+            </p:nvPicPr>
+            <p:blipFill>
+              <a:blip r:embed="rId59"/>
+              <a:stretch>
+                <a:fillRect/>
+              </a:stretch>
+            </p:blipFill>
+            <p:spPr>
+              <a:xfrm>
+                <a:off x="3669409" y="4166899"/>
+                <a:ext cx="165960" cy="321120"/>
+              </a:xfrm>
+              <a:prstGeom prst="rect">
+                <a:avLst/>
+              </a:prstGeom>
+            </p:spPr>
+          </p:pic>
+        </mc:Fallback>
+      </mc:AlternateContent>
+      <mc:AlternateContent xmlns:mc="http://schemas.openxmlformats.org/markup-compatibility/2006">
+        <mc:Choice xmlns:p14="http://schemas.microsoft.com/office/powerpoint/2010/main" Requires="p14">
+          <p:contentPart p14:bwMode="auto" r:id="rId60">
+            <p14:nvContentPartPr>
+              <p14:cNvPr id="44" name="Ink 43">
+                <a:extLst>
+                  <a:ext uri="{FF2B5EF4-FFF2-40B4-BE49-F238E27FC236}">
+                    <a16:creationId xmlns:a16="http://schemas.microsoft.com/office/drawing/2014/main" id="{C7FC22D1-DD56-4BBF-918E-A933F1E62890}"/>
+                  </a:ext>
+                </a:extLst>
+              </p14:cNvPr>
+              <p14:cNvContentPartPr/>
+              <p14:nvPr/>
+            </p14:nvContentPartPr>
+            <p14:xfrm>
+              <a:off x="3835369" y="4335019"/>
+              <a:ext cx="102960" cy="80280"/>
+            </p14:xfrm>
+          </p:contentPart>
+        </mc:Choice>
+        <mc:Fallback>
+          <p:pic>
+            <p:nvPicPr>
+              <p:cNvPr id="44" name="Ink 43">
+                <a:extLst>
+                  <a:ext uri="{FF2B5EF4-FFF2-40B4-BE49-F238E27FC236}">
+                    <a16:creationId xmlns:a16="http://schemas.microsoft.com/office/drawing/2014/main" id="{C7FC22D1-DD56-4BBF-918E-A933F1E62890}"/>
+                  </a:ext>
+                </a:extLst>
+              </p:cNvPr>
+              <p:cNvPicPr/>
+              <p:nvPr/>
+            </p:nvPicPr>
+            <p:blipFill>
+              <a:blip r:embed="rId61"/>
+              <a:stretch>
+                <a:fillRect/>
+              </a:stretch>
+            </p:blipFill>
+            <p:spPr>
+              <a:xfrm>
+                <a:off x="3826369" y="4326019"/>
+                <a:ext cx="120600" cy="97920"/>
+              </a:xfrm>
+              <a:prstGeom prst="rect">
+                <a:avLst/>
+              </a:prstGeom>
+            </p:spPr>
+          </p:pic>
+        </mc:Fallback>
+      </mc:AlternateContent>
+      <mc:AlternateContent xmlns:mc="http://schemas.openxmlformats.org/markup-compatibility/2006">
+        <mc:Choice xmlns:p14="http://schemas.microsoft.com/office/powerpoint/2010/main" Requires="p14">
+          <p:contentPart p14:bwMode="auto" r:id="rId62">
+            <p14:nvContentPartPr>
+              <p14:cNvPr id="45" name="Ink 44">
+                <a:extLst>
+                  <a:ext uri="{FF2B5EF4-FFF2-40B4-BE49-F238E27FC236}">
+                    <a16:creationId xmlns:a16="http://schemas.microsoft.com/office/drawing/2014/main" id="{958DBAB3-B3A8-44D1-9B6B-818F2A586FF0}"/>
+                  </a:ext>
+                </a:extLst>
+              </p14:cNvPr>
+              <p14:cNvContentPartPr/>
+              <p14:nvPr/>
+            </p14:nvContentPartPr>
+            <p14:xfrm>
+              <a:off x="4007809" y="4263019"/>
+              <a:ext cx="142200" cy="101160"/>
+            </p14:xfrm>
+          </p:contentPart>
+        </mc:Choice>
+        <mc:Fallback>
+          <p:pic>
+            <p:nvPicPr>
+              <p:cNvPr id="45" name="Ink 44">
+                <a:extLst>
+                  <a:ext uri="{FF2B5EF4-FFF2-40B4-BE49-F238E27FC236}">
+                    <a16:creationId xmlns:a16="http://schemas.microsoft.com/office/drawing/2014/main" id="{958DBAB3-B3A8-44D1-9B6B-818F2A586FF0}"/>
+                  </a:ext>
+                </a:extLst>
+              </p:cNvPr>
+              <p:cNvPicPr/>
+              <p:nvPr/>
+            </p:nvPicPr>
+            <p:blipFill>
+              <a:blip r:embed="rId63"/>
+              <a:stretch>
+                <a:fillRect/>
+              </a:stretch>
+            </p:blipFill>
+            <p:spPr>
+              <a:xfrm>
+                <a:off x="3999169" y="4254019"/>
+                <a:ext cx="159840" cy="118800"/>
+              </a:xfrm>
+              <a:prstGeom prst="rect">
+                <a:avLst/>
+              </a:prstGeom>
+            </p:spPr>
+          </p:pic>
+        </mc:Fallback>
+      </mc:AlternateContent>
+      <mc:AlternateContent xmlns:mc="http://schemas.openxmlformats.org/markup-compatibility/2006">
+        <mc:Choice xmlns:p14="http://schemas.microsoft.com/office/powerpoint/2010/main" Requires="p14">
+          <p:contentPart p14:bwMode="auto" r:id="rId64">
+            <p14:nvContentPartPr>
+              <p14:cNvPr id="46" name="Ink 45">
+                <a:extLst>
+                  <a:ext uri="{FF2B5EF4-FFF2-40B4-BE49-F238E27FC236}">
+                    <a16:creationId xmlns:a16="http://schemas.microsoft.com/office/drawing/2014/main" id="{E56CED09-3C33-4628-BBCE-D95E08193CE4}"/>
+                  </a:ext>
+                </a:extLst>
+              </p14:cNvPr>
+              <p14:cNvContentPartPr/>
+              <p14:nvPr/>
+            </p14:nvContentPartPr>
+            <p14:xfrm>
+              <a:off x="3441169" y="4293619"/>
+              <a:ext cx="22680" cy="11160"/>
+            </p14:xfrm>
+          </p:contentPart>
+        </mc:Choice>
+        <mc:Fallback>
+          <p:pic>
+            <p:nvPicPr>
+              <p:cNvPr id="46" name="Ink 45">
+                <a:extLst>
+                  <a:ext uri="{FF2B5EF4-FFF2-40B4-BE49-F238E27FC236}">
+                    <a16:creationId xmlns:a16="http://schemas.microsoft.com/office/drawing/2014/main" id="{E56CED09-3C33-4628-BBCE-D95E08193CE4}"/>
+                  </a:ext>
+                </a:extLst>
+              </p:cNvPr>
+              <p:cNvPicPr/>
+              <p:nvPr/>
+            </p:nvPicPr>
+            <p:blipFill>
+              <a:blip r:embed="rId65"/>
+              <a:stretch>
+                <a:fillRect/>
+              </a:stretch>
+            </p:blipFill>
+            <p:spPr>
+              <a:xfrm>
+                <a:off x="3432169" y="4284979"/>
+                <a:ext cx="40320" cy="28800"/>
+              </a:xfrm>
+              <a:prstGeom prst="rect">
+                <a:avLst/>
+              </a:prstGeom>
+            </p:spPr>
+          </p:pic>
+        </mc:Fallback>
+      </mc:AlternateContent>
+      <mc:AlternateContent xmlns:mc="http://schemas.openxmlformats.org/markup-compatibility/2006">
+        <mc:Choice xmlns:p14="http://schemas.microsoft.com/office/powerpoint/2010/main" Requires="p14">
+          <p:contentPart p14:bwMode="auto" r:id="rId66">
+            <p14:nvContentPartPr>
+              <p14:cNvPr id="47" name="Ink 46">
+                <a:extLst>
+                  <a:ext uri="{FF2B5EF4-FFF2-40B4-BE49-F238E27FC236}">
+                    <a16:creationId xmlns:a16="http://schemas.microsoft.com/office/drawing/2014/main" id="{CEC0F9CC-DCEB-4F3D-AD43-2F32C792AD95}"/>
+                  </a:ext>
+                </a:extLst>
+              </p14:cNvPr>
+              <p14:cNvContentPartPr/>
+              <p14:nvPr/>
+            </p14:nvContentPartPr>
+            <p14:xfrm>
+              <a:off x="4382929" y="4058179"/>
+              <a:ext cx="288000" cy="280080"/>
+            </p14:xfrm>
+          </p:contentPart>
+        </mc:Choice>
+        <mc:Fallback>
+          <p:pic>
+            <p:nvPicPr>
+              <p:cNvPr id="47" name="Ink 46">
+                <a:extLst>
+                  <a:ext uri="{FF2B5EF4-FFF2-40B4-BE49-F238E27FC236}">
+                    <a16:creationId xmlns:a16="http://schemas.microsoft.com/office/drawing/2014/main" id="{CEC0F9CC-DCEB-4F3D-AD43-2F32C792AD95}"/>
+                  </a:ext>
+                </a:extLst>
+              </p:cNvPr>
+              <p:cNvPicPr/>
+              <p:nvPr/>
+            </p:nvPicPr>
+            <p:blipFill>
+              <a:blip r:embed="rId67"/>
+              <a:stretch>
+                <a:fillRect/>
+              </a:stretch>
+            </p:blipFill>
+            <p:spPr>
+              <a:xfrm>
+                <a:off x="4373929" y="4049179"/>
+                <a:ext cx="305640" cy="297720"/>
+              </a:xfrm>
+              <a:prstGeom prst="rect">
+                <a:avLst/>
+              </a:prstGeom>
+            </p:spPr>
+          </p:pic>
+        </mc:Fallback>
+      </mc:AlternateContent>
+      <mc:AlternateContent xmlns:mc="http://schemas.openxmlformats.org/markup-compatibility/2006">
+        <mc:Choice xmlns:p14="http://schemas.microsoft.com/office/powerpoint/2010/main" Requires="p14">
+          <p:contentPart p14:bwMode="auto" r:id="rId68">
+            <p14:nvContentPartPr>
+              <p14:cNvPr id="48" name="Ink 47">
+                <a:extLst>
+                  <a:ext uri="{FF2B5EF4-FFF2-40B4-BE49-F238E27FC236}">
+                    <a16:creationId xmlns:a16="http://schemas.microsoft.com/office/drawing/2014/main" id="{E8C87C59-EB6E-4C7D-AD61-02252B356872}"/>
+                  </a:ext>
+                </a:extLst>
+              </p14:cNvPr>
+              <p14:cNvContentPartPr/>
+              <p14:nvPr/>
+            </p14:nvContentPartPr>
+            <p14:xfrm>
+              <a:off x="4780729" y="4125139"/>
+              <a:ext cx="160200" cy="127080"/>
+            </p14:xfrm>
+          </p:contentPart>
+        </mc:Choice>
+        <mc:Fallback>
+          <p:pic>
+            <p:nvPicPr>
+              <p:cNvPr id="48" name="Ink 47">
+                <a:extLst>
+                  <a:ext uri="{FF2B5EF4-FFF2-40B4-BE49-F238E27FC236}">
+                    <a16:creationId xmlns:a16="http://schemas.microsoft.com/office/drawing/2014/main" id="{E8C87C59-EB6E-4C7D-AD61-02252B356872}"/>
+                  </a:ext>
+                </a:extLst>
+              </p:cNvPr>
+              <p:cNvPicPr/>
+              <p:nvPr/>
+            </p:nvPicPr>
+            <p:blipFill>
+              <a:blip r:embed="rId69"/>
+              <a:stretch>
+                <a:fillRect/>
+              </a:stretch>
+            </p:blipFill>
+            <p:spPr>
+              <a:xfrm>
+                <a:off x="4772089" y="4116499"/>
+                <a:ext cx="177840" cy="144720"/>
+              </a:xfrm>
+              <a:prstGeom prst="rect">
+                <a:avLst/>
+              </a:prstGeom>
+            </p:spPr>
+          </p:pic>
+        </mc:Fallback>
+      </mc:AlternateContent>
+      <mc:AlternateContent xmlns:mc="http://schemas.openxmlformats.org/markup-compatibility/2006">
+        <mc:Choice xmlns:p14="http://schemas.microsoft.com/office/powerpoint/2010/main" Requires="p14">
+          <p:contentPart p14:bwMode="auto" r:id="rId70">
+            <p14:nvContentPartPr>
+              <p14:cNvPr id="49" name="Ink 48">
+                <a:extLst>
+                  <a:ext uri="{FF2B5EF4-FFF2-40B4-BE49-F238E27FC236}">
+                    <a16:creationId xmlns:a16="http://schemas.microsoft.com/office/drawing/2014/main" id="{C7642F59-E8CE-4914-A59B-7989E634DE70}"/>
+                  </a:ext>
+                </a:extLst>
+              </p14:cNvPr>
+              <p14:cNvContentPartPr/>
+              <p14:nvPr/>
+            </p14:nvContentPartPr>
+            <p14:xfrm>
+              <a:off x="4958209" y="4106779"/>
+              <a:ext cx="307800" cy="122760"/>
+            </p14:xfrm>
+          </p:contentPart>
+        </mc:Choice>
+        <mc:Fallback>
+          <p:pic>
+            <p:nvPicPr>
+              <p:cNvPr id="49" name="Ink 48">
+                <a:extLst>
+                  <a:ext uri="{FF2B5EF4-FFF2-40B4-BE49-F238E27FC236}">
+                    <a16:creationId xmlns:a16="http://schemas.microsoft.com/office/drawing/2014/main" id="{C7642F59-E8CE-4914-A59B-7989E634DE70}"/>
+                  </a:ext>
+                </a:extLst>
+              </p:cNvPr>
+              <p:cNvPicPr/>
+              <p:nvPr/>
+            </p:nvPicPr>
+            <p:blipFill>
+              <a:blip r:embed="rId71"/>
+              <a:stretch>
+                <a:fillRect/>
+              </a:stretch>
+            </p:blipFill>
+            <p:spPr>
+              <a:xfrm>
+                <a:off x="4949209" y="4097779"/>
+                <a:ext cx="325440" cy="140400"/>
+              </a:xfrm>
+              <a:prstGeom prst="rect">
+                <a:avLst/>
+              </a:prstGeom>
+            </p:spPr>
+          </p:pic>
+        </mc:Fallback>
+      </mc:AlternateContent>
+      <p:grpSp>
+        <p:nvGrpSpPr>
+          <p:cNvPr id="52" name="Group 51">
+            <a:extLst>
+              <a:ext uri="{FF2B5EF4-FFF2-40B4-BE49-F238E27FC236}">
+                <a16:creationId xmlns:a16="http://schemas.microsoft.com/office/drawing/2014/main" id="{55885944-3742-42F2-A9C9-5F9E6292D6CE}"/>
+              </a:ext>
+            </a:extLst>
+          </p:cNvPr>
+          <p:cNvGrpSpPr/>
+          <p:nvPr/>
+        </p:nvGrpSpPr>
+        <p:grpSpPr>
+          <a:xfrm>
+            <a:off x="1504369" y="4694659"/>
+            <a:ext cx="717840" cy="326160"/>
+            <a:chOff x="1504369" y="4694659"/>
+            <a:chExt cx="717840" cy="326160"/>
+          </a:xfrm>
+        </p:grpSpPr>
+        <mc:AlternateContent xmlns:mc="http://schemas.openxmlformats.org/markup-compatibility/2006">
+          <mc:Choice xmlns:p14="http://schemas.microsoft.com/office/powerpoint/2010/main" Requires="p14">
+            <p:contentPart p14:bwMode="auto" r:id="rId72">
+              <p14:nvContentPartPr>
+                <p14:cNvPr id="20" name="Ink 19">
+                  <a:extLst>
+                    <a:ext uri="{FF2B5EF4-FFF2-40B4-BE49-F238E27FC236}">
+                      <a16:creationId xmlns:a16="http://schemas.microsoft.com/office/drawing/2014/main" id="{87B0DA01-27E2-4FDC-B4B3-1E563ACAF100}"/>
+                    </a:ext>
+                  </a:extLst>
+                </p14:cNvPr>
+                <p14:cNvContentPartPr/>
+                <p14:nvPr/>
+              </p14:nvContentPartPr>
+              <p14:xfrm>
+                <a:off x="1561249" y="4746859"/>
+                <a:ext cx="80640" cy="164520"/>
+              </p14:xfrm>
+            </p:contentPart>
+          </mc:Choice>
+          <mc:Fallback>
+            <p:pic>
+              <p:nvPicPr>
+                <p:cNvPr id="20" name="Ink 19">
+                  <a:extLst>
+                    <a:ext uri="{FF2B5EF4-FFF2-40B4-BE49-F238E27FC236}">
+                      <a16:creationId xmlns:a16="http://schemas.microsoft.com/office/drawing/2014/main" id="{87B0DA01-27E2-4FDC-B4B3-1E563ACAF100}"/>
+                    </a:ext>
+                  </a:extLst>
+                </p:cNvPr>
+                <p:cNvPicPr/>
+                <p:nvPr/>
+              </p:nvPicPr>
+              <p:blipFill>
+                <a:blip r:embed="rId73"/>
+                <a:stretch>
+                  <a:fillRect/>
+                </a:stretch>
+              </p:blipFill>
+              <p:spPr>
+                <a:xfrm>
+                  <a:off x="1552249" y="4738219"/>
+                  <a:ext cx="98280" cy="182160"/>
+                </a:xfrm>
+                <a:prstGeom prst="rect">
+                  <a:avLst/>
+                </a:prstGeom>
+              </p:spPr>
+            </p:pic>
+          </mc:Fallback>
+        </mc:AlternateContent>
+        <mc:AlternateContent xmlns:mc="http://schemas.openxmlformats.org/markup-compatibility/2006">
+          <mc:Choice xmlns:p14="http://schemas.microsoft.com/office/powerpoint/2010/main" Requires="p14">
+            <p:contentPart p14:bwMode="auto" r:id="rId74">
+              <p14:nvContentPartPr>
+                <p14:cNvPr id="21" name="Ink 20">
+                  <a:extLst>
+                    <a:ext uri="{FF2B5EF4-FFF2-40B4-BE49-F238E27FC236}">
+                      <a16:creationId xmlns:a16="http://schemas.microsoft.com/office/drawing/2014/main" id="{72E5076C-5C8C-4DBD-9314-EC0E496CB3F1}"/>
+                    </a:ext>
+                  </a:extLst>
+                </p14:cNvPr>
+                <p14:cNvContentPartPr/>
+                <p14:nvPr/>
+              </p14:nvContentPartPr>
+              <p14:xfrm>
+                <a:off x="1706689" y="4698259"/>
+                <a:ext cx="41400" cy="218520"/>
+              </p14:xfrm>
+            </p:contentPart>
+          </mc:Choice>
+          <mc:Fallback>
+            <p:pic>
+              <p:nvPicPr>
+                <p:cNvPr id="21" name="Ink 20">
+                  <a:extLst>
+                    <a:ext uri="{FF2B5EF4-FFF2-40B4-BE49-F238E27FC236}">
+                      <a16:creationId xmlns:a16="http://schemas.microsoft.com/office/drawing/2014/main" id="{72E5076C-5C8C-4DBD-9314-EC0E496CB3F1}"/>
+                    </a:ext>
+                  </a:extLst>
+                </p:cNvPr>
+                <p:cNvPicPr/>
+                <p:nvPr/>
+              </p:nvPicPr>
+              <p:blipFill>
+                <a:blip r:embed="rId75"/>
+                <a:stretch>
+                  <a:fillRect/>
+                </a:stretch>
+              </p:blipFill>
+              <p:spPr>
+                <a:xfrm>
+                  <a:off x="1697689" y="4689619"/>
+                  <a:ext cx="59040" cy="236160"/>
+                </a:xfrm>
+                <a:prstGeom prst="rect">
+                  <a:avLst/>
+                </a:prstGeom>
+              </p:spPr>
+            </p:pic>
+          </mc:Fallback>
+        </mc:AlternateContent>
+        <mc:AlternateContent xmlns:mc="http://schemas.openxmlformats.org/markup-compatibility/2006">
+          <mc:Choice xmlns:p14="http://schemas.microsoft.com/office/powerpoint/2010/main" Requires="p14">
+            <p:contentPart p14:bwMode="auto" r:id="rId76">
+              <p14:nvContentPartPr>
+                <p14:cNvPr id="22" name="Ink 21">
+                  <a:extLst>
+                    <a:ext uri="{FF2B5EF4-FFF2-40B4-BE49-F238E27FC236}">
+                      <a16:creationId xmlns:a16="http://schemas.microsoft.com/office/drawing/2014/main" id="{E447CC15-8E51-47FC-9EE9-81ADFF56C99B}"/>
+                    </a:ext>
+                  </a:extLst>
+                </p14:cNvPr>
+                <p14:cNvContentPartPr/>
+                <p14:nvPr/>
+              </p14:nvContentPartPr>
+              <p14:xfrm>
+                <a:off x="1798849" y="4694659"/>
+                <a:ext cx="239400" cy="187560"/>
+              </p14:xfrm>
+            </p:contentPart>
+          </mc:Choice>
+          <mc:Fallback>
+            <p:pic>
+              <p:nvPicPr>
+                <p:cNvPr id="22" name="Ink 21">
+                  <a:extLst>
+                    <a:ext uri="{FF2B5EF4-FFF2-40B4-BE49-F238E27FC236}">
+                      <a16:creationId xmlns:a16="http://schemas.microsoft.com/office/drawing/2014/main" id="{E447CC15-8E51-47FC-9EE9-81ADFF56C99B}"/>
+                    </a:ext>
+                  </a:extLst>
+                </p:cNvPr>
+                <p:cNvPicPr/>
+                <p:nvPr/>
+              </p:nvPicPr>
+              <p:blipFill>
+                <a:blip r:embed="rId77"/>
+                <a:stretch>
+                  <a:fillRect/>
+                </a:stretch>
+              </p:blipFill>
+              <p:spPr>
+                <a:xfrm>
+                  <a:off x="1790209" y="4685659"/>
+                  <a:ext cx="257040" cy="205200"/>
+                </a:xfrm>
+                <a:prstGeom prst="rect">
+                  <a:avLst/>
+                </a:prstGeom>
+              </p:spPr>
+            </p:pic>
+          </mc:Fallback>
+        </mc:AlternateContent>
+        <mc:AlternateContent xmlns:mc="http://schemas.openxmlformats.org/markup-compatibility/2006">
+          <mc:Choice xmlns:p14="http://schemas.microsoft.com/office/powerpoint/2010/main" Requires="p14">
+            <p:contentPart p14:bwMode="auto" r:id="rId78">
+              <p14:nvContentPartPr>
+                <p14:cNvPr id="23" name="Ink 22">
+                  <a:extLst>
+                    <a:ext uri="{FF2B5EF4-FFF2-40B4-BE49-F238E27FC236}">
+                      <a16:creationId xmlns:a16="http://schemas.microsoft.com/office/drawing/2014/main" id="{4DED3B5F-6C6C-4578-905D-64FD57F52A82}"/>
+                    </a:ext>
+                  </a:extLst>
+                </p14:cNvPr>
+                <p14:cNvContentPartPr/>
+                <p14:nvPr/>
+              </p14:nvContentPartPr>
+              <p14:xfrm>
+                <a:off x="2065969" y="4746859"/>
+                <a:ext cx="73440" cy="116280"/>
+              </p14:xfrm>
+            </p:contentPart>
+          </mc:Choice>
+          <mc:Fallback>
+            <p:pic>
+              <p:nvPicPr>
+                <p:cNvPr id="23" name="Ink 22">
+                  <a:extLst>
+                    <a:ext uri="{FF2B5EF4-FFF2-40B4-BE49-F238E27FC236}">
+                      <a16:creationId xmlns:a16="http://schemas.microsoft.com/office/drawing/2014/main" id="{4DED3B5F-6C6C-4578-905D-64FD57F52A82}"/>
+                    </a:ext>
+                  </a:extLst>
+                </p:cNvPr>
+                <p:cNvPicPr/>
+                <p:nvPr/>
+              </p:nvPicPr>
+              <p:blipFill>
+                <a:blip r:embed="rId79"/>
+                <a:stretch>
+                  <a:fillRect/>
+                </a:stretch>
+              </p:blipFill>
+              <p:spPr>
+                <a:xfrm>
+                  <a:off x="2057329" y="4738219"/>
+                  <a:ext cx="91080" cy="133920"/>
+                </a:xfrm>
+                <a:prstGeom prst="rect">
+                  <a:avLst/>
+                </a:prstGeom>
+              </p:spPr>
+            </p:pic>
+          </mc:Fallback>
+        </mc:AlternateContent>
+        <mc:AlternateContent xmlns:mc="http://schemas.openxmlformats.org/markup-compatibility/2006">
+          <mc:Choice xmlns:p14="http://schemas.microsoft.com/office/powerpoint/2010/main" Requires="p14">
+            <p:contentPart p14:bwMode="auto" r:id="rId80">
+              <p14:nvContentPartPr>
+                <p14:cNvPr id="51" name="Ink 50">
+                  <a:extLst>
+                    <a:ext uri="{FF2B5EF4-FFF2-40B4-BE49-F238E27FC236}">
+                      <a16:creationId xmlns:a16="http://schemas.microsoft.com/office/drawing/2014/main" id="{7274029F-4313-4C68-B80A-A754353557EC}"/>
+                    </a:ext>
+                  </a:extLst>
+                </p14:cNvPr>
+                <p14:cNvContentPartPr/>
+                <p14:nvPr/>
+              </p14:nvContentPartPr>
+              <p14:xfrm>
+                <a:off x="1504369" y="4961419"/>
+                <a:ext cx="717840" cy="59400"/>
+              </p14:xfrm>
+            </p:contentPart>
+          </mc:Choice>
+          <mc:Fallback>
+            <p:pic>
+              <p:nvPicPr>
+                <p:cNvPr id="51" name="Ink 50">
+                  <a:extLst>
+                    <a:ext uri="{FF2B5EF4-FFF2-40B4-BE49-F238E27FC236}">
+                      <a16:creationId xmlns:a16="http://schemas.microsoft.com/office/drawing/2014/main" id="{7274029F-4313-4C68-B80A-A754353557EC}"/>
+                    </a:ext>
+                  </a:extLst>
+                </p:cNvPr>
+                <p:cNvPicPr/>
+                <p:nvPr/>
+              </p:nvPicPr>
+              <p:blipFill>
+                <a:blip r:embed="rId81"/>
+                <a:stretch>
+                  <a:fillRect/>
+                </a:stretch>
+              </p:blipFill>
+              <p:spPr>
+                <a:xfrm>
+                  <a:off x="1495369" y="4952419"/>
+                  <a:ext cx="735480" cy="77040"/>
+                </a:xfrm>
+                <a:prstGeom prst="rect">
+                  <a:avLst/>
+                </a:prstGeom>
+              </p:spPr>
+            </p:pic>
+          </mc:Fallback>
+        </mc:AlternateContent>
+      </p:grpSp>
     </p:spTree>
     <p:extLst>
       <p:ext uri="{BB962C8B-B14F-4D97-AF65-F5344CB8AC3E}">
